--- a/Session 19 - Continued Fractions/Session 19 - Continued Fractions.pptx
+++ b/Session 19 - Continued Fractions/Session 19 - Continued Fractions.pptx
@@ -5,10 +5,10 @@
     <p:sldMasterId id="2147483660" r:id="rId1"/>
   </p:sldMasterIdLst>
   <p:notesMasterIdLst>
-    <p:notesMasterId r:id="rId41"/>
+    <p:notesMasterId r:id="rId42"/>
   </p:notesMasterIdLst>
   <p:handoutMasterIdLst>
-    <p:handoutMasterId r:id="rId42"/>
+    <p:handoutMasterId r:id="rId43"/>
   </p:handoutMasterIdLst>
   <p:sldIdLst>
     <p:sldId id="1019" r:id="rId2"/>
@@ -39,17 +39,18 @@
     <p:sldId id="423" r:id="rId27"/>
     <p:sldId id="424" r:id="rId28"/>
     <p:sldId id="425" r:id="rId29"/>
-    <p:sldId id="1034" r:id="rId30"/>
-    <p:sldId id="427" r:id="rId31"/>
-    <p:sldId id="1035" r:id="rId32"/>
-    <p:sldId id="1024" r:id="rId33"/>
-    <p:sldId id="1025" r:id="rId34"/>
-    <p:sldId id="431" r:id="rId35"/>
-    <p:sldId id="464" r:id="rId36"/>
-    <p:sldId id="1026" r:id="rId37"/>
-    <p:sldId id="452" r:id="rId38"/>
-    <p:sldId id="432" r:id="rId39"/>
-    <p:sldId id="1008" r:id="rId40"/>
+    <p:sldId id="989" r:id="rId30"/>
+    <p:sldId id="1034" r:id="rId31"/>
+    <p:sldId id="427" r:id="rId32"/>
+    <p:sldId id="1035" r:id="rId33"/>
+    <p:sldId id="1024" r:id="rId34"/>
+    <p:sldId id="1025" r:id="rId35"/>
+    <p:sldId id="431" r:id="rId36"/>
+    <p:sldId id="464" r:id="rId37"/>
+    <p:sldId id="1026" r:id="rId38"/>
+    <p:sldId id="452" r:id="rId39"/>
+    <p:sldId id="432" r:id="rId40"/>
+    <p:sldId id="1008" r:id="rId41"/>
   </p:sldIdLst>
   <p:sldSz cx="9144000" cy="6858000" type="screen4x3"/>
   <p:notesSz cx="7077075" cy="9363075"/>
@@ -297,7 +298,7 @@
           <a:p>
             <a:fld id="{A241AC98-512A-4A35-865E-757B6C1F07A2}" type="datetimeFigureOut">
               <a:rPr lang="en-US" smtClean="0"/>
-              <a:t>7/25/2023</a:t>
+              <a:t>12/8/2023</a:t>
             </a:fld>
             <a:endParaRPr lang="en-US"/>
           </a:p>
@@ -463,7 +464,7 @@
           <a:p>
             <a:fld id="{3854CEE7-15DE-41D9-8CA2-D1E137B1D850}" type="datetimeFigureOut">
               <a:rPr lang="en-US" smtClean="0"/>
-              <a:t>7/25/2023</a:t>
+              <a:t>12/8/2023</a:t>
             </a:fld>
             <a:endParaRPr lang="en-US"/>
           </a:p>
@@ -889,7 +890,7 @@
     </p:spTree>
     <p:extLst>
       <p:ext uri="{BB962C8B-B14F-4D97-AF65-F5344CB8AC3E}">
-        <p14:creationId xmlns:p14="http://schemas.microsoft.com/office/powerpoint/2010/main" val="325575780"/>
+        <p14:creationId xmlns:p14="http://schemas.microsoft.com/office/powerpoint/2010/main" val="2864712836"/>
       </p:ext>
     </p:extLst>
   </p:cSld>
@@ -973,7 +974,7 @@
     </p:spTree>
     <p:extLst>
       <p:ext uri="{BB962C8B-B14F-4D97-AF65-F5344CB8AC3E}">
-        <p14:creationId xmlns:p14="http://schemas.microsoft.com/office/powerpoint/2010/main" val="298914517"/>
+        <p14:creationId xmlns:p14="http://schemas.microsoft.com/office/powerpoint/2010/main" val="325575780"/>
       </p:ext>
     </p:extLst>
   </p:cSld>
@@ -1057,7 +1058,7 @@
     </p:spTree>
     <p:extLst>
       <p:ext uri="{BB962C8B-B14F-4D97-AF65-F5344CB8AC3E}">
-        <p14:creationId xmlns:p14="http://schemas.microsoft.com/office/powerpoint/2010/main" val="3033034459"/>
+        <p14:creationId xmlns:p14="http://schemas.microsoft.com/office/powerpoint/2010/main" val="298914517"/>
       </p:ext>
     </p:extLst>
   </p:cSld>
@@ -1141,7 +1142,7 @@
     </p:spTree>
     <p:extLst>
       <p:ext uri="{BB962C8B-B14F-4D97-AF65-F5344CB8AC3E}">
-        <p14:creationId xmlns:p14="http://schemas.microsoft.com/office/powerpoint/2010/main" val="3588777"/>
+        <p14:creationId xmlns:p14="http://schemas.microsoft.com/office/powerpoint/2010/main" val="3033034459"/>
       </p:ext>
     </p:extLst>
   </p:cSld>
@@ -1225,7 +1226,7 @@
     </p:spTree>
     <p:extLst>
       <p:ext uri="{BB962C8B-B14F-4D97-AF65-F5344CB8AC3E}">
-        <p14:creationId xmlns:p14="http://schemas.microsoft.com/office/powerpoint/2010/main" val="3005420458"/>
+        <p14:creationId xmlns:p14="http://schemas.microsoft.com/office/powerpoint/2010/main" val="3588777"/>
       </p:ext>
     </p:extLst>
   </p:cSld>
@@ -1309,7 +1310,7 @@
     </p:spTree>
     <p:extLst>
       <p:ext uri="{BB962C8B-B14F-4D97-AF65-F5344CB8AC3E}">
-        <p14:creationId xmlns:p14="http://schemas.microsoft.com/office/powerpoint/2010/main" val="2714881859"/>
+        <p14:creationId xmlns:p14="http://schemas.microsoft.com/office/powerpoint/2010/main" val="3005420458"/>
       </p:ext>
     </p:extLst>
   </p:cSld>
@@ -1393,7 +1394,7 @@
     </p:spTree>
     <p:extLst>
       <p:ext uri="{BB962C8B-B14F-4D97-AF65-F5344CB8AC3E}">
-        <p14:creationId xmlns:p14="http://schemas.microsoft.com/office/powerpoint/2010/main" val="3819888821"/>
+        <p14:creationId xmlns:p14="http://schemas.microsoft.com/office/powerpoint/2010/main" val="2714881859"/>
       </p:ext>
     </p:extLst>
   </p:cSld>
@@ -1477,7 +1478,7 @@
     </p:spTree>
     <p:extLst>
       <p:ext uri="{BB962C8B-B14F-4D97-AF65-F5344CB8AC3E}">
-        <p14:creationId xmlns:p14="http://schemas.microsoft.com/office/powerpoint/2010/main" val="3600826304"/>
+        <p14:creationId xmlns:p14="http://schemas.microsoft.com/office/powerpoint/2010/main" val="3819888821"/>
       </p:ext>
     </p:extLst>
   </p:cSld>
@@ -1553,6 +1554,90 @@
             <a:fld id="{76317BBA-0BC6-419B-B826-088209688372}" type="slidenum">
               <a:rPr lang="en-US" smtClean="0"/>
               <a:t>38</a:t>
+            </a:fld>
+            <a:endParaRPr lang="en-US"/>
+          </a:p>
+        </p:txBody>
+      </p:sp>
+    </p:spTree>
+    <p:extLst>
+      <p:ext uri="{BB962C8B-B14F-4D97-AF65-F5344CB8AC3E}">
+        <p14:creationId xmlns:p14="http://schemas.microsoft.com/office/powerpoint/2010/main" val="3600826304"/>
+      </p:ext>
+    </p:extLst>
+  </p:cSld>
+  <p:clrMapOvr>
+    <a:masterClrMapping/>
+  </p:clrMapOvr>
+</p:notes>
+</file>
+
+<file path=ppt/notesSlides/notesSlide19.xml><?xml version="1.0" encoding="utf-8"?>
+<p:notes xmlns:a="http://schemas.openxmlformats.org/drawingml/2006/main" xmlns:r="http://schemas.openxmlformats.org/officeDocument/2006/relationships" xmlns:p="http://schemas.openxmlformats.org/presentationml/2006/main">
+  <p:cSld>
+    <p:spTree>
+      <p:nvGrpSpPr>
+        <p:cNvPr id="1" name=""/>
+        <p:cNvGrpSpPr/>
+        <p:nvPr/>
+      </p:nvGrpSpPr>
+      <p:grpSpPr>
+        <a:xfrm>
+          <a:off x="0" y="0"/>
+          <a:ext cx="0" cy="0"/>
+          <a:chOff x="0" y="0"/>
+          <a:chExt cx="0" cy="0"/>
+        </a:xfrm>
+      </p:grpSpPr>
+      <p:sp>
+        <p:nvSpPr>
+          <p:cNvPr id="2" name="Slide Image Placeholder 1"/>
+          <p:cNvSpPr>
+            <a:spLocks noGrp="1" noRot="1" noChangeAspect="1"/>
+          </p:cNvSpPr>
+          <p:nvPr>
+            <p:ph type="sldImg"/>
+          </p:nvPr>
+        </p:nvSpPr>
+        <p:spPr/>
+      </p:sp>
+      <p:sp>
+        <p:nvSpPr>
+          <p:cNvPr id="3" name="Notes Placeholder 2"/>
+          <p:cNvSpPr>
+            <a:spLocks noGrp="1"/>
+          </p:cNvSpPr>
+          <p:nvPr>
+            <p:ph type="body" idx="1"/>
+          </p:nvPr>
+        </p:nvSpPr>
+        <p:spPr/>
+        <p:txBody>
+          <a:bodyPr/>
+          <a:lstStyle/>
+          <a:p>
+            <a:endParaRPr lang="en-US"/>
+          </a:p>
+        </p:txBody>
+      </p:sp>
+      <p:sp>
+        <p:nvSpPr>
+          <p:cNvPr id="4" name="Slide Number Placeholder 3"/>
+          <p:cNvSpPr>
+            <a:spLocks noGrp="1"/>
+          </p:cNvSpPr>
+          <p:nvPr>
+            <p:ph type="sldNum" sz="quarter" idx="10"/>
+          </p:nvPr>
+        </p:nvSpPr>
+        <p:spPr/>
+        <p:txBody>
+          <a:bodyPr/>
+          <a:lstStyle/>
+          <a:p>
+            <a:fld id="{76317BBA-0BC6-419B-B826-088209688372}" type="slidenum">
+              <a:rPr lang="en-US" smtClean="0"/>
+              <a:t>39</a:t>
             </a:fld>
             <a:endParaRPr lang="en-US"/>
           </a:p>
@@ -2233,7 +2318,7 @@
     </p:spTree>
     <p:extLst>
       <p:ext uri="{BB962C8B-B14F-4D97-AF65-F5344CB8AC3E}">
-        <p14:creationId xmlns:p14="http://schemas.microsoft.com/office/powerpoint/2010/main" val="2864712836"/>
+        <p14:creationId xmlns:p14="http://schemas.microsoft.com/office/powerpoint/2010/main" val="3540200875"/>
       </p:ext>
     </p:extLst>
   </p:cSld>
@@ -2374,7 +2459,7 @@
           <a:p>
             <a:fld id="{5555EB2C-244D-4423-AD97-018ED6478B87}" type="datetime1">
               <a:rPr lang="en-US" smtClean="0"/>
-              <a:t>7/25/2023</a:t>
+              <a:t>12/8/2023</a:t>
             </a:fld>
             <a:endParaRPr lang="en-US"/>
           </a:p>
@@ -2553,7 +2638,7 @@
           <a:p>
             <a:fld id="{A2B41D1F-7576-4C60-B4EB-5115BC56CF40}" type="datetime1">
               <a:rPr lang="en-US" smtClean="0"/>
-              <a:t>7/25/2023</a:t>
+              <a:t>12/8/2023</a:t>
             </a:fld>
             <a:endParaRPr lang="en-US"/>
           </a:p>
@@ -2745,7 +2830,7 @@
           <a:p>
             <a:fld id="{E79D1398-4D56-44F9-BA35-34ACF3159A64}" type="datetime1">
               <a:rPr lang="en-US" smtClean="0"/>
-              <a:t>7/25/2023</a:t>
+              <a:t>12/8/2023</a:t>
             </a:fld>
             <a:endParaRPr lang="en-US"/>
           </a:p>
@@ -2927,7 +3012,7 @@
           <a:p>
             <a:fld id="{A3CF632E-48CB-4EEB-A6B6-DEC7AD7CC976}" type="datetime1">
               <a:rPr lang="en-US" smtClean="0"/>
-              <a:t>7/25/2023</a:t>
+              <a:t>12/8/2023</a:t>
             </a:fld>
             <a:endParaRPr lang="en-US"/>
           </a:p>
@@ -3180,7 +3265,7 @@
           <a:p>
             <a:fld id="{BAEEE52C-3A57-458E-95F6-96B2FA9D1DD4}" type="datetime1">
               <a:rPr lang="en-US" smtClean="0"/>
-              <a:t>7/25/2023</a:t>
+              <a:t>12/8/2023</a:t>
             </a:fld>
             <a:endParaRPr lang="en-US"/>
           </a:p>
@@ -3424,7 +3509,7 @@
           <a:p>
             <a:fld id="{766FC747-A48A-4FF2-8EE4-3E95ECD1C2A8}" type="datetime1">
               <a:rPr lang="en-US" smtClean="0"/>
-              <a:t>7/25/2023</a:t>
+              <a:t>12/8/2023</a:t>
             </a:fld>
             <a:endParaRPr lang="en-US"/>
           </a:p>
@@ -3803,7 +3888,7 @@
           <a:p>
             <a:fld id="{C9BF5758-AB7F-463D-B638-E1729B95E126}" type="datetime1">
               <a:rPr lang="en-US" smtClean="0"/>
-              <a:t>7/25/2023</a:t>
+              <a:t>12/8/2023</a:t>
             </a:fld>
             <a:endParaRPr lang="en-US"/>
           </a:p>
@@ -3933,7 +4018,7 @@
           <a:p>
             <a:fld id="{F3718C77-7DD0-4738-BF52-D0EC9F78A76E}" type="datetime1">
               <a:rPr lang="en-US" smtClean="0"/>
-              <a:t>7/25/2023</a:t>
+              <a:t>12/8/2023</a:t>
             </a:fld>
             <a:endParaRPr lang="en-US"/>
           </a:p>
@@ -4040,7 +4125,7 @@
           <a:p>
             <a:fld id="{948970CF-13D9-4E1D-A74F-2CFE4953FCDB}" type="datetime1">
               <a:rPr lang="en-US" smtClean="0"/>
-              <a:t>7/25/2023</a:t>
+              <a:t>12/8/2023</a:t>
             </a:fld>
             <a:endParaRPr lang="en-US"/>
           </a:p>
@@ -4329,7 +4414,7 @@
           <a:p>
             <a:fld id="{F68C49B9-4E1C-4967-B9CF-0BF9FECBE837}" type="datetime1">
               <a:rPr lang="en-US" smtClean="0"/>
-              <a:t>7/25/2023</a:t>
+              <a:t>12/8/2023</a:t>
             </a:fld>
             <a:endParaRPr lang="en-US"/>
           </a:p>
@@ -4597,7 +4682,7 @@
           <a:p>
             <a:fld id="{7E338CBB-1F06-4333-9BBF-66628B15E581}" type="datetime1">
               <a:rPr lang="en-US" smtClean="0"/>
-              <a:t>7/25/2023</a:t>
+              <a:t>12/8/2023</a:t>
             </a:fld>
             <a:endParaRPr lang="en-US"/>
           </a:p>
@@ -4822,7 +4907,7 @@
           <a:p>
             <a:fld id="{705EC883-F03C-4CA3-AF62-BEF30EEA4F65}" type="datetime1">
               <a:rPr lang="en-US" smtClean="0"/>
-              <a:t>7/25/2023</a:t>
+              <a:t>12/8/2023</a:t>
             </a:fld>
             <a:endParaRPr lang="en-US"/>
           </a:p>
@@ -12926,8 +13011,8 @@
           </a:p>
         </p:txBody>
       </p:sp>
-      <mc:AlternateContent xmlns:mc="http://schemas.openxmlformats.org/markup-compatibility/2006">
-        <mc:Choice xmlns:a14="http://schemas.microsoft.com/office/drawing/2010/main" Requires="a14">
+      <mc:AlternateContent xmlns:mc="http://schemas.openxmlformats.org/markup-compatibility/2006" xmlns:a14="http://schemas.microsoft.com/office/drawing/2010/main">
+        <mc:Choice Requires="a14">
           <p:sp>
             <p:nvSpPr>
               <p:cNvPr id="3" name="Content Placeholder 2">
@@ -13103,7 +13188,7 @@
             </p:txBody>
           </p:sp>
         </mc:Choice>
-        <mc:Fallback>
+        <mc:Fallback xmlns="">
           <p:sp>
             <p:nvSpPr>
               <p:cNvPr id="3" name="Content Placeholder 2">
@@ -13829,7 +13914,7 @@
         </p:nvGrpSpPr>
         <p:grpSpPr>
           <a:xfrm>
-            <a:off x="6313898" y="3824215"/>
+            <a:off x="1658336" y="3340996"/>
             <a:ext cx="1076632" cy="369332"/>
             <a:chOff x="4968362" y="2079211"/>
             <a:chExt cx="1076632" cy="369332"/>
@@ -13949,7 +14034,7 @@
         </p:nvGrpSpPr>
         <p:grpSpPr>
           <a:xfrm>
-            <a:off x="6562291" y="3978901"/>
+            <a:off x="2337515" y="4557372"/>
             <a:ext cx="1076632" cy="369332"/>
             <a:chOff x="4704120" y="2356972"/>
             <a:chExt cx="1076632" cy="369332"/>
@@ -14054,6 +14139,1290 @@
             </a:p>
           </p:txBody>
         </p:sp>
+      </p:grpSp>
+      <p:sp>
+        <p:nvSpPr>
+          <p:cNvPr id="7" name="TextBox 6">
+            <a:extLst>
+              <a:ext uri="{FF2B5EF4-FFF2-40B4-BE49-F238E27FC236}">
+                <a16:creationId xmlns:a16="http://schemas.microsoft.com/office/drawing/2014/main" id="{CC3FE002-EA9D-F34E-F95B-94EE898FB15D}"/>
+              </a:ext>
+            </a:extLst>
+          </p:cNvPr>
+          <p:cNvSpPr txBox="1"/>
+          <p:nvPr/>
+        </p:nvSpPr>
+        <p:spPr>
+          <a:xfrm>
+            <a:off x="1341972" y="6153003"/>
+            <a:ext cx="2102468" cy="369332"/>
+          </a:xfrm>
+          <a:prstGeom prst="rect">
+            <a:avLst/>
+          </a:prstGeom>
+          <a:noFill/>
+        </p:spPr>
+        <p:txBody>
+          <a:bodyPr wrap="square">
+            <a:spAutoFit/>
+          </a:bodyPr>
+          <a:lstStyle/>
+          <a:p>
+            <a:pPr algn="ctr"/>
+            <a:r>
+              <a:rPr lang="en-US" sz="1800" b="1" dirty="0">
+                <a:solidFill>
+                  <a:srgbClr val="FF0000"/>
+                </a:solidFill>
+              </a:rPr>
+              <a:t>3.245 = [3; 4, 12, 4]</a:t>
+            </a:r>
+          </a:p>
+        </p:txBody>
+      </p:sp>
+      <p:sp>
+        <p:nvSpPr>
+          <p:cNvPr id="9" name="TextBox 8">
+            <a:extLst>
+              <a:ext uri="{FF2B5EF4-FFF2-40B4-BE49-F238E27FC236}">
+                <a16:creationId xmlns:a16="http://schemas.microsoft.com/office/drawing/2014/main" id="{92C1332C-5C9B-DF74-ABCC-41E1FBB70B18}"/>
+              </a:ext>
+            </a:extLst>
+          </p:cNvPr>
+          <p:cNvSpPr txBox="1"/>
+          <p:nvPr/>
+        </p:nvSpPr>
+        <p:spPr>
+          <a:xfrm>
+            <a:off x="5446209" y="6153003"/>
+            <a:ext cx="2925337" cy="369332"/>
+          </a:xfrm>
+          <a:prstGeom prst="rect">
+            <a:avLst/>
+          </a:prstGeom>
+          <a:noFill/>
+        </p:spPr>
+        <p:txBody>
+          <a:bodyPr wrap="square">
+            <a:spAutoFit/>
+          </a:bodyPr>
+          <a:lstStyle/>
+          <a:p>
+            <a:pPr algn="ctr"/>
+            <a:r>
+              <a:rPr lang="en-US" sz="1800" b="1" dirty="0">
+                <a:solidFill>
+                  <a:srgbClr val="FF0000"/>
+                </a:solidFill>
+              </a:rPr>
+              <a:t>[0; 1, 4, 1, 2, 2] = 0.825</a:t>
+            </a:r>
+            <a:endParaRPr lang="en-US" dirty="0"/>
+          </a:p>
+        </p:txBody>
+      </p:sp>
+      <p:sp>
+        <p:nvSpPr>
+          <p:cNvPr id="11" name="Rectangle 10">
+            <a:extLst>
+              <a:ext uri="{FF2B5EF4-FFF2-40B4-BE49-F238E27FC236}">
+                <a16:creationId xmlns:a16="http://schemas.microsoft.com/office/drawing/2014/main" id="{D6CD03C0-331C-4414-640E-5EA711CFD04A}"/>
+              </a:ext>
+            </a:extLst>
+          </p:cNvPr>
+          <p:cNvSpPr/>
+          <p:nvPr/>
+        </p:nvSpPr>
+        <p:spPr>
+          <a:xfrm>
+            <a:off x="1494263" y="5337718"/>
+            <a:ext cx="743415" cy="774952"/>
+          </a:xfrm>
+          <a:prstGeom prst="rect">
+            <a:avLst/>
+          </a:prstGeom>
+          <a:noFill/>
+          <a:ln w="28575">
+            <a:solidFill>
+              <a:srgbClr val="FF0000"/>
+            </a:solidFill>
+          </a:ln>
+        </p:spPr>
+        <p:style>
+          <a:lnRef idx="2">
+            <a:schemeClr val="accent1">
+              <a:shade val="15000"/>
+            </a:schemeClr>
+          </a:lnRef>
+          <a:fillRef idx="1">
+            <a:schemeClr val="accent1"/>
+          </a:fillRef>
+          <a:effectRef idx="0">
+            <a:schemeClr val="accent1"/>
+          </a:effectRef>
+          <a:fontRef idx="minor">
+            <a:schemeClr val="lt1"/>
+          </a:fontRef>
+        </p:style>
+        <p:txBody>
+          <a:bodyPr rtlCol="0" anchor="ctr"/>
+          <a:lstStyle/>
+          <a:p>
+            <a:pPr algn="ctr"/>
+            <a:endParaRPr lang="en-US"/>
+          </a:p>
+        </p:txBody>
+      </p:sp>
+      <p:sp>
+        <p:nvSpPr>
+          <p:cNvPr id="13" name="Rectangle 12">
+            <a:extLst>
+              <a:ext uri="{FF2B5EF4-FFF2-40B4-BE49-F238E27FC236}">
+                <a16:creationId xmlns:a16="http://schemas.microsoft.com/office/drawing/2014/main" id="{773A07EA-3E4E-995D-B4A3-BB66E9F56144}"/>
+              </a:ext>
+            </a:extLst>
+          </p:cNvPr>
+          <p:cNvSpPr/>
+          <p:nvPr/>
+        </p:nvSpPr>
+        <p:spPr>
+          <a:xfrm>
+            <a:off x="2219325" y="6238875"/>
+            <a:ext cx="1085850" cy="233363"/>
+          </a:xfrm>
+          <a:prstGeom prst="rect">
+            <a:avLst/>
+          </a:prstGeom>
+          <a:noFill/>
+          <a:ln>
+            <a:noFill/>
+          </a:ln>
+        </p:spPr>
+        <p:style>
+          <a:lnRef idx="2">
+            <a:schemeClr val="accent1">
+              <a:shade val="15000"/>
+            </a:schemeClr>
+          </a:lnRef>
+          <a:fillRef idx="1">
+            <a:schemeClr val="accent1"/>
+          </a:fillRef>
+          <a:effectRef idx="0">
+            <a:schemeClr val="accent1"/>
+          </a:effectRef>
+          <a:fontRef idx="minor">
+            <a:schemeClr val="lt1"/>
+          </a:fontRef>
+        </p:style>
+        <p:txBody>
+          <a:bodyPr rtlCol="0" anchor="ctr"/>
+          <a:lstStyle/>
+          <a:p>
+            <a:pPr algn="ctr"/>
+            <a:endParaRPr lang="en-US"/>
+          </a:p>
+        </p:txBody>
+      </p:sp>
+      <p:cxnSp>
+        <p:nvCxnSpPr>
+          <p:cNvPr id="21" name="Connector: Elbow 20">
+            <a:extLst>
+              <a:ext uri="{FF2B5EF4-FFF2-40B4-BE49-F238E27FC236}">
+                <a16:creationId xmlns:a16="http://schemas.microsoft.com/office/drawing/2014/main" id="{D32CAC5E-390B-1AE8-63A2-1F1D65D6126B}"/>
+              </a:ext>
+            </a:extLst>
+          </p:cNvPr>
+          <p:cNvCxnSpPr>
+            <a:cxnSpLocks/>
+            <a:stCxn id="11" idx="3"/>
+            <a:endCxn id="13" idx="2"/>
+          </p:cNvCxnSpPr>
+          <p:nvPr/>
+        </p:nvCxnSpPr>
+        <p:spPr>
+          <a:xfrm>
+            <a:off x="2237678" y="5725194"/>
+            <a:ext cx="524572" cy="747044"/>
+          </a:xfrm>
+          <a:prstGeom prst="bentConnector4">
+            <a:avLst>
+              <a:gd name="adj1" fmla="val 247077"/>
+              <a:gd name="adj2" fmla="val 130601"/>
+            </a:avLst>
+          </a:prstGeom>
+          <a:ln w="38100">
+            <a:solidFill>
+              <a:srgbClr val="FF0000"/>
+            </a:solidFill>
+            <a:tailEnd type="triangle"/>
+          </a:ln>
+        </p:spPr>
+        <p:style>
+          <a:lnRef idx="1">
+            <a:schemeClr val="accent1"/>
+          </a:lnRef>
+          <a:fillRef idx="0">
+            <a:schemeClr val="accent1"/>
+          </a:fillRef>
+          <a:effectRef idx="0">
+            <a:schemeClr val="accent1"/>
+          </a:effectRef>
+          <a:fontRef idx="minor">
+            <a:schemeClr val="tx1"/>
+          </a:fontRef>
+        </p:style>
+      </p:cxnSp>
+      <p:sp>
+        <p:nvSpPr>
+          <p:cNvPr id="25" name="Rectangle 24">
+            <a:extLst>
+              <a:ext uri="{FF2B5EF4-FFF2-40B4-BE49-F238E27FC236}">
+                <a16:creationId xmlns:a16="http://schemas.microsoft.com/office/drawing/2014/main" id="{3E0AEB6C-6F4D-D637-B552-6A186696A0E5}"/>
+              </a:ext>
+            </a:extLst>
+          </p:cNvPr>
+          <p:cNvSpPr/>
+          <p:nvPr/>
+        </p:nvSpPr>
+        <p:spPr>
+          <a:xfrm>
+            <a:off x="750848" y="5337718"/>
+            <a:ext cx="743415" cy="193926"/>
+          </a:xfrm>
+          <a:prstGeom prst="rect">
+            <a:avLst/>
+          </a:prstGeom>
+          <a:noFill/>
+          <a:ln w="28575">
+            <a:solidFill>
+              <a:srgbClr val="FF0000"/>
+            </a:solidFill>
+          </a:ln>
+        </p:spPr>
+        <p:style>
+          <a:lnRef idx="2">
+            <a:schemeClr val="accent1">
+              <a:shade val="15000"/>
+            </a:schemeClr>
+          </a:lnRef>
+          <a:fillRef idx="1">
+            <a:schemeClr val="accent1"/>
+          </a:fillRef>
+          <a:effectRef idx="0">
+            <a:schemeClr val="accent1"/>
+          </a:effectRef>
+          <a:fontRef idx="minor">
+            <a:schemeClr val="lt1"/>
+          </a:fontRef>
+        </p:style>
+        <p:txBody>
+          <a:bodyPr rtlCol="0" anchor="ctr"/>
+          <a:lstStyle/>
+          <a:p>
+            <a:pPr algn="ctr"/>
+            <a:endParaRPr lang="en-US"/>
+          </a:p>
+        </p:txBody>
+      </p:sp>
+      <p:sp>
+        <p:nvSpPr>
+          <p:cNvPr id="26" name="Rectangle 25">
+            <a:extLst>
+              <a:ext uri="{FF2B5EF4-FFF2-40B4-BE49-F238E27FC236}">
+                <a16:creationId xmlns:a16="http://schemas.microsoft.com/office/drawing/2014/main" id="{08E17FDD-B083-6FC1-9EBB-5B1F6FDCDA6B}"/>
+              </a:ext>
+            </a:extLst>
+          </p:cNvPr>
+          <p:cNvSpPr/>
+          <p:nvPr/>
+        </p:nvSpPr>
+        <p:spPr>
+          <a:xfrm>
+            <a:off x="1450182" y="6238874"/>
+            <a:ext cx="604837" cy="233363"/>
+          </a:xfrm>
+          <a:prstGeom prst="rect">
+            <a:avLst/>
+          </a:prstGeom>
+          <a:noFill/>
+          <a:ln>
+            <a:noFill/>
+          </a:ln>
+        </p:spPr>
+        <p:style>
+          <a:lnRef idx="2">
+            <a:schemeClr val="accent1">
+              <a:shade val="15000"/>
+            </a:schemeClr>
+          </a:lnRef>
+          <a:fillRef idx="1">
+            <a:schemeClr val="accent1"/>
+          </a:fillRef>
+          <a:effectRef idx="0">
+            <a:schemeClr val="accent1"/>
+          </a:effectRef>
+          <a:fontRef idx="minor">
+            <a:schemeClr val="lt1"/>
+          </a:fontRef>
+        </p:style>
+        <p:txBody>
+          <a:bodyPr rtlCol="0" anchor="ctr"/>
+          <a:lstStyle/>
+          <a:p>
+            <a:pPr algn="ctr"/>
+            <a:endParaRPr lang="en-US"/>
+          </a:p>
+        </p:txBody>
+      </p:sp>
+      <p:cxnSp>
+        <p:nvCxnSpPr>
+          <p:cNvPr id="27" name="Connector: Elbow 26">
+            <a:extLst>
+              <a:ext uri="{FF2B5EF4-FFF2-40B4-BE49-F238E27FC236}">
+                <a16:creationId xmlns:a16="http://schemas.microsoft.com/office/drawing/2014/main" id="{C91AF42C-A7B7-9D65-BE38-F9BE031CEEE6}"/>
+              </a:ext>
+            </a:extLst>
+          </p:cNvPr>
+          <p:cNvCxnSpPr>
+            <a:cxnSpLocks/>
+            <a:stCxn id="26" idx="1"/>
+            <a:endCxn id="25" idx="0"/>
+          </p:cNvCxnSpPr>
+          <p:nvPr/>
+        </p:nvCxnSpPr>
+        <p:spPr>
+          <a:xfrm rot="10800000">
+            <a:off x="1122556" y="5337718"/>
+            <a:ext cx="327626" cy="1017838"/>
+          </a:xfrm>
+          <a:prstGeom prst="bentConnector4">
+            <a:avLst>
+              <a:gd name="adj1" fmla="val 283230"/>
+              <a:gd name="adj2" fmla="val 122459"/>
+            </a:avLst>
+          </a:prstGeom>
+          <a:ln w="38100">
+            <a:solidFill>
+              <a:srgbClr val="FF0000"/>
+            </a:solidFill>
+            <a:tailEnd type="triangle"/>
+          </a:ln>
+        </p:spPr>
+        <p:style>
+          <a:lnRef idx="1">
+            <a:schemeClr val="accent1"/>
+          </a:lnRef>
+          <a:fillRef idx="0">
+            <a:schemeClr val="accent1"/>
+          </a:fillRef>
+          <a:effectRef idx="0">
+            <a:schemeClr val="accent1"/>
+          </a:effectRef>
+          <a:fontRef idx="minor">
+            <a:schemeClr val="tx1"/>
+          </a:fontRef>
+        </p:style>
+      </p:cxnSp>
+      <p:sp>
+        <p:nvSpPr>
+          <p:cNvPr id="30" name="Rectangle 29">
+            <a:extLst>
+              <a:ext uri="{FF2B5EF4-FFF2-40B4-BE49-F238E27FC236}">
+                <a16:creationId xmlns:a16="http://schemas.microsoft.com/office/drawing/2014/main" id="{2C2FA5DE-1EA4-8D3D-4829-E44A2D222787}"/>
+              </a:ext>
+            </a:extLst>
+          </p:cNvPr>
+          <p:cNvSpPr/>
+          <p:nvPr/>
+        </p:nvSpPr>
+        <p:spPr>
+          <a:xfrm>
+            <a:off x="7193757" y="5973086"/>
+            <a:ext cx="764382" cy="161236"/>
+          </a:xfrm>
+          <a:prstGeom prst="rect">
+            <a:avLst/>
+          </a:prstGeom>
+          <a:noFill/>
+          <a:ln w="28575">
+            <a:solidFill>
+              <a:srgbClr val="FF0000"/>
+            </a:solidFill>
+          </a:ln>
+        </p:spPr>
+        <p:style>
+          <a:lnRef idx="2">
+            <a:schemeClr val="accent1">
+              <a:shade val="15000"/>
+            </a:schemeClr>
+          </a:lnRef>
+          <a:fillRef idx="1">
+            <a:schemeClr val="accent1"/>
+          </a:fillRef>
+          <a:effectRef idx="0">
+            <a:schemeClr val="accent1"/>
+          </a:effectRef>
+          <a:fontRef idx="minor">
+            <a:schemeClr val="lt1"/>
+          </a:fontRef>
+        </p:style>
+        <p:txBody>
+          <a:bodyPr rtlCol="0" anchor="ctr"/>
+          <a:lstStyle/>
+          <a:p>
+            <a:pPr algn="ctr"/>
+            <a:endParaRPr lang="en-US"/>
+          </a:p>
+        </p:txBody>
+      </p:sp>
+      <p:sp>
+        <p:nvSpPr>
+          <p:cNvPr id="31" name="Rectangle 30">
+            <a:extLst>
+              <a:ext uri="{FF2B5EF4-FFF2-40B4-BE49-F238E27FC236}">
+                <a16:creationId xmlns:a16="http://schemas.microsoft.com/office/drawing/2014/main" id="{9287049F-B5DB-B769-BD7D-64776ADB784F}"/>
+              </a:ext>
+            </a:extLst>
+          </p:cNvPr>
+          <p:cNvSpPr/>
+          <p:nvPr/>
+        </p:nvSpPr>
+        <p:spPr>
+          <a:xfrm>
+            <a:off x="5255767" y="5213468"/>
+            <a:ext cx="478284" cy="920854"/>
+          </a:xfrm>
+          <a:prstGeom prst="rect">
+            <a:avLst/>
+          </a:prstGeom>
+          <a:noFill/>
+          <a:ln w="28575">
+            <a:solidFill>
+              <a:srgbClr val="FF0000"/>
+            </a:solidFill>
+          </a:ln>
+        </p:spPr>
+        <p:style>
+          <a:lnRef idx="2">
+            <a:schemeClr val="accent1">
+              <a:shade val="15000"/>
+            </a:schemeClr>
+          </a:lnRef>
+          <a:fillRef idx="1">
+            <a:schemeClr val="accent1"/>
+          </a:fillRef>
+          <a:effectRef idx="0">
+            <a:schemeClr val="accent1"/>
+          </a:effectRef>
+          <a:fontRef idx="minor">
+            <a:schemeClr val="lt1"/>
+          </a:fontRef>
+        </p:style>
+        <p:txBody>
+          <a:bodyPr rtlCol="0" anchor="ctr"/>
+          <a:lstStyle/>
+          <a:p>
+            <a:pPr algn="ctr"/>
+            <a:endParaRPr lang="en-US"/>
+          </a:p>
+        </p:txBody>
+      </p:sp>
+      <p:sp>
+        <p:nvSpPr>
+          <p:cNvPr id="32" name="Rectangle 31">
+            <a:extLst>
+              <a:ext uri="{FF2B5EF4-FFF2-40B4-BE49-F238E27FC236}">
+                <a16:creationId xmlns:a16="http://schemas.microsoft.com/office/drawing/2014/main" id="{D602255B-0317-E889-B473-E2D95F6BF738}"/>
+              </a:ext>
+            </a:extLst>
+          </p:cNvPr>
+          <p:cNvSpPr/>
+          <p:nvPr/>
+        </p:nvSpPr>
+        <p:spPr>
+          <a:xfrm>
+            <a:off x="5820471" y="6238873"/>
+            <a:ext cx="1434993" cy="233363"/>
+          </a:xfrm>
+          <a:prstGeom prst="rect">
+            <a:avLst/>
+          </a:prstGeom>
+          <a:noFill/>
+          <a:ln>
+            <a:noFill/>
+          </a:ln>
+        </p:spPr>
+        <p:style>
+          <a:lnRef idx="2">
+            <a:schemeClr val="accent1">
+              <a:shade val="15000"/>
+            </a:schemeClr>
+          </a:lnRef>
+          <a:fillRef idx="1">
+            <a:schemeClr val="accent1"/>
+          </a:fillRef>
+          <a:effectRef idx="0">
+            <a:schemeClr val="accent1"/>
+          </a:effectRef>
+          <a:fontRef idx="minor">
+            <a:schemeClr val="lt1"/>
+          </a:fontRef>
+        </p:style>
+        <p:txBody>
+          <a:bodyPr rtlCol="0" anchor="ctr"/>
+          <a:lstStyle/>
+          <a:p>
+            <a:pPr algn="ctr"/>
+            <a:endParaRPr lang="en-US"/>
+          </a:p>
+        </p:txBody>
+      </p:sp>
+      <p:sp>
+        <p:nvSpPr>
+          <p:cNvPr id="33" name="Rectangle 32">
+            <a:extLst>
+              <a:ext uri="{FF2B5EF4-FFF2-40B4-BE49-F238E27FC236}">
+                <a16:creationId xmlns:a16="http://schemas.microsoft.com/office/drawing/2014/main" id="{8E3D412E-4D4E-6F6B-B6BE-DD30EBAD3A90}"/>
+              </a:ext>
+            </a:extLst>
+          </p:cNvPr>
+          <p:cNvSpPr/>
+          <p:nvPr/>
+        </p:nvSpPr>
+        <p:spPr>
+          <a:xfrm>
+            <a:off x="7439760" y="6238872"/>
+            <a:ext cx="604837" cy="233363"/>
+          </a:xfrm>
+          <a:prstGeom prst="rect">
+            <a:avLst/>
+          </a:prstGeom>
+          <a:noFill/>
+          <a:ln>
+            <a:noFill/>
+          </a:ln>
+        </p:spPr>
+        <p:style>
+          <a:lnRef idx="2">
+            <a:schemeClr val="accent1">
+              <a:shade val="15000"/>
+            </a:schemeClr>
+          </a:lnRef>
+          <a:fillRef idx="1">
+            <a:schemeClr val="accent1"/>
+          </a:fillRef>
+          <a:effectRef idx="0">
+            <a:schemeClr val="accent1"/>
+          </a:effectRef>
+          <a:fontRef idx="minor">
+            <a:schemeClr val="lt1"/>
+          </a:fontRef>
+        </p:style>
+        <p:txBody>
+          <a:bodyPr rtlCol="0" anchor="ctr"/>
+          <a:lstStyle/>
+          <a:p>
+            <a:pPr algn="ctr"/>
+            <a:endParaRPr lang="en-US"/>
+          </a:p>
+        </p:txBody>
+      </p:sp>
+      <p:cxnSp>
+        <p:nvCxnSpPr>
+          <p:cNvPr id="34" name="Connector: Elbow 33">
+            <a:extLst>
+              <a:ext uri="{FF2B5EF4-FFF2-40B4-BE49-F238E27FC236}">
+                <a16:creationId xmlns:a16="http://schemas.microsoft.com/office/drawing/2014/main" id="{C5811CDA-F4EE-28C1-850E-660E2C329B9E}"/>
+              </a:ext>
+            </a:extLst>
+          </p:cNvPr>
+          <p:cNvCxnSpPr>
+            <a:cxnSpLocks/>
+            <a:stCxn id="32" idx="1"/>
+            <a:endCxn id="31" idx="0"/>
+          </p:cNvCxnSpPr>
+          <p:nvPr/>
+        </p:nvCxnSpPr>
+        <p:spPr>
+          <a:xfrm rot="10800000">
+            <a:off x="5494909" y="5213469"/>
+            <a:ext cx="325562" cy="1142087"/>
+          </a:xfrm>
+          <a:prstGeom prst="bentConnector4">
+            <a:avLst>
+              <a:gd name="adj1" fmla="val 278156"/>
+              <a:gd name="adj2" fmla="val 120016"/>
+            </a:avLst>
+          </a:prstGeom>
+          <a:ln w="38100">
+            <a:solidFill>
+              <a:srgbClr val="FF0000"/>
+            </a:solidFill>
+            <a:tailEnd type="triangle"/>
+          </a:ln>
+        </p:spPr>
+        <p:style>
+          <a:lnRef idx="1">
+            <a:schemeClr val="accent1"/>
+          </a:lnRef>
+          <a:fillRef idx="0">
+            <a:schemeClr val="accent1"/>
+          </a:fillRef>
+          <a:effectRef idx="0">
+            <a:schemeClr val="accent1"/>
+          </a:effectRef>
+          <a:fontRef idx="minor">
+            <a:schemeClr val="tx1"/>
+          </a:fontRef>
+        </p:style>
+      </p:cxnSp>
+      <p:cxnSp>
+        <p:nvCxnSpPr>
+          <p:cNvPr id="37" name="Connector: Elbow 36">
+            <a:extLst>
+              <a:ext uri="{FF2B5EF4-FFF2-40B4-BE49-F238E27FC236}">
+                <a16:creationId xmlns:a16="http://schemas.microsoft.com/office/drawing/2014/main" id="{B05AB5EB-E8AD-2C5C-BFFD-2CEDBC4DE0AF}"/>
+              </a:ext>
+            </a:extLst>
+          </p:cNvPr>
+          <p:cNvCxnSpPr>
+            <a:cxnSpLocks/>
+            <a:stCxn id="30" idx="3"/>
+            <a:endCxn id="33" idx="3"/>
+          </p:cNvCxnSpPr>
+          <p:nvPr/>
+        </p:nvCxnSpPr>
+        <p:spPr>
+          <a:xfrm>
+            <a:off x="7958139" y="6053704"/>
+            <a:ext cx="86458" cy="301850"/>
+          </a:xfrm>
+          <a:prstGeom prst="bentConnector3">
+            <a:avLst>
+              <a:gd name="adj1" fmla="val 364406"/>
+            </a:avLst>
+          </a:prstGeom>
+          <a:ln w="38100">
+            <a:solidFill>
+              <a:srgbClr val="FF0000"/>
+            </a:solidFill>
+            <a:tailEnd type="triangle"/>
+          </a:ln>
+        </p:spPr>
+        <p:style>
+          <a:lnRef idx="1">
+            <a:schemeClr val="accent1"/>
+          </a:lnRef>
+          <a:fillRef idx="0">
+            <a:schemeClr val="accent1"/>
+          </a:fillRef>
+          <a:effectRef idx="0">
+            <a:schemeClr val="accent1"/>
+          </a:effectRef>
+          <a:fontRef idx="minor">
+            <a:schemeClr val="tx1"/>
+          </a:fontRef>
+        </p:style>
+      </p:cxnSp>
+      <p:grpSp>
+        <p:nvGrpSpPr>
+          <p:cNvPr id="49" name="Group 48">
+            <a:extLst>
+              <a:ext uri="{FF2B5EF4-FFF2-40B4-BE49-F238E27FC236}">
+                <a16:creationId xmlns:a16="http://schemas.microsoft.com/office/drawing/2014/main" id="{3812D344-A4D1-EA3A-E122-46F4EB79F691}"/>
+              </a:ext>
+            </a:extLst>
+          </p:cNvPr>
+          <p:cNvGrpSpPr/>
+          <p:nvPr/>
+        </p:nvGrpSpPr>
+        <p:grpSpPr>
+          <a:xfrm>
+            <a:off x="1942563" y="2278577"/>
+            <a:ext cx="1068643" cy="369332"/>
+            <a:chOff x="3647644" y="4910075"/>
+            <a:chExt cx="1068643" cy="369332"/>
+          </a:xfrm>
+        </p:grpSpPr>
+        <p:sp>
+          <p:nvSpPr>
+            <p:cNvPr id="50" name="TextBox 49">
+              <a:extLst>
+                <a:ext uri="{FF2B5EF4-FFF2-40B4-BE49-F238E27FC236}">
+                  <a16:creationId xmlns:a16="http://schemas.microsoft.com/office/drawing/2014/main" id="{70832C35-CA3A-AA93-C4B1-2308FCCCB7B1}"/>
+                </a:ext>
+              </a:extLst>
+            </p:cNvPr>
+            <p:cNvSpPr txBox="1"/>
+            <p:nvPr/>
+          </p:nvSpPr>
+          <p:spPr>
+            <a:xfrm>
+              <a:off x="4332829" y="4910075"/>
+              <a:ext cx="383458" cy="369332"/>
+            </a:xfrm>
+            <a:prstGeom prst="rect">
+              <a:avLst/>
+            </a:prstGeom>
+            <a:noFill/>
+          </p:spPr>
+          <p:txBody>
+            <a:bodyPr wrap="square" rtlCol="0">
+              <a:spAutoFit/>
+            </a:bodyPr>
+            <a:lstStyle/>
+            <a:p>
+              <a:r>
+                <a:rPr lang="en-US" dirty="0">
+                  <a:ln>
+                    <a:solidFill>
+                      <a:srgbClr val="FF0000"/>
+                    </a:solidFill>
+                  </a:ln>
+                  <a:solidFill>
+                    <a:srgbClr val="FF0000"/>
+                  </a:solidFill>
+                  <a:sym typeface="Wingdings" panose="05000000000000000000" pitchFamily="2" charset="2"/>
+                </a:rPr>
+                <a:t></a:t>
+              </a:r>
+              <a:endParaRPr lang="en-US" dirty="0">
+                <a:ln>
+                  <a:solidFill>
+                    <a:srgbClr val="FF0000"/>
+                  </a:solidFill>
+                </a:ln>
+                <a:solidFill>
+                  <a:srgbClr val="FF0000"/>
+                </a:solidFill>
+              </a:endParaRPr>
+            </a:p>
+          </p:txBody>
+        </p:sp>
+        <p:cxnSp>
+          <p:nvCxnSpPr>
+            <p:cNvPr id="51" name="Straight Arrow Connector 50">
+              <a:extLst>
+                <a:ext uri="{FF2B5EF4-FFF2-40B4-BE49-F238E27FC236}">
+                  <a16:creationId xmlns:a16="http://schemas.microsoft.com/office/drawing/2014/main" id="{A0D88D3D-80AB-5E54-8251-7A108CB5149B}"/>
+                </a:ext>
+              </a:extLst>
+            </p:cNvPr>
+            <p:cNvCxnSpPr>
+              <a:cxnSpLocks/>
+            </p:cNvCxnSpPr>
+            <p:nvPr/>
+          </p:nvCxnSpPr>
+          <p:spPr>
+            <a:xfrm flipH="1">
+              <a:off x="3647644" y="5094741"/>
+              <a:ext cx="693174" cy="0"/>
+            </a:xfrm>
+            <a:prstGeom prst="straightConnector1">
+              <a:avLst/>
+            </a:prstGeom>
+            <a:ln w="38100">
+              <a:solidFill>
+                <a:srgbClr val="FF0000"/>
+              </a:solidFill>
+              <a:tailEnd type="triangle"/>
+            </a:ln>
+          </p:spPr>
+          <p:style>
+            <a:lnRef idx="1">
+              <a:schemeClr val="accent1"/>
+            </a:lnRef>
+            <a:fillRef idx="0">
+              <a:schemeClr val="accent1"/>
+            </a:fillRef>
+            <a:effectRef idx="0">
+              <a:schemeClr val="accent1"/>
+            </a:effectRef>
+            <a:fontRef idx="minor">
+              <a:schemeClr val="tx1"/>
+            </a:fontRef>
+          </p:style>
+        </p:cxnSp>
+      </p:grpSp>
+      <p:grpSp>
+        <p:nvGrpSpPr>
+          <p:cNvPr id="52" name="Group 51">
+            <a:extLst>
+              <a:ext uri="{FF2B5EF4-FFF2-40B4-BE49-F238E27FC236}">
+                <a16:creationId xmlns:a16="http://schemas.microsoft.com/office/drawing/2014/main" id="{608EB829-59F2-D177-11C8-97256ED5BB96}"/>
+              </a:ext>
+            </a:extLst>
+          </p:cNvPr>
+          <p:cNvGrpSpPr/>
+          <p:nvPr/>
+        </p:nvGrpSpPr>
+        <p:grpSpPr>
+          <a:xfrm>
+            <a:off x="6104199" y="1569319"/>
+            <a:ext cx="1064340" cy="369332"/>
+            <a:chOff x="3647644" y="5421073"/>
+            <a:chExt cx="1064340" cy="369332"/>
+          </a:xfrm>
+        </p:grpSpPr>
+        <p:sp>
+          <p:nvSpPr>
+            <p:cNvPr id="53" name="TextBox 52">
+              <a:extLst>
+                <a:ext uri="{FF2B5EF4-FFF2-40B4-BE49-F238E27FC236}">
+                  <a16:creationId xmlns:a16="http://schemas.microsoft.com/office/drawing/2014/main" id="{33D057D8-A1D4-C53D-9437-6C90A07B0F62}"/>
+                </a:ext>
+              </a:extLst>
+            </p:cNvPr>
+            <p:cNvSpPr txBox="1"/>
+            <p:nvPr/>
+          </p:nvSpPr>
+          <p:spPr>
+            <a:xfrm>
+              <a:off x="4328526" y="5421073"/>
+              <a:ext cx="383458" cy="369332"/>
+            </a:xfrm>
+            <a:prstGeom prst="rect">
+              <a:avLst/>
+            </a:prstGeom>
+            <a:noFill/>
+          </p:spPr>
+          <p:txBody>
+            <a:bodyPr wrap="square" rtlCol="0">
+              <a:spAutoFit/>
+            </a:bodyPr>
+            <a:lstStyle/>
+            <a:p>
+              <a:r>
+                <a:rPr lang="en-US" dirty="0">
+                  <a:ln>
+                    <a:solidFill>
+                      <a:srgbClr val="FF0000"/>
+                    </a:solidFill>
+                  </a:ln>
+                  <a:solidFill>
+                    <a:srgbClr val="FF0000"/>
+                  </a:solidFill>
+                  <a:sym typeface="Wingdings" panose="05000000000000000000" pitchFamily="2" charset="2"/>
+                </a:rPr>
+                <a:t></a:t>
+              </a:r>
+              <a:endParaRPr lang="en-US" dirty="0">
+                <a:ln>
+                  <a:solidFill>
+                    <a:srgbClr val="FF0000"/>
+                  </a:solidFill>
+                </a:ln>
+                <a:solidFill>
+                  <a:srgbClr val="FF0000"/>
+                </a:solidFill>
+              </a:endParaRPr>
+            </a:p>
+          </p:txBody>
+        </p:sp>
+        <p:cxnSp>
+          <p:nvCxnSpPr>
+            <p:cNvPr id="54" name="Straight Arrow Connector 53">
+              <a:extLst>
+                <a:ext uri="{FF2B5EF4-FFF2-40B4-BE49-F238E27FC236}">
+                  <a16:creationId xmlns:a16="http://schemas.microsoft.com/office/drawing/2014/main" id="{CA509416-2877-1CFD-C3C0-172A74E2B802}"/>
+                </a:ext>
+              </a:extLst>
+            </p:cNvPr>
+            <p:cNvCxnSpPr>
+              <a:cxnSpLocks/>
+            </p:cNvCxnSpPr>
+            <p:nvPr/>
+          </p:nvCxnSpPr>
+          <p:spPr>
+            <a:xfrm flipH="1">
+              <a:off x="3647644" y="5594437"/>
+              <a:ext cx="693174" cy="0"/>
+            </a:xfrm>
+            <a:prstGeom prst="straightConnector1">
+              <a:avLst/>
+            </a:prstGeom>
+            <a:ln w="38100">
+              <a:solidFill>
+                <a:srgbClr val="FF0000"/>
+              </a:solidFill>
+              <a:tailEnd type="triangle"/>
+            </a:ln>
+          </p:spPr>
+          <p:style>
+            <a:lnRef idx="1">
+              <a:schemeClr val="accent1"/>
+            </a:lnRef>
+            <a:fillRef idx="0">
+              <a:schemeClr val="accent1"/>
+            </a:fillRef>
+            <a:effectRef idx="0">
+              <a:schemeClr val="accent1"/>
+            </a:effectRef>
+            <a:fontRef idx="minor">
+              <a:schemeClr val="tx1"/>
+            </a:fontRef>
+          </p:style>
+        </p:cxnSp>
+      </p:grpSp>
+      <p:grpSp>
+        <p:nvGrpSpPr>
+          <p:cNvPr id="55" name="Group 54">
+            <a:extLst>
+              <a:ext uri="{FF2B5EF4-FFF2-40B4-BE49-F238E27FC236}">
+                <a16:creationId xmlns:a16="http://schemas.microsoft.com/office/drawing/2014/main" id="{BD2D798F-BFCF-2C48-FB01-6D24EDBB7209}"/>
+              </a:ext>
+            </a:extLst>
+          </p:cNvPr>
+          <p:cNvGrpSpPr/>
+          <p:nvPr/>
+        </p:nvGrpSpPr>
+        <p:grpSpPr>
+          <a:xfrm>
+            <a:off x="6313597" y="3822503"/>
+            <a:ext cx="1068643" cy="369332"/>
+            <a:chOff x="3647644" y="5359159"/>
+            <a:chExt cx="1068643" cy="369332"/>
+          </a:xfrm>
+        </p:grpSpPr>
+        <p:sp>
+          <p:nvSpPr>
+            <p:cNvPr id="56" name="TextBox 55">
+              <a:extLst>
+                <a:ext uri="{FF2B5EF4-FFF2-40B4-BE49-F238E27FC236}">
+                  <a16:creationId xmlns:a16="http://schemas.microsoft.com/office/drawing/2014/main" id="{994DB6EC-DC06-9777-E84B-F1D89F44E4AE}"/>
+                </a:ext>
+              </a:extLst>
+            </p:cNvPr>
+            <p:cNvSpPr txBox="1"/>
+            <p:nvPr/>
+          </p:nvSpPr>
+          <p:spPr>
+            <a:xfrm>
+              <a:off x="4332829" y="5359159"/>
+              <a:ext cx="383458" cy="369332"/>
+            </a:xfrm>
+            <a:prstGeom prst="rect">
+              <a:avLst/>
+            </a:prstGeom>
+            <a:noFill/>
+          </p:spPr>
+          <p:txBody>
+            <a:bodyPr wrap="square" rtlCol="0">
+              <a:spAutoFit/>
+            </a:bodyPr>
+            <a:lstStyle/>
+            <a:p>
+              <a:r>
+                <a:rPr lang="en-US" dirty="0">
+                  <a:ln>
+                    <a:solidFill>
+                      <a:srgbClr val="FF0000"/>
+                    </a:solidFill>
+                  </a:ln>
+                  <a:solidFill>
+                    <a:srgbClr val="FF0000"/>
+                  </a:solidFill>
+                  <a:sym typeface="Wingdings" panose="05000000000000000000" pitchFamily="2" charset="2"/>
+                </a:rPr>
+                <a:t></a:t>
+              </a:r>
+              <a:endParaRPr lang="en-US" dirty="0">
+                <a:ln>
+                  <a:solidFill>
+                    <a:srgbClr val="FF0000"/>
+                  </a:solidFill>
+                </a:ln>
+                <a:solidFill>
+                  <a:srgbClr val="FF0000"/>
+                </a:solidFill>
+              </a:endParaRPr>
+            </a:p>
+          </p:txBody>
+        </p:sp>
+        <p:cxnSp>
+          <p:nvCxnSpPr>
+            <p:cNvPr id="57" name="Straight Arrow Connector 56">
+              <a:extLst>
+                <a:ext uri="{FF2B5EF4-FFF2-40B4-BE49-F238E27FC236}">
+                  <a16:creationId xmlns:a16="http://schemas.microsoft.com/office/drawing/2014/main" id="{E0D3336D-AA00-79D8-DCE8-5AB600F52577}"/>
+                </a:ext>
+              </a:extLst>
+            </p:cNvPr>
+            <p:cNvCxnSpPr>
+              <a:cxnSpLocks/>
+            </p:cNvCxnSpPr>
+            <p:nvPr/>
+          </p:nvCxnSpPr>
+          <p:spPr>
+            <a:xfrm flipH="1">
+              <a:off x="3647644" y="5541057"/>
+              <a:ext cx="693174" cy="0"/>
+            </a:xfrm>
+            <a:prstGeom prst="straightConnector1">
+              <a:avLst/>
+            </a:prstGeom>
+            <a:ln w="38100">
+              <a:solidFill>
+                <a:srgbClr val="FF0000"/>
+              </a:solidFill>
+              <a:tailEnd type="triangle"/>
+            </a:ln>
+          </p:spPr>
+          <p:style>
+            <a:lnRef idx="1">
+              <a:schemeClr val="accent1"/>
+            </a:lnRef>
+            <a:fillRef idx="0">
+              <a:schemeClr val="accent1"/>
+            </a:fillRef>
+            <a:effectRef idx="0">
+              <a:schemeClr val="accent1"/>
+            </a:effectRef>
+            <a:fontRef idx="minor">
+              <a:schemeClr val="tx1"/>
+            </a:fontRef>
+          </p:style>
+        </p:cxnSp>
+      </p:grpSp>
+      <p:grpSp>
+        <p:nvGrpSpPr>
+          <p:cNvPr id="58" name="Group 57">
+            <a:extLst>
+              <a:ext uri="{FF2B5EF4-FFF2-40B4-BE49-F238E27FC236}">
+                <a16:creationId xmlns:a16="http://schemas.microsoft.com/office/drawing/2014/main" id="{D48078CC-D5F8-A994-1D15-B1C1509210BC}"/>
+              </a:ext>
+            </a:extLst>
+          </p:cNvPr>
+          <p:cNvGrpSpPr/>
+          <p:nvPr/>
+        </p:nvGrpSpPr>
+        <p:grpSpPr>
+          <a:xfrm>
+            <a:off x="7071954" y="4133665"/>
+            <a:ext cx="1076632" cy="369332"/>
+            <a:chOff x="2157212" y="5356391"/>
+            <a:chExt cx="1076632" cy="369332"/>
+          </a:xfrm>
+        </p:grpSpPr>
+        <p:sp>
+          <p:nvSpPr>
+            <p:cNvPr id="59" name="TextBox 58">
+              <a:extLst>
+                <a:ext uri="{FF2B5EF4-FFF2-40B4-BE49-F238E27FC236}">
+                  <a16:creationId xmlns:a16="http://schemas.microsoft.com/office/drawing/2014/main" id="{81760690-53B2-71E0-A8A0-158545D859AF}"/>
+                </a:ext>
+              </a:extLst>
+            </p:cNvPr>
+            <p:cNvSpPr txBox="1"/>
+            <p:nvPr/>
+          </p:nvSpPr>
+          <p:spPr>
+            <a:xfrm>
+              <a:off x="2850386" y="5356391"/>
+              <a:ext cx="383458" cy="369332"/>
+            </a:xfrm>
+            <a:prstGeom prst="rect">
+              <a:avLst/>
+            </a:prstGeom>
+            <a:noFill/>
+          </p:spPr>
+          <p:txBody>
+            <a:bodyPr wrap="square" rtlCol="0">
+              <a:spAutoFit/>
+            </a:bodyPr>
+            <a:lstStyle/>
+            <a:p>
+              <a:r>
+                <a:rPr lang="en-US" dirty="0">
+                  <a:ln>
+                    <a:solidFill>
+                      <a:srgbClr val="FF0000"/>
+                    </a:solidFill>
+                  </a:ln>
+                  <a:solidFill>
+                    <a:srgbClr val="FF0000"/>
+                  </a:solidFill>
+                  <a:sym typeface="Wingdings" panose="05000000000000000000" pitchFamily="2" charset="2"/>
+                </a:rPr>
+                <a:t></a:t>
+              </a:r>
+              <a:endParaRPr lang="en-US" dirty="0">
+                <a:ln>
+                  <a:solidFill>
+                    <a:srgbClr val="FF0000"/>
+                  </a:solidFill>
+                </a:ln>
+                <a:solidFill>
+                  <a:srgbClr val="FF0000"/>
+                </a:solidFill>
+              </a:endParaRPr>
+            </a:p>
+          </p:txBody>
+        </p:sp>
+        <p:cxnSp>
+          <p:nvCxnSpPr>
+            <p:cNvPr id="60" name="Straight Arrow Connector 59">
+              <a:extLst>
+                <a:ext uri="{FF2B5EF4-FFF2-40B4-BE49-F238E27FC236}">
+                  <a16:creationId xmlns:a16="http://schemas.microsoft.com/office/drawing/2014/main" id="{7FFBAB86-760E-BC74-867A-FA5EB50EA879}"/>
+                </a:ext>
+              </a:extLst>
+            </p:cNvPr>
+            <p:cNvCxnSpPr>
+              <a:cxnSpLocks/>
+            </p:cNvCxnSpPr>
+            <p:nvPr/>
+          </p:nvCxnSpPr>
+          <p:spPr>
+            <a:xfrm flipH="1">
+              <a:off x="2157212" y="5545146"/>
+              <a:ext cx="693174" cy="0"/>
+            </a:xfrm>
+            <a:prstGeom prst="straightConnector1">
+              <a:avLst/>
+            </a:prstGeom>
+            <a:ln w="38100">
+              <a:solidFill>
+                <a:srgbClr val="FF0000"/>
+              </a:solidFill>
+              <a:tailEnd type="triangle"/>
+            </a:ln>
+          </p:spPr>
+          <p:style>
+            <a:lnRef idx="1">
+              <a:schemeClr val="accent1"/>
+            </a:lnRef>
+            <a:fillRef idx="0">
+              <a:schemeClr val="accent1"/>
+            </a:fillRef>
+            <a:effectRef idx="0">
+              <a:schemeClr val="accent1"/>
+            </a:effectRef>
+            <a:fontRef idx="minor">
+              <a:schemeClr val="tx1"/>
+            </a:fontRef>
+          </p:style>
+        </p:cxnSp>
+      </p:grpSp>
+      <p:grpSp>
+        <p:nvGrpSpPr>
+          <p:cNvPr id="61" name="Group 60">
+            <a:extLst>
+              <a:ext uri="{FF2B5EF4-FFF2-40B4-BE49-F238E27FC236}">
+                <a16:creationId xmlns:a16="http://schemas.microsoft.com/office/drawing/2014/main" id="{411EA0C1-DE4C-3828-314F-18C1EB64ABC0}"/>
+              </a:ext>
+            </a:extLst>
+          </p:cNvPr>
+          <p:cNvGrpSpPr/>
+          <p:nvPr/>
+        </p:nvGrpSpPr>
+        <p:grpSpPr>
+          <a:xfrm>
+            <a:off x="6488020" y="3978905"/>
+            <a:ext cx="1076632" cy="369332"/>
+            <a:chOff x="2157212" y="5356391"/>
+            <a:chExt cx="1076632" cy="369332"/>
+          </a:xfrm>
+        </p:grpSpPr>
+        <p:sp>
+          <p:nvSpPr>
+            <p:cNvPr id="62" name="TextBox 61">
+              <a:extLst>
+                <a:ext uri="{FF2B5EF4-FFF2-40B4-BE49-F238E27FC236}">
+                  <a16:creationId xmlns:a16="http://schemas.microsoft.com/office/drawing/2014/main" id="{C08C3A49-73D1-2AD8-4BF6-43C5E51C7782}"/>
+                </a:ext>
+              </a:extLst>
+            </p:cNvPr>
+            <p:cNvSpPr txBox="1"/>
+            <p:nvPr/>
+          </p:nvSpPr>
+          <p:spPr>
+            <a:xfrm>
+              <a:off x="2850386" y="5356391"/>
+              <a:ext cx="383458" cy="369332"/>
+            </a:xfrm>
+            <a:prstGeom prst="rect">
+              <a:avLst/>
+            </a:prstGeom>
+            <a:noFill/>
+          </p:spPr>
+          <p:txBody>
+            <a:bodyPr wrap="square" rtlCol="0">
+              <a:spAutoFit/>
+            </a:bodyPr>
+            <a:lstStyle/>
+            <a:p>
+              <a:r>
+                <a:rPr lang="en-US" dirty="0">
+                  <a:ln>
+                    <a:solidFill>
+                      <a:srgbClr val="FF0000"/>
+                    </a:solidFill>
+                  </a:ln>
+                  <a:solidFill>
+                    <a:srgbClr val="FF0000"/>
+                  </a:solidFill>
+                  <a:sym typeface="Wingdings" panose="05000000000000000000" pitchFamily="2" charset="2"/>
+                </a:rPr>
+                <a:t></a:t>
+              </a:r>
+              <a:endParaRPr lang="en-US" dirty="0">
+                <a:ln>
+                  <a:solidFill>
+                    <a:srgbClr val="FF0000"/>
+                  </a:solidFill>
+                </a:ln>
+                <a:solidFill>
+                  <a:srgbClr val="FF0000"/>
+                </a:solidFill>
+              </a:endParaRPr>
+            </a:p>
+          </p:txBody>
+        </p:sp>
+        <p:cxnSp>
+          <p:nvCxnSpPr>
+            <p:cNvPr id="63" name="Straight Arrow Connector 62">
+              <a:extLst>
+                <a:ext uri="{FF2B5EF4-FFF2-40B4-BE49-F238E27FC236}">
+                  <a16:creationId xmlns:a16="http://schemas.microsoft.com/office/drawing/2014/main" id="{FA87AEAB-8F06-A63E-B2F5-421D7145C736}"/>
+                </a:ext>
+              </a:extLst>
+            </p:cNvPr>
+            <p:cNvCxnSpPr>
+              <a:cxnSpLocks/>
+            </p:cNvCxnSpPr>
+            <p:nvPr/>
+          </p:nvCxnSpPr>
+          <p:spPr>
+            <a:xfrm flipH="1">
+              <a:off x="2157212" y="5545146"/>
+              <a:ext cx="693174" cy="0"/>
+            </a:xfrm>
+            <a:prstGeom prst="straightConnector1">
+              <a:avLst/>
+            </a:prstGeom>
+            <a:ln w="38100">
+              <a:solidFill>
+                <a:srgbClr val="FF0000"/>
+              </a:solidFill>
+              <a:tailEnd type="triangle"/>
+            </a:ln>
+          </p:spPr>
+          <p:style>
+            <a:lnRef idx="1">
+              <a:schemeClr val="accent1"/>
+            </a:lnRef>
+            <a:fillRef idx="0">
+              <a:schemeClr val="accent1"/>
+            </a:fillRef>
+            <a:effectRef idx="0">
+              <a:schemeClr val="accent1"/>
+            </a:effectRef>
+            <a:fontRef idx="minor">
+              <a:schemeClr val="tx1"/>
+            </a:fontRef>
+          </p:style>
+        </p:cxnSp>
       </p:grpSp>
     </p:spTree>
     <p:extLst>
@@ -14167,36 +15536,27 @@
                             </p:childTnLst>
                           </p:cTn>
                         </p:par>
-                      </p:childTnLst>
-                    </p:cTn>
-                  </p:par>
-                  <p:par>
-                    <p:cTn id="12" fill="hold">
-                      <p:stCondLst>
-                        <p:cond delay="indefinite"/>
-                      </p:stCondLst>
-                      <p:childTnLst>
                         <p:par>
-                          <p:cTn id="13" fill="hold">
+                          <p:cTn id="12" fill="hold">
                             <p:stCondLst>
-                              <p:cond delay="0"/>
+                              <p:cond delay="1000"/>
                             </p:stCondLst>
                             <p:childTnLst>
                               <p:par>
-                                <p:cTn id="14" presetID="22" presetClass="entr" presetSubtype="1" fill="hold" nodeType="clickEffect">
+                                <p:cTn id="13" presetID="2" presetClass="entr" presetSubtype="4" fill="hold" grpId="0" nodeType="afterEffect">
                                   <p:stCondLst>
                                     <p:cond delay="0"/>
                                   </p:stCondLst>
                                   <p:childTnLst>
                                     <p:set>
                                       <p:cBhvr>
-                                        <p:cTn id="15" dur="1" fill="hold">
+                                        <p:cTn id="14" dur="1" fill="hold">
                                           <p:stCondLst>
                                             <p:cond delay="0"/>
                                           </p:stCondLst>
                                         </p:cTn>
                                         <p:tgtEl>
-                                          <p:spTgt spid="6"/>
+                                          <p:spTgt spid="7"/>
                                         </p:tgtEl>
                                         <p:attrNameLst>
                                           <p:attrName>style.visibility</p:attrName>
@@ -14206,11 +15566,102 @@
                                         <p:strVal val="visible"/>
                                       </p:to>
                                     </p:set>
-                                    <p:animEffect transition="in" filter="wipe(up)">
+                                    <p:anim calcmode="lin" valueType="num">
+                                      <p:cBhvr additive="base">
+                                        <p:cTn id="15" dur="500" fill="hold"/>
+                                        <p:tgtEl>
+                                          <p:spTgt spid="7"/>
+                                        </p:tgtEl>
+                                        <p:attrNameLst>
+                                          <p:attrName>ppt_x</p:attrName>
+                                        </p:attrNameLst>
+                                      </p:cBhvr>
+                                      <p:tavLst>
+                                        <p:tav tm="0">
+                                          <p:val>
+                                            <p:strVal val="#ppt_x"/>
+                                          </p:val>
+                                        </p:tav>
+                                        <p:tav tm="100000">
+                                          <p:val>
+                                            <p:strVal val="#ppt_x"/>
+                                          </p:val>
+                                        </p:tav>
+                                      </p:tavLst>
+                                    </p:anim>
+                                    <p:anim calcmode="lin" valueType="num">
+                                      <p:cBhvr additive="base">
+                                        <p:cTn id="16" dur="500" fill="hold"/>
+                                        <p:tgtEl>
+                                          <p:spTgt spid="7"/>
+                                        </p:tgtEl>
+                                        <p:attrNameLst>
+                                          <p:attrName>ppt_y</p:attrName>
+                                        </p:attrNameLst>
+                                      </p:cBhvr>
+                                      <p:tavLst>
+                                        <p:tav tm="0">
+                                          <p:val>
+                                            <p:strVal val="1+#ppt_h/2"/>
+                                          </p:val>
+                                        </p:tav>
+                                        <p:tav tm="100000">
+                                          <p:val>
+                                            <p:strVal val="#ppt_y"/>
+                                          </p:val>
+                                        </p:tav>
+                                      </p:tavLst>
+                                    </p:anim>
+                                  </p:childTnLst>
+                                </p:cTn>
+                              </p:par>
+                            </p:childTnLst>
+                          </p:cTn>
+                        </p:par>
+                      </p:childTnLst>
+                    </p:cTn>
+                  </p:par>
+                  <p:par>
+                    <p:cTn id="17" fill="hold">
+                      <p:stCondLst>
+                        <p:cond delay="indefinite"/>
+                      </p:stCondLst>
+                      <p:childTnLst>
+                        <p:par>
+                          <p:cTn id="18" fill="hold">
+                            <p:stCondLst>
+                              <p:cond delay="0"/>
+                            </p:stCondLst>
+                            <p:childTnLst>
+                              <p:par>
+                                <p:cTn id="19" presetID="22" presetClass="entr" presetSubtype="4" fill="hold" nodeType="clickEffect">
+                                  <p:stCondLst>
+                                    <p:cond delay="0"/>
+                                  </p:stCondLst>
+                                  <p:childTnLst>
+                                    <p:set>
                                       <p:cBhvr>
-                                        <p:cTn id="16" dur="500"/>
+                                        <p:cTn id="20" dur="1" fill="hold">
+                                          <p:stCondLst>
+                                            <p:cond delay="0"/>
+                                          </p:stCondLst>
+                                        </p:cTn>
                                         <p:tgtEl>
-                                          <p:spTgt spid="6"/>
+                                          <p:spTgt spid="27"/>
+                                        </p:tgtEl>
+                                        <p:attrNameLst>
+                                          <p:attrName>style.visibility</p:attrName>
+                                        </p:attrNameLst>
+                                      </p:cBhvr>
+                                      <p:to>
+                                        <p:strVal val="visible"/>
+                                      </p:to>
+                                    </p:set>
+                                    <p:animEffect transition="in" filter="wipe(down)">
+                                      <p:cBhvr>
+                                        <p:cTn id="21" dur="500"/>
+                                        <p:tgtEl>
+                                          <p:spTgt spid="27"/>
                                         </p:tgtEl>
                                       </p:cBhvr>
                                     </p:animEffect>
@@ -14221,66 +15672,13 @@
                           </p:cTn>
                         </p:par>
                         <p:par>
-                          <p:cTn id="17" fill="hold">
+                          <p:cTn id="22" fill="hold">
                             <p:stCondLst>
                               <p:cond delay="500"/>
                             </p:stCondLst>
                             <p:childTnLst>
                               <p:par>
-                                <p:cTn id="18" presetID="22" presetClass="entr" presetSubtype="1" fill="hold" nodeType="afterEffect">
-                                  <p:stCondLst>
-                                    <p:cond delay="0"/>
-                                  </p:stCondLst>
-                                  <p:childTnLst>
-                                    <p:set>
-                                      <p:cBhvr>
-                                        <p:cTn id="19" dur="1" fill="hold">
-                                          <p:stCondLst>
-                                            <p:cond delay="0"/>
-                                          </p:stCondLst>
-                                        </p:cTn>
-                                        <p:tgtEl>
-                                          <p:spTgt spid="12"/>
-                                        </p:tgtEl>
-                                        <p:attrNameLst>
-                                          <p:attrName>style.visibility</p:attrName>
-                                        </p:attrNameLst>
-                                      </p:cBhvr>
-                                      <p:to>
-                                        <p:strVal val="visible"/>
-                                      </p:to>
-                                    </p:set>
-                                    <p:animEffect transition="in" filter="wipe(up)">
-                                      <p:cBhvr>
-                                        <p:cTn id="20" dur="500"/>
-                                        <p:tgtEl>
-                                          <p:spTgt spid="12"/>
-                                        </p:tgtEl>
-                                      </p:cBhvr>
-                                    </p:animEffect>
-                                  </p:childTnLst>
-                                </p:cTn>
-                              </p:par>
-                            </p:childTnLst>
-                          </p:cTn>
-                        </p:par>
-                      </p:childTnLst>
-                    </p:cTn>
-                  </p:par>
-                  <p:par>
-                    <p:cTn id="21" fill="hold">
-                      <p:stCondLst>
-                        <p:cond delay="indefinite"/>
-                      </p:stCondLst>
-                      <p:childTnLst>
-                        <p:par>
-                          <p:cTn id="22" fill="hold">
-                            <p:stCondLst>
-                              <p:cond delay="0"/>
-                            </p:stCondLst>
-                            <p:childTnLst>
-                              <p:par>
-                                <p:cTn id="23" presetID="22" presetClass="entr" presetSubtype="2" fill="hold" nodeType="clickEffect">
+                                <p:cTn id="23" presetID="22" presetClass="entr" presetSubtype="8" fill="hold" grpId="0" nodeType="afterEffect">
                                   <p:stCondLst>
                                     <p:cond delay="0"/>
                                   </p:stCondLst>
@@ -14293,7 +15691,7 @@
                                           </p:stCondLst>
                                         </p:cTn>
                                         <p:tgtEl>
-                                          <p:spTgt spid="14"/>
+                                          <p:spTgt spid="25"/>
                                         </p:tgtEl>
                                         <p:attrNameLst>
                                           <p:attrName>style.visibility</p:attrName>
@@ -14303,11 +15701,11 @@
                                         <p:strVal val="visible"/>
                                       </p:to>
                                     </p:set>
-                                    <p:animEffect transition="in" filter="wipe(right)">
+                                    <p:animEffect transition="in" filter="wipe(left)">
                                       <p:cBhvr>
                                         <p:cTn id="25" dur="500"/>
                                         <p:tgtEl>
-                                          <p:spTgt spid="14"/>
+                                          <p:spTgt spid="25"/>
                                         </p:tgtEl>
                                       </p:cBhvr>
                                     </p:animEffect>
@@ -14333,7 +15731,7 @@
                             </p:stCondLst>
                             <p:childTnLst>
                               <p:par>
-                                <p:cTn id="28" presetID="22" presetClass="entr" presetSubtype="2" fill="hold" nodeType="clickEffect">
+                                <p:cTn id="28" presetID="22" presetClass="entr" presetSubtype="1" fill="hold" grpId="0" nodeType="clickEffect">
                                   <p:stCondLst>
                                     <p:cond delay="0"/>
                                   </p:stCondLst>
@@ -14341,6 +15739,156 @@
                                     <p:set>
                                       <p:cBhvr>
                                         <p:cTn id="29" dur="1" fill="hold">
+                                          <p:stCondLst>
+                                            <p:cond delay="0"/>
+                                          </p:stCondLst>
+                                        </p:cTn>
+                                        <p:tgtEl>
+                                          <p:spTgt spid="11"/>
+                                        </p:tgtEl>
+                                        <p:attrNameLst>
+                                          <p:attrName>style.visibility</p:attrName>
+                                        </p:attrNameLst>
+                                      </p:cBhvr>
+                                      <p:to>
+                                        <p:strVal val="visible"/>
+                                      </p:to>
+                                    </p:set>
+                                    <p:animEffect transition="in" filter="wipe(up)">
+                                      <p:cBhvr>
+                                        <p:cTn id="30" dur="500"/>
+                                        <p:tgtEl>
+                                          <p:spTgt spid="11"/>
+                                        </p:tgtEl>
+                                      </p:cBhvr>
+                                    </p:animEffect>
+                                  </p:childTnLst>
+                                </p:cTn>
+                              </p:par>
+                            </p:childTnLst>
+                          </p:cTn>
+                        </p:par>
+                        <p:par>
+                          <p:cTn id="31" fill="hold">
+                            <p:stCondLst>
+                              <p:cond delay="500"/>
+                            </p:stCondLst>
+                            <p:childTnLst>
+                              <p:par>
+                                <p:cTn id="32" presetID="22" presetClass="entr" presetSubtype="1" fill="hold" nodeType="afterEffect">
+                                  <p:stCondLst>
+                                    <p:cond delay="0"/>
+                                  </p:stCondLst>
+                                  <p:childTnLst>
+                                    <p:set>
+                                      <p:cBhvr>
+                                        <p:cTn id="33" dur="1" fill="hold">
+                                          <p:stCondLst>
+                                            <p:cond delay="0"/>
+                                          </p:stCondLst>
+                                        </p:cTn>
+                                        <p:tgtEl>
+                                          <p:spTgt spid="21"/>
+                                        </p:tgtEl>
+                                        <p:attrNameLst>
+                                          <p:attrName>style.visibility</p:attrName>
+                                        </p:attrNameLst>
+                                      </p:cBhvr>
+                                      <p:to>
+                                        <p:strVal val="visible"/>
+                                      </p:to>
+                                    </p:set>
+                                    <p:animEffect transition="in" filter="wipe(up)">
+                                      <p:cBhvr>
+                                        <p:cTn id="34" dur="500"/>
+                                        <p:tgtEl>
+                                          <p:spTgt spid="21"/>
+                                        </p:tgtEl>
+                                      </p:cBhvr>
+                                    </p:animEffect>
+                                  </p:childTnLst>
+                                </p:cTn>
+                              </p:par>
+                            </p:childTnLst>
+                          </p:cTn>
+                        </p:par>
+                      </p:childTnLst>
+                    </p:cTn>
+                  </p:par>
+                  <p:par>
+                    <p:cTn id="35" fill="hold">
+                      <p:stCondLst>
+                        <p:cond delay="indefinite"/>
+                      </p:stCondLst>
+                      <p:childTnLst>
+                        <p:par>
+                          <p:cTn id="36" fill="hold">
+                            <p:stCondLst>
+                              <p:cond delay="0"/>
+                            </p:stCondLst>
+                            <p:childTnLst>
+                              <p:par>
+                                <p:cTn id="37" presetID="22" presetClass="entr" presetSubtype="2" fill="hold" nodeType="clickEffect">
+                                  <p:stCondLst>
+                                    <p:cond delay="0"/>
+                                  </p:stCondLst>
+                                  <p:childTnLst>
+                                    <p:set>
+                                      <p:cBhvr>
+                                        <p:cTn id="38" dur="1" fill="hold">
+                                          <p:stCondLst>
+                                            <p:cond delay="0"/>
+                                          </p:stCondLst>
+                                        </p:cTn>
+                                        <p:tgtEl>
+                                          <p:spTgt spid="14"/>
+                                        </p:tgtEl>
+                                        <p:attrNameLst>
+                                          <p:attrName>style.visibility</p:attrName>
+                                        </p:attrNameLst>
+                                      </p:cBhvr>
+                                      <p:to>
+                                        <p:strVal val="visible"/>
+                                      </p:to>
+                                    </p:set>
+                                    <p:animEffect transition="in" filter="wipe(right)">
+                                      <p:cBhvr>
+                                        <p:cTn id="39" dur="500"/>
+                                        <p:tgtEl>
+                                          <p:spTgt spid="14"/>
+                                        </p:tgtEl>
+                                      </p:cBhvr>
+                                    </p:animEffect>
+                                  </p:childTnLst>
+                                </p:cTn>
+                              </p:par>
+                            </p:childTnLst>
+                          </p:cTn>
+                        </p:par>
+                      </p:childTnLst>
+                    </p:cTn>
+                  </p:par>
+                  <p:par>
+                    <p:cTn id="40" fill="hold">
+                      <p:stCondLst>
+                        <p:cond delay="indefinite"/>
+                      </p:stCondLst>
+                      <p:childTnLst>
+                        <p:par>
+                          <p:cTn id="41" fill="hold">
+                            <p:stCondLst>
+                              <p:cond delay="0"/>
+                            </p:stCondLst>
+                            <p:childTnLst>
+                              <p:par>
+                                <p:cTn id="42" presetID="22" presetClass="entr" presetSubtype="2" fill="hold" nodeType="clickEffect">
+                                  <p:stCondLst>
+                                    <p:cond delay="0"/>
+                                  </p:stCondLst>
+                                  <p:childTnLst>
+                                    <p:set>
+                                      <p:cBhvr>
+                                        <p:cTn id="43" dur="1" fill="hold">
                                           <p:stCondLst>
                                             <p:cond delay="0"/>
                                           </p:stCondLst>
@@ -14358,9 +15906,647 @@
                                     </p:set>
                                     <p:animEffect transition="in" filter="wipe(right)">
                                       <p:cBhvr>
-                                        <p:cTn id="30" dur="500"/>
+                                        <p:cTn id="44" dur="500"/>
                                         <p:tgtEl>
                                           <p:spTgt spid="17"/>
+                                        </p:tgtEl>
+                                      </p:cBhvr>
+                                    </p:animEffect>
+                                  </p:childTnLst>
+                                </p:cTn>
+                              </p:par>
+                            </p:childTnLst>
+                          </p:cTn>
+                        </p:par>
+                      </p:childTnLst>
+                    </p:cTn>
+                  </p:par>
+                  <p:par>
+                    <p:cTn id="45" fill="hold">
+                      <p:stCondLst>
+                        <p:cond delay="indefinite"/>
+                      </p:stCondLst>
+                      <p:childTnLst>
+                        <p:par>
+                          <p:cTn id="46" fill="hold">
+                            <p:stCondLst>
+                              <p:cond delay="0"/>
+                            </p:stCondLst>
+                            <p:childTnLst>
+                              <p:par>
+                                <p:cTn id="47" presetID="22" presetClass="entr" presetSubtype="2" fill="hold" nodeType="clickEffect">
+                                  <p:stCondLst>
+                                    <p:cond delay="0"/>
+                                  </p:stCondLst>
+                                  <p:childTnLst>
+                                    <p:set>
+                                      <p:cBhvr>
+                                        <p:cTn id="48" dur="1" fill="hold">
+                                          <p:stCondLst>
+                                            <p:cond delay="0"/>
+                                          </p:stCondLst>
+                                        </p:cTn>
+                                        <p:tgtEl>
+                                          <p:spTgt spid="49"/>
+                                        </p:tgtEl>
+                                        <p:attrNameLst>
+                                          <p:attrName>style.visibility</p:attrName>
+                                        </p:attrNameLst>
+                                      </p:cBhvr>
+                                      <p:to>
+                                        <p:strVal val="visible"/>
+                                      </p:to>
+                                    </p:set>
+                                    <p:animEffect transition="in" filter="wipe(right)">
+                                      <p:cBhvr>
+                                        <p:cTn id="49" dur="500"/>
+                                        <p:tgtEl>
+                                          <p:spTgt spid="49"/>
+                                        </p:tgtEl>
+                                      </p:cBhvr>
+                                    </p:animEffect>
+                                  </p:childTnLst>
+                                </p:cTn>
+                              </p:par>
+                            </p:childTnLst>
+                          </p:cTn>
+                        </p:par>
+                      </p:childTnLst>
+                    </p:cTn>
+                  </p:par>
+                  <p:par>
+                    <p:cTn id="50" fill="hold">
+                      <p:stCondLst>
+                        <p:cond delay="indefinite"/>
+                      </p:stCondLst>
+                      <p:childTnLst>
+                        <p:par>
+                          <p:cTn id="51" fill="hold">
+                            <p:stCondLst>
+                              <p:cond delay="0"/>
+                            </p:stCondLst>
+                            <p:childTnLst>
+                              <p:par>
+                                <p:cTn id="52" presetID="22" presetClass="entr" presetSubtype="1" fill="hold" nodeType="clickEffect">
+                                  <p:stCondLst>
+                                    <p:cond delay="0"/>
+                                  </p:stCondLst>
+                                  <p:childTnLst>
+                                    <p:set>
+                                      <p:cBhvr>
+                                        <p:cTn id="53" dur="1" fill="hold">
+                                          <p:stCondLst>
+                                            <p:cond delay="0"/>
+                                          </p:stCondLst>
+                                        </p:cTn>
+                                        <p:tgtEl>
+                                          <p:spTgt spid="6"/>
+                                        </p:tgtEl>
+                                        <p:attrNameLst>
+                                          <p:attrName>style.visibility</p:attrName>
+                                        </p:attrNameLst>
+                                      </p:cBhvr>
+                                      <p:to>
+                                        <p:strVal val="visible"/>
+                                      </p:to>
+                                    </p:set>
+                                    <p:animEffect transition="in" filter="wipe(up)">
+                                      <p:cBhvr>
+                                        <p:cTn id="54" dur="500"/>
+                                        <p:tgtEl>
+                                          <p:spTgt spid="6"/>
+                                        </p:tgtEl>
+                                      </p:cBhvr>
+                                    </p:animEffect>
+                                  </p:childTnLst>
+                                </p:cTn>
+                              </p:par>
+                            </p:childTnLst>
+                          </p:cTn>
+                        </p:par>
+                        <p:par>
+                          <p:cTn id="55" fill="hold">
+                            <p:stCondLst>
+                              <p:cond delay="500"/>
+                            </p:stCondLst>
+                            <p:childTnLst>
+                              <p:par>
+                                <p:cTn id="56" presetID="22" presetClass="entr" presetSubtype="1" fill="hold" nodeType="afterEffect">
+                                  <p:stCondLst>
+                                    <p:cond delay="0"/>
+                                  </p:stCondLst>
+                                  <p:childTnLst>
+                                    <p:set>
+                                      <p:cBhvr>
+                                        <p:cTn id="57" dur="1" fill="hold">
+                                          <p:stCondLst>
+                                            <p:cond delay="0"/>
+                                          </p:stCondLst>
+                                        </p:cTn>
+                                        <p:tgtEl>
+                                          <p:spTgt spid="12"/>
+                                        </p:tgtEl>
+                                        <p:attrNameLst>
+                                          <p:attrName>style.visibility</p:attrName>
+                                        </p:attrNameLst>
+                                      </p:cBhvr>
+                                      <p:to>
+                                        <p:strVal val="visible"/>
+                                      </p:to>
+                                    </p:set>
+                                    <p:animEffect transition="in" filter="wipe(up)">
+                                      <p:cBhvr>
+                                        <p:cTn id="58" dur="500"/>
+                                        <p:tgtEl>
+                                          <p:spTgt spid="12"/>
+                                        </p:tgtEl>
+                                      </p:cBhvr>
+                                    </p:animEffect>
+                                  </p:childTnLst>
+                                </p:cTn>
+                              </p:par>
+                            </p:childTnLst>
+                          </p:cTn>
+                        </p:par>
+                        <p:par>
+                          <p:cTn id="59" fill="hold">
+                            <p:stCondLst>
+                              <p:cond delay="1000"/>
+                            </p:stCondLst>
+                            <p:childTnLst>
+                              <p:par>
+                                <p:cTn id="60" presetID="2" presetClass="entr" presetSubtype="4" fill="hold" grpId="0" nodeType="afterEffect">
+                                  <p:stCondLst>
+                                    <p:cond delay="0"/>
+                                  </p:stCondLst>
+                                  <p:childTnLst>
+                                    <p:set>
+                                      <p:cBhvr>
+                                        <p:cTn id="61" dur="1" fill="hold">
+                                          <p:stCondLst>
+                                            <p:cond delay="0"/>
+                                          </p:stCondLst>
+                                        </p:cTn>
+                                        <p:tgtEl>
+                                          <p:spTgt spid="9"/>
+                                        </p:tgtEl>
+                                        <p:attrNameLst>
+                                          <p:attrName>style.visibility</p:attrName>
+                                        </p:attrNameLst>
+                                      </p:cBhvr>
+                                      <p:to>
+                                        <p:strVal val="visible"/>
+                                      </p:to>
+                                    </p:set>
+                                    <p:anim calcmode="lin" valueType="num">
+                                      <p:cBhvr additive="base">
+                                        <p:cTn id="62" dur="500" fill="hold"/>
+                                        <p:tgtEl>
+                                          <p:spTgt spid="9"/>
+                                        </p:tgtEl>
+                                        <p:attrNameLst>
+                                          <p:attrName>ppt_x</p:attrName>
+                                        </p:attrNameLst>
+                                      </p:cBhvr>
+                                      <p:tavLst>
+                                        <p:tav tm="0">
+                                          <p:val>
+                                            <p:strVal val="#ppt_x"/>
+                                          </p:val>
+                                        </p:tav>
+                                        <p:tav tm="100000">
+                                          <p:val>
+                                            <p:strVal val="#ppt_x"/>
+                                          </p:val>
+                                        </p:tav>
+                                      </p:tavLst>
+                                    </p:anim>
+                                    <p:anim calcmode="lin" valueType="num">
+                                      <p:cBhvr additive="base">
+                                        <p:cTn id="63" dur="500" fill="hold"/>
+                                        <p:tgtEl>
+                                          <p:spTgt spid="9"/>
+                                        </p:tgtEl>
+                                        <p:attrNameLst>
+                                          <p:attrName>ppt_y</p:attrName>
+                                        </p:attrNameLst>
+                                      </p:cBhvr>
+                                      <p:tavLst>
+                                        <p:tav tm="0">
+                                          <p:val>
+                                            <p:strVal val="1+#ppt_h/2"/>
+                                          </p:val>
+                                        </p:tav>
+                                        <p:tav tm="100000">
+                                          <p:val>
+                                            <p:strVal val="#ppt_y"/>
+                                          </p:val>
+                                        </p:tav>
+                                      </p:tavLst>
+                                    </p:anim>
+                                  </p:childTnLst>
+                                </p:cTn>
+                              </p:par>
+                            </p:childTnLst>
+                          </p:cTn>
+                        </p:par>
+                      </p:childTnLst>
+                    </p:cTn>
+                  </p:par>
+                  <p:par>
+                    <p:cTn id="64" fill="hold">
+                      <p:stCondLst>
+                        <p:cond delay="indefinite"/>
+                      </p:stCondLst>
+                      <p:childTnLst>
+                        <p:par>
+                          <p:cTn id="65" fill="hold">
+                            <p:stCondLst>
+                              <p:cond delay="0"/>
+                            </p:stCondLst>
+                            <p:childTnLst>
+                              <p:par>
+                                <p:cTn id="66" presetID="22" presetClass="entr" presetSubtype="4" fill="hold" nodeType="clickEffect">
+                                  <p:stCondLst>
+                                    <p:cond delay="0"/>
+                                  </p:stCondLst>
+                                  <p:childTnLst>
+                                    <p:set>
+                                      <p:cBhvr>
+                                        <p:cTn id="67" dur="1" fill="hold">
+                                          <p:stCondLst>
+                                            <p:cond delay="0"/>
+                                          </p:stCondLst>
+                                        </p:cTn>
+                                        <p:tgtEl>
+                                          <p:spTgt spid="34"/>
+                                        </p:tgtEl>
+                                        <p:attrNameLst>
+                                          <p:attrName>style.visibility</p:attrName>
+                                        </p:attrNameLst>
+                                      </p:cBhvr>
+                                      <p:to>
+                                        <p:strVal val="visible"/>
+                                      </p:to>
+                                    </p:set>
+                                    <p:animEffect transition="in" filter="wipe(down)">
+                                      <p:cBhvr>
+                                        <p:cTn id="68" dur="500"/>
+                                        <p:tgtEl>
+                                          <p:spTgt spid="34"/>
+                                        </p:tgtEl>
+                                      </p:cBhvr>
+                                    </p:animEffect>
+                                  </p:childTnLst>
+                                </p:cTn>
+                              </p:par>
+                            </p:childTnLst>
+                          </p:cTn>
+                        </p:par>
+                        <p:par>
+                          <p:cTn id="69" fill="hold">
+                            <p:stCondLst>
+                              <p:cond delay="500"/>
+                            </p:stCondLst>
+                            <p:childTnLst>
+                              <p:par>
+                                <p:cTn id="70" presetID="22" presetClass="entr" presetSubtype="1" fill="hold" grpId="0" nodeType="afterEffect">
+                                  <p:stCondLst>
+                                    <p:cond delay="0"/>
+                                  </p:stCondLst>
+                                  <p:childTnLst>
+                                    <p:set>
+                                      <p:cBhvr>
+                                        <p:cTn id="71" dur="1" fill="hold">
+                                          <p:stCondLst>
+                                            <p:cond delay="0"/>
+                                          </p:stCondLst>
+                                        </p:cTn>
+                                        <p:tgtEl>
+                                          <p:spTgt spid="31"/>
+                                        </p:tgtEl>
+                                        <p:attrNameLst>
+                                          <p:attrName>style.visibility</p:attrName>
+                                        </p:attrNameLst>
+                                      </p:cBhvr>
+                                      <p:to>
+                                        <p:strVal val="visible"/>
+                                      </p:to>
+                                    </p:set>
+                                    <p:animEffect transition="in" filter="wipe(up)">
+                                      <p:cBhvr>
+                                        <p:cTn id="72" dur="500"/>
+                                        <p:tgtEl>
+                                          <p:spTgt spid="31"/>
+                                        </p:tgtEl>
+                                      </p:cBhvr>
+                                    </p:animEffect>
+                                  </p:childTnLst>
+                                </p:cTn>
+                              </p:par>
+                            </p:childTnLst>
+                          </p:cTn>
+                        </p:par>
+                      </p:childTnLst>
+                    </p:cTn>
+                  </p:par>
+                  <p:par>
+                    <p:cTn id="73" fill="hold">
+                      <p:stCondLst>
+                        <p:cond delay="indefinite"/>
+                      </p:stCondLst>
+                      <p:childTnLst>
+                        <p:par>
+                          <p:cTn id="74" fill="hold">
+                            <p:stCondLst>
+                              <p:cond delay="0"/>
+                            </p:stCondLst>
+                            <p:childTnLst>
+                              <p:par>
+                                <p:cTn id="75" presetID="22" presetClass="entr" presetSubtype="8" fill="hold" grpId="0" nodeType="clickEffect">
+                                  <p:stCondLst>
+                                    <p:cond delay="0"/>
+                                  </p:stCondLst>
+                                  <p:childTnLst>
+                                    <p:set>
+                                      <p:cBhvr>
+                                        <p:cTn id="76" dur="1" fill="hold">
+                                          <p:stCondLst>
+                                            <p:cond delay="0"/>
+                                          </p:stCondLst>
+                                        </p:cTn>
+                                        <p:tgtEl>
+                                          <p:spTgt spid="30"/>
+                                        </p:tgtEl>
+                                        <p:attrNameLst>
+                                          <p:attrName>style.visibility</p:attrName>
+                                        </p:attrNameLst>
+                                      </p:cBhvr>
+                                      <p:to>
+                                        <p:strVal val="visible"/>
+                                      </p:to>
+                                    </p:set>
+                                    <p:animEffect transition="in" filter="wipe(left)">
+                                      <p:cBhvr>
+                                        <p:cTn id="77" dur="500"/>
+                                        <p:tgtEl>
+                                          <p:spTgt spid="30"/>
+                                        </p:tgtEl>
+                                      </p:cBhvr>
+                                    </p:animEffect>
+                                  </p:childTnLst>
+                                </p:cTn>
+                              </p:par>
+                            </p:childTnLst>
+                          </p:cTn>
+                        </p:par>
+                        <p:par>
+                          <p:cTn id="78" fill="hold">
+                            <p:stCondLst>
+                              <p:cond delay="500"/>
+                            </p:stCondLst>
+                            <p:childTnLst>
+                              <p:par>
+                                <p:cTn id="79" presetID="22" presetClass="entr" presetSubtype="1" fill="hold" nodeType="afterEffect">
+                                  <p:stCondLst>
+                                    <p:cond delay="0"/>
+                                  </p:stCondLst>
+                                  <p:childTnLst>
+                                    <p:set>
+                                      <p:cBhvr>
+                                        <p:cTn id="80" dur="1" fill="hold">
+                                          <p:stCondLst>
+                                            <p:cond delay="0"/>
+                                          </p:stCondLst>
+                                        </p:cTn>
+                                        <p:tgtEl>
+                                          <p:spTgt spid="37"/>
+                                        </p:tgtEl>
+                                        <p:attrNameLst>
+                                          <p:attrName>style.visibility</p:attrName>
+                                        </p:attrNameLst>
+                                      </p:cBhvr>
+                                      <p:to>
+                                        <p:strVal val="visible"/>
+                                      </p:to>
+                                    </p:set>
+                                    <p:animEffect transition="in" filter="wipe(up)">
+                                      <p:cBhvr>
+                                        <p:cTn id="81" dur="500"/>
+                                        <p:tgtEl>
+                                          <p:spTgt spid="37"/>
+                                        </p:tgtEl>
+                                      </p:cBhvr>
+                                    </p:animEffect>
+                                  </p:childTnLst>
+                                </p:cTn>
+                              </p:par>
+                            </p:childTnLst>
+                          </p:cTn>
+                        </p:par>
+                      </p:childTnLst>
+                    </p:cTn>
+                  </p:par>
+                  <p:par>
+                    <p:cTn id="82" fill="hold">
+                      <p:stCondLst>
+                        <p:cond delay="indefinite"/>
+                      </p:stCondLst>
+                      <p:childTnLst>
+                        <p:par>
+                          <p:cTn id="83" fill="hold">
+                            <p:stCondLst>
+                              <p:cond delay="0"/>
+                            </p:stCondLst>
+                            <p:childTnLst>
+                              <p:par>
+                                <p:cTn id="84" presetID="22" presetClass="entr" presetSubtype="2" fill="hold" nodeType="clickEffect">
+                                  <p:stCondLst>
+                                    <p:cond delay="0"/>
+                                  </p:stCondLst>
+                                  <p:childTnLst>
+                                    <p:set>
+                                      <p:cBhvr>
+                                        <p:cTn id="85" dur="1" fill="hold">
+                                          <p:stCondLst>
+                                            <p:cond delay="0"/>
+                                          </p:stCondLst>
+                                        </p:cTn>
+                                        <p:tgtEl>
+                                          <p:spTgt spid="52"/>
+                                        </p:tgtEl>
+                                        <p:attrNameLst>
+                                          <p:attrName>style.visibility</p:attrName>
+                                        </p:attrNameLst>
+                                      </p:cBhvr>
+                                      <p:to>
+                                        <p:strVal val="visible"/>
+                                      </p:to>
+                                    </p:set>
+                                    <p:animEffect transition="in" filter="wipe(right)">
+                                      <p:cBhvr>
+                                        <p:cTn id="86" dur="500"/>
+                                        <p:tgtEl>
+                                          <p:spTgt spid="52"/>
+                                        </p:tgtEl>
+                                      </p:cBhvr>
+                                    </p:animEffect>
+                                  </p:childTnLst>
+                                </p:cTn>
+                              </p:par>
+                            </p:childTnLst>
+                          </p:cTn>
+                        </p:par>
+                      </p:childTnLst>
+                    </p:cTn>
+                  </p:par>
+                  <p:par>
+                    <p:cTn id="87" fill="hold">
+                      <p:stCondLst>
+                        <p:cond delay="indefinite"/>
+                      </p:stCondLst>
+                      <p:childTnLst>
+                        <p:par>
+                          <p:cTn id="88" fill="hold">
+                            <p:stCondLst>
+                              <p:cond delay="0"/>
+                            </p:stCondLst>
+                            <p:childTnLst>
+                              <p:par>
+                                <p:cTn id="89" presetID="22" presetClass="entr" presetSubtype="2" fill="hold" nodeType="clickEffect">
+                                  <p:stCondLst>
+                                    <p:cond delay="0"/>
+                                  </p:stCondLst>
+                                  <p:childTnLst>
+                                    <p:set>
+                                      <p:cBhvr>
+                                        <p:cTn id="90" dur="1" fill="hold">
+                                          <p:stCondLst>
+                                            <p:cond delay="0"/>
+                                          </p:stCondLst>
+                                        </p:cTn>
+                                        <p:tgtEl>
+                                          <p:spTgt spid="55"/>
+                                        </p:tgtEl>
+                                        <p:attrNameLst>
+                                          <p:attrName>style.visibility</p:attrName>
+                                        </p:attrNameLst>
+                                      </p:cBhvr>
+                                      <p:to>
+                                        <p:strVal val="visible"/>
+                                      </p:to>
+                                    </p:set>
+                                    <p:animEffect transition="in" filter="wipe(right)">
+                                      <p:cBhvr>
+                                        <p:cTn id="91" dur="500"/>
+                                        <p:tgtEl>
+                                          <p:spTgt spid="55"/>
+                                        </p:tgtEl>
+                                      </p:cBhvr>
+                                    </p:animEffect>
+                                  </p:childTnLst>
+                                </p:cTn>
+                              </p:par>
+                            </p:childTnLst>
+                          </p:cTn>
+                        </p:par>
+                      </p:childTnLst>
+                    </p:cTn>
+                  </p:par>
+                  <p:par>
+                    <p:cTn id="92" fill="hold">
+                      <p:stCondLst>
+                        <p:cond delay="indefinite"/>
+                      </p:stCondLst>
+                      <p:childTnLst>
+                        <p:par>
+                          <p:cTn id="93" fill="hold">
+                            <p:stCondLst>
+                              <p:cond delay="0"/>
+                            </p:stCondLst>
+                            <p:childTnLst>
+                              <p:par>
+                                <p:cTn id="94" presetID="22" presetClass="entr" presetSubtype="2" fill="hold" nodeType="clickEffect">
+                                  <p:stCondLst>
+                                    <p:cond delay="0"/>
+                                  </p:stCondLst>
+                                  <p:childTnLst>
+                                    <p:set>
+                                      <p:cBhvr>
+                                        <p:cTn id="95" dur="1" fill="hold">
+                                          <p:stCondLst>
+                                            <p:cond delay="0"/>
+                                          </p:stCondLst>
+                                        </p:cTn>
+                                        <p:tgtEl>
+                                          <p:spTgt spid="61"/>
+                                        </p:tgtEl>
+                                        <p:attrNameLst>
+                                          <p:attrName>style.visibility</p:attrName>
+                                        </p:attrNameLst>
+                                      </p:cBhvr>
+                                      <p:to>
+                                        <p:strVal val="visible"/>
+                                      </p:to>
+                                    </p:set>
+                                    <p:animEffect transition="in" filter="wipe(right)">
+                                      <p:cBhvr>
+                                        <p:cTn id="96" dur="500"/>
+                                        <p:tgtEl>
+                                          <p:spTgt spid="61"/>
+                                        </p:tgtEl>
+                                      </p:cBhvr>
+                                    </p:animEffect>
+                                  </p:childTnLst>
+                                </p:cTn>
+                              </p:par>
+                            </p:childTnLst>
+                          </p:cTn>
+                        </p:par>
+                      </p:childTnLst>
+                    </p:cTn>
+                  </p:par>
+                  <p:par>
+                    <p:cTn id="97" fill="hold">
+                      <p:stCondLst>
+                        <p:cond delay="indefinite"/>
+                      </p:stCondLst>
+                      <p:childTnLst>
+                        <p:par>
+                          <p:cTn id="98" fill="hold">
+                            <p:stCondLst>
+                              <p:cond delay="0"/>
+                            </p:stCondLst>
+                            <p:childTnLst>
+                              <p:par>
+                                <p:cTn id="99" presetID="22" presetClass="entr" presetSubtype="2" fill="hold" nodeType="clickEffect">
+                                  <p:stCondLst>
+                                    <p:cond delay="0"/>
+                                  </p:stCondLst>
+                                  <p:childTnLst>
+                                    <p:set>
+                                      <p:cBhvr>
+                                        <p:cTn id="100" dur="1" fill="hold">
+                                          <p:stCondLst>
+                                            <p:cond delay="0"/>
+                                          </p:stCondLst>
+                                        </p:cTn>
+                                        <p:tgtEl>
+                                          <p:spTgt spid="58"/>
+                                        </p:tgtEl>
+                                        <p:attrNameLst>
+                                          <p:attrName>style.visibility</p:attrName>
+                                        </p:attrNameLst>
+                                      </p:cBhvr>
+                                      <p:to>
+                                        <p:strVal val="visible"/>
+                                      </p:to>
+                                    </p:set>
+                                    <p:animEffect transition="in" filter="wipe(right)">
+                                      <p:cBhvr>
+                                        <p:cTn id="101" dur="500"/>
+                                        <p:tgtEl>
+                                          <p:spTgt spid="58"/>
                                         </p:tgtEl>
                                       </p:cBhvr>
                                     </p:animEffect>
@@ -14394,6 +16580,14 @@
         </p:cTn>
       </p:par>
     </p:tnLst>
+    <p:bldLst>
+      <p:bldP spid="7" grpId="0"/>
+      <p:bldP spid="9" grpId="0"/>
+      <p:bldP spid="11" grpId="0" animBg="1"/>
+      <p:bldP spid="25" grpId="0" animBg="1"/>
+      <p:bldP spid="30" grpId="0" animBg="1"/>
+      <p:bldP spid="31" grpId="0" animBg="1"/>
+    </p:bldLst>
   </p:timing>
 </p:sld>
 </file>
@@ -15539,12 +17733,36 @@
           <a:p>
             <a:pPr algn="ctr"/>
             <a:r>
+              <a:rPr lang="en-US" b="1" dirty="0">
+                <a:solidFill>
+                  <a:srgbClr val="7030A0"/>
+                </a:solidFill>
+              </a:rPr>
+              <a:t>Truncated</a:t>
+            </a:r>
+            <a:r>
               <a:rPr lang="en-US" dirty="0">
                 <a:solidFill>
                   <a:srgbClr val="7030A0"/>
                 </a:solidFill>
               </a:rPr>
-              <a:t>Truncated infinite CFs, when decoded, will only return an approximation of the original real number</a:t>
+              <a:t> infinite CFs, when decoded, will only return an </a:t>
+            </a:r>
+            <a:r>
+              <a:rPr lang="en-US" i="1" dirty="0">
+                <a:solidFill>
+                  <a:srgbClr val="7030A0"/>
+                </a:solidFill>
+              </a:rPr>
+              <a:t>approximation</a:t>
+            </a:r>
+            <a:r>
+              <a:rPr lang="en-US" dirty="0">
+                <a:solidFill>
+                  <a:srgbClr val="7030A0"/>
+                </a:solidFill>
+              </a:rPr>
+              <a:t> of the original real number</a:t>
             </a:r>
           </a:p>
         </p:txBody>
@@ -16141,6 +18359,489 @@
           </a:fontRef>
         </p:style>
       </p:cxnSp>
+      <mc:AlternateContent xmlns:mc="http://schemas.openxmlformats.org/markup-compatibility/2006">
+        <mc:Choice xmlns:a14="http://schemas.microsoft.com/office/drawing/2010/main" Requires="a14">
+          <p:sp>
+            <p:nvSpPr>
+              <p:cNvPr id="3" name="TextBox 2">
+                <a:extLst>
+                  <a:ext uri="{FF2B5EF4-FFF2-40B4-BE49-F238E27FC236}">
+                    <a16:creationId xmlns:a16="http://schemas.microsoft.com/office/drawing/2014/main" id="{EC1E85DB-EF04-6677-E5B9-0FBC10CE0E28}"/>
+                  </a:ext>
+                </a:extLst>
+              </p:cNvPr>
+              <p:cNvSpPr txBox="1"/>
+              <p:nvPr/>
+            </p:nvSpPr>
+            <p:spPr>
+              <a:xfrm>
+                <a:off x="380421" y="2192400"/>
+                <a:ext cx="203261" cy="189219"/>
+              </a:xfrm>
+              <a:prstGeom prst="rect">
+                <a:avLst/>
+              </a:prstGeom>
+              <a:noFill/>
+            </p:spPr>
+            <p:txBody>
+              <a:bodyPr wrap="none" lIns="0" tIns="0" rIns="0" bIns="0" rtlCol="0">
+                <a:spAutoFit/>
+              </a:bodyPr>
+              <a:lstStyle/>
+              <a:p>
+                <a14:m>
+                  <m:oMathPara xmlns:m="http://schemas.openxmlformats.org/officeDocument/2006/math">
+                    <m:oMathParaPr>
+                      <m:jc m:val="centerGroup"/>
+                    </m:oMathParaPr>
+                    <m:oMath xmlns:m="http://schemas.openxmlformats.org/officeDocument/2006/math">
+                      <m:rad>
+                        <m:radPr>
+                          <m:degHide m:val="on"/>
+                          <m:ctrlPr>
+                            <a:rPr lang="en-US" sz="1100" i="1" smtClean="0">
+                              <a:ln>
+                                <a:solidFill>
+                                  <a:srgbClr val="7030A0"/>
+                                </a:solidFill>
+                              </a:ln>
+                              <a:solidFill>
+                                <a:srgbClr val="7030A0"/>
+                              </a:solidFill>
+                              <a:latin typeface="Cambria Math" panose="02040503050406030204" pitchFamily="18" charset="0"/>
+                            </a:rPr>
+                          </m:ctrlPr>
+                        </m:radPr>
+                        <m:deg/>
+                        <m:e>
+                          <m:r>
+                            <a:rPr lang="en-US" sz="1100" b="0" i="1" smtClean="0">
+                              <a:ln>
+                                <a:solidFill>
+                                  <a:srgbClr val="7030A0"/>
+                                </a:solidFill>
+                              </a:ln>
+                              <a:solidFill>
+                                <a:srgbClr val="7030A0"/>
+                              </a:solidFill>
+                              <a:latin typeface="Cambria Math" panose="02040503050406030204" pitchFamily="18" charset="0"/>
+                            </a:rPr>
+                            <m:t>2</m:t>
+                          </m:r>
+                        </m:e>
+                      </m:rad>
+                    </m:oMath>
+                  </m:oMathPara>
+                </a14:m>
+                <a:endParaRPr lang="en-US" sz="1100" dirty="0">
+                  <a:ln>
+                    <a:solidFill>
+                      <a:srgbClr val="7030A0"/>
+                    </a:solidFill>
+                  </a:ln>
+                  <a:solidFill>
+                    <a:srgbClr val="7030A0"/>
+                  </a:solidFill>
+                </a:endParaRPr>
+              </a:p>
+            </p:txBody>
+          </p:sp>
+        </mc:Choice>
+        <mc:Fallback>
+          <p:sp>
+            <p:nvSpPr>
+              <p:cNvPr id="3" name="TextBox 2">
+                <a:extLst>
+                  <a:ext uri="{FF2B5EF4-FFF2-40B4-BE49-F238E27FC236}">
+                    <a16:creationId xmlns:a16="http://schemas.microsoft.com/office/drawing/2014/main" id="{EC1E85DB-EF04-6677-E5B9-0FBC10CE0E28}"/>
+                  </a:ext>
+                </a:extLst>
+              </p:cNvPr>
+              <p:cNvSpPr txBox="1">
+                <a:spLocks noRot="1" noChangeAspect="1" noMove="1" noResize="1" noEditPoints="1" noAdjustHandles="1" noChangeArrowheads="1" noChangeShapeType="1" noTextEdit="1"/>
+              </p:cNvSpPr>
+              <p:nvPr/>
+            </p:nvSpPr>
+            <p:spPr>
+              <a:xfrm>
+                <a:off x="380421" y="2192400"/>
+                <a:ext cx="203261" cy="189219"/>
+              </a:xfrm>
+              <a:prstGeom prst="rect">
+                <a:avLst/>
+              </a:prstGeom>
+              <a:blipFill>
+                <a:blip r:embed="rId7"/>
+                <a:stretch>
+                  <a:fillRect/>
+                </a:stretch>
+              </a:blipFill>
+            </p:spPr>
+            <p:txBody>
+              <a:bodyPr/>
+              <a:lstStyle/>
+              <a:p>
+                <a:r>
+                  <a:rPr lang="en-US">
+                    <a:noFill/>
+                  </a:rPr>
+                  <a:t> </a:t>
+                </a:r>
+              </a:p>
+            </p:txBody>
+          </p:sp>
+        </mc:Fallback>
+      </mc:AlternateContent>
+      <mc:AlternateContent xmlns:mc="http://schemas.openxmlformats.org/markup-compatibility/2006">
+        <mc:Choice xmlns:a14="http://schemas.microsoft.com/office/drawing/2010/main" Requires="a14">
+          <p:sp>
+            <p:nvSpPr>
+              <p:cNvPr id="6" name="TextBox 5">
+                <a:extLst>
+                  <a:ext uri="{FF2B5EF4-FFF2-40B4-BE49-F238E27FC236}">
+                    <a16:creationId xmlns:a16="http://schemas.microsoft.com/office/drawing/2014/main" id="{021C6AA8-7556-4DAF-CC38-73FE40EA4D2C}"/>
+                  </a:ext>
+                </a:extLst>
+              </p:cNvPr>
+              <p:cNvSpPr txBox="1"/>
+              <p:nvPr/>
+            </p:nvSpPr>
+            <p:spPr>
+              <a:xfrm>
+                <a:off x="301874" y="2356319"/>
+                <a:ext cx="360355" cy="189219"/>
+              </a:xfrm>
+              <a:prstGeom prst="rect">
+                <a:avLst/>
+              </a:prstGeom>
+              <a:noFill/>
+            </p:spPr>
+            <p:txBody>
+              <a:bodyPr wrap="none" lIns="0" tIns="0" rIns="0" bIns="0" rtlCol="0">
+                <a:spAutoFit/>
+              </a:bodyPr>
+              <a:lstStyle/>
+              <a:p>
+                <a14:m>
+                  <m:oMathPara xmlns:m="http://schemas.openxmlformats.org/officeDocument/2006/math">
+                    <m:oMathParaPr>
+                      <m:jc m:val="centerGroup"/>
+                    </m:oMathParaPr>
+                    <m:oMath xmlns:m="http://schemas.openxmlformats.org/officeDocument/2006/math">
+                      <m:rad>
+                        <m:radPr>
+                          <m:degHide m:val="on"/>
+                          <m:ctrlPr>
+                            <a:rPr lang="en-US" sz="1100" i="1" smtClean="0">
+                              <a:ln>
+                                <a:solidFill>
+                                  <a:srgbClr val="7030A0"/>
+                                </a:solidFill>
+                              </a:ln>
+                              <a:solidFill>
+                                <a:srgbClr val="7030A0"/>
+                              </a:solidFill>
+                              <a:latin typeface="Cambria Math" panose="02040503050406030204" pitchFamily="18" charset="0"/>
+                            </a:rPr>
+                          </m:ctrlPr>
+                        </m:radPr>
+                        <m:deg/>
+                        <m:e>
+                          <m:r>
+                            <a:rPr lang="en-US" sz="1100" b="0" i="1" smtClean="0">
+                              <a:ln>
+                                <a:solidFill>
+                                  <a:srgbClr val="7030A0"/>
+                                </a:solidFill>
+                              </a:ln>
+                              <a:solidFill>
+                                <a:srgbClr val="7030A0"/>
+                              </a:solidFill>
+                              <a:latin typeface="Cambria Math" panose="02040503050406030204" pitchFamily="18" charset="0"/>
+                            </a:rPr>
+                            <m:t>113</m:t>
+                          </m:r>
+                        </m:e>
+                      </m:rad>
+                    </m:oMath>
+                  </m:oMathPara>
+                </a14:m>
+                <a:endParaRPr lang="en-US" sz="1100" dirty="0">
+                  <a:ln>
+                    <a:solidFill>
+                      <a:srgbClr val="7030A0"/>
+                    </a:solidFill>
+                  </a:ln>
+                  <a:solidFill>
+                    <a:srgbClr val="7030A0"/>
+                  </a:solidFill>
+                </a:endParaRPr>
+              </a:p>
+            </p:txBody>
+          </p:sp>
+        </mc:Choice>
+        <mc:Fallback>
+          <p:sp>
+            <p:nvSpPr>
+              <p:cNvPr id="6" name="TextBox 5">
+                <a:extLst>
+                  <a:ext uri="{FF2B5EF4-FFF2-40B4-BE49-F238E27FC236}">
+                    <a16:creationId xmlns:a16="http://schemas.microsoft.com/office/drawing/2014/main" id="{021C6AA8-7556-4DAF-CC38-73FE40EA4D2C}"/>
+                  </a:ext>
+                </a:extLst>
+              </p:cNvPr>
+              <p:cNvSpPr txBox="1">
+                <a:spLocks noRot="1" noChangeAspect="1" noMove="1" noResize="1" noEditPoints="1" noAdjustHandles="1" noChangeArrowheads="1" noChangeShapeType="1" noTextEdit="1"/>
+              </p:cNvSpPr>
+              <p:nvPr/>
+            </p:nvSpPr>
+            <p:spPr>
+              <a:xfrm>
+                <a:off x="301874" y="2356319"/>
+                <a:ext cx="360355" cy="189219"/>
+              </a:xfrm>
+              <a:prstGeom prst="rect">
+                <a:avLst/>
+              </a:prstGeom>
+              <a:blipFill>
+                <a:blip r:embed="rId8"/>
+                <a:stretch>
+                  <a:fillRect/>
+                </a:stretch>
+              </a:blipFill>
+            </p:spPr>
+            <p:txBody>
+              <a:bodyPr/>
+              <a:lstStyle/>
+              <a:p>
+                <a:r>
+                  <a:rPr lang="en-US">
+                    <a:noFill/>
+                  </a:rPr>
+                  <a:t> </a:t>
+                </a:r>
+              </a:p>
+            </p:txBody>
+          </p:sp>
+        </mc:Fallback>
+      </mc:AlternateContent>
+      <p:sp>
+        <p:nvSpPr>
+          <p:cNvPr id="7" name="Rectangle 6">
+            <a:extLst>
+              <a:ext uri="{FF2B5EF4-FFF2-40B4-BE49-F238E27FC236}">
+                <a16:creationId xmlns:a16="http://schemas.microsoft.com/office/drawing/2014/main" id="{0ADF8D62-48DD-7031-F0C9-6365AD126177}"/>
+              </a:ext>
+            </a:extLst>
+          </p:cNvPr>
+          <p:cNvSpPr/>
+          <p:nvPr/>
+        </p:nvSpPr>
+        <p:spPr>
+          <a:xfrm>
+            <a:off x="783702" y="2039462"/>
+            <a:ext cx="428064" cy="173524"/>
+          </a:xfrm>
+          <a:prstGeom prst="rect">
+            <a:avLst/>
+          </a:prstGeom>
+          <a:noFill/>
+          <a:ln w="28575">
+            <a:solidFill>
+              <a:srgbClr val="00B050"/>
+            </a:solidFill>
+          </a:ln>
+        </p:spPr>
+        <p:style>
+          <a:lnRef idx="2">
+            <a:schemeClr val="accent1">
+              <a:shade val="15000"/>
+            </a:schemeClr>
+          </a:lnRef>
+          <a:fillRef idx="1">
+            <a:schemeClr val="accent1"/>
+          </a:fillRef>
+          <a:effectRef idx="0">
+            <a:schemeClr val="accent1"/>
+          </a:effectRef>
+          <a:fontRef idx="minor">
+            <a:schemeClr val="lt1"/>
+          </a:fontRef>
+        </p:style>
+        <p:txBody>
+          <a:bodyPr rtlCol="0" anchor="ctr"/>
+          <a:lstStyle/>
+          <a:p>
+            <a:pPr algn="ctr"/>
+            <a:endParaRPr lang="en-US"/>
+          </a:p>
+        </p:txBody>
+      </p:sp>
+      <p:sp>
+        <p:nvSpPr>
+          <p:cNvPr id="8" name="Rectangle 7">
+            <a:extLst>
+              <a:ext uri="{FF2B5EF4-FFF2-40B4-BE49-F238E27FC236}">
+                <a16:creationId xmlns:a16="http://schemas.microsoft.com/office/drawing/2014/main" id="{56079BD5-BEF3-0069-BCDC-8A68EA683378}"/>
+              </a:ext>
+            </a:extLst>
+          </p:cNvPr>
+          <p:cNvSpPr/>
+          <p:nvPr/>
+        </p:nvSpPr>
+        <p:spPr>
+          <a:xfrm>
+            <a:off x="2665026" y="2039462"/>
+            <a:ext cx="428064" cy="173524"/>
+          </a:xfrm>
+          <a:prstGeom prst="rect">
+            <a:avLst/>
+          </a:prstGeom>
+          <a:noFill/>
+          <a:ln w="28575">
+            <a:solidFill>
+              <a:srgbClr val="00B050"/>
+            </a:solidFill>
+          </a:ln>
+        </p:spPr>
+        <p:style>
+          <a:lnRef idx="2">
+            <a:schemeClr val="accent1">
+              <a:shade val="15000"/>
+            </a:schemeClr>
+          </a:lnRef>
+          <a:fillRef idx="1">
+            <a:schemeClr val="accent1"/>
+          </a:fillRef>
+          <a:effectRef idx="0">
+            <a:schemeClr val="accent1"/>
+          </a:effectRef>
+          <a:fontRef idx="minor">
+            <a:schemeClr val="lt1"/>
+          </a:fontRef>
+        </p:style>
+        <p:txBody>
+          <a:bodyPr rtlCol="0" anchor="ctr"/>
+          <a:lstStyle/>
+          <a:p>
+            <a:pPr algn="ctr"/>
+            <a:endParaRPr lang="en-US"/>
+          </a:p>
+        </p:txBody>
+      </p:sp>
+      <mc:AlternateContent xmlns:mc="http://schemas.openxmlformats.org/markup-compatibility/2006">
+        <mc:Choice xmlns:a14="http://schemas.microsoft.com/office/drawing/2010/main" Requires="a14">
+          <p:sp>
+            <p:nvSpPr>
+              <p:cNvPr id="9" name="TextBox 8">
+                <a:extLst>
+                  <a:ext uri="{FF2B5EF4-FFF2-40B4-BE49-F238E27FC236}">
+                    <a16:creationId xmlns:a16="http://schemas.microsoft.com/office/drawing/2014/main" id="{11F3ECED-732B-65CF-F1CA-1D330E4EDC93}"/>
+                  </a:ext>
+                </a:extLst>
+              </p:cNvPr>
+              <p:cNvSpPr txBox="1"/>
+              <p:nvPr/>
+            </p:nvSpPr>
+            <p:spPr>
+              <a:xfrm>
+                <a:off x="416425" y="2520239"/>
+                <a:ext cx="131253" cy="169277"/>
+              </a:xfrm>
+              <a:prstGeom prst="rect">
+                <a:avLst/>
+              </a:prstGeom>
+              <a:noFill/>
+            </p:spPr>
+            <p:txBody>
+              <a:bodyPr wrap="none" lIns="0" tIns="0" rIns="0" bIns="0" rtlCol="0">
+                <a:spAutoFit/>
+              </a:bodyPr>
+              <a:lstStyle/>
+              <a:p>
+                <a14:m>
+                  <m:oMathPara xmlns:m="http://schemas.openxmlformats.org/officeDocument/2006/math">
+                    <m:oMathParaPr>
+                      <m:jc m:val="centerGroup"/>
+                    </m:oMathParaPr>
+                    <m:oMath xmlns:m="http://schemas.openxmlformats.org/officeDocument/2006/math">
+                      <m:r>
+                        <a:rPr lang="en-US" sz="1100" i="1" smtClean="0">
+                          <a:ln>
+                            <a:solidFill>
+                              <a:srgbClr val="7030A0"/>
+                            </a:solidFill>
+                          </a:ln>
+                          <a:solidFill>
+                            <a:srgbClr val="7030A0"/>
+                          </a:solidFill>
+                          <a:latin typeface="Cambria Math" panose="02040503050406030204" pitchFamily="18" charset="0"/>
+                          <a:ea typeface="Cambria Math" panose="02040503050406030204" pitchFamily="18" charset="0"/>
+                        </a:rPr>
+                        <m:t>𝜑</m:t>
+                      </m:r>
+                    </m:oMath>
+                  </m:oMathPara>
+                </a14:m>
+                <a:endParaRPr lang="en-US" sz="1100" dirty="0">
+                  <a:ln>
+                    <a:solidFill>
+                      <a:srgbClr val="7030A0"/>
+                    </a:solidFill>
+                  </a:ln>
+                  <a:solidFill>
+                    <a:srgbClr val="7030A0"/>
+                  </a:solidFill>
+                </a:endParaRPr>
+              </a:p>
+            </p:txBody>
+          </p:sp>
+        </mc:Choice>
+        <mc:Fallback>
+          <p:sp>
+            <p:nvSpPr>
+              <p:cNvPr id="9" name="TextBox 8">
+                <a:extLst>
+                  <a:ext uri="{FF2B5EF4-FFF2-40B4-BE49-F238E27FC236}">
+                    <a16:creationId xmlns:a16="http://schemas.microsoft.com/office/drawing/2014/main" id="{11F3ECED-732B-65CF-F1CA-1D330E4EDC93}"/>
+                  </a:ext>
+                </a:extLst>
+              </p:cNvPr>
+              <p:cNvSpPr txBox="1">
+                <a:spLocks noRot="1" noChangeAspect="1" noMove="1" noResize="1" noEditPoints="1" noAdjustHandles="1" noChangeArrowheads="1" noChangeShapeType="1" noTextEdit="1"/>
+              </p:cNvSpPr>
+              <p:nvPr/>
+            </p:nvSpPr>
+            <p:spPr>
+              <a:xfrm>
+                <a:off x="416425" y="2520239"/>
+                <a:ext cx="131253" cy="169277"/>
+              </a:xfrm>
+              <a:prstGeom prst="rect">
+                <a:avLst/>
+              </a:prstGeom>
+              <a:blipFill>
+                <a:blip r:embed="rId9"/>
+                <a:stretch>
+                  <a:fillRect b="-3571"/>
+                </a:stretch>
+              </a:blipFill>
+            </p:spPr>
+            <p:txBody>
+              <a:bodyPr/>
+              <a:lstStyle/>
+              <a:p>
+                <a:r>
+                  <a:rPr lang="en-US">
+                    <a:noFill/>
+                  </a:rPr>
+                  <a:t> </a:t>
+                </a:r>
+              </a:p>
+            </p:txBody>
+          </p:sp>
+        </mc:Fallback>
+      </mc:AlternateContent>
     </p:spTree>
     <p:extLst>
       <p:ext uri="{BB962C8B-B14F-4D97-AF65-F5344CB8AC3E}">
@@ -16209,21 +18910,127 @@
                             </p:childTnLst>
                           </p:cTn>
                         </p:par>
+                      </p:childTnLst>
+                    </p:cTn>
+                  </p:par>
+                  <p:par>
+                    <p:cTn id="8" fill="hold">
+                      <p:stCondLst>
+                        <p:cond delay="indefinite"/>
+                      </p:stCondLst>
+                      <p:childTnLst>
                         <p:par>
-                          <p:cTn id="8" fill="hold">
+                          <p:cTn id="9" fill="hold">
                             <p:stCondLst>
-                              <p:cond delay="500"/>
+                              <p:cond delay="0"/>
                             </p:stCondLst>
                             <p:childTnLst>
                               <p:par>
-                                <p:cTn id="9" presetID="16" presetClass="entr" presetSubtype="37" fill="hold" grpId="0" nodeType="afterEffect">
+                                <p:cTn id="10" presetID="22" presetClass="entr" presetSubtype="8" fill="hold" grpId="0" nodeType="clickEffect">
                                   <p:stCondLst>
                                     <p:cond delay="0"/>
                                   </p:stCondLst>
                                   <p:childTnLst>
                                     <p:set>
                                       <p:cBhvr>
-                                        <p:cTn id="10" dur="1" fill="hold">
+                                        <p:cTn id="11" dur="1" fill="hold">
+                                          <p:stCondLst>
+                                            <p:cond delay="0"/>
+                                          </p:stCondLst>
+                                        </p:cTn>
+                                        <p:tgtEl>
+                                          <p:spTgt spid="7"/>
+                                        </p:tgtEl>
+                                        <p:attrNameLst>
+                                          <p:attrName>style.visibility</p:attrName>
+                                        </p:attrNameLst>
+                                      </p:cBhvr>
+                                      <p:to>
+                                        <p:strVal val="visible"/>
+                                      </p:to>
+                                    </p:set>
+                                    <p:animEffect transition="in" filter="wipe(left)">
+                                      <p:cBhvr>
+                                        <p:cTn id="12" dur="500"/>
+                                        <p:tgtEl>
+                                          <p:spTgt spid="7"/>
+                                        </p:tgtEl>
+                                      </p:cBhvr>
+                                    </p:animEffect>
+                                  </p:childTnLst>
+                                </p:cTn>
+                              </p:par>
+                            </p:childTnLst>
+                          </p:cTn>
+                        </p:par>
+                        <p:par>
+                          <p:cTn id="13" fill="hold">
+                            <p:stCondLst>
+                              <p:cond delay="500"/>
+                            </p:stCondLst>
+                            <p:childTnLst>
+                              <p:par>
+                                <p:cTn id="14" presetID="22" presetClass="entr" presetSubtype="8" fill="hold" grpId="0" nodeType="afterEffect">
+                                  <p:stCondLst>
+                                    <p:cond delay="0"/>
+                                  </p:stCondLst>
+                                  <p:childTnLst>
+                                    <p:set>
+                                      <p:cBhvr>
+                                        <p:cTn id="15" dur="1" fill="hold">
+                                          <p:stCondLst>
+                                            <p:cond delay="0"/>
+                                          </p:stCondLst>
+                                        </p:cTn>
+                                        <p:tgtEl>
+                                          <p:spTgt spid="8"/>
+                                        </p:tgtEl>
+                                        <p:attrNameLst>
+                                          <p:attrName>style.visibility</p:attrName>
+                                        </p:attrNameLst>
+                                      </p:cBhvr>
+                                      <p:to>
+                                        <p:strVal val="visible"/>
+                                      </p:to>
+                                    </p:set>
+                                    <p:animEffect transition="in" filter="wipe(left)">
+                                      <p:cBhvr>
+                                        <p:cTn id="16" dur="500"/>
+                                        <p:tgtEl>
+                                          <p:spTgt spid="8"/>
+                                        </p:tgtEl>
+                                      </p:cBhvr>
+                                    </p:animEffect>
+                                  </p:childTnLst>
+                                </p:cTn>
+                              </p:par>
+                            </p:childTnLst>
+                          </p:cTn>
+                        </p:par>
+                      </p:childTnLst>
+                    </p:cTn>
+                  </p:par>
+                  <p:par>
+                    <p:cTn id="17" fill="hold">
+                      <p:stCondLst>
+                        <p:cond delay="indefinite"/>
+                      </p:stCondLst>
+                      <p:childTnLst>
+                        <p:par>
+                          <p:cTn id="18" fill="hold">
+                            <p:stCondLst>
+                              <p:cond delay="0"/>
+                            </p:stCondLst>
+                            <p:childTnLst>
+                              <p:par>
+                                <p:cTn id="19" presetID="16" presetClass="entr" presetSubtype="37" fill="hold" grpId="0" nodeType="clickEffect">
+                                  <p:stCondLst>
+                                    <p:cond delay="0"/>
+                                  </p:stCondLst>
+                                  <p:childTnLst>
+                                    <p:set>
+                                      <p:cBhvr>
+                                        <p:cTn id="20" dur="1" fill="hold">
                                           <p:stCondLst>
                                             <p:cond delay="0"/>
                                           </p:stCondLst>
@@ -16241,7 +19048,7 @@
                                     </p:set>
                                     <p:animEffect transition="in" filter="barn(outVertical)">
                                       <p:cBhvr>
-                                        <p:cTn id="11" dur="500"/>
+                                        <p:cTn id="21" dur="500"/>
                                         <p:tgtEl>
                                           <p:spTgt spid="10"/>
                                         </p:tgtEl>
@@ -16253,30 +19060,103 @@
                             </p:childTnLst>
                           </p:cTn>
                         </p:par>
-                      </p:childTnLst>
-                    </p:cTn>
-                  </p:par>
-                  <p:par>
-                    <p:cTn id="12" fill="hold">
-                      <p:stCondLst>
-                        <p:cond delay="indefinite"/>
-                      </p:stCondLst>
-                      <p:childTnLst>
                         <p:par>
-                          <p:cTn id="13" fill="hold">
+                          <p:cTn id="22" fill="hold">
                             <p:stCondLst>
-                              <p:cond delay="0"/>
+                              <p:cond delay="500"/>
                             </p:stCondLst>
                             <p:childTnLst>
                               <p:par>
-                                <p:cTn id="14" presetID="2" presetClass="entr" presetSubtype="1" fill="hold" grpId="0" nodeType="clickEffect">
+                                <p:cTn id="23" presetID="2" presetClass="entr" presetSubtype="8" fill="hold" grpId="0" nodeType="afterEffect">
                                   <p:stCondLst>
                                     <p:cond delay="0"/>
                                   </p:stCondLst>
                                   <p:childTnLst>
                                     <p:set>
                                       <p:cBhvr>
-                                        <p:cTn id="15" dur="1" fill="hold">
+                                        <p:cTn id="24" dur="1" fill="hold">
+                                          <p:stCondLst>
+                                            <p:cond delay="0"/>
+                                          </p:stCondLst>
+                                        </p:cTn>
+                                        <p:tgtEl>
+                                          <p:spTgt spid="3"/>
+                                        </p:tgtEl>
+                                        <p:attrNameLst>
+                                          <p:attrName>style.visibility</p:attrName>
+                                        </p:attrNameLst>
+                                      </p:cBhvr>
+                                      <p:to>
+                                        <p:strVal val="visible"/>
+                                      </p:to>
+                                    </p:set>
+                                    <p:anim calcmode="lin" valueType="num">
+                                      <p:cBhvr additive="base">
+                                        <p:cTn id="25" dur="500" fill="hold"/>
+                                        <p:tgtEl>
+                                          <p:spTgt spid="3"/>
+                                        </p:tgtEl>
+                                        <p:attrNameLst>
+                                          <p:attrName>ppt_x</p:attrName>
+                                        </p:attrNameLst>
+                                      </p:cBhvr>
+                                      <p:tavLst>
+                                        <p:tav tm="0">
+                                          <p:val>
+                                            <p:strVal val="0-#ppt_w/2"/>
+                                          </p:val>
+                                        </p:tav>
+                                        <p:tav tm="100000">
+                                          <p:val>
+                                            <p:strVal val="#ppt_x"/>
+                                          </p:val>
+                                        </p:tav>
+                                      </p:tavLst>
+                                    </p:anim>
+                                    <p:anim calcmode="lin" valueType="num">
+                                      <p:cBhvr additive="base">
+                                        <p:cTn id="26" dur="500" fill="hold"/>
+                                        <p:tgtEl>
+                                          <p:spTgt spid="3"/>
+                                        </p:tgtEl>
+                                        <p:attrNameLst>
+                                          <p:attrName>ppt_y</p:attrName>
+                                        </p:attrNameLst>
+                                      </p:cBhvr>
+                                      <p:tavLst>
+                                        <p:tav tm="0">
+                                          <p:val>
+                                            <p:strVal val="#ppt_y"/>
+                                          </p:val>
+                                        </p:tav>
+                                        <p:tav tm="100000">
+                                          <p:val>
+                                            <p:strVal val="#ppt_y"/>
+                                          </p:val>
+                                        </p:tav>
+                                      </p:tavLst>
+                                    </p:anim>
+                                  </p:childTnLst>
+                                </p:cTn>
+                              </p:par>
+                            </p:childTnLst>
+                          </p:cTn>
+                        </p:par>
+                        <p:par>
+                          <p:cTn id="27" fill="hold">
+                            <p:stCondLst>
+                              <p:cond delay="1000"/>
+                            </p:stCondLst>
+                            <p:childTnLst>
+                              <p:par>
+                                <p:cTn id="28" presetID="2" presetClass="entr" presetSubtype="1" fill="hold" grpId="0" nodeType="afterEffect">
+                                  <p:stCondLst>
+                                    <p:cond delay="0"/>
+                                  </p:stCondLst>
+                                  <p:childTnLst>
+                                    <p:set>
+                                      <p:cBhvr>
+                                        <p:cTn id="29" dur="1" fill="hold">
                                           <p:stCondLst>
                                             <p:cond delay="0"/>
                                           </p:stCondLst>
@@ -16294,7 +19174,7 @@
                                     </p:set>
                                     <p:anim calcmode="lin" valueType="num">
                                       <p:cBhvr additive="base">
-                                        <p:cTn id="16" dur="500" fill="hold"/>
+                                        <p:cTn id="30" dur="500" fill="hold"/>
                                         <p:tgtEl>
                                           <p:spTgt spid="2"/>
                                         </p:tgtEl>
@@ -16317,7 +19197,7 @@
                                     </p:anim>
                                     <p:anim calcmode="lin" valueType="num">
                                       <p:cBhvr additive="base">
-                                        <p:cTn id="17" dur="500" fill="hold"/>
+                                        <p:cTn id="31" dur="500" fill="hold"/>
                                         <p:tgtEl>
                                           <p:spTgt spid="2"/>
                                         </p:tgtEl>
@@ -16345,20 +19225,20 @@
                           </p:cTn>
                         </p:par>
                         <p:par>
-                          <p:cTn id="18" fill="hold">
+                          <p:cTn id="32" fill="hold">
                             <p:stCondLst>
-                              <p:cond delay="500"/>
+                              <p:cond delay="1500"/>
                             </p:stCondLst>
                             <p:childTnLst>
                               <p:par>
-                                <p:cTn id="19" presetID="2" presetClass="entr" presetSubtype="1" fill="hold" grpId="0" nodeType="afterEffect">
+                                <p:cTn id="33" presetID="2" presetClass="entr" presetSubtype="1" fill="hold" grpId="0" nodeType="afterEffect">
                                   <p:stCondLst>
                                     <p:cond delay="0"/>
                                   </p:stCondLst>
                                   <p:childTnLst>
                                     <p:set>
                                       <p:cBhvr>
-                                        <p:cTn id="20" dur="1" fill="hold">
+                                        <p:cTn id="34" dur="1" fill="hold">
                                           <p:stCondLst>
                                             <p:cond delay="0"/>
                                           </p:stCondLst>
@@ -16376,7 +19256,7 @@
                                     </p:set>
                                     <p:anim calcmode="lin" valueType="num">
                                       <p:cBhvr additive="base">
-                                        <p:cTn id="21" dur="500" fill="hold"/>
+                                        <p:cTn id="35" dur="500" fill="hold"/>
                                         <p:tgtEl>
                                           <p:spTgt spid="13"/>
                                         </p:tgtEl>
@@ -16399,7 +19279,7 @@
                                     </p:anim>
                                     <p:anim calcmode="lin" valueType="num">
                                       <p:cBhvr additive="base">
-                                        <p:cTn id="22" dur="500" fill="hold"/>
+                                        <p:cTn id="36" dur="500" fill="hold"/>
                                         <p:tgtEl>
                                           <p:spTgt spid="13"/>
                                         </p:tgtEl>
@@ -16430,26 +19310,252 @@
                     </p:cTn>
                   </p:par>
                   <p:par>
-                    <p:cTn id="23" fill="hold">
+                    <p:cTn id="37" fill="hold">
                       <p:stCondLst>
                         <p:cond delay="indefinite"/>
                       </p:stCondLst>
                       <p:childTnLst>
                         <p:par>
-                          <p:cTn id="24" fill="hold">
+                          <p:cTn id="38" fill="hold">
                             <p:stCondLst>
                               <p:cond delay="0"/>
                             </p:stCondLst>
                             <p:childTnLst>
                               <p:par>
-                                <p:cTn id="25" presetID="22" presetClass="entr" presetSubtype="8" fill="hold" nodeType="clickEffect">
+                                <p:cTn id="39" presetID="2" presetClass="entr" presetSubtype="8" fill="hold" grpId="0" nodeType="clickEffect">
                                   <p:stCondLst>
                                     <p:cond delay="0"/>
                                   </p:stCondLst>
                                   <p:childTnLst>
                                     <p:set>
                                       <p:cBhvr>
-                                        <p:cTn id="26" dur="1" fill="hold">
+                                        <p:cTn id="40" dur="1" fill="hold">
+                                          <p:stCondLst>
+                                            <p:cond delay="0"/>
+                                          </p:stCondLst>
+                                        </p:cTn>
+                                        <p:tgtEl>
+                                          <p:spTgt spid="6"/>
+                                        </p:tgtEl>
+                                        <p:attrNameLst>
+                                          <p:attrName>style.visibility</p:attrName>
+                                        </p:attrNameLst>
+                                      </p:cBhvr>
+                                      <p:to>
+                                        <p:strVal val="visible"/>
+                                      </p:to>
+                                    </p:set>
+                                    <p:anim calcmode="lin" valueType="num">
+                                      <p:cBhvr additive="base">
+                                        <p:cTn id="41" dur="500" fill="hold"/>
+                                        <p:tgtEl>
+                                          <p:spTgt spid="6"/>
+                                        </p:tgtEl>
+                                        <p:attrNameLst>
+                                          <p:attrName>ppt_x</p:attrName>
+                                        </p:attrNameLst>
+                                      </p:cBhvr>
+                                      <p:tavLst>
+                                        <p:tav tm="0">
+                                          <p:val>
+                                            <p:strVal val="0-#ppt_w/2"/>
+                                          </p:val>
+                                        </p:tav>
+                                        <p:tav tm="100000">
+                                          <p:val>
+                                            <p:strVal val="#ppt_x"/>
+                                          </p:val>
+                                        </p:tav>
+                                      </p:tavLst>
+                                    </p:anim>
+                                    <p:anim calcmode="lin" valueType="num">
+                                      <p:cBhvr additive="base">
+                                        <p:cTn id="42" dur="500" fill="hold"/>
+                                        <p:tgtEl>
+                                          <p:spTgt spid="6"/>
+                                        </p:tgtEl>
+                                        <p:attrNameLst>
+                                          <p:attrName>ppt_y</p:attrName>
+                                        </p:attrNameLst>
+                                      </p:cBhvr>
+                                      <p:tavLst>
+                                        <p:tav tm="0">
+                                          <p:val>
+                                            <p:strVal val="#ppt_y"/>
+                                          </p:val>
+                                        </p:tav>
+                                        <p:tav tm="100000">
+                                          <p:val>
+                                            <p:strVal val="#ppt_y"/>
+                                          </p:val>
+                                        </p:tav>
+                                      </p:tavLst>
+                                    </p:anim>
+                                  </p:childTnLst>
+                                </p:cTn>
+                              </p:par>
+                            </p:childTnLst>
+                          </p:cTn>
+                        </p:par>
+                      </p:childTnLst>
+                    </p:cTn>
+                  </p:par>
+                  <p:par>
+                    <p:cTn id="43" fill="hold">
+                      <p:stCondLst>
+                        <p:cond delay="indefinite"/>
+                      </p:stCondLst>
+                      <p:childTnLst>
+                        <p:par>
+                          <p:cTn id="44" fill="hold">
+                            <p:stCondLst>
+                              <p:cond delay="0"/>
+                            </p:stCondLst>
+                            <p:childTnLst>
+                              <p:par>
+                                <p:cTn id="45" presetID="22" presetClass="entr" presetSubtype="8" fill="hold" grpId="0" nodeType="clickEffect">
+                                  <p:stCondLst>
+                                    <p:cond delay="0"/>
+                                  </p:stCondLst>
+                                  <p:childTnLst>
+                                    <p:set>
+                                      <p:cBhvr>
+                                        <p:cTn id="46" dur="1" fill="hold">
+                                          <p:stCondLst>
+                                            <p:cond delay="0"/>
+                                          </p:stCondLst>
+                                        </p:cTn>
+                                        <p:tgtEl>
+                                          <p:spTgt spid="15"/>
+                                        </p:tgtEl>
+                                        <p:attrNameLst>
+                                          <p:attrName>style.visibility</p:attrName>
+                                        </p:attrNameLst>
+                                      </p:cBhvr>
+                                      <p:to>
+                                        <p:strVal val="visible"/>
+                                      </p:to>
+                                    </p:set>
+                                    <p:animEffect transition="in" filter="wipe(left)">
+                                      <p:cBhvr>
+                                        <p:cTn id="47" dur="500"/>
+                                        <p:tgtEl>
+                                          <p:spTgt spid="15"/>
+                                        </p:tgtEl>
+                                      </p:cBhvr>
+                                    </p:animEffect>
+                                  </p:childTnLst>
+                                </p:cTn>
+                              </p:par>
+                            </p:childTnLst>
+                          </p:cTn>
+                        </p:par>
+                        <p:par>
+                          <p:cTn id="48" fill="hold">
+                            <p:stCondLst>
+                              <p:cond delay="500"/>
+                            </p:stCondLst>
+                            <p:childTnLst>
+                              <p:par>
+                                <p:cTn id="49" presetID="2" presetClass="entr" presetSubtype="8" fill="hold" grpId="0" nodeType="afterEffect">
+                                  <p:stCondLst>
+                                    <p:cond delay="0"/>
+                                  </p:stCondLst>
+                                  <p:childTnLst>
+                                    <p:set>
+                                      <p:cBhvr>
+                                        <p:cTn id="50" dur="1" fill="hold">
+                                          <p:stCondLst>
+                                            <p:cond delay="0"/>
+                                          </p:stCondLst>
+                                        </p:cTn>
+                                        <p:tgtEl>
+                                          <p:spTgt spid="9"/>
+                                        </p:tgtEl>
+                                        <p:attrNameLst>
+                                          <p:attrName>style.visibility</p:attrName>
+                                        </p:attrNameLst>
+                                      </p:cBhvr>
+                                      <p:to>
+                                        <p:strVal val="visible"/>
+                                      </p:to>
+                                    </p:set>
+                                    <p:anim calcmode="lin" valueType="num">
+                                      <p:cBhvr additive="base">
+                                        <p:cTn id="51" dur="500" fill="hold"/>
+                                        <p:tgtEl>
+                                          <p:spTgt spid="9"/>
+                                        </p:tgtEl>
+                                        <p:attrNameLst>
+                                          <p:attrName>ppt_x</p:attrName>
+                                        </p:attrNameLst>
+                                      </p:cBhvr>
+                                      <p:tavLst>
+                                        <p:tav tm="0">
+                                          <p:val>
+                                            <p:strVal val="0-#ppt_w/2"/>
+                                          </p:val>
+                                        </p:tav>
+                                        <p:tav tm="100000">
+                                          <p:val>
+                                            <p:strVal val="#ppt_x"/>
+                                          </p:val>
+                                        </p:tav>
+                                      </p:tavLst>
+                                    </p:anim>
+                                    <p:anim calcmode="lin" valueType="num">
+                                      <p:cBhvr additive="base">
+                                        <p:cTn id="52" dur="500" fill="hold"/>
+                                        <p:tgtEl>
+                                          <p:spTgt spid="9"/>
+                                        </p:tgtEl>
+                                        <p:attrNameLst>
+                                          <p:attrName>ppt_y</p:attrName>
+                                        </p:attrNameLst>
+                                      </p:cBhvr>
+                                      <p:tavLst>
+                                        <p:tav tm="0">
+                                          <p:val>
+                                            <p:strVal val="#ppt_y"/>
+                                          </p:val>
+                                        </p:tav>
+                                        <p:tav tm="100000">
+                                          <p:val>
+                                            <p:strVal val="#ppt_y"/>
+                                          </p:val>
+                                        </p:tav>
+                                      </p:tavLst>
+                                    </p:anim>
+                                  </p:childTnLst>
+                                </p:cTn>
+                              </p:par>
+                            </p:childTnLst>
+                          </p:cTn>
+                        </p:par>
+                      </p:childTnLst>
+                    </p:cTn>
+                  </p:par>
+                  <p:par>
+                    <p:cTn id="53" fill="hold">
+                      <p:stCondLst>
+                        <p:cond delay="indefinite"/>
+                      </p:stCondLst>
+                      <p:childTnLst>
+                        <p:par>
+                          <p:cTn id="54" fill="hold">
+                            <p:stCondLst>
+                              <p:cond delay="0"/>
+                            </p:stCondLst>
+                            <p:childTnLst>
+                              <p:par>
+                                <p:cTn id="55" presetID="22" presetClass="entr" presetSubtype="8" fill="hold" nodeType="clickEffect">
+                                  <p:stCondLst>
+                                    <p:cond delay="0"/>
+                                  </p:stCondLst>
+                                  <p:childTnLst>
+                                    <p:set>
+                                      <p:cBhvr>
+                                        <p:cTn id="56" dur="1" fill="hold">
                                           <p:stCondLst>
                                             <p:cond delay="0"/>
                                           </p:stCondLst>
@@ -16467,7 +19573,7 @@
                                     </p:set>
                                     <p:animEffect transition="in" filter="wipe(left)">
                                       <p:cBhvr>
-                                        <p:cTn id="27" dur="2000"/>
+                                        <p:cTn id="57" dur="2000"/>
                                         <p:tgtEl>
                                           <p:spTgt spid="5"/>
                                         </p:tgtEl>
@@ -16483,70 +19589,26 @@
                     </p:cTn>
                   </p:par>
                   <p:par>
-                    <p:cTn id="28" fill="hold">
+                    <p:cTn id="58" fill="hold">
                       <p:stCondLst>
                         <p:cond delay="indefinite"/>
                       </p:stCondLst>
                       <p:childTnLst>
                         <p:par>
-                          <p:cTn id="29" fill="hold">
+                          <p:cTn id="59" fill="hold">
                             <p:stCondLst>
                               <p:cond delay="0"/>
                             </p:stCondLst>
                             <p:childTnLst>
                               <p:par>
-                                <p:cTn id="30" presetID="22" presetClass="entr" presetSubtype="8" fill="hold" grpId="0" nodeType="clickEffect">
+                                <p:cTn id="60" presetID="53" presetClass="entr" presetSubtype="16" fill="hold" grpId="0" nodeType="clickEffect">
                                   <p:stCondLst>
                                     <p:cond delay="0"/>
                                   </p:stCondLst>
                                   <p:childTnLst>
                                     <p:set>
                                       <p:cBhvr>
-                                        <p:cTn id="31" dur="1" fill="hold">
-                                          <p:stCondLst>
-                                            <p:cond delay="0"/>
-                                          </p:stCondLst>
-                                        </p:cTn>
-                                        <p:tgtEl>
-                                          <p:spTgt spid="15"/>
-                                        </p:tgtEl>
-                                        <p:attrNameLst>
-                                          <p:attrName>style.visibility</p:attrName>
-                                        </p:attrNameLst>
-                                      </p:cBhvr>
-                                      <p:to>
-                                        <p:strVal val="visible"/>
-                                      </p:to>
-                                    </p:set>
-                                    <p:animEffect transition="in" filter="wipe(left)">
-                                      <p:cBhvr>
-                                        <p:cTn id="32" dur="500"/>
-                                        <p:tgtEl>
-                                          <p:spTgt spid="15"/>
-                                        </p:tgtEl>
-                                      </p:cBhvr>
-                                    </p:animEffect>
-                                  </p:childTnLst>
-                                </p:cTn>
-                              </p:par>
-                            </p:childTnLst>
-                          </p:cTn>
-                        </p:par>
-                        <p:par>
-                          <p:cTn id="33" fill="hold">
-                            <p:stCondLst>
-                              <p:cond delay="500"/>
-                            </p:stCondLst>
-                            <p:childTnLst>
-                              <p:par>
-                                <p:cTn id="34" presetID="53" presetClass="entr" presetSubtype="16" fill="hold" grpId="0" nodeType="afterEffect">
-                                  <p:stCondLst>
-                                    <p:cond delay="0"/>
-                                  </p:stCondLst>
-                                  <p:childTnLst>
-                                    <p:set>
-                                      <p:cBhvr>
-                                        <p:cTn id="35" dur="1" fill="hold">
+                                        <p:cTn id="61" dur="1" fill="hold">
                                           <p:stCondLst>
                                             <p:cond delay="0"/>
                                           </p:stCondLst>
@@ -16564,7 +19626,7 @@
                                     </p:set>
                                     <p:anim calcmode="lin" valueType="num">
                                       <p:cBhvr>
-                                        <p:cTn id="36" dur="500" fill="hold"/>
+                                        <p:cTn id="62" dur="500" fill="hold"/>
                                         <p:tgtEl>
                                           <p:spTgt spid="17"/>
                                         </p:tgtEl>
@@ -16587,7 +19649,7 @@
                                     </p:anim>
                                     <p:anim calcmode="lin" valueType="num">
                                       <p:cBhvr>
-                                        <p:cTn id="37" dur="500" fill="hold"/>
+                                        <p:cTn id="63" dur="500" fill="hold"/>
                                         <p:tgtEl>
                                           <p:spTgt spid="17"/>
                                         </p:tgtEl>
@@ -16610,7 +19672,7 @@
                                     </p:anim>
                                     <p:animEffect transition="in" filter="fade">
                                       <p:cBhvr>
-                                        <p:cTn id="38" dur="500"/>
+                                        <p:cTn id="64" dur="500"/>
                                         <p:tgtEl>
                                           <p:spTgt spid="17"/>
                                         </p:tgtEl>
@@ -16623,20 +19685,20 @@
                           </p:cTn>
                         </p:par>
                         <p:par>
-                          <p:cTn id="39" fill="hold">
+                          <p:cTn id="65" fill="hold">
                             <p:stCondLst>
-                              <p:cond delay="1000"/>
+                              <p:cond delay="500"/>
                             </p:stCondLst>
                             <p:childTnLst>
                               <p:par>
-                                <p:cTn id="40" presetID="2" presetClass="entr" presetSubtype="4" fill="hold" grpId="0" nodeType="afterEffect">
+                                <p:cTn id="66" presetID="2" presetClass="entr" presetSubtype="4" fill="hold" grpId="0" nodeType="afterEffect">
                                   <p:stCondLst>
                                     <p:cond delay="0"/>
                                   </p:stCondLst>
                                   <p:childTnLst>
                                     <p:set>
                                       <p:cBhvr>
-                                        <p:cTn id="41" dur="1" fill="hold">
+                                        <p:cTn id="67" dur="1" fill="hold">
                                           <p:stCondLst>
                                             <p:cond delay="0"/>
                                           </p:stCondLst>
@@ -16654,7 +19716,7 @@
                                     </p:set>
                                     <p:anim calcmode="lin" valueType="num">
                                       <p:cBhvr additive="base">
-                                        <p:cTn id="42" dur="500" fill="hold"/>
+                                        <p:cTn id="68" dur="500" fill="hold"/>
                                         <p:tgtEl>
                                           <p:spTgt spid="18"/>
                                         </p:tgtEl>
@@ -16677,7 +19739,7 @@
                                     </p:anim>
                                     <p:anim calcmode="lin" valueType="num">
                                       <p:cBhvr additive="base">
-                                        <p:cTn id="43" dur="500" fill="hold"/>
+                                        <p:cTn id="69" dur="500" fill="hold"/>
                                         <p:tgtEl>
                                           <p:spTgt spid="18"/>
                                         </p:tgtEl>
@@ -16708,26 +19770,26 @@
                     </p:cTn>
                   </p:par>
                   <p:par>
-                    <p:cTn id="44" fill="hold">
+                    <p:cTn id="70" fill="hold">
                       <p:stCondLst>
                         <p:cond delay="indefinite"/>
                       </p:stCondLst>
                       <p:childTnLst>
                         <p:par>
-                          <p:cTn id="45" fill="hold">
+                          <p:cTn id="71" fill="hold">
                             <p:stCondLst>
                               <p:cond delay="0"/>
                             </p:stCondLst>
                             <p:childTnLst>
                               <p:par>
-                                <p:cTn id="46" presetID="1" presetClass="entr" presetSubtype="0" fill="hold" nodeType="clickEffect">
+                                <p:cTn id="72" presetID="1" presetClass="entr" presetSubtype="0" fill="hold" nodeType="clickEffect">
                                   <p:stCondLst>
                                     <p:cond delay="0"/>
                                   </p:stCondLst>
                                   <p:childTnLst>
                                     <p:set>
                                       <p:cBhvr>
-                                        <p:cTn id="47" dur="1" fill="hold">
+                                        <p:cTn id="73" dur="1" fill="hold">
                                           <p:stCondLst>
                                             <p:cond delay="0"/>
                                           </p:stCondLst>
@@ -16780,6 +19842,11 @@
       <p:bldP spid="18" grpId="0" animBg="1"/>
       <p:bldP spid="2" grpId="0" animBg="1"/>
       <p:bldP spid="13" grpId="0" animBg="1"/>
+      <p:bldP spid="3" grpId="0"/>
+      <p:bldP spid="6" grpId="0"/>
+      <p:bldP spid="7" grpId="0" animBg="1"/>
+      <p:bldP spid="8" grpId="0" animBg="1"/>
+      <p:bldP spid="9" grpId="0"/>
     </p:bldLst>
   </p:timing>
 </p:sld>
@@ -20415,6 +23482,1118 @@
           </p:cxnSp>
         </p:grpSp>
       </p:grpSp>
+      <p:grpSp>
+        <p:nvGrpSpPr>
+          <p:cNvPr id="38" name="Group 37">
+            <a:extLst>
+              <a:ext uri="{FF2B5EF4-FFF2-40B4-BE49-F238E27FC236}">
+                <a16:creationId xmlns:a16="http://schemas.microsoft.com/office/drawing/2014/main" id="{6A91B169-8806-930A-2AAE-86979AEFC50D}"/>
+              </a:ext>
+            </a:extLst>
+          </p:cNvPr>
+          <p:cNvGrpSpPr/>
+          <p:nvPr/>
+        </p:nvGrpSpPr>
+        <p:grpSpPr>
+          <a:xfrm>
+            <a:off x="3206824" y="1981841"/>
+            <a:ext cx="355986" cy="586990"/>
+            <a:chOff x="3244609" y="1981841"/>
+            <a:chExt cx="355986" cy="586990"/>
+          </a:xfrm>
+        </p:grpSpPr>
+        <mc:AlternateContent xmlns:mc="http://schemas.openxmlformats.org/markup-compatibility/2006" xmlns:a14="http://schemas.microsoft.com/office/drawing/2010/main">
+          <mc:Choice Requires="a14">
+            <p:sp>
+              <p:nvSpPr>
+                <p:cNvPr id="11" name="TextBox 10">
+                  <a:extLst>
+                    <a:ext uri="{FF2B5EF4-FFF2-40B4-BE49-F238E27FC236}">
+                      <a16:creationId xmlns:a16="http://schemas.microsoft.com/office/drawing/2014/main" id="{549A57EB-9604-AF35-1B56-ECB176F3B4C5}"/>
+                    </a:ext>
+                  </a:extLst>
+                </p:cNvPr>
+                <p:cNvSpPr txBox="1"/>
+                <p:nvPr/>
+              </p:nvSpPr>
+              <p:spPr>
+                <a:xfrm>
+                  <a:off x="3244609" y="1981841"/>
+                  <a:ext cx="355986" cy="276999"/>
+                </a:xfrm>
+                <a:prstGeom prst="rect">
+                  <a:avLst/>
+                </a:prstGeom>
+                <a:noFill/>
+              </p:spPr>
+              <p:txBody>
+                <a:bodyPr wrap="none" lIns="0" tIns="0" rIns="0" bIns="0" rtlCol="0">
+                  <a:spAutoFit/>
+                </a:bodyPr>
+                <a:lstStyle/>
+                <a:p>
+                  <a:pPr/>
+                  <a14:m>
+                    <m:oMathPara xmlns:m="http://schemas.openxmlformats.org/officeDocument/2006/math">
+                      <m:oMathParaPr>
+                        <m:jc m:val="centerGroup"/>
+                      </m:oMathParaPr>
+                      <m:oMath xmlns:m="http://schemas.openxmlformats.org/officeDocument/2006/math">
+                        <m:sSub>
+                          <m:sSubPr>
+                            <m:ctrlPr>
+                              <a:rPr lang="en-US" i="1" smtClean="0">
+                                <a:ln>
+                                  <a:solidFill>
+                                    <a:srgbClr val="7030A0"/>
+                                  </a:solidFill>
+                                </a:ln>
+                                <a:solidFill>
+                                  <a:srgbClr val="7030A0"/>
+                                </a:solidFill>
+                                <a:latin typeface="Cambria Math" panose="02040503050406030204" pitchFamily="18" charset="0"/>
+                              </a:rPr>
+                            </m:ctrlPr>
+                          </m:sSubPr>
+                          <m:e>
+                            <m:r>
+                              <a:rPr lang="en-US" b="0" i="1" smtClean="0">
+                                <a:ln>
+                                  <a:solidFill>
+                                    <a:srgbClr val="7030A0"/>
+                                  </a:solidFill>
+                                </a:ln>
+                                <a:solidFill>
+                                  <a:srgbClr val="7030A0"/>
+                                </a:solidFill>
+                                <a:latin typeface="Cambria Math" panose="02040503050406030204" pitchFamily="18" charset="0"/>
+                              </a:rPr>
+                              <m:t>𝑎</m:t>
+                            </m:r>
+                          </m:e>
+                          <m:sub>
+                            <m:r>
+                              <a:rPr lang="en-US" b="0" i="1" smtClean="0">
+                                <a:ln>
+                                  <a:solidFill>
+                                    <a:srgbClr val="7030A0"/>
+                                  </a:solidFill>
+                                </a:ln>
+                                <a:solidFill>
+                                  <a:srgbClr val="7030A0"/>
+                                </a:solidFill>
+                                <a:latin typeface="Cambria Math" panose="02040503050406030204" pitchFamily="18" charset="0"/>
+                              </a:rPr>
+                              <m:t>0</m:t>
+                            </m:r>
+                          </m:sub>
+                        </m:sSub>
+                      </m:oMath>
+                    </m:oMathPara>
+                  </a14:m>
+                  <a:endParaRPr lang="en-US" dirty="0">
+                    <a:ln>
+                      <a:solidFill>
+                        <a:srgbClr val="7030A0"/>
+                      </a:solidFill>
+                    </a:ln>
+                    <a:solidFill>
+                      <a:srgbClr val="7030A0"/>
+                    </a:solidFill>
+                  </a:endParaRPr>
+                </a:p>
+              </p:txBody>
+            </p:sp>
+          </mc:Choice>
+          <mc:Fallback xmlns="">
+            <p:sp>
+              <p:nvSpPr>
+                <p:cNvPr id="11" name="TextBox 10">
+                  <a:extLst>
+                    <a:ext uri="{FF2B5EF4-FFF2-40B4-BE49-F238E27FC236}">
+                      <a16:creationId xmlns:a16="http://schemas.microsoft.com/office/drawing/2014/main" id="{549A57EB-9604-AF35-1B56-ECB176F3B4C5}"/>
+                    </a:ext>
+                  </a:extLst>
+                </p:cNvPr>
+                <p:cNvSpPr txBox="1">
+                  <a:spLocks noRot="1" noChangeAspect="1" noMove="1" noResize="1" noEditPoints="1" noAdjustHandles="1" noChangeArrowheads="1" noChangeShapeType="1" noTextEdit="1"/>
+                </p:cNvSpPr>
+                <p:nvPr/>
+              </p:nvSpPr>
+              <p:spPr>
+                <a:xfrm>
+                  <a:off x="3244609" y="1981841"/>
+                  <a:ext cx="355986" cy="276999"/>
+                </a:xfrm>
+                <a:prstGeom prst="rect">
+                  <a:avLst/>
+                </a:prstGeom>
+                <a:blipFill>
+                  <a:blip r:embed="rId10"/>
+                  <a:stretch>
+                    <a:fillRect/>
+                  </a:stretch>
+                </a:blipFill>
+              </p:spPr>
+              <p:txBody>
+                <a:bodyPr/>
+                <a:lstStyle/>
+                <a:p>
+                  <a:r>
+                    <a:rPr lang="en-US">
+                      <a:noFill/>
+                    </a:rPr>
+                    <a:t> </a:t>
+                  </a:r>
+                </a:p>
+              </p:txBody>
+            </p:sp>
+          </mc:Fallback>
+        </mc:AlternateContent>
+        <p:cxnSp>
+          <p:nvCxnSpPr>
+            <p:cNvPr id="15" name="Straight Arrow Connector 14">
+              <a:extLst>
+                <a:ext uri="{FF2B5EF4-FFF2-40B4-BE49-F238E27FC236}">
+                  <a16:creationId xmlns:a16="http://schemas.microsoft.com/office/drawing/2014/main" id="{A89F54A1-B600-F7AA-04F2-579C0B0B2AD2}"/>
+                </a:ext>
+              </a:extLst>
+            </p:cNvPr>
+            <p:cNvCxnSpPr>
+              <a:stCxn id="11" idx="2"/>
+            </p:cNvCxnSpPr>
+            <p:nvPr/>
+          </p:nvCxnSpPr>
+          <p:spPr>
+            <a:xfrm flipH="1">
+              <a:off x="3422591" y="2258840"/>
+              <a:ext cx="11" cy="309991"/>
+            </a:xfrm>
+            <a:prstGeom prst="straightConnector1">
+              <a:avLst/>
+            </a:prstGeom>
+            <a:ln w="28575">
+              <a:solidFill>
+                <a:srgbClr val="7030A0"/>
+              </a:solidFill>
+              <a:tailEnd type="triangle"/>
+            </a:ln>
+          </p:spPr>
+          <p:style>
+            <a:lnRef idx="1">
+              <a:schemeClr val="accent1"/>
+            </a:lnRef>
+            <a:fillRef idx="0">
+              <a:schemeClr val="accent1"/>
+            </a:fillRef>
+            <a:effectRef idx="0">
+              <a:schemeClr val="accent1"/>
+            </a:effectRef>
+            <a:fontRef idx="minor">
+              <a:schemeClr val="tx1"/>
+            </a:fontRef>
+          </p:style>
+        </p:cxnSp>
+      </p:grpSp>
+      <p:grpSp>
+        <p:nvGrpSpPr>
+          <p:cNvPr id="39" name="Group 38">
+            <a:extLst>
+              <a:ext uri="{FF2B5EF4-FFF2-40B4-BE49-F238E27FC236}">
+                <a16:creationId xmlns:a16="http://schemas.microsoft.com/office/drawing/2014/main" id="{B5E3BF6A-C0A6-01CD-C1B1-73E3483AF99D}"/>
+              </a:ext>
+            </a:extLst>
+          </p:cNvPr>
+          <p:cNvGrpSpPr/>
+          <p:nvPr/>
+        </p:nvGrpSpPr>
+        <p:grpSpPr>
+          <a:xfrm>
+            <a:off x="4993128" y="1735366"/>
+            <a:ext cx="277960" cy="594542"/>
+            <a:chOff x="4993128" y="1735366"/>
+            <a:chExt cx="277960" cy="594542"/>
+          </a:xfrm>
+        </p:grpSpPr>
+        <mc:AlternateContent xmlns:mc="http://schemas.openxmlformats.org/markup-compatibility/2006" xmlns:a14="http://schemas.microsoft.com/office/drawing/2010/main">
+          <mc:Choice Requires="a14">
+            <p:sp>
+              <p:nvSpPr>
+                <p:cNvPr id="22" name="TextBox 21">
+                  <a:extLst>
+                    <a:ext uri="{FF2B5EF4-FFF2-40B4-BE49-F238E27FC236}">
+                      <a16:creationId xmlns:a16="http://schemas.microsoft.com/office/drawing/2014/main" id="{68D0D0BC-670E-AB78-1E6D-2FAAC8E5144F}"/>
+                    </a:ext>
+                  </a:extLst>
+                </p:cNvPr>
+                <p:cNvSpPr txBox="1"/>
+                <p:nvPr/>
+              </p:nvSpPr>
+              <p:spPr>
+                <a:xfrm>
+                  <a:off x="4993128" y="1735366"/>
+                  <a:ext cx="277960" cy="276999"/>
+                </a:xfrm>
+                <a:prstGeom prst="rect">
+                  <a:avLst/>
+                </a:prstGeom>
+                <a:noFill/>
+              </p:spPr>
+              <p:txBody>
+                <a:bodyPr wrap="none" lIns="0" tIns="0" rIns="0" bIns="0" rtlCol="0">
+                  <a:spAutoFit/>
+                </a:bodyPr>
+                <a:lstStyle/>
+                <a:p>
+                  <a:pPr/>
+                  <a14:m>
+                    <m:oMathPara xmlns:m="http://schemas.openxmlformats.org/officeDocument/2006/math">
+                      <m:oMathParaPr>
+                        <m:jc m:val="centerGroup"/>
+                      </m:oMathParaPr>
+                      <m:oMath xmlns:m="http://schemas.openxmlformats.org/officeDocument/2006/math">
+                        <m:sSub>
+                          <m:sSubPr>
+                            <m:ctrlPr>
+                              <a:rPr lang="en-US" i="1" smtClean="0">
+                                <a:ln>
+                                  <a:solidFill>
+                                    <a:srgbClr val="7030A0"/>
+                                  </a:solidFill>
+                                </a:ln>
+                                <a:solidFill>
+                                  <a:srgbClr val="7030A0"/>
+                                </a:solidFill>
+                                <a:latin typeface="Cambria Math" panose="02040503050406030204" pitchFamily="18" charset="0"/>
+                              </a:rPr>
+                            </m:ctrlPr>
+                          </m:sSubPr>
+                          <m:e>
+                            <m:r>
+                              <a:rPr lang="en-US" b="0" i="1" smtClean="0">
+                                <a:ln>
+                                  <a:solidFill>
+                                    <a:srgbClr val="7030A0"/>
+                                  </a:solidFill>
+                                </a:ln>
+                                <a:solidFill>
+                                  <a:srgbClr val="7030A0"/>
+                                </a:solidFill>
+                                <a:latin typeface="Cambria Math" panose="02040503050406030204" pitchFamily="18" charset="0"/>
+                              </a:rPr>
+                              <m:t>𝑏</m:t>
+                            </m:r>
+                          </m:e>
+                          <m:sub>
+                            <m:r>
+                              <a:rPr lang="en-US" b="0" i="1" smtClean="0">
+                                <a:ln>
+                                  <a:solidFill>
+                                    <a:srgbClr val="7030A0"/>
+                                  </a:solidFill>
+                                </a:ln>
+                                <a:solidFill>
+                                  <a:srgbClr val="7030A0"/>
+                                </a:solidFill>
+                                <a:latin typeface="Cambria Math" panose="02040503050406030204" pitchFamily="18" charset="0"/>
+                              </a:rPr>
+                              <m:t>0</m:t>
+                            </m:r>
+                          </m:sub>
+                        </m:sSub>
+                      </m:oMath>
+                    </m:oMathPara>
+                  </a14:m>
+                  <a:endParaRPr lang="en-US" dirty="0">
+                    <a:ln>
+                      <a:solidFill>
+                        <a:srgbClr val="7030A0"/>
+                      </a:solidFill>
+                    </a:ln>
+                    <a:solidFill>
+                      <a:srgbClr val="7030A0"/>
+                    </a:solidFill>
+                  </a:endParaRPr>
+                </a:p>
+              </p:txBody>
+            </p:sp>
+          </mc:Choice>
+          <mc:Fallback xmlns="">
+            <p:sp>
+              <p:nvSpPr>
+                <p:cNvPr id="22" name="TextBox 21">
+                  <a:extLst>
+                    <a:ext uri="{FF2B5EF4-FFF2-40B4-BE49-F238E27FC236}">
+                      <a16:creationId xmlns:a16="http://schemas.microsoft.com/office/drawing/2014/main" id="{68D0D0BC-670E-AB78-1E6D-2FAAC8E5144F}"/>
+                    </a:ext>
+                  </a:extLst>
+                </p:cNvPr>
+                <p:cNvSpPr txBox="1">
+                  <a:spLocks noRot="1" noChangeAspect="1" noMove="1" noResize="1" noEditPoints="1" noAdjustHandles="1" noChangeArrowheads="1" noChangeShapeType="1" noTextEdit="1"/>
+                </p:cNvSpPr>
+                <p:nvPr/>
+              </p:nvSpPr>
+              <p:spPr>
+                <a:xfrm>
+                  <a:off x="4993128" y="1735366"/>
+                  <a:ext cx="277960" cy="276999"/>
+                </a:xfrm>
+                <a:prstGeom prst="rect">
+                  <a:avLst/>
+                </a:prstGeom>
+                <a:blipFill>
+                  <a:blip r:embed="rId11"/>
+                  <a:stretch>
+                    <a:fillRect/>
+                  </a:stretch>
+                </a:blipFill>
+              </p:spPr>
+              <p:txBody>
+                <a:bodyPr/>
+                <a:lstStyle/>
+                <a:p>
+                  <a:r>
+                    <a:rPr lang="en-US">
+                      <a:noFill/>
+                    </a:rPr>
+                    <a:t> </a:t>
+                  </a:r>
+                </a:p>
+              </p:txBody>
+            </p:sp>
+          </mc:Fallback>
+        </mc:AlternateContent>
+        <p:cxnSp>
+          <p:nvCxnSpPr>
+            <p:cNvPr id="23" name="Straight Arrow Connector 22">
+              <a:extLst>
+                <a:ext uri="{FF2B5EF4-FFF2-40B4-BE49-F238E27FC236}">
+                  <a16:creationId xmlns:a16="http://schemas.microsoft.com/office/drawing/2014/main" id="{D5C0C423-3843-7D48-1A29-B95109B607A6}"/>
+                </a:ext>
+              </a:extLst>
+            </p:cNvPr>
+            <p:cNvCxnSpPr>
+              <a:stCxn id="22" idx="2"/>
+            </p:cNvCxnSpPr>
+            <p:nvPr/>
+          </p:nvCxnSpPr>
+          <p:spPr>
+            <a:xfrm>
+              <a:off x="5132108" y="2012365"/>
+              <a:ext cx="0" cy="317543"/>
+            </a:xfrm>
+            <a:prstGeom prst="straightConnector1">
+              <a:avLst/>
+            </a:prstGeom>
+            <a:ln w="28575">
+              <a:solidFill>
+                <a:srgbClr val="7030A0"/>
+              </a:solidFill>
+              <a:tailEnd type="triangle"/>
+            </a:ln>
+          </p:spPr>
+          <p:style>
+            <a:lnRef idx="1">
+              <a:schemeClr val="accent1"/>
+            </a:lnRef>
+            <a:fillRef idx="0">
+              <a:schemeClr val="accent1"/>
+            </a:fillRef>
+            <a:effectRef idx="0">
+              <a:schemeClr val="accent1"/>
+            </a:effectRef>
+            <a:fontRef idx="minor">
+              <a:schemeClr val="tx1"/>
+            </a:fontRef>
+          </p:style>
+        </p:cxnSp>
+      </p:grpSp>
+      <p:grpSp>
+        <p:nvGrpSpPr>
+          <p:cNvPr id="40" name="Group 39">
+            <a:extLst>
+              <a:ext uri="{FF2B5EF4-FFF2-40B4-BE49-F238E27FC236}">
+                <a16:creationId xmlns:a16="http://schemas.microsoft.com/office/drawing/2014/main" id="{9A5F329F-082B-3178-5135-9C862B808640}"/>
+              </a:ext>
+            </a:extLst>
+          </p:cNvPr>
+          <p:cNvGrpSpPr/>
+          <p:nvPr/>
+        </p:nvGrpSpPr>
+        <p:grpSpPr>
+          <a:xfrm>
+            <a:off x="3244598" y="3280967"/>
+            <a:ext cx="556585" cy="390019"/>
+            <a:chOff x="3244598" y="3280967"/>
+            <a:chExt cx="556585" cy="390019"/>
+          </a:xfrm>
+        </p:grpSpPr>
+        <mc:AlternateContent xmlns:mc="http://schemas.openxmlformats.org/markup-compatibility/2006" xmlns:a14="http://schemas.microsoft.com/office/drawing/2010/main">
+          <mc:Choice Requires="a14">
+            <p:sp>
+              <p:nvSpPr>
+                <p:cNvPr id="27" name="TextBox 26">
+                  <a:extLst>
+                    <a:ext uri="{FF2B5EF4-FFF2-40B4-BE49-F238E27FC236}">
+                      <a16:creationId xmlns:a16="http://schemas.microsoft.com/office/drawing/2014/main" id="{BBB0FBBB-D8A8-92FB-8505-6DC4809821D1}"/>
+                    </a:ext>
+                  </a:extLst>
+                </p:cNvPr>
+                <p:cNvSpPr txBox="1"/>
+                <p:nvPr/>
+              </p:nvSpPr>
+              <p:spPr>
+                <a:xfrm>
+                  <a:off x="3244598" y="3393987"/>
+                  <a:ext cx="302582" cy="276999"/>
+                </a:xfrm>
+                <a:prstGeom prst="rect">
+                  <a:avLst/>
+                </a:prstGeom>
+                <a:noFill/>
+              </p:spPr>
+              <p:txBody>
+                <a:bodyPr wrap="none" lIns="0" tIns="0" rIns="0" bIns="0" rtlCol="0">
+                  <a:spAutoFit/>
+                </a:bodyPr>
+                <a:lstStyle/>
+                <a:p>
+                  <a:pPr/>
+                  <a14:m>
+                    <m:oMathPara xmlns:m="http://schemas.openxmlformats.org/officeDocument/2006/math">
+                      <m:oMathParaPr>
+                        <m:jc m:val="centerGroup"/>
+                      </m:oMathParaPr>
+                      <m:oMath xmlns:m="http://schemas.openxmlformats.org/officeDocument/2006/math">
+                        <m:sSub>
+                          <m:sSubPr>
+                            <m:ctrlPr>
+                              <a:rPr lang="en-US" i="1" smtClean="0">
+                                <a:ln>
+                                  <a:solidFill>
+                                    <a:srgbClr val="7030A0"/>
+                                  </a:solidFill>
+                                </a:ln>
+                                <a:solidFill>
+                                  <a:srgbClr val="7030A0"/>
+                                </a:solidFill>
+                                <a:latin typeface="Cambria Math" panose="02040503050406030204" pitchFamily="18" charset="0"/>
+                              </a:rPr>
+                            </m:ctrlPr>
+                          </m:sSubPr>
+                          <m:e>
+                            <m:r>
+                              <a:rPr lang="en-US" b="0" i="1" smtClean="0">
+                                <a:ln>
+                                  <a:solidFill>
+                                    <a:srgbClr val="7030A0"/>
+                                  </a:solidFill>
+                                </a:ln>
+                                <a:solidFill>
+                                  <a:srgbClr val="7030A0"/>
+                                </a:solidFill>
+                                <a:latin typeface="Cambria Math" panose="02040503050406030204" pitchFamily="18" charset="0"/>
+                              </a:rPr>
+                              <m:t>𝑎</m:t>
+                            </m:r>
+                          </m:e>
+                          <m:sub>
+                            <m:r>
+                              <a:rPr lang="en-US" b="0" i="1" smtClean="0">
+                                <a:ln>
+                                  <a:solidFill>
+                                    <a:srgbClr val="7030A0"/>
+                                  </a:solidFill>
+                                </a:ln>
+                                <a:solidFill>
+                                  <a:srgbClr val="7030A0"/>
+                                </a:solidFill>
+                                <a:latin typeface="Cambria Math" panose="02040503050406030204" pitchFamily="18" charset="0"/>
+                              </a:rPr>
+                              <m:t>𝑛</m:t>
+                            </m:r>
+                          </m:sub>
+                        </m:sSub>
+                      </m:oMath>
+                    </m:oMathPara>
+                  </a14:m>
+                  <a:endParaRPr lang="en-US" dirty="0">
+                    <a:ln>
+                      <a:solidFill>
+                        <a:srgbClr val="7030A0"/>
+                      </a:solidFill>
+                    </a:ln>
+                    <a:solidFill>
+                      <a:srgbClr val="7030A0"/>
+                    </a:solidFill>
+                  </a:endParaRPr>
+                </a:p>
+              </p:txBody>
+            </p:sp>
+          </mc:Choice>
+          <mc:Fallback xmlns="">
+            <p:sp>
+              <p:nvSpPr>
+                <p:cNvPr id="27" name="TextBox 26">
+                  <a:extLst>
+                    <a:ext uri="{FF2B5EF4-FFF2-40B4-BE49-F238E27FC236}">
+                      <a16:creationId xmlns:a16="http://schemas.microsoft.com/office/drawing/2014/main" id="{BBB0FBBB-D8A8-92FB-8505-6DC4809821D1}"/>
+                    </a:ext>
+                  </a:extLst>
+                </p:cNvPr>
+                <p:cNvSpPr txBox="1">
+                  <a:spLocks noRot="1" noChangeAspect="1" noMove="1" noResize="1" noEditPoints="1" noAdjustHandles="1" noChangeArrowheads="1" noChangeShapeType="1" noTextEdit="1"/>
+                </p:cNvSpPr>
+                <p:nvPr/>
+              </p:nvSpPr>
+              <p:spPr>
+                <a:xfrm>
+                  <a:off x="3244598" y="3393987"/>
+                  <a:ext cx="302582" cy="276999"/>
+                </a:xfrm>
+                <a:prstGeom prst="rect">
+                  <a:avLst/>
+                </a:prstGeom>
+                <a:blipFill>
+                  <a:blip r:embed="rId12"/>
+                  <a:stretch>
+                    <a:fillRect/>
+                  </a:stretch>
+                </a:blipFill>
+              </p:spPr>
+              <p:txBody>
+                <a:bodyPr/>
+                <a:lstStyle/>
+                <a:p>
+                  <a:r>
+                    <a:rPr lang="en-US">
+                      <a:noFill/>
+                    </a:rPr>
+                    <a:t> </a:t>
+                  </a:r>
+                </a:p>
+              </p:txBody>
+            </p:sp>
+          </mc:Fallback>
+        </mc:AlternateContent>
+        <p:cxnSp>
+          <p:nvCxnSpPr>
+            <p:cNvPr id="28" name="Straight Arrow Connector 27">
+              <a:extLst>
+                <a:ext uri="{FF2B5EF4-FFF2-40B4-BE49-F238E27FC236}">
+                  <a16:creationId xmlns:a16="http://schemas.microsoft.com/office/drawing/2014/main" id="{9B533374-BE85-85D9-F8F2-BF0F1C673854}"/>
+                </a:ext>
+              </a:extLst>
+            </p:cNvPr>
+            <p:cNvCxnSpPr>
+              <a:cxnSpLocks/>
+              <a:stCxn id="27" idx="3"/>
+            </p:cNvCxnSpPr>
+            <p:nvPr/>
+          </p:nvCxnSpPr>
+          <p:spPr>
+            <a:xfrm flipV="1">
+              <a:off x="3547180" y="3280967"/>
+              <a:ext cx="254003" cy="251520"/>
+            </a:xfrm>
+            <a:prstGeom prst="straightConnector1">
+              <a:avLst/>
+            </a:prstGeom>
+            <a:ln w="28575">
+              <a:solidFill>
+                <a:srgbClr val="7030A0"/>
+              </a:solidFill>
+              <a:tailEnd type="triangle"/>
+            </a:ln>
+          </p:spPr>
+          <p:style>
+            <a:lnRef idx="1">
+              <a:schemeClr val="accent1"/>
+            </a:lnRef>
+            <a:fillRef idx="0">
+              <a:schemeClr val="accent1"/>
+            </a:fillRef>
+            <a:effectRef idx="0">
+              <a:schemeClr val="accent1"/>
+            </a:effectRef>
+            <a:fontRef idx="minor">
+              <a:schemeClr val="tx1"/>
+            </a:fontRef>
+          </p:style>
+        </p:cxnSp>
+      </p:grpSp>
+      <p:grpSp>
+        <p:nvGrpSpPr>
+          <p:cNvPr id="41" name="Group 40">
+            <a:extLst>
+              <a:ext uri="{FF2B5EF4-FFF2-40B4-BE49-F238E27FC236}">
+                <a16:creationId xmlns:a16="http://schemas.microsoft.com/office/drawing/2014/main" id="{767EE86B-E360-8160-30B1-0810D3BA5879}"/>
+              </a:ext>
+            </a:extLst>
+          </p:cNvPr>
+          <p:cNvGrpSpPr/>
+          <p:nvPr/>
+        </p:nvGrpSpPr>
+        <p:grpSpPr>
+          <a:xfrm>
+            <a:off x="5758453" y="2854127"/>
+            <a:ext cx="570871" cy="276999"/>
+            <a:chOff x="5758453" y="2854127"/>
+            <a:chExt cx="570871" cy="276999"/>
+          </a:xfrm>
+        </p:grpSpPr>
+        <mc:AlternateContent xmlns:mc="http://schemas.openxmlformats.org/markup-compatibility/2006" xmlns:a14="http://schemas.microsoft.com/office/drawing/2010/main">
+          <mc:Choice Requires="a14">
+            <p:sp>
+              <p:nvSpPr>
+                <p:cNvPr id="32" name="TextBox 31">
+                  <a:extLst>
+                    <a:ext uri="{FF2B5EF4-FFF2-40B4-BE49-F238E27FC236}">
+                      <a16:creationId xmlns:a16="http://schemas.microsoft.com/office/drawing/2014/main" id="{6CB8E4C1-DE9D-066C-1855-373CFABDC168}"/>
+                    </a:ext>
+                  </a:extLst>
+                </p:cNvPr>
+                <p:cNvSpPr txBox="1"/>
+                <p:nvPr/>
+              </p:nvSpPr>
+              <p:spPr>
+                <a:xfrm>
+                  <a:off x="6037256" y="2854127"/>
+                  <a:ext cx="292068" cy="276999"/>
+                </a:xfrm>
+                <a:prstGeom prst="rect">
+                  <a:avLst/>
+                </a:prstGeom>
+                <a:noFill/>
+              </p:spPr>
+              <p:txBody>
+                <a:bodyPr wrap="none" lIns="0" tIns="0" rIns="0" bIns="0" rtlCol="0">
+                  <a:spAutoFit/>
+                </a:bodyPr>
+                <a:lstStyle/>
+                <a:p>
+                  <a:pPr/>
+                  <a14:m>
+                    <m:oMathPara xmlns:m="http://schemas.openxmlformats.org/officeDocument/2006/math">
+                      <m:oMathParaPr>
+                        <m:jc m:val="centerGroup"/>
+                      </m:oMathParaPr>
+                      <m:oMath xmlns:m="http://schemas.openxmlformats.org/officeDocument/2006/math">
+                        <m:sSub>
+                          <m:sSubPr>
+                            <m:ctrlPr>
+                              <a:rPr lang="en-US" i="1" smtClean="0">
+                                <a:ln>
+                                  <a:solidFill>
+                                    <a:srgbClr val="7030A0"/>
+                                  </a:solidFill>
+                                </a:ln>
+                                <a:solidFill>
+                                  <a:srgbClr val="7030A0"/>
+                                </a:solidFill>
+                                <a:latin typeface="Cambria Math" panose="02040503050406030204" pitchFamily="18" charset="0"/>
+                              </a:rPr>
+                            </m:ctrlPr>
+                          </m:sSubPr>
+                          <m:e>
+                            <m:r>
+                              <a:rPr lang="en-US" b="0" i="1" smtClean="0">
+                                <a:ln>
+                                  <a:solidFill>
+                                    <a:srgbClr val="7030A0"/>
+                                  </a:solidFill>
+                                </a:ln>
+                                <a:solidFill>
+                                  <a:srgbClr val="7030A0"/>
+                                </a:solidFill>
+                                <a:latin typeface="Cambria Math" panose="02040503050406030204" pitchFamily="18" charset="0"/>
+                              </a:rPr>
+                              <m:t>𝑏</m:t>
+                            </m:r>
+                          </m:e>
+                          <m:sub>
+                            <m:r>
+                              <a:rPr lang="en-US" b="0" i="1" smtClean="0">
+                                <a:ln>
+                                  <a:solidFill>
+                                    <a:srgbClr val="7030A0"/>
+                                  </a:solidFill>
+                                </a:ln>
+                                <a:solidFill>
+                                  <a:srgbClr val="7030A0"/>
+                                </a:solidFill>
+                                <a:latin typeface="Cambria Math" panose="02040503050406030204" pitchFamily="18" charset="0"/>
+                              </a:rPr>
+                              <m:t>𝑛</m:t>
+                            </m:r>
+                          </m:sub>
+                        </m:sSub>
+                      </m:oMath>
+                    </m:oMathPara>
+                  </a14:m>
+                  <a:endParaRPr lang="en-US" dirty="0">
+                    <a:ln>
+                      <a:solidFill>
+                        <a:srgbClr val="7030A0"/>
+                      </a:solidFill>
+                    </a:ln>
+                    <a:solidFill>
+                      <a:srgbClr val="7030A0"/>
+                    </a:solidFill>
+                  </a:endParaRPr>
+                </a:p>
+              </p:txBody>
+            </p:sp>
+          </mc:Choice>
+          <mc:Fallback xmlns="">
+            <p:sp>
+              <p:nvSpPr>
+                <p:cNvPr id="32" name="TextBox 31">
+                  <a:extLst>
+                    <a:ext uri="{FF2B5EF4-FFF2-40B4-BE49-F238E27FC236}">
+                      <a16:creationId xmlns:a16="http://schemas.microsoft.com/office/drawing/2014/main" id="{6CB8E4C1-DE9D-066C-1855-373CFABDC168}"/>
+                    </a:ext>
+                  </a:extLst>
+                </p:cNvPr>
+                <p:cNvSpPr txBox="1">
+                  <a:spLocks noRot="1" noChangeAspect="1" noMove="1" noResize="1" noEditPoints="1" noAdjustHandles="1" noChangeArrowheads="1" noChangeShapeType="1" noTextEdit="1"/>
+                </p:cNvSpPr>
+                <p:nvPr/>
+              </p:nvSpPr>
+              <p:spPr>
+                <a:xfrm>
+                  <a:off x="6037256" y="2854127"/>
+                  <a:ext cx="292068" cy="276999"/>
+                </a:xfrm>
+                <a:prstGeom prst="rect">
+                  <a:avLst/>
+                </a:prstGeom>
+                <a:blipFill>
+                  <a:blip r:embed="rId13"/>
+                  <a:stretch>
+                    <a:fillRect/>
+                  </a:stretch>
+                </a:blipFill>
+              </p:spPr>
+              <p:txBody>
+                <a:bodyPr/>
+                <a:lstStyle/>
+                <a:p>
+                  <a:r>
+                    <a:rPr lang="en-US">
+                      <a:noFill/>
+                    </a:rPr>
+                    <a:t> </a:t>
+                  </a:r>
+                </a:p>
+              </p:txBody>
+            </p:sp>
+          </mc:Fallback>
+        </mc:AlternateContent>
+        <p:cxnSp>
+          <p:nvCxnSpPr>
+            <p:cNvPr id="33" name="Straight Arrow Connector 32">
+              <a:extLst>
+                <a:ext uri="{FF2B5EF4-FFF2-40B4-BE49-F238E27FC236}">
+                  <a16:creationId xmlns:a16="http://schemas.microsoft.com/office/drawing/2014/main" id="{A4728C50-2FAC-834C-0E5C-E809DBFB610D}"/>
+                </a:ext>
+              </a:extLst>
+            </p:cNvPr>
+            <p:cNvCxnSpPr>
+              <a:cxnSpLocks/>
+              <a:stCxn id="32" idx="1"/>
+            </p:cNvCxnSpPr>
+            <p:nvPr/>
+          </p:nvCxnSpPr>
+          <p:spPr>
+            <a:xfrm flipH="1">
+              <a:off x="5758453" y="2992627"/>
+              <a:ext cx="278803" cy="0"/>
+            </a:xfrm>
+            <a:prstGeom prst="straightConnector1">
+              <a:avLst/>
+            </a:prstGeom>
+            <a:ln w="28575">
+              <a:solidFill>
+                <a:srgbClr val="7030A0"/>
+              </a:solidFill>
+              <a:tailEnd type="triangle"/>
+            </a:ln>
+          </p:spPr>
+          <p:style>
+            <a:lnRef idx="1">
+              <a:schemeClr val="accent1"/>
+            </a:lnRef>
+            <a:fillRef idx="0">
+              <a:schemeClr val="accent1"/>
+            </a:fillRef>
+            <a:effectRef idx="0">
+              <a:schemeClr val="accent1"/>
+            </a:effectRef>
+            <a:fontRef idx="minor">
+              <a:schemeClr val="tx1"/>
+            </a:fontRef>
+          </p:style>
+        </p:cxnSp>
+      </p:grpSp>
+      <mc:AlternateContent xmlns:mc="http://schemas.openxmlformats.org/markup-compatibility/2006" xmlns:a14="http://schemas.microsoft.com/office/drawing/2010/main">
+        <mc:Choice Requires="a14">
+          <p:sp>
+            <p:nvSpPr>
+              <p:cNvPr id="42" name="TextBox 41">
+                <a:extLst>
+                  <a:ext uri="{FF2B5EF4-FFF2-40B4-BE49-F238E27FC236}">
+                    <a16:creationId xmlns:a16="http://schemas.microsoft.com/office/drawing/2014/main" id="{B7224C51-BD9F-5352-8E4E-B4C244589199}"/>
+                  </a:ext>
+                </a:extLst>
+              </p:cNvPr>
+              <p:cNvSpPr txBox="1"/>
+              <p:nvPr/>
+            </p:nvSpPr>
+            <p:spPr>
+              <a:xfrm>
+                <a:off x="6116039" y="4793815"/>
+                <a:ext cx="1764027" cy="369332"/>
+              </a:xfrm>
+              <a:prstGeom prst="rect">
+                <a:avLst/>
+              </a:prstGeom>
+              <a:noFill/>
+            </p:spPr>
+            <p:txBody>
+              <a:bodyPr wrap="square" rtlCol="0">
+                <a:spAutoFit/>
+              </a:bodyPr>
+              <a:lstStyle/>
+              <a:p>
+                <a:pPr/>
+                <a14:m>
+                  <m:oMathPara xmlns:m="http://schemas.openxmlformats.org/officeDocument/2006/math">
+                    <m:oMathParaPr>
+                      <m:jc m:val="centerGroup"/>
+                    </m:oMathParaPr>
+                    <m:oMath xmlns:m="http://schemas.openxmlformats.org/officeDocument/2006/math">
+                      <m:r>
+                        <a:rPr lang="en-US" b="0" i="1" smtClean="0">
+                          <a:ln>
+                            <a:solidFill>
+                              <a:srgbClr val="7030A0"/>
+                            </a:solidFill>
+                          </a:ln>
+                          <a:solidFill>
+                            <a:srgbClr val="7030A0"/>
+                          </a:solidFill>
+                          <a:latin typeface="Cambria Math" panose="02040503050406030204" pitchFamily="18" charset="0"/>
+                        </a:rPr>
+                        <m:t>𝑛</m:t>
+                      </m:r>
+                      <m:r>
+                        <a:rPr lang="en-US" b="0" i="1" smtClean="0">
+                          <a:ln>
+                            <a:solidFill>
+                              <a:srgbClr val="7030A0"/>
+                            </a:solidFill>
+                          </a:ln>
+                          <a:solidFill>
+                            <a:srgbClr val="7030A0"/>
+                          </a:solidFill>
+                          <a:latin typeface="Cambria Math" panose="02040503050406030204" pitchFamily="18" charset="0"/>
+                          <a:ea typeface="Cambria Math" panose="02040503050406030204" pitchFamily="18" charset="0"/>
+                        </a:rPr>
+                        <m:t>∈</m:t>
+                      </m:r>
+                      <m:sSup>
+                        <m:sSupPr>
+                          <m:ctrlPr>
+                            <a:rPr lang="en-US" b="0" i="1" smtClean="0">
+                              <a:ln>
+                                <a:solidFill>
+                                  <a:srgbClr val="7030A0"/>
+                                </a:solidFill>
+                              </a:ln>
+                              <a:solidFill>
+                                <a:srgbClr val="7030A0"/>
+                              </a:solidFill>
+                              <a:latin typeface="Cambria Math" panose="02040503050406030204" pitchFamily="18" charset="0"/>
+                              <a:ea typeface="Cambria Math" panose="02040503050406030204" pitchFamily="18" charset="0"/>
+                            </a:rPr>
+                          </m:ctrlPr>
+                        </m:sSupPr>
+                        <m:e>
+                          <m:r>
+                            <a:rPr lang="en-US" b="0" i="1" smtClean="0">
+                              <a:ln>
+                                <a:solidFill>
+                                  <a:srgbClr val="7030A0"/>
+                                </a:solidFill>
+                              </a:ln>
+                              <a:solidFill>
+                                <a:srgbClr val="7030A0"/>
+                              </a:solidFill>
+                              <a:latin typeface="Cambria Math" panose="02040503050406030204" pitchFamily="18" charset="0"/>
+                              <a:ea typeface="Cambria Math" panose="02040503050406030204" pitchFamily="18" charset="0"/>
+                            </a:rPr>
+                            <m:t>ℤ</m:t>
+                          </m:r>
+                        </m:e>
+                        <m:sup>
+                          <m:r>
+                            <a:rPr lang="en-US" b="0" i="1" smtClean="0">
+                              <a:ln>
+                                <a:solidFill>
+                                  <a:srgbClr val="7030A0"/>
+                                </a:solidFill>
+                              </a:ln>
+                              <a:solidFill>
+                                <a:srgbClr val="7030A0"/>
+                              </a:solidFill>
+                              <a:latin typeface="Cambria Math" panose="02040503050406030204" pitchFamily="18" charset="0"/>
+                              <a:ea typeface="Cambria Math" panose="02040503050406030204" pitchFamily="18" charset="0"/>
+                            </a:rPr>
+                            <m:t>+</m:t>
+                          </m:r>
+                        </m:sup>
+                      </m:sSup>
+                      <m:r>
+                        <a:rPr lang="en-US" b="0" i="1" smtClean="0">
+                          <a:ln>
+                            <a:solidFill>
+                              <a:srgbClr val="7030A0"/>
+                            </a:solidFill>
+                          </a:ln>
+                          <a:solidFill>
+                            <a:srgbClr val="7030A0"/>
+                          </a:solidFill>
+                          <a:latin typeface="Cambria Math" panose="02040503050406030204" pitchFamily="18" charset="0"/>
+                          <a:ea typeface="Cambria Math" panose="02040503050406030204" pitchFamily="18" charset="0"/>
+                        </a:rPr>
+                        <m:t> </m:t>
+                      </m:r>
+                      <m:d>
+                        <m:dPr>
+                          <m:ctrlPr>
+                            <a:rPr lang="en-US" b="0" i="1" smtClean="0">
+                              <a:ln>
+                                <a:solidFill>
+                                  <a:srgbClr val="7030A0"/>
+                                </a:solidFill>
+                              </a:ln>
+                              <a:solidFill>
+                                <a:srgbClr val="7030A0"/>
+                              </a:solidFill>
+                              <a:latin typeface="Cambria Math" panose="02040503050406030204" pitchFamily="18" charset="0"/>
+                              <a:ea typeface="Cambria Math" panose="02040503050406030204" pitchFamily="18" charset="0"/>
+                            </a:rPr>
+                          </m:ctrlPr>
+                        </m:dPr>
+                        <m:e>
+                          <m:r>
+                            <a:rPr lang="en-US" i="1">
+                              <a:ln>
+                                <a:solidFill>
+                                  <a:srgbClr val="7030A0"/>
+                                </a:solidFill>
+                              </a:ln>
+                              <a:solidFill>
+                                <a:srgbClr val="7030A0"/>
+                              </a:solidFill>
+                              <a:latin typeface="Cambria Math" panose="02040503050406030204" pitchFamily="18" charset="0"/>
+                            </a:rPr>
+                            <m:t>𝑛</m:t>
+                          </m:r>
+                          <m:r>
+                            <a:rPr lang="en-US" i="1" smtClean="0">
+                              <a:ln>
+                                <a:solidFill>
+                                  <a:srgbClr val="7030A0"/>
+                                </a:solidFill>
+                              </a:ln>
+                              <a:solidFill>
+                                <a:srgbClr val="7030A0"/>
+                              </a:solidFill>
+                              <a:latin typeface="Cambria Math" panose="02040503050406030204" pitchFamily="18" charset="0"/>
+                              <a:ea typeface="Cambria Math" panose="02040503050406030204" pitchFamily="18" charset="0"/>
+                            </a:rPr>
+                            <m:t>≥</m:t>
+                          </m:r>
+                          <m:r>
+                            <a:rPr lang="en-US" i="1">
+                              <a:ln>
+                                <a:solidFill>
+                                  <a:srgbClr val="7030A0"/>
+                                </a:solidFill>
+                              </a:ln>
+                              <a:solidFill>
+                                <a:srgbClr val="7030A0"/>
+                              </a:solidFill>
+                              <a:latin typeface="Cambria Math" panose="02040503050406030204" pitchFamily="18" charset="0"/>
+                            </a:rPr>
+                            <m:t>1</m:t>
+                          </m:r>
+                        </m:e>
+                      </m:d>
+                    </m:oMath>
+                  </m:oMathPara>
+                </a14:m>
+                <a:endParaRPr lang="en-US" dirty="0">
+                  <a:ln>
+                    <a:solidFill>
+                      <a:srgbClr val="7030A0"/>
+                    </a:solidFill>
+                  </a:ln>
+                  <a:solidFill>
+                    <a:srgbClr val="7030A0"/>
+                  </a:solidFill>
+                </a:endParaRPr>
+              </a:p>
+            </p:txBody>
+          </p:sp>
+        </mc:Choice>
+        <mc:Fallback xmlns="">
+          <p:sp>
+            <p:nvSpPr>
+              <p:cNvPr id="42" name="TextBox 41">
+                <a:extLst>
+                  <a:ext uri="{FF2B5EF4-FFF2-40B4-BE49-F238E27FC236}">
+                    <a16:creationId xmlns:a16="http://schemas.microsoft.com/office/drawing/2014/main" id="{B7224C51-BD9F-5352-8E4E-B4C244589199}"/>
+                  </a:ext>
+                </a:extLst>
+              </p:cNvPr>
+              <p:cNvSpPr txBox="1">
+                <a:spLocks noRot="1" noChangeAspect="1" noMove="1" noResize="1" noEditPoints="1" noAdjustHandles="1" noChangeArrowheads="1" noChangeShapeType="1" noTextEdit="1"/>
+              </p:cNvSpPr>
+              <p:nvPr/>
+            </p:nvSpPr>
+            <p:spPr>
+              <a:xfrm>
+                <a:off x="6116039" y="4793815"/>
+                <a:ext cx="1764027" cy="369332"/>
+              </a:xfrm>
+              <a:prstGeom prst="rect">
+                <a:avLst/>
+              </a:prstGeom>
+              <a:blipFill>
+                <a:blip r:embed="rId14"/>
+                <a:stretch>
+                  <a:fillRect/>
+                </a:stretch>
+              </a:blipFill>
+            </p:spPr>
+            <p:txBody>
+              <a:bodyPr/>
+              <a:lstStyle/>
+              <a:p>
+                <a:r>
+                  <a:rPr lang="en-US">
+                    <a:noFill/>
+                  </a:rPr>
+                  <a:t> </a:t>
+                </a:r>
+              </a:p>
+            </p:txBody>
+          </p:sp>
+        </mc:Fallback>
+      </mc:AlternateContent>
     </p:spTree>
     <p:extLst>
       <p:ext uri="{BB962C8B-B14F-4D97-AF65-F5344CB8AC3E}">
@@ -20729,6 +24908,271 @@
                       </p:childTnLst>
                     </p:cTn>
                   </p:par>
+                  <p:par>
+                    <p:cTn id="26" fill="hold">
+                      <p:stCondLst>
+                        <p:cond delay="indefinite"/>
+                      </p:stCondLst>
+                      <p:childTnLst>
+                        <p:par>
+                          <p:cTn id="27" fill="hold">
+                            <p:stCondLst>
+                              <p:cond delay="0"/>
+                            </p:stCondLst>
+                            <p:childTnLst>
+                              <p:par>
+                                <p:cTn id="28" presetID="22" presetClass="entr" presetSubtype="1" fill="hold" nodeType="clickEffect">
+                                  <p:stCondLst>
+                                    <p:cond delay="0"/>
+                                  </p:stCondLst>
+                                  <p:childTnLst>
+                                    <p:set>
+                                      <p:cBhvr>
+                                        <p:cTn id="29" dur="1" fill="hold">
+                                          <p:stCondLst>
+                                            <p:cond delay="0"/>
+                                          </p:stCondLst>
+                                        </p:cTn>
+                                        <p:tgtEl>
+                                          <p:spTgt spid="38"/>
+                                        </p:tgtEl>
+                                        <p:attrNameLst>
+                                          <p:attrName>style.visibility</p:attrName>
+                                        </p:attrNameLst>
+                                      </p:cBhvr>
+                                      <p:to>
+                                        <p:strVal val="visible"/>
+                                      </p:to>
+                                    </p:set>
+                                    <p:animEffect transition="in" filter="wipe(up)">
+                                      <p:cBhvr>
+                                        <p:cTn id="30" dur="500"/>
+                                        <p:tgtEl>
+                                          <p:spTgt spid="38"/>
+                                        </p:tgtEl>
+                                      </p:cBhvr>
+                                    </p:animEffect>
+                                  </p:childTnLst>
+                                </p:cTn>
+                              </p:par>
+                            </p:childTnLst>
+                          </p:cTn>
+                        </p:par>
+                      </p:childTnLst>
+                    </p:cTn>
+                  </p:par>
+                  <p:par>
+                    <p:cTn id="31" fill="hold">
+                      <p:stCondLst>
+                        <p:cond delay="indefinite"/>
+                      </p:stCondLst>
+                      <p:childTnLst>
+                        <p:par>
+                          <p:cTn id="32" fill="hold">
+                            <p:stCondLst>
+                              <p:cond delay="0"/>
+                            </p:stCondLst>
+                            <p:childTnLst>
+                              <p:par>
+                                <p:cTn id="33" presetID="22" presetClass="entr" presetSubtype="1" fill="hold" nodeType="clickEffect">
+                                  <p:stCondLst>
+                                    <p:cond delay="0"/>
+                                  </p:stCondLst>
+                                  <p:childTnLst>
+                                    <p:set>
+                                      <p:cBhvr>
+                                        <p:cTn id="34" dur="1" fill="hold">
+                                          <p:stCondLst>
+                                            <p:cond delay="0"/>
+                                          </p:stCondLst>
+                                        </p:cTn>
+                                        <p:tgtEl>
+                                          <p:spTgt spid="39"/>
+                                        </p:tgtEl>
+                                        <p:attrNameLst>
+                                          <p:attrName>style.visibility</p:attrName>
+                                        </p:attrNameLst>
+                                      </p:cBhvr>
+                                      <p:to>
+                                        <p:strVal val="visible"/>
+                                      </p:to>
+                                    </p:set>
+                                    <p:animEffect transition="in" filter="wipe(up)">
+                                      <p:cBhvr>
+                                        <p:cTn id="35" dur="500"/>
+                                        <p:tgtEl>
+                                          <p:spTgt spid="39"/>
+                                        </p:tgtEl>
+                                      </p:cBhvr>
+                                    </p:animEffect>
+                                  </p:childTnLst>
+                                </p:cTn>
+                              </p:par>
+                            </p:childTnLst>
+                          </p:cTn>
+                        </p:par>
+                      </p:childTnLst>
+                    </p:cTn>
+                  </p:par>
+                  <p:par>
+                    <p:cTn id="36" fill="hold">
+                      <p:stCondLst>
+                        <p:cond delay="indefinite"/>
+                      </p:stCondLst>
+                      <p:childTnLst>
+                        <p:par>
+                          <p:cTn id="37" fill="hold">
+                            <p:stCondLst>
+                              <p:cond delay="0"/>
+                            </p:stCondLst>
+                            <p:childTnLst>
+                              <p:par>
+                                <p:cTn id="38" presetID="22" presetClass="entr" presetSubtype="8" fill="hold" grpId="0" nodeType="clickEffect">
+                                  <p:stCondLst>
+                                    <p:cond delay="0"/>
+                                  </p:stCondLst>
+                                  <p:childTnLst>
+                                    <p:set>
+                                      <p:cBhvr>
+                                        <p:cTn id="39" dur="1" fill="hold">
+                                          <p:stCondLst>
+                                            <p:cond delay="0"/>
+                                          </p:stCondLst>
+                                        </p:cTn>
+                                        <p:tgtEl>
+                                          <p:spTgt spid="42"/>
+                                        </p:tgtEl>
+                                        <p:attrNameLst>
+                                          <p:attrName>style.visibility</p:attrName>
+                                        </p:attrNameLst>
+                                      </p:cBhvr>
+                                      <p:to>
+                                        <p:strVal val="visible"/>
+                                      </p:to>
+                                    </p:set>
+                                    <p:animEffect transition="in" filter="wipe(left)">
+                                      <p:cBhvr>
+                                        <p:cTn id="40" dur="500"/>
+                                        <p:tgtEl>
+                                          <p:spTgt spid="42"/>
+                                        </p:tgtEl>
+                                      </p:cBhvr>
+                                    </p:animEffect>
+                                  </p:childTnLst>
+                                </p:cTn>
+                              </p:par>
+                            </p:childTnLst>
+                          </p:cTn>
+                        </p:par>
+                      </p:childTnLst>
+                    </p:cTn>
+                  </p:par>
+                  <p:par>
+                    <p:cTn id="41" fill="hold">
+                      <p:stCondLst>
+                        <p:cond delay="indefinite"/>
+                      </p:stCondLst>
+                      <p:childTnLst>
+                        <p:par>
+                          <p:cTn id="42" fill="hold">
+                            <p:stCondLst>
+                              <p:cond delay="0"/>
+                            </p:stCondLst>
+                            <p:childTnLst>
+                              <p:par>
+                                <p:cTn id="43" presetID="22" presetClass="entr" presetSubtype="4" fill="hold" nodeType="clickEffect">
+                                  <p:stCondLst>
+                                    <p:cond delay="0"/>
+                                  </p:stCondLst>
+                                  <p:childTnLst>
+                                    <p:set>
+                                      <p:cBhvr>
+                                        <p:cTn id="44" dur="1" fill="hold">
+                                          <p:stCondLst>
+                                            <p:cond delay="0"/>
+                                          </p:stCondLst>
+                                        </p:cTn>
+                                        <p:tgtEl>
+                                          <p:spTgt spid="40"/>
+                                        </p:tgtEl>
+                                        <p:attrNameLst>
+                                          <p:attrName>style.visibility</p:attrName>
+                                        </p:attrNameLst>
+                                      </p:cBhvr>
+                                      <p:to>
+                                        <p:strVal val="visible"/>
+                                      </p:to>
+                                    </p:set>
+                                    <p:animEffect transition="in" filter="wipe(down)">
+                                      <p:cBhvr>
+                                        <p:cTn id="45" dur="500"/>
+                                        <p:tgtEl>
+                                          <p:spTgt spid="40"/>
+                                        </p:tgtEl>
+                                      </p:cBhvr>
+                                    </p:animEffect>
+                                  </p:childTnLst>
+                                </p:cTn>
+                              </p:par>
+                            </p:childTnLst>
+                          </p:cTn>
+                        </p:par>
+                      </p:childTnLst>
+                    </p:cTn>
+                  </p:par>
+                  <p:par>
+                    <p:cTn id="46" fill="hold">
+                      <p:stCondLst>
+                        <p:cond delay="indefinite"/>
+                      </p:stCondLst>
+                      <p:childTnLst>
+                        <p:par>
+                          <p:cTn id="47" fill="hold">
+                            <p:stCondLst>
+                              <p:cond delay="0"/>
+                            </p:stCondLst>
+                            <p:childTnLst>
+                              <p:par>
+                                <p:cTn id="48" presetID="22" presetClass="entr" presetSubtype="2" fill="hold" nodeType="clickEffect">
+                                  <p:stCondLst>
+                                    <p:cond delay="0"/>
+                                  </p:stCondLst>
+                                  <p:childTnLst>
+                                    <p:set>
+                                      <p:cBhvr>
+                                        <p:cTn id="49" dur="1" fill="hold">
+                                          <p:stCondLst>
+                                            <p:cond delay="0"/>
+                                          </p:stCondLst>
+                                        </p:cTn>
+                                        <p:tgtEl>
+                                          <p:spTgt spid="41"/>
+                                        </p:tgtEl>
+                                        <p:attrNameLst>
+                                          <p:attrName>style.visibility</p:attrName>
+                                        </p:attrNameLst>
+                                      </p:cBhvr>
+                                      <p:to>
+                                        <p:strVal val="visible"/>
+                                      </p:to>
+                                    </p:set>
+                                    <p:animEffect transition="in" filter="wipe(right)">
+                                      <p:cBhvr>
+                                        <p:cTn id="50" dur="500"/>
+                                        <p:tgtEl>
+                                          <p:spTgt spid="41"/>
+                                        </p:tgtEl>
+                                      </p:cBhvr>
+                                    </p:animEffect>
+                                  </p:childTnLst>
+                                </p:cTn>
+                              </p:par>
+                            </p:childTnLst>
+                          </p:cTn>
+                        </p:par>
+                      </p:childTnLst>
+                    </p:cTn>
+                  </p:par>
                 </p:childTnLst>
               </p:cTn>
               <p:prevCondLst>
@@ -20753,12 +25197,2859 @@
     <p:bldLst>
       <p:bldP spid="9" grpId="0"/>
       <p:bldP spid="10" grpId="0"/>
+      <p:bldP spid="42" grpId="0"/>
     </p:bldLst>
   </p:timing>
 </p:sld>
 </file>
 
 <file path=ppt/slides/slide29.xml><?xml version="1.0" encoding="utf-8"?>
+<p:sld xmlns:a="http://schemas.openxmlformats.org/drawingml/2006/main" xmlns:r="http://schemas.openxmlformats.org/officeDocument/2006/relationships" xmlns:p="http://schemas.openxmlformats.org/presentationml/2006/main">
+  <p:cSld>
+    <p:spTree>
+      <p:nvGrpSpPr>
+        <p:cNvPr id="1" name=""/>
+        <p:cNvGrpSpPr/>
+        <p:nvPr/>
+      </p:nvGrpSpPr>
+      <p:grpSpPr>
+        <a:xfrm>
+          <a:off x="0" y="0"/>
+          <a:ext cx="0" cy="0"/>
+          <a:chOff x="0" y="0"/>
+          <a:chExt cx="0" cy="0"/>
+        </a:xfrm>
+      </p:grpSpPr>
+      <p:pic>
+        <p:nvPicPr>
+          <p:cNvPr id="8" name="Picture 7">
+            <a:extLst>
+              <a:ext uri="{FF2B5EF4-FFF2-40B4-BE49-F238E27FC236}">
+                <a16:creationId xmlns:a16="http://schemas.microsoft.com/office/drawing/2014/main" id="{19EE369E-655C-A907-E33C-B35393043F53}"/>
+              </a:ext>
+            </a:extLst>
+          </p:cNvPr>
+          <p:cNvPicPr>
+            <a:picLocks noChangeAspect="1"/>
+          </p:cNvPicPr>
+          <p:nvPr/>
+        </p:nvPicPr>
+        <p:blipFill>
+          <a:blip r:embed="rId3"/>
+          <a:stretch>
+            <a:fillRect/>
+          </a:stretch>
+        </p:blipFill>
+        <p:spPr>
+          <a:xfrm>
+            <a:off x="4451198" y="4271081"/>
+            <a:ext cx="4253624" cy="2427897"/>
+          </a:xfrm>
+          <a:prstGeom prst="rect">
+            <a:avLst/>
+          </a:prstGeom>
+        </p:spPr>
+      </p:pic>
+      <p:pic>
+        <p:nvPicPr>
+          <p:cNvPr id="25" name="Picture 24">
+            <a:extLst>
+              <a:ext uri="{FF2B5EF4-FFF2-40B4-BE49-F238E27FC236}">
+                <a16:creationId xmlns:a16="http://schemas.microsoft.com/office/drawing/2014/main" id="{7821E019-0630-4DF2-A294-6BD1A1343DA5}"/>
+              </a:ext>
+            </a:extLst>
+          </p:cNvPr>
+          <p:cNvPicPr>
+            <a:picLocks noChangeAspect="1"/>
+          </p:cNvPicPr>
+          <p:nvPr/>
+        </p:nvPicPr>
+        <p:blipFill rotWithShape="1">
+          <a:blip r:embed="rId4"/>
+          <a:srcRect l="22889" r="22486" b="43964"/>
+          <a:stretch/>
+        </p:blipFill>
+        <p:spPr>
+          <a:xfrm>
+            <a:off x="574891" y="1411659"/>
+            <a:ext cx="3050499" cy="1103455"/>
+          </a:xfrm>
+          <a:prstGeom prst="rect">
+            <a:avLst/>
+          </a:prstGeom>
+        </p:spPr>
+      </p:pic>
+      <p:pic>
+        <p:nvPicPr>
+          <p:cNvPr id="6" name="Picture 5">
+            <a:extLst>
+              <a:ext uri="{FF2B5EF4-FFF2-40B4-BE49-F238E27FC236}">
+                <a16:creationId xmlns:a16="http://schemas.microsoft.com/office/drawing/2014/main" id="{D9170868-4DED-241E-0EED-9C57FAD08C35}"/>
+              </a:ext>
+            </a:extLst>
+          </p:cNvPr>
+          <p:cNvPicPr>
+            <a:picLocks noChangeAspect="1"/>
+          </p:cNvPicPr>
+          <p:nvPr/>
+        </p:nvPicPr>
+        <p:blipFill>
+          <a:blip r:embed="rId5"/>
+          <a:stretch>
+            <a:fillRect/>
+          </a:stretch>
+        </p:blipFill>
+        <p:spPr>
+          <a:xfrm>
+            <a:off x="3988419" y="1622255"/>
+            <a:ext cx="4939061" cy="818262"/>
+          </a:xfrm>
+          <a:prstGeom prst="rect">
+            <a:avLst/>
+          </a:prstGeom>
+        </p:spPr>
+      </p:pic>
+      <mc:AlternateContent xmlns:mc="http://schemas.openxmlformats.org/markup-compatibility/2006" xmlns:a14="http://schemas.microsoft.com/office/drawing/2010/main">
+        <mc:Choice Requires="a14">
+          <p:sp>
+            <p:nvSpPr>
+              <p:cNvPr id="14" name="TextBox 13">
+                <a:extLst>
+                  <a:ext uri="{FF2B5EF4-FFF2-40B4-BE49-F238E27FC236}">
+                    <a16:creationId xmlns:a16="http://schemas.microsoft.com/office/drawing/2014/main" id="{B80AFE74-9208-8BB0-D657-DBF8F54F881B}"/>
+                  </a:ext>
+                </a:extLst>
+              </p:cNvPr>
+              <p:cNvSpPr txBox="1"/>
+              <p:nvPr/>
+            </p:nvSpPr>
+            <p:spPr>
+              <a:xfrm>
+                <a:off x="726238" y="2576011"/>
+                <a:ext cx="2747804" cy="602665"/>
+              </a:xfrm>
+              <a:prstGeom prst="rect">
+                <a:avLst/>
+              </a:prstGeom>
+              <a:noFill/>
+            </p:spPr>
+            <p:txBody>
+              <a:bodyPr wrap="none" lIns="0" tIns="0" rIns="0" bIns="0" rtlCol="0">
+                <a:spAutoFit/>
+              </a:bodyPr>
+              <a:lstStyle/>
+              <a:p>
+                <a:pPr/>
+                <a14:m>
+                  <m:oMathPara xmlns:m="http://schemas.openxmlformats.org/officeDocument/2006/math">
+                    <m:oMathParaPr>
+                      <m:jc m:val="centerGroup"/>
+                    </m:oMathParaPr>
+                    <m:oMath xmlns:m="http://schemas.openxmlformats.org/officeDocument/2006/math">
+                      <m:f>
+                        <m:fPr>
+                          <m:ctrlPr>
+                            <a:rPr lang="en-US" b="0" i="1" smtClean="0">
+                              <a:latin typeface="Cambria Math" panose="02040503050406030204" pitchFamily="18" charset="0"/>
+                            </a:rPr>
+                          </m:ctrlPr>
+                        </m:fPr>
+                        <m:num>
+                          <m:sSub>
+                            <m:sSubPr>
+                              <m:ctrlPr>
+                                <a:rPr lang="en-US" b="0" i="1" smtClean="0">
+                                  <a:latin typeface="Cambria Math" panose="02040503050406030204" pitchFamily="18" charset="0"/>
+                                </a:rPr>
+                              </m:ctrlPr>
+                            </m:sSubPr>
+                            <m:e>
+                              <m:r>
+                                <a:rPr lang="en-US" b="0" i="1" smtClean="0">
+                                  <a:latin typeface="Cambria Math" panose="02040503050406030204" pitchFamily="18" charset="0"/>
+                                </a:rPr>
+                                <m:t>𝑏</m:t>
+                              </m:r>
+                            </m:e>
+                            <m:sub>
+                              <m:r>
+                                <a:rPr lang="en-US" b="0" i="1" smtClean="0">
+                                  <a:latin typeface="Cambria Math" panose="02040503050406030204" pitchFamily="18" charset="0"/>
+                                </a:rPr>
+                                <m:t>𝑛</m:t>
+                              </m:r>
+                            </m:sub>
+                          </m:sSub>
+                        </m:num>
+                        <m:den>
+                          <m:sSub>
+                            <m:sSubPr>
+                              <m:ctrlPr>
+                                <a:rPr lang="en-US" b="0" i="1" smtClean="0">
+                                  <a:latin typeface="Cambria Math" panose="02040503050406030204" pitchFamily="18" charset="0"/>
+                                </a:rPr>
+                              </m:ctrlPr>
+                            </m:sSubPr>
+                            <m:e>
+                              <m:r>
+                                <a:rPr lang="en-US" b="0" i="1" smtClean="0">
+                                  <a:latin typeface="Cambria Math" panose="02040503050406030204" pitchFamily="18" charset="0"/>
+                                </a:rPr>
+                                <m:t>𝑎</m:t>
+                              </m:r>
+                            </m:e>
+                            <m:sub>
+                              <m:r>
+                                <a:rPr lang="en-US" b="0" i="1" smtClean="0">
+                                  <a:latin typeface="Cambria Math" panose="02040503050406030204" pitchFamily="18" charset="0"/>
+                                </a:rPr>
+                                <m:t>𝑛</m:t>
+                              </m:r>
+                            </m:sub>
+                          </m:sSub>
+                        </m:den>
+                      </m:f>
+                      <m:r>
+                        <a:rPr lang="en-US" b="0" i="1" smtClean="0">
+                          <a:latin typeface="Cambria Math" panose="02040503050406030204" pitchFamily="18" charset="0"/>
+                        </a:rPr>
+                        <m:t>=</m:t>
+                      </m:r>
+                      <m:f>
+                        <m:fPr>
+                          <m:ctrlPr>
+                            <a:rPr lang="en-US" i="1" smtClean="0">
+                              <a:latin typeface="Cambria Math" panose="02040503050406030204" pitchFamily="18" charset="0"/>
+                            </a:rPr>
+                          </m:ctrlPr>
+                        </m:fPr>
+                        <m:num>
+                          <m:d>
+                            <m:dPr>
+                              <m:ctrlPr>
+                                <a:rPr lang="en-US" i="1" smtClean="0">
+                                  <a:latin typeface="Cambria Math" panose="02040503050406030204" pitchFamily="18" charset="0"/>
+                                </a:rPr>
+                              </m:ctrlPr>
+                            </m:dPr>
+                            <m:e>
+                              <m:sSub>
+                                <m:sSubPr>
+                                  <m:ctrlPr>
+                                    <a:rPr lang="en-US" i="1">
+                                      <a:latin typeface="Cambria Math" panose="02040503050406030204" pitchFamily="18" charset="0"/>
+                                    </a:rPr>
+                                  </m:ctrlPr>
+                                </m:sSubPr>
+                                <m:e>
+                                  <m:r>
+                                    <a:rPr lang="en-US" i="1">
+                                      <a:latin typeface="Cambria Math" panose="02040503050406030204" pitchFamily="18" charset="0"/>
+                                    </a:rPr>
+                                    <m:t>𝐴</m:t>
+                                  </m:r>
+                                </m:e>
+                                <m:sub>
+                                  <m:r>
+                                    <a:rPr lang="en-US" i="1">
+                                      <a:latin typeface="Cambria Math" panose="02040503050406030204" pitchFamily="18" charset="0"/>
+                                    </a:rPr>
+                                    <m:t>𝑖</m:t>
+                                  </m:r>
+                                </m:sub>
+                              </m:sSub>
+                            </m:e>
+                          </m:d>
+                          <m:sSup>
+                            <m:sSupPr>
+                              <m:ctrlPr>
+                                <a:rPr lang="en-US" i="1" smtClean="0">
+                                  <a:latin typeface="Cambria Math" panose="02040503050406030204" pitchFamily="18" charset="0"/>
+                                </a:rPr>
+                              </m:ctrlPr>
+                            </m:sSupPr>
+                            <m:e>
+                              <m:r>
+                                <a:rPr lang="en-US" b="0" i="1" smtClean="0">
+                                  <a:latin typeface="Cambria Math" panose="02040503050406030204" pitchFamily="18" charset="0"/>
+                                </a:rPr>
+                                <m:t>𝑛</m:t>
+                              </m:r>
+                            </m:e>
+                            <m:sup>
+                              <m:r>
+                                <a:rPr lang="en-US" b="0" i="1" smtClean="0">
+                                  <a:latin typeface="Cambria Math" panose="02040503050406030204" pitchFamily="18" charset="0"/>
+                                </a:rPr>
+                                <m:t>2</m:t>
+                              </m:r>
+                            </m:sup>
+                          </m:sSup>
+                          <m:r>
+                            <a:rPr lang="en-US" b="0" i="1" smtClean="0">
+                              <a:latin typeface="Cambria Math" panose="02040503050406030204" pitchFamily="18" charset="0"/>
+                            </a:rPr>
+                            <m:t>+</m:t>
+                          </m:r>
+                          <m:d>
+                            <m:dPr>
+                              <m:ctrlPr>
+                                <a:rPr lang="en-US" b="0" i="1" smtClean="0">
+                                  <a:latin typeface="Cambria Math" panose="02040503050406030204" pitchFamily="18" charset="0"/>
+                                </a:rPr>
+                              </m:ctrlPr>
+                            </m:dPr>
+                            <m:e>
+                              <m:sSub>
+                                <m:sSubPr>
+                                  <m:ctrlPr>
+                                    <a:rPr lang="en-US" b="0" i="1" smtClean="0">
+                                      <a:latin typeface="Cambria Math" panose="02040503050406030204" pitchFamily="18" charset="0"/>
+                                    </a:rPr>
+                                  </m:ctrlPr>
+                                </m:sSubPr>
+                                <m:e>
+                                  <m:r>
+                                    <a:rPr lang="en-US" b="0" i="1" smtClean="0">
+                                      <a:latin typeface="Cambria Math" panose="02040503050406030204" pitchFamily="18" charset="0"/>
+                                    </a:rPr>
+                                    <m:t>𝐵</m:t>
+                                  </m:r>
+                                </m:e>
+                                <m:sub>
+                                  <m:r>
+                                    <a:rPr lang="en-US" b="0" i="1" smtClean="0">
+                                      <a:latin typeface="Cambria Math" panose="02040503050406030204" pitchFamily="18" charset="0"/>
+                                    </a:rPr>
+                                    <m:t>𝑖</m:t>
+                                  </m:r>
+                                </m:sub>
+                              </m:sSub>
+                            </m:e>
+                          </m:d>
+                          <m:r>
+                            <a:rPr lang="en-US" b="0" i="1" smtClean="0">
+                              <a:latin typeface="Cambria Math" panose="02040503050406030204" pitchFamily="18" charset="0"/>
+                            </a:rPr>
+                            <m:t>𝑛</m:t>
+                          </m:r>
+                          <m:r>
+                            <a:rPr lang="en-US" b="0" i="1" smtClean="0">
+                              <a:latin typeface="Cambria Math" panose="02040503050406030204" pitchFamily="18" charset="0"/>
+                            </a:rPr>
+                            <m:t>+</m:t>
+                          </m:r>
+                          <m:d>
+                            <m:dPr>
+                              <m:ctrlPr>
+                                <a:rPr lang="en-US" b="0" i="1" smtClean="0">
+                                  <a:latin typeface="Cambria Math" panose="02040503050406030204" pitchFamily="18" charset="0"/>
+                                </a:rPr>
+                              </m:ctrlPr>
+                            </m:dPr>
+                            <m:e>
+                              <m:sSub>
+                                <m:sSubPr>
+                                  <m:ctrlPr>
+                                    <a:rPr lang="en-US" b="0" i="1" smtClean="0">
+                                      <a:latin typeface="Cambria Math" panose="02040503050406030204" pitchFamily="18" charset="0"/>
+                                    </a:rPr>
+                                  </m:ctrlPr>
+                                </m:sSubPr>
+                                <m:e>
+                                  <m:r>
+                                    <a:rPr lang="en-US" b="0" i="1" smtClean="0">
+                                      <a:latin typeface="Cambria Math" panose="02040503050406030204" pitchFamily="18" charset="0"/>
+                                    </a:rPr>
+                                    <m:t>𝐶</m:t>
+                                  </m:r>
+                                </m:e>
+                                <m:sub>
+                                  <m:r>
+                                    <a:rPr lang="en-US" b="0" i="1" smtClean="0">
+                                      <a:latin typeface="Cambria Math" panose="02040503050406030204" pitchFamily="18" charset="0"/>
+                                    </a:rPr>
+                                    <m:t>𝑖</m:t>
+                                  </m:r>
+                                </m:sub>
+                              </m:sSub>
+                            </m:e>
+                          </m:d>
+                        </m:num>
+                        <m:den>
+                          <m:d>
+                            <m:dPr>
+                              <m:ctrlPr>
+                                <a:rPr lang="en-US" i="1" smtClean="0">
+                                  <a:latin typeface="Cambria Math" panose="02040503050406030204" pitchFamily="18" charset="0"/>
+                                </a:rPr>
+                              </m:ctrlPr>
+                            </m:dPr>
+                            <m:e>
+                              <m:sSub>
+                                <m:sSubPr>
+                                  <m:ctrlPr>
+                                    <a:rPr lang="en-US" i="1" smtClean="0">
+                                      <a:latin typeface="Cambria Math" panose="02040503050406030204" pitchFamily="18" charset="0"/>
+                                    </a:rPr>
+                                  </m:ctrlPr>
+                                </m:sSubPr>
+                                <m:e>
+                                  <m:r>
+                                    <a:rPr lang="en-US" b="0" i="1" smtClean="0">
+                                      <a:latin typeface="Cambria Math" panose="02040503050406030204" pitchFamily="18" charset="0"/>
+                                    </a:rPr>
+                                    <m:t>𝐷</m:t>
+                                  </m:r>
+                                </m:e>
+                                <m:sub>
+                                  <m:r>
+                                    <a:rPr lang="en-US" b="0" i="1" smtClean="0">
+                                      <a:latin typeface="Cambria Math" panose="02040503050406030204" pitchFamily="18" charset="0"/>
+                                    </a:rPr>
+                                    <m:t>𝑖</m:t>
+                                  </m:r>
+                                </m:sub>
+                              </m:sSub>
+                            </m:e>
+                          </m:d>
+                          <m:r>
+                            <a:rPr lang="en-US" b="0" i="1" smtClean="0">
+                              <a:latin typeface="Cambria Math" panose="02040503050406030204" pitchFamily="18" charset="0"/>
+                            </a:rPr>
+                            <m:t>𝑛</m:t>
+                          </m:r>
+                          <m:r>
+                            <a:rPr lang="en-US" b="0" i="1" smtClean="0">
+                              <a:latin typeface="Cambria Math" panose="02040503050406030204" pitchFamily="18" charset="0"/>
+                            </a:rPr>
+                            <m:t>+</m:t>
+                          </m:r>
+                          <m:d>
+                            <m:dPr>
+                              <m:ctrlPr>
+                                <a:rPr lang="en-US" b="0" i="1" smtClean="0">
+                                  <a:latin typeface="Cambria Math" panose="02040503050406030204" pitchFamily="18" charset="0"/>
+                                </a:rPr>
+                              </m:ctrlPr>
+                            </m:dPr>
+                            <m:e>
+                              <m:sSub>
+                                <m:sSubPr>
+                                  <m:ctrlPr>
+                                    <a:rPr lang="en-US" b="0" i="1" smtClean="0">
+                                      <a:latin typeface="Cambria Math" panose="02040503050406030204" pitchFamily="18" charset="0"/>
+                                    </a:rPr>
+                                  </m:ctrlPr>
+                                </m:sSubPr>
+                                <m:e>
+                                  <m:r>
+                                    <a:rPr lang="en-US" b="0" i="1" smtClean="0">
+                                      <a:latin typeface="Cambria Math" panose="02040503050406030204" pitchFamily="18" charset="0"/>
+                                    </a:rPr>
+                                    <m:t>𝐸</m:t>
+                                  </m:r>
+                                </m:e>
+                                <m:sub>
+                                  <m:r>
+                                    <a:rPr lang="en-US" b="0" i="1" smtClean="0">
+                                      <a:latin typeface="Cambria Math" panose="02040503050406030204" pitchFamily="18" charset="0"/>
+                                    </a:rPr>
+                                    <m:t>𝑖</m:t>
+                                  </m:r>
+                                </m:sub>
+                              </m:sSub>
+                            </m:e>
+                          </m:d>
+                        </m:den>
+                      </m:f>
+                    </m:oMath>
+                  </m:oMathPara>
+                </a14:m>
+                <a:endParaRPr lang="en-US" dirty="0"/>
+              </a:p>
+            </p:txBody>
+          </p:sp>
+        </mc:Choice>
+        <mc:Fallback xmlns="">
+          <p:sp>
+            <p:nvSpPr>
+              <p:cNvPr id="14" name="TextBox 13">
+                <a:extLst>
+                  <a:ext uri="{FF2B5EF4-FFF2-40B4-BE49-F238E27FC236}">
+                    <a16:creationId xmlns:a16="http://schemas.microsoft.com/office/drawing/2014/main" id="{B80AFE74-9208-8BB0-D657-DBF8F54F881B}"/>
+                  </a:ext>
+                </a:extLst>
+              </p:cNvPr>
+              <p:cNvSpPr txBox="1">
+                <a:spLocks noRot="1" noChangeAspect="1" noMove="1" noResize="1" noEditPoints="1" noAdjustHandles="1" noChangeArrowheads="1" noChangeShapeType="1" noTextEdit="1"/>
+              </p:cNvSpPr>
+              <p:nvPr/>
+            </p:nvSpPr>
+            <p:spPr>
+              <a:xfrm>
+                <a:off x="726238" y="2576011"/>
+                <a:ext cx="2747804" cy="602665"/>
+              </a:xfrm>
+              <a:prstGeom prst="rect">
+                <a:avLst/>
+              </a:prstGeom>
+              <a:blipFill>
+                <a:blip r:embed="rId8"/>
+                <a:stretch>
+                  <a:fillRect/>
+                </a:stretch>
+              </a:blipFill>
+            </p:spPr>
+            <p:txBody>
+              <a:bodyPr/>
+              <a:lstStyle/>
+              <a:p>
+                <a:r>
+                  <a:rPr lang="en-US">
+                    <a:noFill/>
+                  </a:rPr>
+                  <a:t> </a:t>
+                </a:r>
+              </a:p>
+            </p:txBody>
+          </p:sp>
+        </mc:Fallback>
+      </mc:AlternateContent>
+      <mc:AlternateContent xmlns:mc="http://schemas.openxmlformats.org/markup-compatibility/2006" xmlns:a14="http://schemas.microsoft.com/office/drawing/2010/main">
+        <mc:Choice Requires="a14">
+          <p:sp>
+            <p:nvSpPr>
+              <p:cNvPr id="11" name="TextBox 10">
+                <a:extLst>
+                  <a:ext uri="{FF2B5EF4-FFF2-40B4-BE49-F238E27FC236}">
+                    <a16:creationId xmlns:a16="http://schemas.microsoft.com/office/drawing/2014/main" id="{70E81CF4-9A1C-770A-3029-E9D5FAFF342E}"/>
+                  </a:ext>
+                </a:extLst>
+              </p:cNvPr>
+              <p:cNvSpPr txBox="1"/>
+              <p:nvPr/>
+            </p:nvSpPr>
+            <p:spPr>
+              <a:xfrm>
+                <a:off x="766342" y="3433262"/>
+                <a:ext cx="3393429" cy="555793"/>
+              </a:xfrm>
+              <a:prstGeom prst="rect">
+                <a:avLst/>
+              </a:prstGeom>
+              <a:noFill/>
+            </p:spPr>
+            <p:txBody>
+              <a:bodyPr wrap="none" lIns="0" tIns="0" rIns="0" bIns="0" rtlCol="0">
+                <a:spAutoFit/>
+              </a:bodyPr>
+              <a:lstStyle/>
+              <a:p>
+                <a:pPr/>
+                <a14:m>
+                  <m:oMathPara xmlns:m="http://schemas.openxmlformats.org/officeDocument/2006/math">
+                    <m:oMathParaPr>
+                      <m:jc m:val="centerGroup"/>
+                    </m:oMathParaPr>
+                    <m:oMath xmlns:m="http://schemas.openxmlformats.org/officeDocument/2006/math">
+                      <m:f>
+                        <m:fPr>
+                          <m:ctrlPr>
+                            <a:rPr lang="en-US" i="1" smtClean="0">
+                              <a:latin typeface="Cambria Math" panose="02040503050406030204" pitchFamily="18" charset="0"/>
+                            </a:rPr>
+                          </m:ctrlPr>
+                        </m:fPr>
+                        <m:num>
+                          <m:d>
+                            <m:dPr>
+                              <m:ctrlPr>
+                                <a:rPr lang="en-US" i="1" smtClean="0">
+                                  <a:latin typeface="Cambria Math" panose="02040503050406030204" pitchFamily="18" charset="0"/>
+                                </a:rPr>
+                              </m:ctrlPr>
+                            </m:dPr>
+                            <m:e>
+                              <m:r>
+                                <a:rPr lang="en-US" b="0" i="1" smtClean="0">
+                                  <a:latin typeface="Cambria Math" panose="02040503050406030204" pitchFamily="18" charset="0"/>
+                                </a:rPr>
+                                <m:t>2</m:t>
+                              </m:r>
+                              <m:r>
+                                <a:rPr lang="en-US" b="0" i="1" smtClean="0">
+                                  <a:latin typeface="Cambria Math" panose="02040503050406030204" pitchFamily="18" charset="0"/>
+                                </a:rPr>
+                                <m:t>𝑛</m:t>
+                              </m:r>
+                              <m:r>
+                                <a:rPr lang="en-US" b="0" i="1" smtClean="0">
+                                  <a:latin typeface="Cambria Math" panose="02040503050406030204" pitchFamily="18" charset="0"/>
+                                </a:rPr>
+                                <m:t>+1</m:t>
+                              </m:r>
+                            </m:e>
+                          </m:d>
+                          <m:d>
+                            <m:dPr>
+                              <m:ctrlPr>
+                                <a:rPr lang="en-US" i="1" smtClean="0">
+                                  <a:latin typeface="Cambria Math" panose="02040503050406030204" pitchFamily="18" charset="0"/>
+                                </a:rPr>
+                              </m:ctrlPr>
+                            </m:dPr>
+                            <m:e>
+                              <m:r>
+                                <a:rPr lang="en-US" b="0" i="1" smtClean="0">
+                                  <a:latin typeface="Cambria Math" panose="02040503050406030204" pitchFamily="18" charset="0"/>
+                                </a:rPr>
+                                <m:t>2</m:t>
+                              </m:r>
+                              <m:r>
+                                <a:rPr lang="en-US" b="0" i="1" smtClean="0">
+                                  <a:latin typeface="Cambria Math" panose="02040503050406030204" pitchFamily="18" charset="0"/>
+                                </a:rPr>
+                                <m:t>𝑛</m:t>
+                              </m:r>
+                              <m:r>
+                                <a:rPr lang="en-US" b="0" i="1" smtClean="0">
+                                  <a:latin typeface="Cambria Math" panose="02040503050406030204" pitchFamily="18" charset="0"/>
+                                </a:rPr>
+                                <m:t>+1</m:t>
+                              </m:r>
+                            </m:e>
+                          </m:d>
+                        </m:num>
+                        <m:den>
+                          <m:r>
+                            <a:rPr lang="en-US" b="0" i="1" smtClean="0">
+                              <a:latin typeface="Cambria Math" panose="02040503050406030204" pitchFamily="18" charset="0"/>
+                            </a:rPr>
+                            <m:t>6</m:t>
+                          </m:r>
+                        </m:den>
+                      </m:f>
+                      <m:r>
+                        <a:rPr lang="en-US" b="0" i="1" smtClean="0">
+                          <a:latin typeface="Cambria Math" panose="02040503050406030204" pitchFamily="18" charset="0"/>
+                        </a:rPr>
+                        <m:t>=</m:t>
+                      </m:r>
+                      <m:f>
+                        <m:fPr>
+                          <m:ctrlPr>
+                            <a:rPr lang="en-US" b="0" i="1" smtClean="0">
+                              <a:latin typeface="Cambria Math" panose="02040503050406030204" pitchFamily="18" charset="0"/>
+                            </a:rPr>
+                          </m:ctrlPr>
+                        </m:fPr>
+                        <m:num>
+                          <m:sSup>
+                            <m:sSupPr>
+                              <m:ctrlPr>
+                                <a:rPr lang="en-US" b="0" i="1" smtClean="0">
+                                  <a:latin typeface="Cambria Math" panose="02040503050406030204" pitchFamily="18" charset="0"/>
+                                </a:rPr>
+                              </m:ctrlPr>
+                            </m:sSupPr>
+                            <m:e>
+                              <m:r>
+                                <a:rPr lang="en-US" b="0" i="1" smtClean="0">
+                                  <a:latin typeface="Cambria Math" panose="02040503050406030204" pitchFamily="18" charset="0"/>
+                                </a:rPr>
+                                <m:t>4</m:t>
+                              </m:r>
+                              <m:r>
+                                <a:rPr lang="en-US" b="0" i="1" smtClean="0">
+                                  <a:latin typeface="Cambria Math" panose="02040503050406030204" pitchFamily="18" charset="0"/>
+                                </a:rPr>
+                                <m:t>𝑛</m:t>
+                              </m:r>
+                            </m:e>
+                            <m:sup>
+                              <m:r>
+                                <a:rPr lang="en-US" b="0" i="1" smtClean="0">
+                                  <a:latin typeface="Cambria Math" panose="02040503050406030204" pitchFamily="18" charset="0"/>
+                                </a:rPr>
+                                <m:t>2</m:t>
+                              </m:r>
+                            </m:sup>
+                          </m:sSup>
+                          <m:r>
+                            <a:rPr lang="en-US" b="0" i="1" smtClean="0">
+                              <a:latin typeface="Cambria Math" panose="02040503050406030204" pitchFamily="18" charset="0"/>
+                            </a:rPr>
+                            <m:t>+4</m:t>
+                          </m:r>
+                          <m:r>
+                            <a:rPr lang="en-US" b="0" i="1" smtClean="0">
+                              <a:latin typeface="Cambria Math" panose="02040503050406030204" pitchFamily="18" charset="0"/>
+                            </a:rPr>
+                            <m:t>𝑛</m:t>
+                          </m:r>
+                          <m:r>
+                            <a:rPr lang="en-US" b="0" i="1" smtClean="0">
+                              <a:latin typeface="Cambria Math" panose="02040503050406030204" pitchFamily="18" charset="0"/>
+                            </a:rPr>
+                            <m:t>+1</m:t>
+                          </m:r>
+                        </m:num>
+                        <m:den>
+                          <m:r>
+                            <a:rPr lang="en-US" b="0" i="1" smtClean="0">
+                              <a:latin typeface="Cambria Math" panose="02040503050406030204" pitchFamily="18" charset="0"/>
+                            </a:rPr>
+                            <m:t>6</m:t>
+                          </m:r>
+                        </m:den>
+                      </m:f>
+                    </m:oMath>
+                  </m:oMathPara>
+                </a14:m>
+                <a:endParaRPr lang="en-US" dirty="0"/>
+              </a:p>
+            </p:txBody>
+          </p:sp>
+        </mc:Choice>
+        <mc:Fallback xmlns="">
+          <p:sp>
+            <p:nvSpPr>
+              <p:cNvPr id="11" name="TextBox 10">
+                <a:extLst>
+                  <a:ext uri="{FF2B5EF4-FFF2-40B4-BE49-F238E27FC236}">
+                    <a16:creationId xmlns:a16="http://schemas.microsoft.com/office/drawing/2014/main" id="{70E81CF4-9A1C-770A-3029-E9D5FAFF342E}"/>
+                  </a:ext>
+                </a:extLst>
+              </p:cNvPr>
+              <p:cNvSpPr txBox="1">
+                <a:spLocks noRot="1" noChangeAspect="1" noMove="1" noResize="1" noEditPoints="1" noAdjustHandles="1" noChangeArrowheads="1" noChangeShapeType="1" noTextEdit="1"/>
+              </p:cNvSpPr>
+              <p:nvPr/>
+            </p:nvSpPr>
+            <p:spPr>
+              <a:xfrm>
+                <a:off x="766342" y="3433262"/>
+                <a:ext cx="3393429" cy="555793"/>
+              </a:xfrm>
+              <a:prstGeom prst="rect">
+                <a:avLst/>
+              </a:prstGeom>
+              <a:blipFill>
+                <a:blip r:embed="rId9"/>
+                <a:stretch>
+                  <a:fillRect/>
+                </a:stretch>
+              </a:blipFill>
+            </p:spPr>
+            <p:txBody>
+              <a:bodyPr/>
+              <a:lstStyle/>
+              <a:p>
+                <a:r>
+                  <a:rPr lang="en-US">
+                    <a:noFill/>
+                  </a:rPr>
+                  <a:t> </a:t>
+                </a:r>
+              </a:p>
+            </p:txBody>
+          </p:sp>
+        </mc:Fallback>
+      </mc:AlternateContent>
+      <mc:AlternateContent xmlns:mc="http://schemas.openxmlformats.org/markup-compatibility/2006" xmlns:a14="http://schemas.microsoft.com/office/drawing/2010/main">
+        <mc:Choice Requires="a14">
+          <p:sp>
+            <p:nvSpPr>
+              <p:cNvPr id="12" name="TextBox 11">
+                <a:extLst>
+                  <a:ext uri="{FF2B5EF4-FFF2-40B4-BE49-F238E27FC236}">
+                    <a16:creationId xmlns:a16="http://schemas.microsoft.com/office/drawing/2014/main" id="{63D771C1-CBAD-53DF-8CB9-5D807DCF911C}"/>
+                  </a:ext>
+                </a:extLst>
+              </p:cNvPr>
+              <p:cNvSpPr txBox="1"/>
+              <p:nvPr/>
+            </p:nvSpPr>
+            <p:spPr>
+              <a:xfrm>
+                <a:off x="4572000" y="3030578"/>
+                <a:ext cx="1459309" cy="276999"/>
+              </a:xfrm>
+              <a:prstGeom prst="rect">
+                <a:avLst/>
+              </a:prstGeom>
+              <a:noFill/>
+            </p:spPr>
+            <p:txBody>
+              <a:bodyPr wrap="none" lIns="0" tIns="0" rIns="0" bIns="0" rtlCol="0">
+                <a:spAutoFit/>
+              </a:bodyPr>
+              <a:lstStyle/>
+              <a:p>
+                <a:pPr/>
+                <a14:m>
+                  <m:oMathPara xmlns:m="http://schemas.openxmlformats.org/officeDocument/2006/math">
+                    <m:oMathParaPr>
+                      <m:jc m:val="centerGroup"/>
+                    </m:oMathParaPr>
+                    <m:oMath xmlns:m="http://schemas.openxmlformats.org/officeDocument/2006/math">
+                      <m:sSub>
+                        <m:sSubPr>
+                          <m:ctrlPr>
+                            <a:rPr lang="en-US" i="1" smtClean="0">
+                              <a:latin typeface="Cambria Math" panose="02040503050406030204" pitchFamily="18" charset="0"/>
+                            </a:rPr>
+                          </m:ctrlPr>
+                        </m:sSubPr>
+                        <m:e>
+                          <m:r>
+                            <a:rPr lang="en-US" b="0" i="1" smtClean="0">
+                              <a:latin typeface="Cambria Math" panose="02040503050406030204" pitchFamily="18" charset="0"/>
+                            </a:rPr>
+                            <m:t>𝑎</m:t>
+                          </m:r>
+                        </m:e>
+                        <m:sub>
+                          <m:r>
+                            <a:rPr lang="en-US" b="0" i="1" smtClean="0">
+                              <a:latin typeface="Cambria Math" panose="02040503050406030204" pitchFamily="18" charset="0"/>
+                            </a:rPr>
+                            <m:t>0</m:t>
+                          </m:r>
+                        </m:sub>
+                      </m:sSub>
+                      <m:r>
+                        <a:rPr lang="en-US" b="0" i="1" smtClean="0">
+                          <a:latin typeface="Cambria Math" panose="02040503050406030204" pitchFamily="18" charset="0"/>
+                        </a:rPr>
+                        <m:t>=3,</m:t>
+                      </m:r>
+                      <m:sSub>
+                        <m:sSubPr>
+                          <m:ctrlPr>
+                            <a:rPr lang="en-US" b="0" i="1" smtClean="0">
+                              <a:latin typeface="Cambria Math" panose="02040503050406030204" pitchFamily="18" charset="0"/>
+                            </a:rPr>
+                          </m:ctrlPr>
+                        </m:sSubPr>
+                        <m:e>
+                          <m:r>
+                            <a:rPr lang="en-US" b="0" i="1" smtClean="0">
+                              <a:latin typeface="Cambria Math" panose="02040503050406030204" pitchFamily="18" charset="0"/>
+                            </a:rPr>
+                            <m:t>𝑏</m:t>
+                          </m:r>
+                        </m:e>
+                        <m:sub>
+                          <m:r>
+                            <a:rPr lang="en-US" b="0" i="1" smtClean="0">
+                              <a:latin typeface="Cambria Math" panose="02040503050406030204" pitchFamily="18" charset="0"/>
+                            </a:rPr>
+                            <m:t>0</m:t>
+                          </m:r>
+                        </m:sub>
+                      </m:sSub>
+                      <m:r>
+                        <a:rPr lang="en-US" b="0" i="1" smtClean="0">
+                          <a:latin typeface="Cambria Math" panose="02040503050406030204" pitchFamily="18" charset="0"/>
+                        </a:rPr>
+                        <m:t>=1</m:t>
+                      </m:r>
+                    </m:oMath>
+                  </m:oMathPara>
+                </a14:m>
+                <a:endParaRPr lang="en-US" dirty="0"/>
+              </a:p>
+            </p:txBody>
+          </p:sp>
+        </mc:Choice>
+        <mc:Fallback xmlns="">
+          <p:sp>
+            <p:nvSpPr>
+              <p:cNvPr id="12" name="TextBox 11">
+                <a:extLst>
+                  <a:ext uri="{FF2B5EF4-FFF2-40B4-BE49-F238E27FC236}">
+                    <a16:creationId xmlns:a16="http://schemas.microsoft.com/office/drawing/2014/main" id="{63D771C1-CBAD-53DF-8CB9-5D807DCF911C}"/>
+                  </a:ext>
+                </a:extLst>
+              </p:cNvPr>
+              <p:cNvSpPr txBox="1">
+                <a:spLocks noRot="1" noChangeAspect="1" noMove="1" noResize="1" noEditPoints="1" noAdjustHandles="1" noChangeArrowheads="1" noChangeShapeType="1" noTextEdit="1"/>
+              </p:cNvSpPr>
+              <p:nvPr/>
+            </p:nvSpPr>
+            <p:spPr>
+              <a:xfrm>
+                <a:off x="4572000" y="3030578"/>
+                <a:ext cx="1459309" cy="276999"/>
+              </a:xfrm>
+              <a:prstGeom prst="rect">
+                <a:avLst/>
+              </a:prstGeom>
+              <a:blipFill>
+                <a:blip r:embed="rId10"/>
+                <a:stretch>
+                  <a:fillRect l="-2092" r="-3347" b="-15217"/>
+                </a:stretch>
+              </a:blipFill>
+            </p:spPr>
+            <p:txBody>
+              <a:bodyPr/>
+              <a:lstStyle/>
+              <a:p>
+                <a:r>
+                  <a:rPr lang="en-US">
+                    <a:noFill/>
+                  </a:rPr>
+                  <a:t> </a:t>
+                </a:r>
+              </a:p>
+            </p:txBody>
+          </p:sp>
+        </mc:Fallback>
+      </mc:AlternateContent>
+      <mc:AlternateContent xmlns:mc="http://schemas.openxmlformats.org/markup-compatibility/2006" xmlns:a14="http://schemas.microsoft.com/office/drawing/2010/main">
+        <mc:Choice Requires="a14">
+          <p:sp>
+            <p:nvSpPr>
+              <p:cNvPr id="17" name="TextBox 16">
+                <a:extLst>
+                  <a:ext uri="{FF2B5EF4-FFF2-40B4-BE49-F238E27FC236}">
+                    <a16:creationId xmlns:a16="http://schemas.microsoft.com/office/drawing/2014/main" id="{BE6138A5-44EB-1F0F-7831-20F0AE42DBDF}"/>
+                  </a:ext>
+                </a:extLst>
+              </p:cNvPr>
+              <p:cNvSpPr txBox="1"/>
+              <p:nvPr/>
+            </p:nvSpPr>
+            <p:spPr>
+              <a:xfrm>
+                <a:off x="4572000" y="3531161"/>
+                <a:ext cx="3611373" cy="276999"/>
+              </a:xfrm>
+              <a:prstGeom prst="rect">
+                <a:avLst/>
+              </a:prstGeom>
+              <a:noFill/>
+            </p:spPr>
+            <p:txBody>
+              <a:bodyPr wrap="none" lIns="0" tIns="0" rIns="0" bIns="0" rtlCol="0">
+                <a:spAutoFit/>
+              </a:bodyPr>
+              <a:lstStyle/>
+              <a:p>
+                <a:pPr/>
+                <a14:m>
+                  <m:oMathPara xmlns:m="http://schemas.openxmlformats.org/officeDocument/2006/math">
+                    <m:oMathParaPr>
+                      <m:jc m:val="centerGroup"/>
+                    </m:oMathParaPr>
+                    <m:oMath xmlns:m="http://schemas.openxmlformats.org/officeDocument/2006/math">
+                      <m:sSub>
+                        <m:sSubPr>
+                          <m:ctrlPr>
+                            <a:rPr lang="en-US" b="0" i="1" smtClean="0">
+                              <a:latin typeface="Cambria Math" panose="02040503050406030204" pitchFamily="18" charset="0"/>
+                            </a:rPr>
+                          </m:ctrlPr>
+                        </m:sSubPr>
+                        <m:e>
+                          <m:r>
+                            <a:rPr lang="en-US" b="0" i="1" smtClean="0">
+                              <a:latin typeface="Cambria Math" panose="02040503050406030204" pitchFamily="18" charset="0"/>
+                            </a:rPr>
+                            <m:t>𝐴</m:t>
+                          </m:r>
+                        </m:e>
+                        <m:sub>
+                          <m:r>
+                            <a:rPr lang="en-US" b="0" i="1" smtClean="0">
+                              <a:latin typeface="Cambria Math" panose="02040503050406030204" pitchFamily="18" charset="0"/>
+                            </a:rPr>
+                            <m:t>𝑖</m:t>
+                          </m:r>
+                        </m:sub>
+                      </m:sSub>
+                      <m:r>
+                        <a:rPr lang="en-US" b="0" i="1" smtClean="0">
+                          <a:latin typeface="Cambria Math" panose="02040503050406030204" pitchFamily="18" charset="0"/>
+                        </a:rPr>
+                        <m:t>=4,</m:t>
+                      </m:r>
+                      <m:sSub>
+                        <m:sSubPr>
+                          <m:ctrlPr>
+                            <a:rPr lang="en-US" i="1">
+                              <a:latin typeface="Cambria Math" panose="02040503050406030204" pitchFamily="18" charset="0"/>
+                            </a:rPr>
+                          </m:ctrlPr>
+                        </m:sSubPr>
+                        <m:e>
+                          <m:r>
+                            <a:rPr lang="en-US" b="0" i="1" smtClean="0">
+                              <a:latin typeface="Cambria Math" panose="02040503050406030204" pitchFamily="18" charset="0"/>
+                            </a:rPr>
+                            <m:t>𝐵</m:t>
+                          </m:r>
+                        </m:e>
+                        <m:sub>
+                          <m:r>
+                            <a:rPr lang="en-US" i="1">
+                              <a:latin typeface="Cambria Math" panose="02040503050406030204" pitchFamily="18" charset="0"/>
+                            </a:rPr>
+                            <m:t>𝑖</m:t>
+                          </m:r>
+                        </m:sub>
+                      </m:sSub>
+                      <m:r>
+                        <a:rPr lang="en-US" i="1">
+                          <a:latin typeface="Cambria Math" panose="02040503050406030204" pitchFamily="18" charset="0"/>
+                        </a:rPr>
+                        <m:t>=4,</m:t>
+                      </m:r>
+                      <m:sSub>
+                        <m:sSubPr>
+                          <m:ctrlPr>
+                            <a:rPr lang="en-US" i="1">
+                              <a:latin typeface="Cambria Math" panose="02040503050406030204" pitchFamily="18" charset="0"/>
+                            </a:rPr>
+                          </m:ctrlPr>
+                        </m:sSubPr>
+                        <m:e>
+                          <m:r>
+                            <a:rPr lang="en-US" b="0" i="1" smtClean="0">
+                              <a:latin typeface="Cambria Math" panose="02040503050406030204" pitchFamily="18" charset="0"/>
+                            </a:rPr>
+                            <m:t>𝐶</m:t>
+                          </m:r>
+                        </m:e>
+                        <m:sub>
+                          <m:r>
+                            <a:rPr lang="en-US" i="1">
+                              <a:latin typeface="Cambria Math" panose="02040503050406030204" pitchFamily="18" charset="0"/>
+                            </a:rPr>
+                            <m:t>𝑖</m:t>
+                          </m:r>
+                        </m:sub>
+                      </m:sSub>
+                      <m:r>
+                        <a:rPr lang="en-US" i="1">
+                          <a:latin typeface="Cambria Math" panose="02040503050406030204" pitchFamily="18" charset="0"/>
+                        </a:rPr>
+                        <m:t>=</m:t>
+                      </m:r>
+                      <m:r>
+                        <a:rPr lang="en-US" b="0" i="1" smtClean="0">
+                          <a:latin typeface="Cambria Math" panose="02040503050406030204" pitchFamily="18" charset="0"/>
+                        </a:rPr>
+                        <m:t>1</m:t>
+                      </m:r>
+                      <m:r>
+                        <a:rPr lang="en-US" i="1">
+                          <a:latin typeface="Cambria Math" panose="02040503050406030204" pitchFamily="18" charset="0"/>
+                        </a:rPr>
+                        <m:t>,</m:t>
+                      </m:r>
+                      <m:sSub>
+                        <m:sSubPr>
+                          <m:ctrlPr>
+                            <a:rPr lang="en-US" i="1">
+                              <a:latin typeface="Cambria Math" panose="02040503050406030204" pitchFamily="18" charset="0"/>
+                            </a:rPr>
+                          </m:ctrlPr>
+                        </m:sSubPr>
+                        <m:e>
+                          <m:r>
+                            <a:rPr lang="en-US" b="0" i="1" smtClean="0">
+                              <a:latin typeface="Cambria Math" panose="02040503050406030204" pitchFamily="18" charset="0"/>
+                            </a:rPr>
+                            <m:t>𝐷</m:t>
+                          </m:r>
+                        </m:e>
+                        <m:sub>
+                          <m:r>
+                            <a:rPr lang="en-US" i="1">
+                              <a:latin typeface="Cambria Math" panose="02040503050406030204" pitchFamily="18" charset="0"/>
+                            </a:rPr>
+                            <m:t>𝑖</m:t>
+                          </m:r>
+                        </m:sub>
+                      </m:sSub>
+                      <m:r>
+                        <a:rPr lang="en-US" i="1">
+                          <a:latin typeface="Cambria Math" panose="02040503050406030204" pitchFamily="18" charset="0"/>
+                        </a:rPr>
+                        <m:t>=</m:t>
+                      </m:r>
+                      <m:r>
+                        <a:rPr lang="en-US" b="0" i="1" smtClean="0">
+                          <a:latin typeface="Cambria Math" panose="02040503050406030204" pitchFamily="18" charset="0"/>
+                        </a:rPr>
+                        <m:t>0</m:t>
+                      </m:r>
+                      <m:r>
+                        <a:rPr lang="en-US" i="1">
+                          <a:latin typeface="Cambria Math" panose="02040503050406030204" pitchFamily="18" charset="0"/>
+                        </a:rPr>
+                        <m:t>,</m:t>
+                      </m:r>
+                      <m:sSub>
+                        <m:sSubPr>
+                          <m:ctrlPr>
+                            <a:rPr lang="en-US" i="1">
+                              <a:latin typeface="Cambria Math" panose="02040503050406030204" pitchFamily="18" charset="0"/>
+                            </a:rPr>
+                          </m:ctrlPr>
+                        </m:sSubPr>
+                        <m:e>
+                          <m:r>
+                            <a:rPr lang="en-US" b="0" i="1" smtClean="0">
+                              <a:latin typeface="Cambria Math" panose="02040503050406030204" pitchFamily="18" charset="0"/>
+                            </a:rPr>
+                            <m:t>𝐸</m:t>
+                          </m:r>
+                        </m:e>
+                        <m:sub>
+                          <m:r>
+                            <a:rPr lang="en-US" i="1">
+                              <a:latin typeface="Cambria Math" panose="02040503050406030204" pitchFamily="18" charset="0"/>
+                            </a:rPr>
+                            <m:t>𝑖</m:t>
+                          </m:r>
+                        </m:sub>
+                      </m:sSub>
+                      <m:r>
+                        <a:rPr lang="en-US" i="1">
+                          <a:latin typeface="Cambria Math" panose="02040503050406030204" pitchFamily="18" charset="0"/>
+                        </a:rPr>
+                        <m:t>=</m:t>
+                      </m:r>
+                      <m:r>
+                        <a:rPr lang="en-US" b="0" i="1" smtClean="0">
+                          <a:latin typeface="Cambria Math" panose="02040503050406030204" pitchFamily="18" charset="0"/>
+                        </a:rPr>
+                        <m:t>6</m:t>
+                      </m:r>
+                    </m:oMath>
+                  </m:oMathPara>
+                </a14:m>
+                <a:endParaRPr lang="en-US" dirty="0"/>
+              </a:p>
+            </p:txBody>
+          </p:sp>
+        </mc:Choice>
+        <mc:Fallback xmlns="">
+          <p:sp>
+            <p:nvSpPr>
+              <p:cNvPr id="17" name="TextBox 16">
+                <a:extLst>
+                  <a:ext uri="{FF2B5EF4-FFF2-40B4-BE49-F238E27FC236}">
+                    <a16:creationId xmlns:a16="http://schemas.microsoft.com/office/drawing/2014/main" id="{BE6138A5-44EB-1F0F-7831-20F0AE42DBDF}"/>
+                  </a:ext>
+                </a:extLst>
+              </p:cNvPr>
+              <p:cNvSpPr txBox="1">
+                <a:spLocks noRot="1" noChangeAspect="1" noMove="1" noResize="1" noEditPoints="1" noAdjustHandles="1" noChangeArrowheads="1" noChangeShapeType="1" noTextEdit="1"/>
+              </p:cNvSpPr>
+              <p:nvPr/>
+            </p:nvSpPr>
+            <p:spPr>
+              <a:xfrm>
+                <a:off x="4572000" y="3531161"/>
+                <a:ext cx="3611373" cy="276999"/>
+              </a:xfrm>
+              <a:prstGeom prst="rect">
+                <a:avLst/>
+              </a:prstGeom>
+              <a:blipFill>
+                <a:blip r:embed="rId11"/>
+                <a:stretch>
+                  <a:fillRect l="-1014" r="-1014" b="-17391"/>
+                </a:stretch>
+              </a:blipFill>
+            </p:spPr>
+            <p:txBody>
+              <a:bodyPr/>
+              <a:lstStyle/>
+              <a:p>
+                <a:r>
+                  <a:rPr lang="en-US">
+                    <a:noFill/>
+                  </a:rPr>
+                  <a:t> </a:t>
+                </a:r>
+              </a:p>
+            </p:txBody>
+          </p:sp>
+        </mc:Fallback>
+      </mc:AlternateContent>
+      <p:cxnSp>
+        <p:nvCxnSpPr>
+          <p:cNvPr id="15" name="Straight Arrow Connector 14">
+            <a:extLst>
+              <a:ext uri="{FF2B5EF4-FFF2-40B4-BE49-F238E27FC236}">
+                <a16:creationId xmlns:a16="http://schemas.microsoft.com/office/drawing/2014/main" id="{A3347072-D5A3-6E0D-7DD9-03B9CA797A15}"/>
+              </a:ext>
+            </a:extLst>
+          </p:cNvPr>
+          <p:cNvCxnSpPr/>
+          <p:nvPr/>
+        </p:nvCxnSpPr>
+        <p:spPr>
+          <a:xfrm flipV="1">
+            <a:off x="5179102" y="2226039"/>
+            <a:ext cx="539646" cy="804539"/>
+          </a:xfrm>
+          <a:prstGeom prst="straightConnector1">
+            <a:avLst/>
+          </a:prstGeom>
+          <a:ln w="12700">
+            <a:solidFill>
+              <a:srgbClr val="FF0000"/>
+            </a:solidFill>
+            <a:tailEnd type="triangle"/>
+          </a:ln>
+        </p:spPr>
+        <p:style>
+          <a:lnRef idx="1">
+            <a:schemeClr val="accent1"/>
+          </a:lnRef>
+          <a:fillRef idx="0">
+            <a:schemeClr val="accent1"/>
+          </a:fillRef>
+          <a:effectRef idx="0">
+            <a:schemeClr val="accent1"/>
+          </a:effectRef>
+          <a:fontRef idx="minor">
+            <a:schemeClr val="tx1"/>
+          </a:fontRef>
+        </p:style>
+      </p:cxnSp>
+      <p:cxnSp>
+        <p:nvCxnSpPr>
+          <p:cNvPr id="20" name="Straight Arrow Connector 19">
+            <a:extLst>
+              <a:ext uri="{FF2B5EF4-FFF2-40B4-BE49-F238E27FC236}">
+                <a16:creationId xmlns:a16="http://schemas.microsoft.com/office/drawing/2014/main" id="{5A442DE6-E98F-2A91-7900-A1553D3E0A72}"/>
+              </a:ext>
+            </a:extLst>
+          </p:cNvPr>
+          <p:cNvCxnSpPr>
+            <a:cxnSpLocks/>
+          </p:cNvCxnSpPr>
+          <p:nvPr/>
+        </p:nvCxnSpPr>
+        <p:spPr>
+          <a:xfrm flipV="1">
+            <a:off x="5917767" y="2226039"/>
+            <a:ext cx="95832" cy="852879"/>
+          </a:xfrm>
+          <a:prstGeom prst="straightConnector1">
+            <a:avLst/>
+          </a:prstGeom>
+          <a:ln w="12700">
+            <a:solidFill>
+              <a:srgbClr val="FF0000"/>
+            </a:solidFill>
+            <a:tailEnd type="triangle"/>
+          </a:ln>
+        </p:spPr>
+        <p:style>
+          <a:lnRef idx="1">
+            <a:schemeClr val="accent1"/>
+          </a:lnRef>
+          <a:fillRef idx="0">
+            <a:schemeClr val="accent1"/>
+          </a:fillRef>
+          <a:effectRef idx="0">
+            <a:schemeClr val="accent1"/>
+          </a:effectRef>
+          <a:fontRef idx="minor">
+            <a:schemeClr val="tx1"/>
+          </a:fontRef>
+        </p:style>
+      </p:cxnSp>
+      <p:cxnSp>
+        <p:nvCxnSpPr>
+          <p:cNvPr id="23" name="Straight Arrow Connector 22">
+            <a:extLst>
+              <a:ext uri="{FF2B5EF4-FFF2-40B4-BE49-F238E27FC236}">
+                <a16:creationId xmlns:a16="http://schemas.microsoft.com/office/drawing/2014/main" id="{FC1856A9-12D7-C58B-F8EF-B5B521320E8A}"/>
+              </a:ext>
+            </a:extLst>
+          </p:cNvPr>
+          <p:cNvCxnSpPr>
+            <a:cxnSpLocks/>
+          </p:cNvCxnSpPr>
+          <p:nvPr/>
+        </p:nvCxnSpPr>
+        <p:spPr>
+          <a:xfrm flipV="1">
+            <a:off x="5191569" y="2209723"/>
+            <a:ext cx="1038759" cy="1340701"/>
+          </a:xfrm>
+          <a:prstGeom prst="straightConnector1">
+            <a:avLst/>
+          </a:prstGeom>
+          <a:ln w="12700">
+            <a:solidFill>
+              <a:srgbClr val="FF0000"/>
+            </a:solidFill>
+            <a:tailEnd type="triangle"/>
+          </a:ln>
+        </p:spPr>
+        <p:style>
+          <a:lnRef idx="1">
+            <a:schemeClr val="accent1"/>
+          </a:lnRef>
+          <a:fillRef idx="0">
+            <a:schemeClr val="accent1"/>
+          </a:fillRef>
+          <a:effectRef idx="0">
+            <a:schemeClr val="accent1"/>
+          </a:effectRef>
+          <a:fontRef idx="minor">
+            <a:schemeClr val="tx1"/>
+          </a:fontRef>
+        </p:style>
+      </p:cxnSp>
+      <p:cxnSp>
+        <p:nvCxnSpPr>
+          <p:cNvPr id="27" name="Straight Arrow Connector 26">
+            <a:extLst>
+              <a:ext uri="{FF2B5EF4-FFF2-40B4-BE49-F238E27FC236}">
+                <a16:creationId xmlns:a16="http://schemas.microsoft.com/office/drawing/2014/main" id="{1E89D1E0-B5E1-658B-2556-7908D305A8A2}"/>
+              </a:ext>
+            </a:extLst>
+          </p:cNvPr>
+          <p:cNvCxnSpPr>
+            <a:cxnSpLocks/>
+          </p:cNvCxnSpPr>
+          <p:nvPr/>
+        </p:nvCxnSpPr>
+        <p:spPr>
+          <a:xfrm flipV="1">
+            <a:off x="5938569" y="2209723"/>
+            <a:ext cx="549883" cy="1334248"/>
+          </a:xfrm>
+          <a:prstGeom prst="straightConnector1">
+            <a:avLst/>
+          </a:prstGeom>
+          <a:ln w="12700">
+            <a:solidFill>
+              <a:srgbClr val="FF0000"/>
+            </a:solidFill>
+            <a:tailEnd type="triangle"/>
+          </a:ln>
+        </p:spPr>
+        <p:style>
+          <a:lnRef idx="1">
+            <a:schemeClr val="accent1"/>
+          </a:lnRef>
+          <a:fillRef idx="0">
+            <a:schemeClr val="accent1"/>
+          </a:fillRef>
+          <a:effectRef idx="0">
+            <a:schemeClr val="accent1"/>
+          </a:effectRef>
+          <a:fontRef idx="minor">
+            <a:schemeClr val="tx1"/>
+          </a:fontRef>
+        </p:style>
+      </p:cxnSp>
+      <p:cxnSp>
+        <p:nvCxnSpPr>
+          <p:cNvPr id="28" name="Straight Arrow Connector 27">
+            <a:extLst>
+              <a:ext uri="{FF2B5EF4-FFF2-40B4-BE49-F238E27FC236}">
+                <a16:creationId xmlns:a16="http://schemas.microsoft.com/office/drawing/2014/main" id="{4C0DE19D-2E04-484C-027C-506E2B17F3E1}"/>
+              </a:ext>
+            </a:extLst>
+          </p:cNvPr>
+          <p:cNvCxnSpPr>
+            <a:cxnSpLocks/>
+          </p:cNvCxnSpPr>
+          <p:nvPr/>
+        </p:nvCxnSpPr>
+        <p:spPr>
+          <a:xfrm flipV="1">
+            <a:off x="6638411" y="2226039"/>
+            <a:ext cx="101386" cy="1324385"/>
+          </a:xfrm>
+          <a:prstGeom prst="straightConnector1">
+            <a:avLst/>
+          </a:prstGeom>
+          <a:ln w="12700">
+            <a:solidFill>
+              <a:srgbClr val="FF0000"/>
+            </a:solidFill>
+            <a:tailEnd type="triangle"/>
+          </a:ln>
+        </p:spPr>
+        <p:style>
+          <a:lnRef idx="1">
+            <a:schemeClr val="accent1"/>
+          </a:lnRef>
+          <a:fillRef idx="0">
+            <a:schemeClr val="accent1"/>
+          </a:fillRef>
+          <a:effectRef idx="0">
+            <a:schemeClr val="accent1"/>
+          </a:effectRef>
+          <a:fontRef idx="minor">
+            <a:schemeClr val="tx1"/>
+          </a:fontRef>
+        </p:style>
+      </p:cxnSp>
+      <p:cxnSp>
+        <p:nvCxnSpPr>
+          <p:cNvPr id="30" name="Straight Arrow Connector 29">
+            <a:extLst>
+              <a:ext uri="{FF2B5EF4-FFF2-40B4-BE49-F238E27FC236}">
+                <a16:creationId xmlns:a16="http://schemas.microsoft.com/office/drawing/2014/main" id="{B80C794D-BAE7-05EA-F87B-4CFEBC7EB860}"/>
+              </a:ext>
+            </a:extLst>
+          </p:cNvPr>
+          <p:cNvCxnSpPr>
+            <a:cxnSpLocks/>
+          </p:cNvCxnSpPr>
+          <p:nvPr/>
+        </p:nvCxnSpPr>
+        <p:spPr>
+          <a:xfrm flipH="1" flipV="1">
+            <a:off x="6977328" y="2226039"/>
+            <a:ext cx="360357" cy="1354995"/>
+          </a:xfrm>
+          <a:prstGeom prst="straightConnector1">
+            <a:avLst/>
+          </a:prstGeom>
+          <a:ln w="12700">
+            <a:solidFill>
+              <a:srgbClr val="FF0000"/>
+            </a:solidFill>
+            <a:tailEnd type="triangle"/>
+          </a:ln>
+        </p:spPr>
+        <p:style>
+          <a:lnRef idx="1">
+            <a:schemeClr val="accent1"/>
+          </a:lnRef>
+          <a:fillRef idx="0">
+            <a:schemeClr val="accent1"/>
+          </a:fillRef>
+          <a:effectRef idx="0">
+            <a:schemeClr val="accent1"/>
+          </a:effectRef>
+          <a:fontRef idx="minor">
+            <a:schemeClr val="tx1"/>
+          </a:fontRef>
+        </p:style>
+      </p:cxnSp>
+      <p:cxnSp>
+        <p:nvCxnSpPr>
+          <p:cNvPr id="33" name="Straight Arrow Connector 32">
+            <a:extLst>
+              <a:ext uri="{FF2B5EF4-FFF2-40B4-BE49-F238E27FC236}">
+                <a16:creationId xmlns:a16="http://schemas.microsoft.com/office/drawing/2014/main" id="{84E618C0-63D7-1871-A032-5FF9AD4F0293}"/>
+              </a:ext>
+            </a:extLst>
+          </p:cNvPr>
+          <p:cNvCxnSpPr>
+            <a:cxnSpLocks/>
+          </p:cNvCxnSpPr>
+          <p:nvPr/>
+        </p:nvCxnSpPr>
+        <p:spPr>
+          <a:xfrm flipH="1" flipV="1">
+            <a:off x="7234459" y="2226039"/>
+            <a:ext cx="843715" cy="1324385"/>
+          </a:xfrm>
+          <a:prstGeom prst="straightConnector1">
+            <a:avLst/>
+          </a:prstGeom>
+          <a:ln w="12700">
+            <a:solidFill>
+              <a:srgbClr val="FF0000"/>
+            </a:solidFill>
+            <a:tailEnd type="triangle"/>
+          </a:ln>
+        </p:spPr>
+        <p:style>
+          <a:lnRef idx="1">
+            <a:schemeClr val="accent1"/>
+          </a:lnRef>
+          <a:fillRef idx="0">
+            <a:schemeClr val="accent1"/>
+          </a:fillRef>
+          <a:effectRef idx="0">
+            <a:schemeClr val="accent1"/>
+          </a:effectRef>
+          <a:fontRef idx="minor">
+            <a:schemeClr val="tx1"/>
+          </a:fontRef>
+        </p:style>
+      </p:cxnSp>
+      <p:pic>
+        <p:nvPicPr>
+          <p:cNvPr id="29" name="Picture 28">
+            <a:extLst>
+              <a:ext uri="{FF2B5EF4-FFF2-40B4-BE49-F238E27FC236}">
+                <a16:creationId xmlns:a16="http://schemas.microsoft.com/office/drawing/2014/main" id="{71C7999F-AEB4-9F7F-01FD-AE5EB6295DFB}"/>
+              </a:ext>
+            </a:extLst>
+          </p:cNvPr>
+          <p:cNvPicPr>
+            <a:picLocks noChangeAspect="1"/>
+          </p:cNvPicPr>
+          <p:nvPr/>
+        </p:nvPicPr>
+        <p:blipFill rotWithShape="1">
+          <a:blip r:embed="rId12"/>
+          <a:srcRect r="14739" b="5100"/>
+          <a:stretch/>
+        </p:blipFill>
+        <p:spPr>
+          <a:xfrm>
+            <a:off x="1548971" y="4299012"/>
+            <a:ext cx="2514159" cy="1994765"/>
+          </a:xfrm>
+          <a:prstGeom prst="rect">
+            <a:avLst/>
+          </a:prstGeom>
+        </p:spPr>
+      </p:pic>
+      <p:sp>
+        <p:nvSpPr>
+          <p:cNvPr id="5" name="Title 1">
+            <a:extLst>
+              <a:ext uri="{FF2B5EF4-FFF2-40B4-BE49-F238E27FC236}">
+                <a16:creationId xmlns:a16="http://schemas.microsoft.com/office/drawing/2014/main" id="{FB8EFA7A-F26B-8504-1694-264D75A6F533}"/>
+              </a:ext>
+            </a:extLst>
+          </p:cNvPr>
+          <p:cNvSpPr txBox="1">
+            <a:spLocks/>
+          </p:cNvSpPr>
+          <p:nvPr/>
+        </p:nvSpPr>
+        <p:spPr>
+          <a:xfrm>
+            <a:off x="628650" y="365127"/>
+            <a:ext cx="7886700" cy="630390"/>
+          </a:xfrm>
+          <a:prstGeom prst="rect">
+            <a:avLst/>
+          </a:prstGeom>
+        </p:spPr>
+        <p:txBody>
+          <a:bodyPr>
+            <a:noAutofit/>
+          </a:bodyPr>
+          <a:lstStyle>
+            <a:lvl1pPr algn="l" defTabSz="914400" rtl="0" eaLnBrk="1" latinLnBrk="0" hangingPunct="1">
+              <a:lnSpc>
+                <a:spcPct val="90000"/>
+              </a:lnSpc>
+              <a:spcBef>
+                <a:spcPct val="0"/>
+              </a:spcBef>
+              <a:buNone/>
+              <a:defRPr sz="4400" kern="1200">
+                <a:solidFill>
+                  <a:schemeClr val="tx1"/>
+                </a:solidFill>
+                <a:latin typeface="+mj-lt"/>
+                <a:ea typeface="+mj-ea"/>
+                <a:cs typeface="+mj-cs"/>
+              </a:defRPr>
+            </a:lvl1pPr>
+          </a:lstStyle>
+          <a:p>
+            <a:pPr algn="ctr"/>
+            <a:r>
+              <a:rPr lang="en-US" sz="3200" dirty="0">
+                <a:latin typeface="+mn-lt"/>
+              </a:rPr>
+              <a:t>Generalized Continued Fractions</a:t>
+            </a:r>
+          </a:p>
+        </p:txBody>
+      </p:sp>
+    </p:spTree>
+    <p:extLst>
+      <p:ext uri="{BB962C8B-B14F-4D97-AF65-F5344CB8AC3E}">
+        <p14:creationId xmlns:p14="http://schemas.microsoft.com/office/powerpoint/2010/main" val="3859126005"/>
+      </p:ext>
+    </p:extLst>
+  </p:cSld>
+  <p:clrMapOvr>
+    <a:masterClrMapping/>
+  </p:clrMapOvr>
+  <p:timing>
+    <p:tnLst>
+      <p:par>
+        <p:cTn id="1" dur="indefinite" restart="never" nodeType="tmRoot">
+          <p:childTnLst>
+            <p:seq concurrent="1" nextAc="seek">
+              <p:cTn id="2" dur="indefinite" nodeType="mainSeq">
+                <p:childTnLst>
+                  <p:par>
+                    <p:cTn id="3" fill="hold">
+                      <p:stCondLst>
+                        <p:cond delay="indefinite"/>
+                        <p:cond evt="onBegin" delay="0">
+                          <p:tn val="2"/>
+                        </p:cond>
+                      </p:stCondLst>
+                      <p:childTnLst>
+                        <p:par>
+                          <p:cTn id="4" fill="hold">
+                            <p:stCondLst>
+                              <p:cond delay="0"/>
+                            </p:stCondLst>
+                            <p:childTnLst>
+                              <p:par>
+                                <p:cTn id="5" presetID="2" presetClass="entr" presetSubtype="1" fill="hold" nodeType="afterEffect">
+                                  <p:stCondLst>
+                                    <p:cond delay="0"/>
+                                  </p:stCondLst>
+                                  <p:childTnLst>
+                                    <p:set>
+                                      <p:cBhvr>
+                                        <p:cTn id="6" dur="1" fill="hold">
+                                          <p:stCondLst>
+                                            <p:cond delay="0"/>
+                                          </p:stCondLst>
+                                        </p:cTn>
+                                        <p:tgtEl>
+                                          <p:spTgt spid="25"/>
+                                        </p:tgtEl>
+                                        <p:attrNameLst>
+                                          <p:attrName>style.visibility</p:attrName>
+                                        </p:attrNameLst>
+                                      </p:cBhvr>
+                                      <p:to>
+                                        <p:strVal val="visible"/>
+                                      </p:to>
+                                    </p:set>
+                                    <p:anim calcmode="lin" valueType="num">
+                                      <p:cBhvr additive="base">
+                                        <p:cTn id="7" dur="500" fill="hold"/>
+                                        <p:tgtEl>
+                                          <p:spTgt spid="25"/>
+                                        </p:tgtEl>
+                                        <p:attrNameLst>
+                                          <p:attrName>ppt_x</p:attrName>
+                                        </p:attrNameLst>
+                                      </p:cBhvr>
+                                      <p:tavLst>
+                                        <p:tav tm="0">
+                                          <p:val>
+                                            <p:strVal val="#ppt_x"/>
+                                          </p:val>
+                                        </p:tav>
+                                        <p:tav tm="100000">
+                                          <p:val>
+                                            <p:strVal val="#ppt_x"/>
+                                          </p:val>
+                                        </p:tav>
+                                      </p:tavLst>
+                                    </p:anim>
+                                    <p:anim calcmode="lin" valueType="num">
+                                      <p:cBhvr additive="base">
+                                        <p:cTn id="8" dur="500" fill="hold"/>
+                                        <p:tgtEl>
+                                          <p:spTgt spid="25"/>
+                                        </p:tgtEl>
+                                        <p:attrNameLst>
+                                          <p:attrName>ppt_y</p:attrName>
+                                        </p:attrNameLst>
+                                      </p:cBhvr>
+                                      <p:tavLst>
+                                        <p:tav tm="0">
+                                          <p:val>
+                                            <p:strVal val="0-#ppt_h/2"/>
+                                          </p:val>
+                                        </p:tav>
+                                        <p:tav tm="100000">
+                                          <p:val>
+                                            <p:strVal val="#ppt_y"/>
+                                          </p:val>
+                                        </p:tav>
+                                      </p:tavLst>
+                                    </p:anim>
+                                  </p:childTnLst>
+                                </p:cTn>
+                              </p:par>
+                            </p:childTnLst>
+                          </p:cTn>
+                        </p:par>
+                      </p:childTnLst>
+                    </p:cTn>
+                  </p:par>
+                  <p:par>
+                    <p:cTn id="9" fill="hold">
+                      <p:stCondLst>
+                        <p:cond delay="indefinite"/>
+                      </p:stCondLst>
+                      <p:childTnLst>
+                        <p:par>
+                          <p:cTn id="10" fill="hold">
+                            <p:stCondLst>
+                              <p:cond delay="0"/>
+                            </p:stCondLst>
+                            <p:childTnLst>
+                              <p:par>
+                                <p:cTn id="11" presetID="1" presetClass="entr" presetSubtype="0" fill="hold" grpId="0" nodeType="clickEffect">
+                                  <p:stCondLst>
+                                    <p:cond delay="0"/>
+                                  </p:stCondLst>
+                                  <p:childTnLst>
+                                    <p:set>
+                                      <p:cBhvr>
+                                        <p:cTn id="12" dur="1" fill="hold">
+                                          <p:stCondLst>
+                                            <p:cond delay="0"/>
+                                          </p:stCondLst>
+                                        </p:cTn>
+                                        <p:tgtEl>
+                                          <p:spTgt spid="12"/>
+                                        </p:tgtEl>
+                                        <p:attrNameLst>
+                                          <p:attrName>style.visibility</p:attrName>
+                                        </p:attrNameLst>
+                                      </p:cBhvr>
+                                      <p:to>
+                                        <p:strVal val="visible"/>
+                                      </p:to>
+                                    </p:set>
+                                  </p:childTnLst>
+                                </p:cTn>
+                              </p:par>
+                            </p:childTnLst>
+                          </p:cTn>
+                        </p:par>
+                      </p:childTnLst>
+                    </p:cTn>
+                  </p:par>
+                  <p:par>
+                    <p:cTn id="13" fill="hold">
+                      <p:stCondLst>
+                        <p:cond delay="indefinite"/>
+                      </p:stCondLst>
+                      <p:childTnLst>
+                        <p:par>
+                          <p:cTn id="14" fill="hold">
+                            <p:stCondLst>
+                              <p:cond delay="0"/>
+                            </p:stCondLst>
+                            <p:childTnLst>
+                              <p:par>
+                                <p:cTn id="15" presetID="1" presetClass="entr" presetSubtype="0" fill="hold" grpId="0" nodeType="clickEffect">
+                                  <p:stCondLst>
+                                    <p:cond delay="0"/>
+                                  </p:stCondLst>
+                                  <p:childTnLst>
+                                    <p:set>
+                                      <p:cBhvr>
+                                        <p:cTn id="16" dur="1" fill="hold">
+                                          <p:stCondLst>
+                                            <p:cond delay="0"/>
+                                          </p:stCondLst>
+                                        </p:cTn>
+                                        <p:tgtEl>
+                                          <p:spTgt spid="14"/>
+                                        </p:tgtEl>
+                                        <p:attrNameLst>
+                                          <p:attrName>style.visibility</p:attrName>
+                                        </p:attrNameLst>
+                                      </p:cBhvr>
+                                      <p:to>
+                                        <p:strVal val="visible"/>
+                                      </p:to>
+                                    </p:set>
+                                  </p:childTnLst>
+                                </p:cTn>
+                              </p:par>
+                            </p:childTnLst>
+                          </p:cTn>
+                        </p:par>
+                      </p:childTnLst>
+                    </p:cTn>
+                  </p:par>
+                  <p:par>
+                    <p:cTn id="17" fill="hold">
+                      <p:stCondLst>
+                        <p:cond delay="indefinite"/>
+                      </p:stCondLst>
+                      <p:childTnLst>
+                        <p:par>
+                          <p:cTn id="18" fill="hold">
+                            <p:stCondLst>
+                              <p:cond delay="0"/>
+                            </p:stCondLst>
+                            <p:childTnLst>
+                              <p:par>
+                                <p:cTn id="19" presetID="1" presetClass="entr" presetSubtype="0" fill="hold" grpId="0" nodeType="clickEffect">
+                                  <p:stCondLst>
+                                    <p:cond delay="0"/>
+                                  </p:stCondLst>
+                                  <p:childTnLst>
+                                    <p:set>
+                                      <p:cBhvr>
+                                        <p:cTn id="20" dur="1" fill="hold">
+                                          <p:stCondLst>
+                                            <p:cond delay="0"/>
+                                          </p:stCondLst>
+                                        </p:cTn>
+                                        <p:tgtEl>
+                                          <p:spTgt spid="11"/>
+                                        </p:tgtEl>
+                                        <p:attrNameLst>
+                                          <p:attrName>style.visibility</p:attrName>
+                                        </p:attrNameLst>
+                                      </p:cBhvr>
+                                      <p:to>
+                                        <p:strVal val="visible"/>
+                                      </p:to>
+                                    </p:set>
+                                  </p:childTnLst>
+                                </p:cTn>
+                              </p:par>
+                            </p:childTnLst>
+                          </p:cTn>
+                        </p:par>
+                      </p:childTnLst>
+                    </p:cTn>
+                  </p:par>
+                  <p:par>
+                    <p:cTn id="21" fill="hold">
+                      <p:stCondLst>
+                        <p:cond delay="indefinite"/>
+                      </p:stCondLst>
+                      <p:childTnLst>
+                        <p:par>
+                          <p:cTn id="22" fill="hold">
+                            <p:stCondLst>
+                              <p:cond delay="0"/>
+                            </p:stCondLst>
+                            <p:childTnLst>
+                              <p:par>
+                                <p:cTn id="23" presetID="1" presetClass="entr" presetSubtype="0" fill="hold" grpId="0" nodeType="clickEffect">
+                                  <p:stCondLst>
+                                    <p:cond delay="0"/>
+                                  </p:stCondLst>
+                                  <p:childTnLst>
+                                    <p:set>
+                                      <p:cBhvr>
+                                        <p:cTn id="24" dur="1" fill="hold">
+                                          <p:stCondLst>
+                                            <p:cond delay="0"/>
+                                          </p:stCondLst>
+                                        </p:cTn>
+                                        <p:tgtEl>
+                                          <p:spTgt spid="17"/>
+                                        </p:tgtEl>
+                                        <p:attrNameLst>
+                                          <p:attrName>style.visibility</p:attrName>
+                                        </p:attrNameLst>
+                                      </p:cBhvr>
+                                      <p:to>
+                                        <p:strVal val="visible"/>
+                                      </p:to>
+                                    </p:set>
+                                  </p:childTnLst>
+                                </p:cTn>
+                              </p:par>
+                            </p:childTnLst>
+                          </p:cTn>
+                        </p:par>
+                        <p:par>
+                          <p:cTn id="25" fill="hold">
+                            <p:stCondLst>
+                              <p:cond delay="0"/>
+                            </p:stCondLst>
+                            <p:childTnLst>
+                              <p:par>
+                                <p:cTn id="26" presetID="1" presetClass="entr" presetSubtype="0" fill="hold" nodeType="afterEffect">
+                                  <p:stCondLst>
+                                    <p:cond delay="0"/>
+                                  </p:stCondLst>
+                                  <p:childTnLst>
+                                    <p:set>
+                                      <p:cBhvr>
+                                        <p:cTn id="27" dur="1" fill="hold">
+                                          <p:stCondLst>
+                                            <p:cond delay="0"/>
+                                          </p:stCondLst>
+                                        </p:cTn>
+                                        <p:tgtEl>
+                                          <p:spTgt spid="6"/>
+                                        </p:tgtEl>
+                                        <p:attrNameLst>
+                                          <p:attrName>style.visibility</p:attrName>
+                                        </p:attrNameLst>
+                                      </p:cBhvr>
+                                      <p:to>
+                                        <p:strVal val="visible"/>
+                                      </p:to>
+                                    </p:set>
+                                  </p:childTnLst>
+                                </p:cTn>
+                              </p:par>
+                            </p:childTnLst>
+                          </p:cTn>
+                        </p:par>
+                      </p:childTnLst>
+                    </p:cTn>
+                  </p:par>
+                  <p:par>
+                    <p:cTn id="28" fill="hold">
+                      <p:stCondLst>
+                        <p:cond delay="indefinite"/>
+                      </p:stCondLst>
+                      <p:childTnLst>
+                        <p:par>
+                          <p:cTn id="29" fill="hold">
+                            <p:stCondLst>
+                              <p:cond delay="0"/>
+                            </p:stCondLst>
+                            <p:childTnLst>
+                              <p:par>
+                                <p:cTn id="30" presetID="22" presetClass="entr" presetSubtype="4" fill="hold" nodeType="clickEffect">
+                                  <p:stCondLst>
+                                    <p:cond delay="0"/>
+                                  </p:stCondLst>
+                                  <p:childTnLst>
+                                    <p:set>
+                                      <p:cBhvr>
+                                        <p:cTn id="31" dur="1" fill="hold">
+                                          <p:stCondLst>
+                                            <p:cond delay="0"/>
+                                          </p:stCondLst>
+                                        </p:cTn>
+                                        <p:tgtEl>
+                                          <p:spTgt spid="15"/>
+                                        </p:tgtEl>
+                                        <p:attrNameLst>
+                                          <p:attrName>style.visibility</p:attrName>
+                                        </p:attrNameLst>
+                                      </p:cBhvr>
+                                      <p:to>
+                                        <p:strVal val="visible"/>
+                                      </p:to>
+                                    </p:set>
+                                    <p:animEffect transition="in" filter="wipe(down)">
+                                      <p:cBhvr>
+                                        <p:cTn id="32" dur="500"/>
+                                        <p:tgtEl>
+                                          <p:spTgt spid="15"/>
+                                        </p:tgtEl>
+                                      </p:cBhvr>
+                                    </p:animEffect>
+                                  </p:childTnLst>
+                                </p:cTn>
+                              </p:par>
+                            </p:childTnLst>
+                          </p:cTn>
+                        </p:par>
+                      </p:childTnLst>
+                    </p:cTn>
+                  </p:par>
+                  <p:par>
+                    <p:cTn id="33" fill="hold">
+                      <p:stCondLst>
+                        <p:cond delay="indefinite"/>
+                      </p:stCondLst>
+                      <p:childTnLst>
+                        <p:par>
+                          <p:cTn id="34" fill="hold">
+                            <p:stCondLst>
+                              <p:cond delay="0"/>
+                            </p:stCondLst>
+                            <p:childTnLst>
+                              <p:par>
+                                <p:cTn id="35" presetID="22" presetClass="entr" presetSubtype="4" fill="hold" nodeType="clickEffect">
+                                  <p:stCondLst>
+                                    <p:cond delay="0"/>
+                                  </p:stCondLst>
+                                  <p:childTnLst>
+                                    <p:set>
+                                      <p:cBhvr>
+                                        <p:cTn id="36" dur="1" fill="hold">
+                                          <p:stCondLst>
+                                            <p:cond delay="0"/>
+                                          </p:stCondLst>
+                                        </p:cTn>
+                                        <p:tgtEl>
+                                          <p:spTgt spid="20"/>
+                                        </p:tgtEl>
+                                        <p:attrNameLst>
+                                          <p:attrName>style.visibility</p:attrName>
+                                        </p:attrNameLst>
+                                      </p:cBhvr>
+                                      <p:to>
+                                        <p:strVal val="visible"/>
+                                      </p:to>
+                                    </p:set>
+                                    <p:animEffect transition="in" filter="wipe(down)">
+                                      <p:cBhvr>
+                                        <p:cTn id="37" dur="500"/>
+                                        <p:tgtEl>
+                                          <p:spTgt spid="20"/>
+                                        </p:tgtEl>
+                                      </p:cBhvr>
+                                    </p:animEffect>
+                                  </p:childTnLst>
+                                </p:cTn>
+                              </p:par>
+                            </p:childTnLst>
+                          </p:cTn>
+                        </p:par>
+                      </p:childTnLst>
+                    </p:cTn>
+                  </p:par>
+                  <p:par>
+                    <p:cTn id="38" fill="hold">
+                      <p:stCondLst>
+                        <p:cond delay="indefinite"/>
+                      </p:stCondLst>
+                      <p:childTnLst>
+                        <p:par>
+                          <p:cTn id="39" fill="hold">
+                            <p:stCondLst>
+                              <p:cond delay="0"/>
+                            </p:stCondLst>
+                            <p:childTnLst>
+                              <p:par>
+                                <p:cTn id="40" presetID="1" presetClass="exit" presetSubtype="0" fill="hold" nodeType="clickEffect">
+                                  <p:stCondLst>
+                                    <p:cond delay="0"/>
+                                  </p:stCondLst>
+                                  <p:childTnLst>
+                                    <p:set>
+                                      <p:cBhvr>
+                                        <p:cTn id="41" dur="1" fill="hold">
+                                          <p:stCondLst>
+                                            <p:cond delay="0"/>
+                                          </p:stCondLst>
+                                        </p:cTn>
+                                        <p:tgtEl>
+                                          <p:spTgt spid="15"/>
+                                        </p:tgtEl>
+                                        <p:attrNameLst>
+                                          <p:attrName>style.visibility</p:attrName>
+                                        </p:attrNameLst>
+                                      </p:cBhvr>
+                                      <p:to>
+                                        <p:strVal val="hidden"/>
+                                      </p:to>
+                                    </p:set>
+                                  </p:childTnLst>
+                                </p:cTn>
+                              </p:par>
+                              <p:par>
+                                <p:cTn id="42" presetID="1" presetClass="exit" presetSubtype="0" fill="hold" nodeType="withEffect">
+                                  <p:stCondLst>
+                                    <p:cond delay="0"/>
+                                  </p:stCondLst>
+                                  <p:childTnLst>
+                                    <p:set>
+                                      <p:cBhvr>
+                                        <p:cTn id="43" dur="1" fill="hold">
+                                          <p:stCondLst>
+                                            <p:cond delay="0"/>
+                                          </p:stCondLst>
+                                        </p:cTn>
+                                        <p:tgtEl>
+                                          <p:spTgt spid="20"/>
+                                        </p:tgtEl>
+                                        <p:attrNameLst>
+                                          <p:attrName>style.visibility</p:attrName>
+                                        </p:attrNameLst>
+                                      </p:cBhvr>
+                                      <p:to>
+                                        <p:strVal val="hidden"/>
+                                      </p:to>
+                                    </p:set>
+                                  </p:childTnLst>
+                                </p:cTn>
+                              </p:par>
+                            </p:childTnLst>
+                          </p:cTn>
+                        </p:par>
+                        <p:par>
+                          <p:cTn id="44" fill="hold">
+                            <p:stCondLst>
+                              <p:cond delay="0"/>
+                            </p:stCondLst>
+                            <p:childTnLst>
+                              <p:par>
+                                <p:cTn id="45" presetID="22" presetClass="entr" presetSubtype="4" fill="hold" nodeType="afterEffect">
+                                  <p:stCondLst>
+                                    <p:cond delay="0"/>
+                                  </p:stCondLst>
+                                  <p:childTnLst>
+                                    <p:set>
+                                      <p:cBhvr>
+                                        <p:cTn id="46" dur="1" fill="hold">
+                                          <p:stCondLst>
+                                            <p:cond delay="0"/>
+                                          </p:stCondLst>
+                                        </p:cTn>
+                                        <p:tgtEl>
+                                          <p:spTgt spid="23"/>
+                                        </p:tgtEl>
+                                        <p:attrNameLst>
+                                          <p:attrName>style.visibility</p:attrName>
+                                        </p:attrNameLst>
+                                      </p:cBhvr>
+                                      <p:to>
+                                        <p:strVal val="visible"/>
+                                      </p:to>
+                                    </p:set>
+                                    <p:animEffect transition="in" filter="wipe(down)">
+                                      <p:cBhvr>
+                                        <p:cTn id="47" dur="500"/>
+                                        <p:tgtEl>
+                                          <p:spTgt spid="23"/>
+                                        </p:tgtEl>
+                                      </p:cBhvr>
+                                    </p:animEffect>
+                                  </p:childTnLst>
+                                </p:cTn>
+                              </p:par>
+                            </p:childTnLst>
+                          </p:cTn>
+                        </p:par>
+                      </p:childTnLst>
+                    </p:cTn>
+                  </p:par>
+                  <p:par>
+                    <p:cTn id="48" fill="hold">
+                      <p:stCondLst>
+                        <p:cond delay="indefinite"/>
+                      </p:stCondLst>
+                      <p:childTnLst>
+                        <p:par>
+                          <p:cTn id="49" fill="hold">
+                            <p:stCondLst>
+                              <p:cond delay="0"/>
+                            </p:stCondLst>
+                            <p:childTnLst>
+                              <p:par>
+                                <p:cTn id="50" presetID="22" presetClass="entr" presetSubtype="4" fill="hold" nodeType="clickEffect">
+                                  <p:stCondLst>
+                                    <p:cond delay="0"/>
+                                  </p:stCondLst>
+                                  <p:childTnLst>
+                                    <p:set>
+                                      <p:cBhvr>
+                                        <p:cTn id="51" dur="1" fill="hold">
+                                          <p:stCondLst>
+                                            <p:cond delay="0"/>
+                                          </p:stCondLst>
+                                        </p:cTn>
+                                        <p:tgtEl>
+                                          <p:spTgt spid="27"/>
+                                        </p:tgtEl>
+                                        <p:attrNameLst>
+                                          <p:attrName>style.visibility</p:attrName>
+                                        </p:attrNameLst>
+                                      </p:cBhvr>
+                                      <p:to>
+                                        <p:strVal val="visible"/>
+                                      </p:to>
+                                    </p:set>
+                                    <p:animEffect transition="in" filter="wipe(down)">
+                                      <p:cBhvr>
+                                        <p:cTn id="52" dur="500"/>
+                                        <p:tgtEl>
+                                          <p:spTgt spid="27"/>
+                                        </p:tgtEl>
+                                      </p:cBhvr>
+                                    </p:animEffect>
+                                  </p:childTnLst>
+                                </p:cTn>
+                              </p:par>
+                            </p:childTnLst>
+                          </p:cTn>
+                        </p:par>
+                      </p:childTnLst>
+                    </p:cTn>
+                  </p:par>
+                  <p:par>
+                    <p:cTn id="53" fill="hold">
+                      <p:stCondLst>
+                        <p:cond delay="indefinite"/>
+                      </p:stCondLst>
+                      <p:childTnLst>
+                        <p:par>
+                          <p:cTn id="54" fill="hold">
+                            <p:stCondLst>
+                              <p:cond delay="0"/>
+                            </p:stCondLst>
+                            <p:childTnLst>
+                              <p:par>
+                                <p:cTn id="55" presetID="22" presetClass="entr" presetSubtype="4" fill="hold" nodeType="clickEffect">
+                                  <p:stCondLst>
+                                    <p:cond delay="0"/>
+                                  </p:stCondLst>
+                                  <p:childTnLst>
+                                    <p:set>
+                                      <p:cBhvr>
+                                        <p:cTn id="56" dur="1" fill="hold">
+                                          <p:stCondLst>
+                                            <p:cond delay="0"/>
+                                          </p:stCondLst>
+                                        </p:cTn>
+                                        <p:tgtEl>
+                                          <p:spTgt spid="28"/>
+                                        </p:tgtEl>
+                                        <p:attrNameLst>
+                                          <p:attrName>style.visibility</p:attrName>
+                                        </p:attrNameLst>
+                                      </p:cBhvr>
+                                      <p:to>
+                                        <p:strVal val="visible"/>
+                                      </p:to>
+                                    </p:set>
+                                    <p:animEffect transition="in" filter="wipe(down)">
+                                      <p:cBhvr>
+                                        <p:cTn id="57" dur="500"/>
+                                        <p:tgtEl>
+                                          <p:spTgt spid="28"/>
+                                        </p:tgtEl>
+                                      </p:cBhvr>
+                                    </p:animEffect>
+                                  </p:childTnLst>
+                                </p:cTn>
+                              </p:par>
+                            </p:childTnLst>
+                          </p:cTn>
+                        </p:par>
+                      </p:childTnLst>
+                    </p:cTn>
+                  </p:par>
+                  <p:par>
+                    <p:cTn id="58" fill="hold">
+                      <p:stCondLst>
+                        <p:cond delay="indefinite"/>
+                      </p:stCondLst>
+                      <p:childTnLst>
+                        <p:par>
+                          <p:cTn id="59" fill="hold">
+                            <p:stCondLst>
+                              <p:cond delay="0"/>
+                            </p:stCondLst>
+                            <p:childTnLst>
+                              <p:par>
+                                <p:cTn id="60" presetID="22" presetClass="entr" presetSubtype="4" fill="hold" nodeType="clickEffect">
+                                  <p:stCondLst>
+                                    <p:cond delay="0"/>
+                                  </p:stCondLst>
+                                  <p:childTnLst>
+                                    <p:set>
+                                      <p:cBhvr>
+                                        <p:cTn id="61" dur="1" fill="hold">
+                                          <p:stCondLst>
+                                            <p:cond delay="0"/>
+                                          </p:stCondLst>
+                                        </p:cTn>
+                                        <p:tgtEl>
+                                          <p:spTgt spid="30"/>
+                                        </p:tgtEl>
+                                        <p:attrNameLst>
+                                          <p:attrName>style.visibility</p:attrName>
+                                        </p:attrNameLst>
+                                      </p:cBhvr>
+                                      <p:to>
+                                        <p:strVal val="visible"/>
+                                      </p:to>
+                                    </p:set>
+                                    <p:animEffect transition="in" filter="wipe(down)">
+                                      <p:cBhvr>
+                                        <p:cTn id="62" dur="500"/>
+                                        <p:tgtEl>
+                                          <p:spTgt spid="30"/>
+                                        </p:tgtEl>
+                                      </p:cBhvr>
+                                    </p:animEffect>
+                                  </p:childTnLst>
+                                </p:cTn>
+                              </p:par>
+                            </p:childTnLst>
+                          </p:cTn>
+                        </p:par>
+                      </p:childTnLst>
+                    </p:cTn>
+                  </p:par>
+                  <p:par>
+                    <p:cTn id="63" fill="hold">
+                      <p:stCondLst>
+                        <p:cond delay="indefinite"/>
+                      </p:stCondLst>
+                      <p:childTnLst>
+                        <p:par>
+                          <p:cTn id="64" fill="hold">
+                            <p:stCondLst>
+                              <p:cond delay="0"/>
+                            </p:stCondLst>
+                            <p:childTnLst>
+                              <p:par>
+                                <p:cTn id="65" presetID="22" presetClass="entr" presetSubtype="4" fill="hold" nodeType="clickEffect">
+                                  <p:stCondLst>
+                                    <p:cond delay="0"/>
+                                  </p:stCondLst>
+                                  <p:childTnLst>
+                                    <p:set>
+                                      <p:cBhvr>
+                                        <p:cTn id="66" dur="1" fill="hold">
+                                          <p:stCondLst>
+                                            <p:cond delay="0"/>
+                                          </p:stCondLst>
+                                        </p:cTn>
+                                        <p:tgtEl>
+                                          <p:spTgt spid="33"/>
+                                        </p:tgtEl>
+                                        <p:attrNameLst>
+                                          <p:attrName>style.visibility</p:attrName>
+                                        </p:attrNameLst>
+                                      </p:cBhvr>
+                                      <p:to>
+                                        <p:strVal val="visible"/>
+                                      </p:to>
+                                    </p:set>
+                                    <p:animEffect transition="in" filter="wipe(down)">
+                                      <p:cBhvr>
+                                        <p:cTn id="67" dur="500"/>
+                                        <p:tgtEl>
+                                          <p:spTgt spid="33"/>
+                                        </p:tgtEl>
+                                      </p:cBhvr>
+                                    </p:animEffect>
+                                  </p:childTnLst>
+                                </p:cTn>
+                              </p:par>
+                            </p:childTnLst>
+                          </p:cTn>
+                        </p:par>
+                      </p:childTnLst>
+                    </p:cTn>
+                  </p:par>
+                  <p:par>
+                    <p:cTn id="68" fill="hold">
+                      <p:stCondLst>
+                        <p:cond delay="indefinite"/>
+                      </p:stCondLst>
+                      <p:childTnLst>
+                        <p:par>
+                          <p:cTn id="69" fill="hold">
+                            <p:stCondLst>
+                              <p:cond delay="0"/>
+                            </p:stCondLst>
+                            <p:childTnLst>
+                              <p:par>
+                                <p:cTn id="70" presetID="1" presetClass="exit" presetSubtype="0" fill="hold" nodeType="clickEffect">
+                                  <p:stCondLst>
+                                    <p:cond delay="0"/>
+                                  </p:stCondLst>
+                                  <p:childTnLst>
+                                    <p:set>
+                                      <p:cBhvr>
+                                        <p:cTn id="71" dur="1" fill="hold">
+                                          <p:stCondLst>
+                                            <p:cond delay="0"/>
+                                          </p:stCondLst>
+                                        </p:cTn>
+                                        <p:tgtEl>
+                                          <p:spTgt spid="23"/>
+                                        </p:tgtEl>
+                                        <p:attrNameLst>
+                                          <p:attrName>style.visibility</p:attrName>
+                                        </p:attrNameLst>
+                                      </p:cBhvr>
+                                      <p:to>
+                                        <p:strVal val="hidden"/>
+                                      </p:to>
+                                    </p:set>
+                                  </p:childTnLst>
+                                </p:cTn>
+                              </p:par>
+                              <p:par>
+                                <p:cTn id="72" presetID="1" presetClass="exit" presetSubtype="0" fill="hold" nodeType="withEffect">
+                                  <p:stCondLst>
+                                    <p:cond delay="0"/>
+                                  </p:stCondLst>
+                                  <p:childTnLst>
+                                    <p:set>
+                                      <p:cBhvr>
+                                        <p:cTn id="73" dur="1" fill="hold">
+                                          <p:stCondLst>
+                                            <p:cond delay="0"/>
+                                          </p:stCondLst>
+                                        </p:cTn>
+                                        <p:tgtEl>
+                                          <p:spTgt spid="27"/>
+                                        </p:tgtEl>
+                                        <p:attrNameLst>
+                                          <p:attrName>style.visibility</p:attrName>
+                                        </p:attrNameLst>
+                                      </p:cBhvr>
+                                      <p:to>
+                                        <p:strVal val="hidden"/>
+                                      </p:to>
+                                    </p:set>
+                                  </p:childTnLst>
+                                </p:cTn>
+                              </p:par>
+                              <p:par>
+                                <p:cTn id="74" presetID="1" presetClass="exit" presetSubtype="0" fill="hold" nodeType="withEffect">
+                                  <p:stCondLst>
+                                    <p:cond delay="0"/>
+                                  </p:stCondLst>
+                                  <p:childTnLst>
+                                    <p:set>
+                                      <p:cBhvr>
+                                        <p:cTn id="75" dur="1" fill="hold">
+                                          <p:stCondLst>
+                                            <p:cond delay="0"/>
+                                          </p:stCondLst>
+                                        </p:cTn>
+                                        <p:tgtEl>
+                                          <p:spTgt spid="28"/>
+                                        </p:tgtEl>
+                                        <p:attrNameLst>
+                                          <p:attrName>style.visibility</p:attrName>
+                                        </p:attrNameLst>
+                                      </p:cBhvr>
+                                      <p:to>
+                                        <p:strVal val="hidden"/>
+                                      </p:to>
+                                    </p:set>
+                                  </p:childTnLst>
+                                </p:cTn>
+                              </p:par>
+                              <p:par>
+                                <p:cTn id="76" presetID="1" presetClass="exit" presetSubtype="0" fill="hold" nodeType="withEffect">
+                                  <p:stCondLst>
+                                    <p:cond delay="0"/>
+                                  </p:stCondLst>
+                                  <p:childTnLst>
+                                    <p:set>
+                                      <p:cBhvr>
+                                        <p:cTn id="77" dur="1" fill="hold">
+                                          <p:stCondLst>
+                                            <p:cond delay="0"/>
+                                          </p:stCondLst>
+                                        </p:cTn>
+                                        <p:tgtEl>
+                                          <p:spTgt spid="30"/>
+                                        </p:tgtEl>
+                                        <p:attrNameLst>
+                                          <p:attrName>style.visibility</p:attrName>
+                                        </p:attrNameLst>
+                                      </p:cBhvr>
+                                      <p:to>
+                                        <p:strVal val="hidden"/>
+                                      </p:to>
+                                    </p:set>
+                                  </p:childTnLst>
+                                </p:cTn>
+                              </p:par>
+                              <p:par>
+                                <p:cTn id="78" presetID="1" presetClass="exit" presetSubtype="0" fill="hold" nodeType="withEffect">
+                                  <p:stCondLst>
+                                    <p:cond delay="0"/>
+                                  </p:stCondLst>
+                                  <p:childTnLst>
+                                    <p:set>
+                                      <p:cBhvr>
+                                        <p:cTn id="79" dur="1" fill="hold">
+                                          <p:stCondLst>
+                                            <p:cond delay="0"/>
+                                          </p:stCondLst>
+                                        </p:cTn>
+                                        <p:tgtEl>
+                                          <p:spTgt spid="33"/>
+                                        </p:tgtEl>
+                                        <p:attrNameLst>
+                                          <p:attrName>style.visibility</p:attrName>
+                                        </p:attrNameLst>
+                                      </p:cBhvr>
+                                      <p:to>
+                                        <p:strVal val="hidden"/>
+                                      </p:to>
+                                    </p:set>
+                                  </p:childTnLst>
+                                </p:cTn>
+                              </p:par>
+                            </p:childTnLst>
+                          </p:cTn>
+                        </p:par>
+                        <p:par>
+                          <p:cTn id="80" fill="hold">
+                            <p:stCondLst>
+                              <p:cond delay="0"/>
+                            </p:stCondLst>
+                            <p:childTnLst>
+                              <p:par>
+                                <p:cTn id="81" presetID="2" presetClass="entr" presetSubtype="8" fill="hold" nodeType="afterEffect">
+                                  <p:stCondLst>
+                                    <p:cond delay="0"/>
+                                  </p:stCondLst>
+                                  <p:childTnLst>
+                                    <p:set>
+                                      <p:cBhvr>
+                                        <p:cTn id="82" dur="1" fill="hold">
+                                          <p:stCondLst>
+                                            <p:cond delay="0"/>
+                                          </p:stCondLst>
+                                        </p:cTn>
+                                        <p:tgtEl>
+                                          <p:spTgt spid="29"/>
+                                        </p:tgtEl>
+                                        <p:attrNameLst>
+                                          <p:attrName>style.visibility</p:attrName>
+                                        </p:attrNameLst>
+                                      </p:cBhvr>
+                                      <p:to>
+                                        <p:strVal val="visible"/>
+                                      </p:to>
+                                    </p:set>
+                                    <p:anim calcmode="lin" valueType="num">
+                                      <p:cBhvr additive="base">
+                                        <p:cTn id="83" dur="500" fill="hold"/>
+                                        <p:tgtEl>
+                                          <p:spTgt spid="29"/>
+                                        </p:tgtEl>
+                                        <p:attrNameLst>
+                                          <p:attrName>ppt_x</p:attrName>
+                                        </p:attrNameLst>
+                                      </p:cBhvr>
+                                      <p:tavLst>
+                                        <p:tav tm="0">
+                                          <p:val>
+                                            <p:strVal val="0-#ppt_w/2"/>
+                                          </p:val>
+                                        </p:tav>
+                                        <p:tav tm="100000">
+                                          <p:val>
+                                            <p:strVal val="#ppt_x"/>
+                                          </p:val>
+                                        </p:tav>
+                                      </p:tavLst>
+                                    </p:anim>
+                                    <p:anim calcmode="lin" valueType="num">
+                                      <p:cBhvr additive="base">
+                                        <p:cTn id="84" dur="500" fill="hold"/>
+                                        <p:tgtEl>
+                                          <p:spTgt spid="29"/>
+                                        </p:tgtEl>
+                                        <p:attrNameLst>
+                                          <p:attrName>ppt_y</p:attrName>
+                                        </p:attrNameLst>
+                                      </p:cBhvr>
+                                      <p:tavLst>
+                                        <p:tav tm="0">
+                                          <p:val>
+                                            <p:strVal val="#ppt_y"/>
+                                          </p:val>
+                                        </p:tav>
+                                        <p:tav tm="100000">
+                                          <p:val>
+                                            <p:strVal val="#ppt_y"/>
+                                          </p:val>
+                                        </p:tav>
+                                      </p:tavLst>
+                                    </p:anim>
+                                  </p:childTnLst>
+                                </p:cTn>
+                              </p:par>
+                            </p:childTnLst>
+                          </p:cTn>
+                        </p:par>
+                      </p:childTnLst>
+                    </p:cTn>
+                  </p:par>
+                  <p:par>
+                    <p:cTn id="85" fill="hold">
+                      <p:stCondLst>
+                        <p:cond delay="indefinite"/>
+                      </p:stCondLst>
+                      <p:childTnLst>
+                        <p:par>
+                          <p:cTn id="86" fill="hold">
+                            <p:stCondLst>
+                              <p:cond delay="0"/>
+                            </p:stCondLst>
+                            <p:childTnLst>
+                              <p:par>
+                                <p:cTn id="87" presetID="22" presetClass="entr" presetSubtype="1" fill="hold" nodeType="clickEffect">
+                                  <p:stCondLst>
+                                    <p:cond delay="0"/>
+                                  </p:stCondLst>
+                                  <p:childTnLst>
+                                    <p:set>
+                                      <p:cBhvr>
+                                        <p:cTn id="88" dur="1" fill="hold">
+                                          <p:stCondLst>
+                                            <p:cond delay="0"/>
+                                          </p:stCondLst>
+                                        </p:cTn>
+                                        <p:tgtEl>
+                                          <p:spTgt spid="8"/>
+                                        </p:tgtEl>
+                                        <p:attrNameLst>
+                                          <p:attrName>style.visibility</p:attrName>
+                                        </p:attrNameLst>
+                                      </p:cBhvr>
+                                      <p:to>
+                                        <p:strVal val="visible"/>
+                                      </p:to>
+                                    </p:set>
+                                    <p:animEffect transition="in" filter="wipe(up)">
+                                      <p:cBhvr>
+                                        <p:cTn id="89" dur="500"/>
+                                        <p:tgtEl>
+                                          <p:spTgt spid="8"/>
+                                        </p:tgtEl>
+                                      </p:cBhvr>
+                                    </p:animEffect>
+                                  </p:childTnLst>
+                                </p:cTn>
+                              </p:par>
+                            </p:childTnLst>
+                          </p:cTn>
+                        </p:par>
+                      </p:childTnLst>
+                    </p:cTn>
+                  </p:par>
+                </p:childTnLst>
+              </p:cTn>
+              <p:prevCondLst>
+                <p:cond evt="onPrev" delay="0">
+                  <p:tgtEl>
+                    <p:sldTgt/>
+                  </p:tgtEl>
+                </p:cond>
+              </p:prevCondLst>
+              <p:nextCondLst>
+                <p:cond evt="onNext" delay="0">
+                  <p:tgtEl>
+                    <p:sldTgt/>
+                  </p:tgtEl>
+                </p:cond>
+              </p:nextCondLst>
+            </p:seq>
+          </p:childTnLst>
+        </p:cTn>
+      </p:par>
+    </p:tnLst>
+    <p:bldLst>
+      <p:bldP spid="14" grpId="0"/>
+      <p:bldP spid="11" grpId="0"/>
+      <p:bldP spid="12" grpId="0"/>
+      <p:bldP spid="17" grpId="0"/>
+    </p:bldLst>
+  </p:timing>
+</p:sld>
+</file>
+
+<file path=ppt/slides/slide3.xml><?xml version="1.0" encoding="utf-8"?>
+<p:sld xmlns:a="http://schemas.openxmlformats.org/drawingml/2006/main" xmlns:r="http://schemas.openxmlformats.org/officeDocument/2006/relationships" xmlns:p="http://schemas.openxmlformats.org/presentationml/2006/main">
+  <p:cSld>
+    <p:spTree>
+      <p:nvGrpSpPr>
+        <p:cNvPr id="1" name=""/>
+        <p:cNvGrpSpPr/>
+        <p:nvPr/>
+      </p:nvGrpSpPr>
+      <p:grpSpPr>
+        <a:xfrm>
+          <a:off x="0" y="0"/>
+          <a:ext cx="0" cy="0"/>
+          <a:chOff x="0" y="0"/>
+          <a:chExt cx="0" cy="0"/>
+        </a:xfrm>
+      </p:grpSpPr>
+      <p:sp>
+        <p:nvSpPr>
+          <p:cNvPr id="2" name="Title 1"/>
+          <p:cNvSpPr>
+            <a:spLocks noGrp="1"/>
+          </p:cNvSpPr>
+          <p:nvPr>
+            <p:ph type="title"/>
+          </p:nvPr>
+        </p:nvSpPr>
+        <p:spPr>
+          <a:xfrm>
+            <a:off x="628650" y="365126"/>
+            <a:ext cx="7886700" cy="1103455"/>
+          </a:xfrm>
+        </p:spPr>
+        <p:txBody>
+          <a:bodyPr>
+            <a:noAutofit/>
+          </a:bodyPr>
+          <a:lstStyle/>
+          <a:p>
+            <a:pPr algn="ctr"/>
+            <a:r>
+              <a:rPr lang="en-US" sz="3200" dirty="0">
+                <a:latin typeface="+mn-lt"/>
+              </a:rPr>
+              <a:t>Expanding Your Definition of a “Number”</a:t>
+            </a:r>
+          </a:p>
+        </p:txBody>
+      </p:sp>
+      <p:sp>
+        <p:nvSpPr>
+          <p:cNvPr id="4" name="Slide Number Placeholder 3"/>
+          <p:cNvSpPr>
+            <a:spLocks noGrp="1"/>
+          </p:cNvSpPr>
+          <p:nvPr>
+            <p:ph type="sldNum" sz="quarter" idx="12"/>
+          </p:nvPr>
+        </p:nvSpPr>
+        <p:spPr/>
+        <p:txBody>
+          <a:bodyPr/>
+          <a:lstStyle/>
+          <a:p>
+            <a:fld id="{650AD656-6FF9-465D-B7B0-1CD0DD39CD23}" type="slidenum">
+              <a:rPr lang="en-US" smtClean="0"/>
+              <a:t>3</a:t>
+            </a:fld>
+            <a:endParaRPr lang="en-US" dirty="0"/>
+          </a:p>
+        </p:txBody>
+      </p:sp>
+      <p:pic>
+        <p:nvPicPr>
+          <p:cNvPr id="5" name="Picture 4"/>
+          <p:cNvPicPr>
+            <a:picLocks noChangeAspect="1"/>
+          </p:cNvPicPr>
+          <p:nvPr/>
+        </p:nvPicPr>
+        <p:blipFill>
+          <a:blip r:embed="rId3"/>
+          <a:stretch>
+            <a:fillRect/>
+          </a:stretch>
+        </p:blipFill>
+        <p:spPr>
+          <a:xfrm>
+            <a:off x="1020918" y="1468581"/>
+            <a:ext cx="7102164" cy="4887770"/>
+          </a:xfrm>
+          <a:prstGeom prst="rect">
+            <a:avLst/>
+          </a:prstGeom>
+        </p:spPr>
+      </p:pic>
+    </p:spTree>
+    <p:extLst>
+      <p:ext uri="{BB962C8B-B14F-4D97-AF65-F5344CB8AC3E}">
+        <p14:creationId xmlns:p14="http://schemas.microsoft.com/office/powerpoint/2010/main" val="3927943272"/>
+      </p:ext>
+    </p:extLst>
+  </p:cSld>
+  <p:clrMapOvr>
+    <a:masterClrMapping/>
+  </p:clrMapOvr>
+  <p:timing>
+    <p:tnLst>
+      <p:par>
+        <p:cTn id="1" dur="indefinite" restart="never" nodeType="tmRoot">
+          <p:childTnLst>
+            <p:seq concurrent="1" nextAc="seek">
+              <p:cTn id="2" dur="indefinite" nodeType="mainSeq">
+                <p:childTnLst>
+                  <p:par>
+                    <p:cTn id="3" fill="hold">
+                      <p:stCondLst>
+                        <p:cond delay="indefinite"/>
+                      </p:stCondLst>
+                      <p:childTnLst>
+                        <p:par>
+                          <p:cTn id="4" fill="hold">
+                            <p:stCondLst>
+                              <p:cond delay="0"/>
+                            </p:stCondLst>
+                            <p:childTnLst>
+                              <p:par>
+                                <p:cTn id="5" presetID="22" presetClass="entr" presetSubtype="1" fill="hold" nodeType="clickEffect">
+                                  <p:stCondLst>
+                                    <p:cond delay="0"/>
+                                  </p:stCondLst>
+                                  <p:childTnLst>
+                                    <p:set>
+                                      <p:cBhvr>
+                                        <p:cTn id="6" dur="1" fill="hold">
+                                          <p:stCondLst>
+                                            <p:cond delay="0"/>
+                                          </p:stCondLst>
+                                        </p:cTn>
+                                        <p:tgtEl>
+                                          <p:spTgt spid="5"/>
+                                        </p:tgtEl>
+                                        <p:attrNameLst>
+                                          <p:attrName>style.visibility</p:attrName>
+                                        </p:attrNameLst>
+                                      </p:cBhvr>
+                                      <p:to>
+                                        <p:strVal val="visible"/>
+                                      </p:to>
+                                    </p:set>
+                                    <p:animEffect transition="in" filter="wipe(up)">
+                                      <p:cBhvr>
+                                        <p:cTn id="7" dur="500"/>
+                                        <p:tgtEl>
+                                          <p:spTgt spid="5"/>
+                                        </p:tgtEl>
+                                      </p:cBhvr>
+                                    </p:animEffect>
+                                  </p:childTnLst>
+                                </p:cTn>
+                              </p:par>
+                            </p:childTnLst>
+                          </p:cTn>
+                        </p:par>
+                      </p:childTnLst>
+                    </p:cTn>
+                  </p:par>
+                </p:childTnLst>
+              </p:cTn>
+              <p:prevCondLst>
+                <p:cond evt="onPrev" delay="0">
+                  <p:tgtEl>
+                    <p:sldTgt/>
+                  </p:tgtEl>
+                </p:cond>
+              </p:prevCondLst>
+              <p:nextCondLst>
+                <p:cond evt="onNext" delay="0">
+                  <p:tgtEl>
+                    <p:sldTgt/>
+                  </p:tgtEl>
+                </p:cond>
+              </p:nextCondLst>
+            </p:seq>
+          </p:childTnLst>
+        </p:cTn>
+      </p:par>
+    </p:tnLst>
+  </p:timing>
+</p:sld>
+</file>
+
+<file path=ppt/slides/slide30.xml><?xml version="1.0" encoding="utf-8"?>
 <p:sld xmlns:a="http://schemas.openxmlformats.org/drawingml/2006/main" xmlns:r="http://schemas.openxmlformats.org/officeDocument/2006/relationships" xmlns:p="http://schemas.openxmlformats.org/presentationml/2006/main">
   <p:cSld>
     <p:spTree>
@@ -20833,7 +28124,7 @@
           <a:p>
             <a:fld id="{650AD656-6FF9-465D-B7B0-1CD0DD39CD23}" type="slidenum">
               <a:rPr lang="en-US" smtClean="0"/>
-              <a:t>29</a:t>
+              <a:t>30</a:t>
             </a:fld>
             <a:endParaRPr lang="en-US" dirty="0"/>
           </a:p>
@@ -21987,199 +29278,7 @@
 </p:sld>
 </file>
 
-<file path=ppt/slides/slide3.xml><?xml version="1.0" encoding="utf-8"?>
-<p:sld xmlns:a="http://schemas.openxmlformats.org/drawingml/2006/main" xmlns:r="http://schemas.openxmlformats.org/officeDocument/2006/relationships" xmlns:p="http://schemas.openxmlformats.org/presentationml/2006/main">
-  <p:cSld>
-    <p:spTree>
-      <p:nvGrpSpPr>
-        <p:cNvPr id="1" name=""/>
-        <p:cNvGrpSpPr/>
-        <p:nvPr/>
-      </p:nvGrpSpPr>
-      <p:grpSpPr>
-        <a:xfrm>
-          <a:off x="0" y="0"/>
-          <a:ext cx="0" cy="0"/>
-          <a:chOff x="0" y="0"/>
-          <a:chExt cx="0" cy="0"/>
-        </a:xfrm>
-      </p:grpSpPr>
-      <p:sp>
-        <p:nvSpPr>
-          <p:cNvPr id="2" name="Title 1"/>
-          <p:cNvSpPr>
-            <a:spLocks noGrp="1"/>
-          </p:cNvSpPr>
-          <p:nvPr>
-            <p:ph type="title"/>
-          </p:nvPr>
-        </p:nvSpPr>
-        <p:spPr>
-          <a:xfrm>
-            <a:off x="628650" y="365126"/>
-            <a:ext cx="7886700" cy="1103455"/>
-          </a:xfrm>
-        </p:spPr>
-        <p:txBody>
-          <a:bodyPr>
-            <a:noAutofit/>
-          </a:bodyPr>
-          <a:lstStyle/>
-          <a:p>
-            <a:pPr algn="ctr"/>
-            <a:r>
-              <a:rPr lang="en-US" sz="3200" dirty="0">
-                <a:latin typeface="+mn-lt"/>
-              </a:rPr>
-              <a:t>Expanding Your Definition of a “Number”</a:t>
-            </a:r>
-          </a:p>
-        </p:txBody>
-      </p:sp>
-      <p:sp>
-        <p:nvSpPr>
-          <p:cNvPr id="4" name="Slide Number Placeholder 3"/>
-          <p:cNvSpPr>
-            <a:spLocks noGrp="1"/>
-          </p:cNvSpPr>
-          <p:nvPr>
-            <p:ph type="sldNum" sz="quarter" idx="12"/>
-          </p:nvPr>
-        </p:nvSpPr>
-        <p:spPr/>
-        <p:txBody>
-          <a:bodyPr/>
-          <a:lstStyle/>
-          <a:p>
-            <a:fld id="{650AD656-6FF9-465D-B7B0-1CD0DD39CD23}" type="slidenum">
-              <a:rPr lang="en-US" smtClean="0"/>
-              <a:t>3</a:t>
-            </a:fld>
-            <a:endParaRPr lang="en-US" dirty="0"/>
-          </a:p>
-        </p:txBody>
-      </p:sp>
-      <p:pic>
-        <p:nvPicPr>
-          <p:cNvPr id="5" name="Picture 4"/>
-          <p:cNvPicPr>
-            <a:picLocks noChangeAspect="1"/>
-          </p:cNvPicPr>
-          <p:nvPr/>
-        </p:nvPicPr>
-        <p:blipFill>
-          <a:blip r:embed="rId3"/>
-          <a:stretch>
-            <a:fillRect/>
-          </a:stretch>
-        </p:blipFill>
-        <p:spPr>
-          <a:xfrm>
-            <a:off x="1020918" y="1468581"/>
-            <a:ext cx="7102164" cy="4887770"/>
-          </a:xfrm>
-          <a:prstGeom prst="rect">
-            <a:avLst/>
-          </a:prstGeom>
-        </p:spPr>
-      </p:pic>
-    </p:spTree>
-    <p:extLst>
-      <p:ext uri="{BB962C8B-B14F-4D97-AF65-F5344CB8AC3E}">
-        <p14:creationId xmlns:p14="http://schemas.microsoft.com/office/powerpoint/2010/main" val="3927943272"/>
-      </p:ext>
-    </p:extLst>
-  </p:cSld>
-  <p:clrMapOvr>
-    <a:masterClrMapping/>
-  </p:clrMapOvr>
-  <p:timing>
-    <p:tnLst>
-      <p:par>
-        <p:cTn id="1" dur="indefinite" restart="never" nodeType="tmRoot">
-          <p:childTnLst>
-            <p:seq concurrent="1" nextAc="seek">
-              <p:cTn id="2" dur="indefinite" nodeType="mainSeq">
-                <p:childTnLst>
-                  <p:par>
-                    <p:cTn id="3" fill="hold">
-                      <p:stCondLst>
-                        <p:cond delay="indefinite"/>
-                      </p:stCondLst>
-                      <p:childTnLst>
-                        <p:par>
-                          <p:cTn id="4" fill="hold">
-                            <p:stCondLst>
-                              <p:cond delay="0"/>
-                            </p:stCondLst>
-                            <p:childTnLst>
-                              <p:par>
-                                <p:cTn id="5" presetID="22" presetClass="entr" presetSubtype="1" fill="hold" nodeType="clickEffect">
-                                  <p:stCondLst>
-                                    <p:cond delay="0"/>
-                                  </p:stCondLst>
-                                  <p:childTnLst>
-                                    <p:set>
-                                      <p:cBhvr>
-                                        <p:cTn id="6" dur="1" fill="hold">
-                                          <p:stCondLst>
-                                            <p:cond delay="0"/>
-                                          </p:stCondLst>
-                                        </p:cTn>
-                                        <p:tgtEl>
-                                          <p:spTgt spid="5"/>
-                                        </p:tgtEl>
-                                        <p:attrNameLst>
-                                          <p:attrName>style.visibility</p:attrName>
-                                        </p:attrNameLst>
-                                      </p:cBhvr>
-                                      <p:to>
-                                        <p:strVal val="visible"/>
-                                      </p:to>
-                                    </p:set>
-                                    <p:animEffect transition="in" filter="wipe(up)">
-                                      <p:cBhvr>
-                                        <p:cTn id="7" dur="500"/>
-                                        <p:tgtEl>
-                                          <p:spTgt spid="5"/>
-                                        </p:tgtEl>
-                                      </p:cBhvr>
-                                    </p:animEffect>
-                                  </p:childTnLst>
-                                </p:cTn>
-                              </p:par>
-                            </p:childTnLst>
-                          </p:cTn>
-                        </p:par>
-                      </p:childTnLst>
-                    </p:cTn>
-                  </p:par>
-                </p:childTnLst>
-              </p:cTn>
-              <p:prevCondLst>
-                <p:cond evt="onPrev" delay="0">
-                  <p:tgtEl>
-                    <p:sldTgt/>
-                  </p:tgtEl>
-                </p:cond>
-              </p:prevCondLst>
-              <p:nextCondLst>
-                <p:cond evt="onNext" delay="0">
-                  <p:tgtEl>
-                    <p:sldTgt/>
-                  </p:tgtEl>
-                </p:cond>
-              </p:nextCondLst>
-            </p:seq>
-          </p:childTnLst>
-        </p:cTn>
-      </p:par>
-    </p:tnLst>
-  </p:timing>
-</p:sld>
-</file>
-
-<file path=ppt/slides/slide30.xml><?xml version="1.0" encoding="utf-8"?>
+<file path=ppt/slides/slide31.xml><?xml version="1.0" encoding="utf-8"?>
 <p:sld xmlns:a="http://schemas.openxmlformats.org/drawingml/2006/main" xmlns:r="http://schemas.openxmlformats.org/officeDocument/2006/relationships" xmlns:p="http://schemas.openxmlformats.org/presentationml/2006/main">
   <p:cSld>
     <p:spTree>
@@ -22805,7 +29904,7 @@
           <a:p>
             <a:fld id="{650AD656-6FF9-465D-B7B0-1CD0DD39CD23}" type="slidenum">
               <a:rPr lang="en-US" smtClean="0"/>
-              <a:t>30</a:t>
+              <a:t>31</a:t>
             </a:fld>
             <a:endParaRPr lang="en-US" dirty="0"/>
           </a:p>
@@ -23001,7 +30100,7 @@
 </p:sld>
 </file>
 
-<file path=ppt/slides/slide31.xml><?xml version="1.0" encoding="utf-8"?>
+<file path=ppt/slides/slide32.xml><?xml version="1.0" encoding="utf-8"?>
 <p:sld xmlns:a="http://schemas.openxmlformats.org/drawingml/2006/main" xmlns:r="http://schemas.openxmlformats.org/officeDocument/2006/relationships" xmlns:p="http://schemas.openxmlformats.org/presentationml/2006/main">
   <p:cSld>
     <p:spTree>
@@ -23076,7 +30175,7 @@
           <a:p>
             <a:fld id="{650AD656-6FF9-465D-B7B0-1CD0DD39CD23}" type="slidenum">
               <a:rPr lang="en-US" smtClean="0"/>
-              <a:t>31</a:t>
+              <a:t>32</a:t>
             </a:fld>
             <a:endParaRPr lang="en-US" dirty="0"/>
           </a:p>
@@ -25020,7 +32119,7 @@
 </p:sld>
 </file>
 
-<file path=ppt/slides/slide32.xml><?xml version="1.0" encoding="utf-8"?>
+<file path=ppt/slides/slide33.xml><?xml version="1.0" encoding="utf-8"?>
 <p:sld xmlns:a="http://schemas.openxmlformats.org/drawingml/2006/main" xmlns:r="http://schemas.openxmlformats.org/officeDocument/2006/relationships" xmlns:p="http://schemas.openxmlformats.org/presentationml/2006/main">
   <p:cSld>
     <p:spTree>
@@ -25095,7 +32194,7 @@
           <a:p>
             <a:fld id="{650AD656-6FF9-465D-B7B0-1CD0DD39CD23}" type="slidenum">
               <a:rPr lang="en-US" smtClean="0"/>
-              <a:t>32</a:t>
+              <a:t>33</a:t>
             </a:fld>
             <a:endParaRPr lang="en-US" dirty="0"/>
           </a:p>
@@ -26155,7 +33254,7 @@
 </p:sld>
 </file>
 
-<file path=ppt/slides/slide33.xml><?xml version="1.0" encoding="utf-8"?>
+<file path=ppt/slides/slide34.xml><?xml version="1.0" encoding="utf-8"?>
 <p:sld xmlns:a="http://schemas.openxmlformats.org/drawingml/2006/main" xmlns:r="http://schemas.openxmlformats.org/officeDocument/2006/relationships" xmlns:p="http://schemas.openxmlformats.org/presentationml/2006/main">
   <p:cSld>
     <p:spTree>
@@ -26549,7 +33648,7 @@
           <a:p>
             <a:fld id="{650AD656-6FF9-465D-B7B0-1CD0DD39CD23}" type="slidenum">
               <a:rPr lang="en-US" smtClean="0"/>
-              <a:t>33</a:t>
+              <a:t>34</a:t>
             </a:fld>
             <a:endParaRPr lang="en-US" dirty="0"/>
           </a:p>
@@ -26938,7 +34037,7 @@
 </p:sld>
 </file>
 
-<file path=ppt/slides/slide34.xml><?xml version="1.0" encoding="utf-8"?>
+<file path=ppt/slides/slide35.xml><?xml version="1.0" encoding="utf-8"?>
 <p:sld xmlns:a="http://schemas.openxmlformats.org/drawingml/2006/main" xmlns:r="http://schemas.openxmlformats.org/officeDocument/2006/relationships" xmlns:p="http://schemas.openxmlformats.org/presentationml/2006/main">
   <p:cSld>
     <p:spTree>
@@ -27004,7 +34103,7 @@
           <a:p>
             <a:fld id="{650AD656-6FF9-465D-B7B0-1CD0DD39CD23}" type="slidenum">
               <a:rPr lang="en-US" smtClean="0"/>
-              <a:t>34</a:t>
+              <a:t>35</a:t>
             </a:fld>
             <a:endParaRPr lang="en-US" dirty="0"/>
           </a:p>
@@ -29130,7 +36229,7 @@
 </p:sld>
 </file>
 
-<file path=ppt/slides/slide35.xml><?xml version="1.0" encoding="utf-8"?>
+<file path=ppt/slides/slide36.xml><?xml version="1.0" encoding="utf-8"?>
 <p:sld xmlns:a="http://schemas.openxmlformats.org/drawingml/2006/main" xmlns:r="http://schemas.openxmlformats.org/officeDocument/2006/relationships" xmlns:p="http://schemas.openxmlformats.org/presentationml/2006/main">
   <p:cSld>
     <p:spTree>
@@ -29196,7 +36295,7 @@
           <a:p>
             <a:fld id="{650AD656-6FF9-465D-B7B0-1CD0DD39CD23}" type="slidenum">
               <a:rPr lang="en-US" smtClean="0"/>
-              <a:t>35</a:t>
+              <a:t>36</a:t>
             </a:fld>
             <a:endParaRPr lang="en-US" dirty="0"/>
           </a:p>
@@ -30782,7 +37881,7 @@
 </p:sld>
 </file>
 
-<file path=ppt/slides/slide36.xml><?xml version="1.0" encoding="utf-8"?>
+<file path=ppt/slides/slide37.xml><?xml version="1.0" encoding="utf-8"?>
 <p:sld xmlns:a="http://schemas.openxmlformats.org/drawingml/2006/main" xmlns:r="http://schemas.openxmlformats.org/officeDocument/2006/relationships" xmlns:p="http://schemas.openxmlformats.org/presentationml/2006/main">
   <p:cSld>
     <p:spTree>
@@ -30848,7 +37947,7 @@
           <a:p>
             <a:fld id="{650AD656-6FF9-465D-B7B0-1CD0DD39CD23}" type="slidenum">
               <a:rPr lang="en-US" smtClean="0"/>
-              <a:t>36</a:t>
+              <a:t>37</a:t>
             </a:fld>
             <a:endParaRPr lang="en-US" dirty="0"/>
           </a:p>
@@ -31147,7 +38246,7 @@
 </p:sld>
 </file>
 
-<file path=ppt/slides/slide37.xml><?xml version="1.0" encoding="utf-8"?>
+<file path=ppt/slides/slide38.xml><?xml version="1.0" encoding="utf-8"?>
 <p:sld xmlns:a="http://schemas.openxmlformats.org/drawingml/2006/main" xmlns:r="http://schemas.openxmlformats.org/officeDocument/2006/relationships" xmlns:p="http://schemas.openxmlformats.org/presentationml/2006/main">
   <p:cSld>
     <p:spTree>
@@ -31565,7 +38664,7 @@
           <a:p>
             <a:fld id="{650AD656-6FF9-465D-B7B0-1CD0DD39CD23}" type="slidenum">
               <a:rPr lang="en-US" smtClean="0"/>
-              <a:t>37</a:t>
+              <a:t>38</a:t>
             </a:fld>
             <a:endParaRPr lang="en-US" dirty="0"/>
           </a:p>
@@ -31811,7 +38910,7 @@
 </p:sld>
 </file>
 
-<file path=ppt/slides/slide38.xml><?xml version="1.0" encoding="utf-8"?>
+<file path=ppt/slides/slide39.xml><?xml version="1.0" encoding="utf-8"?>
 <p:sld xmlns:a="http://schemas.openxmlformats.org/drawingml/2006/main" xmlns:r="http://schemas.openxmlformats.org/officeDocument/2006/relationships" xmlns:p="http://schemas.openxmlformats.org/presentationml/2006/main">
   <p:cSld>
     <p:spTree>
@@ -32088,7 +39187,7 @@
           <a:p>
             <a:fld id="{650AD656-6FF9-465D-B7B0-1CD0DD39CD23}" type="slidenum">
               <a:rPr lang="en-US" smtClean="0"/>
-              <a:t>38</a:t>
+              <a:t>39</a:t>
             </a:fld>
             <a:endParaRPr lang="en-US" dirty="0"/>
           </a:p>
@@ -32455,133 +39554,6 @@
       </p:par>
     </p:tnLst>
   </p:timing>
-</p:sld>
-</file>
-
-<file path=ppt/slides/slide39.xml><?xml version="1.0" encoding="utf-8"?>
-<p:sld xmlns:a="http://schemas.openxmlformats.org/drawingml/2006/main" xmlns:r="http://schemas.openxmlformats.org/officeDocument/2006/relationships" xmlns:p="http://schemas.openxmlformats.org/presentationml/2006/main">
-  <p:cSld>
-    <p:spTree>
-      <p:nvGrpSpPr>
-        <p:cNvPr id="1" name=""/>
-        <p:cNvGrpSpPr/>
-        <p:nvPr/>
-      </p:nvGrpSpPr>
-      <p:grpSpPr>
-        <a:xfrm>
-          <a:off x="0" y="0"/>
-          <a:ext cx="0" cy="0"/>
-          <a:chOff x="0" y="0"/>
-          <a:chExt cx="0" cy="0"/>
-        </a:xfrm>
-      </p:grpSpPr>
-      <p:sp>
-        <p:nvSpPr>
-          <p:cNvPr id="2" name="Title 1">
-            <a:extLst>
-              <a:ext uri="{FF2B5EF4-FFF2-40B4-BE49-F238E27FC236}">
-                <a16:creationId xmlns:a16="http://schemas.microsoft.com/office/drawing/2014/main" id="{B15B6439-41E6-140A-FAE2-84DA1CCE9574}"/>
-              </a:ext>
-            </a:extLst>
-          </p:cNvPr>
-          <p:cNvSpPr>
-            <a:spLocks noGrp="1"/>
-          </p:cNvSpPr>
-          <p:nvPr>
-            <p:ph type="title"/>
-          </p:nvPr>
-        </p:nvSpPr>
-        <p:spPr/>
-        <p:txBody>
-          <a:bodyPr>
-            <a:normAutofit/>
-          </a:bodyPr>
-          <a:lstStyle/>
-          <a:p>
-            <a:pPr algn="ctr"/>
-            <a:r>
-              <a:rPr lang="en-US" sz="3200" b="1" dirty="0">
-                <a:latin typeface="+mn-lt"/>
-              </a:rPr>
-              <a:t>Task 19</a:t>
-            </a:r>
-          </a:p>
-        </p:txBody>
-      </p:sp>
-      <p:sp>
-        <p:nvSpPr>
-          <p:cNvPr id="3" name="Content Placeholder 2">
-            <a:extLst>
-              <a:ext uri="{FF2B5EF4-FFF2-40B4-BE49-F238E27FC236}">
-                <a16:creationId xmlns:a16="http://schemas.microsoft.com/office/drawing/2014/main" id="{9B72E0DF-EA1E-2B29-FBAA-C77F1DA8F842}"/>
-              </a:ext>
-            </a:extLst>
-          </p:cNvPr>
-          <p:cNvSpPr>
-            <a:spLocks noGrp="1"/>
-          </p:cNvSpPr>
-          <p:nvPr>
-            <p:ph idx="1"/>
-          </p:nvPr>
-        </p:nvSpPr>
-        <p:spPr/>
-        <p:txBody>
-          <a:bodyPr>
-            <a:normAutofit/>
-          </a:bodyPr>
-          <a:lstStyle/>
-          <a:p>
-            <a:r>
-              <a:rPr lang="en-US" sz="2400" dirty="0"/>
-              <a:t>Write a Python program that calculates and displays the Hamming Weight of </a:t>
-            </a:r>
-            <a:r>
-              <a:rPr lang="en-US" sz="2400" b="1" dirty="0"/>
-              <a:t>95,601</a:t>
-            </a:r>
-          </a:p>
-        </p:txBody>
-      </p:sp>
-      <p:sp>
-        <p:nvSpPr>
-          <p:cNvPr id="4" name="Slide Number Placeholder 3">
-            <a:extLst>
-              <a:ext uri="{FF2B5EF4-FFF2-40B4-BE49-F238E27FC236}">
-                <a16:creationId xmlns:a16="http://schemas.microsoft.com/office/drawing/2014/main" id="{80CC9F32-161F-C116-92EA-A6FCC6DD8558}"/>
-              </a:ext>
-            </a:extLst>
-          </p:cNvPr>
-          <p:cNvSpPr>
-            <a:spLocks noGrp="1"/>
-          </p:cNvSpPr>
-          <p:nvPr>
-            <p:ph type="sldNum" sz="quarter" idx="12"/>
-          </p:nvPr>
-        </p:nvSpPr>
-        <p:spPr/>
-        <p:txBody>
-          <a:bodyPr/>
-          <a:lstStyle/>
-          <a:p>
-            <a:fld id="{650AD656-6FF9-465D-B7B0-1CD0DD39CD23}" type="slidenum">
-              <a:rPr lang="en-US" smtClean="0"/>
-              <a:pPr/>
-              <a:t>39</a:t>
-            </a:fld>
-            <a:endParaRPr lang="en-US"/>
-          </a:p>
-        </p:txBody>
-      </p:sp>
-    </p:spTree>
-    <p:extLst>
-      <p:ext uri="{BB962C8B-B14F-4D97-AF65-F5344CB8AC3E}">
-        <p14:creationId xmlns:p14="http://schemas.microsoft.com/office/powerpoint/2010/main" val="260747807"/>
-      </p:ext>
-    </p:extLst>
-  </p:cSld>
-  <p:clrMapOvr>
-    <a:masterClrMapping/>
-  </p:clrMapOvr>
 </p:sld>
 </file>
 
@@ -34636,6 +41608,133 @@
       <p:bldP spid="13" grpId="0" animBg="1"/>
     </p:bldLst>
   </p:timing>
+</p:sld>
+</file>
+
+<file path=ppt/slides/slide40.xml><?xml version="1.0" encoding="utf-8"?>
+<p:sld xmlns:a="http://schemas.openxmlformats.org/drawingml/2006/main" xmlns:r="http://schemas.openxmlformats.org/officeDocument/2006/relationships" xmlns:p="http://schemas.openxmlformats.org/presentationml/2006/main">
+  <p:cSld>
+    <p:spTree>
+      <p:nvGrpSpPr>
+        <p:cNvPr id="1" name=""/>
+        <p:cNvGrpSpPr/>
+        <p:nvPr/>
+      </p:nvGrpSpPr>
+      <p:grpSpPr>
+        <a:xfrm>
+          <a:off x="0" y="0"/>
+          <a:ext cx="0" cy="0"/>
+          <a:chOff x="0" y="0"/>
+          <a:chExt cx="0" cy="0"/>
+        </a:xfrm>
+      </p:grpSpPr>
+      <p:sp>
+        <p:nvSpPr>
+          <p:cNvPr id="2" name="Title 1">
+            <a:extLst>
+              <a:ext uri="{FF2B5EF4-FFF2-40B4-BE49-F238E27FC236}">
+                <a16:creationId xmlns:a16="http://schemas.microsoft.com/office/drawing/2014/main" id="{B15B6439-41E6-140A-FAE2-84DA1CCE9574}"/>
+              </a:ext>
+            </a:extLst>
+          </p:cNvPr>
+          <p:cNvSpPr>
+            <a:spLocks noGrp="1"/>
+          </p:cNvSpPr>
+          <p:nvPr>
+            <p:ph type="title"/>
+          </p:nvPr>
+        </p:nvSpPr>
+        <p:spPr/>
+        <p:txBody>
+          <a:bodyPr>
+            <a:normAutofit/>
+          </a:bodyPr>
+          <a:lstStyle/>
+          <a:p>
+            <a:pPr algn="ctr"/>
+            <a:r>
+              <a:rPr lang="en-US" sz="3200" b="1" dirty="0">
+                <a:latin typeface="+mn-lt"/>
+              </a:rPr>
+              <a:t>Task 19</a:t>
+            </a:r>
+          </a:p>
+        </p:txBody>
+      </p:sp>
+      <p:sp>
+        <p:nvSpPr>
+          <p:cNvPr id="3" name="Content Placeholder 2">
+            <a:extLst>
+              <a:ext uri="{FF2B5EF4-FFF2-40B4-BE49-F238E27FC236}">
+                <a16:creationId xmlns:a16="http://schemas.microsoft.com/office/drawing/2014/main" id="{9B72E0DF-EA1E-2B29-FBAA-C77F1DA8F842}"/>
+              </a:ext>
+            </a:extLst>
+          </p:cNvPr>
+          <p:cNvSpPr>
+            <a:spLocks noGrp="1"/>
+          </p:cNvSpPr>
+          <p:nvPr>
+            <p:ph idx="1"/>
+          </p:nvPr>
+        </p:nvSpPr>
+        <p:spPr/>
+        <p:txBody>
+          <a:bodyPr>
+            <a:normAutofit/>
+          </a:bodyPr>
+          <a:lstStyle/>
+          <a:p>
+            <a:r>
+              <a:rPr lang="en-US" sz="2400" dirty="0"/>
+              <a:t>Write a Python program that calculates and displays the Hamming Weight of </a:t>
+            </a:r>
+            <a:r>
+              <a:rPr lang="en-US" sz="2400" b="1" dirty="0"/>
+              <a:t>95,601</a:t>
+            </a:r>
+          </a:p>
+        </p:txBody>
+      </p:sp>
+      <p:sp>
+        <p:nvSpPr>
+          <p:cNvPr id="4" name="Slide Number Placeholder 3">
+            <a:extLst>
+              <a:ext uri="{FF2B5EF4-FFF2-40B4-BE49-F238E27FC236}">
+                <a16:creationId xmlns:a16="http://schemas.microsoft.com/office/drawing/2014/main" id="{80CC9F32-161F-C116-92EA-A6FCC6DD8558}"/>
+              </a:ext>
+            </a:extLst>
+          </p:cNvPr>
+          <p:cNvSpPr>
+            <a:spLocks noGrp="1"/>
+          </p:cNvSpPr>
+          <p:nvPr>
+            <p:ph type="sldNum" sz="quarter" idx="12"/>
+          </p:nvPr>
+        </p:nvSpPr>
+        <p:spPr/>
+        <p:txBody>
+          <a:bodyPr/>
+          <a:lstStyle/>
+          <a:p>
+            <a:fld id="{650AD656-6FF9-465D-B7B0-1CD0DD39CD23}" type="slidenum">
+              <a:rPr lang="en-US" smtClean="0"/>
+              <a:pPr/>
+              <a:t>40</a:t>
+            </a:fld>
+            <a:endParaRPr lang="en-US"/>
+          </a:p>
+        </p:txBody>
+      </p:sp>
+    </p:spTree>
+    <p:extLst>
+      <p:ext uri="{BB962C8B-B14F-4D97-AF65-F5344CB8AC3E}">
+        <p14:creationId xmlns:p14="http://schemas.microsoft.com/office/powerpoint/2010/main" val="260747807"/>
+      </p:ext>
+    </p:extLst>
+  </p:cSld>
+  <p:clrMapOvr>
+    <a:masterClrMapping/>
+  </p:clrMapOvr>
 </p:sld>
 </file>
 

--- a/Session 19 - Continued Fractions/Session 19 - Continued Fractions.pptx
+++ b/Session 19 - Continued Fractions/Session 19 - Continued Fractions.pptx
@@ -160,13 +160,140 @@
 <file path=ppt/revisionInfo.xml><?xml version="1.0" encoding="utf-8"?>
 <p1510:revInfo xmlns:a="http://schemas.openxmlformats.org/drawingml/2006/main" xmlns:r="http://schemas.openxmlformats.org/officeDocument/2006/relationships" xmlns:p1510="http://schemas.microsoft.com/office/powerpoint/2015/10/main">
   <p1510:revLst>
-    <p1510:client id="{6231E7D9-E8FD-4908-95BB-3604F3CA9764}" v="1" dt="2020-05-29T19:25:52.386"/>
+    <p1510:client id="{37226206-9A45-402D-99BE-BD548F41D3D9}" v="48" dt="2024-01-26T14:56:50.485"/>
   </p1510:revLst>
 </p1510:revInfo>
 </file>
 
 <file path=ppt/changesInfos/changesInfo1.xml><?xml version="1.0" encoding="utf-8"?>
 <pc:chgInfo xmlns:a="http://schemas.openxmlformats.org/drawingml/2006/main" xmlns:r="http://schemas.openxmlformats.org/officeDocument/2006/relationships" xmlns:ac="http://schemas.microsoft.com/office/drawing/2013/main/command" xmlns:pc="http://schemas.microsoft.com/office/powerpoint/2013/main/command">
+  <pc:docChgLst>
+    <pc:chgData name="Biersach, David" userId="14a9feb0-85a7-4da4-be8a-c1e22b637acc" providerId="ADAL" clId="{37226206-9A45-402D-99BE-BD548F41D3D9}"/>
+    <pc:docChg chg="custSel modSld">
+      <pc:chgData name="Biersach, David" userId="14a9feb0-85a7-4da4-be8a-c1e22b637acc" providerId="ADAL" clId="{37226206-9A45-402D-99BE-BD548F41D3D9}" dt="2024-01-26T14:56:50.485" v="143"/>
+      <pc:docMkLst>
+        <pc:docMk/>
+      </pc:docMkLst>
+      <pc:sldChg chg="addSp modSp mod modAnim">
+        <pc:chgData name="Biersach, David" userId="14a9feb0-85a7-4da4-be8a-c1e22b637acc" providerId="ADAL" clId="{37226206-9A45-402D-99BE-BD548F41D3D9}" dt="2024-01-26T14:44:20.559" v="16"/>
+        <pc:sldMkLst>
+          <pc:docMk/>
+          <pc:sldMk cId="2497642885" sldId="423"/>
+        </pc:sldMkLst>
+        <pc:spChg chg="mod">
+          <ac:chgData name="Biersach, David" userId="14a9feb0-85a7-4da4-be8a-c1e22b637acc" providerId="ADAL" clId="{37226206-9A45-402D-99BE-BD548F41D3D9}" dt="2024-01-26T14:43:10.531" v="4" actId="1076"/>
+          <ac:spMkLst>
+            <pc:docMk/>
+            <pc:sldMk cId="2497642885" sldId="423"/>
+            <ac:spMk id="4" creationId="{00000000-0000-0000-0000-000000000000}"/>
+          </ac:spMkLst>
+        </pc:spChg>
+        <pc:spChg chg="add mod">
+          <ac:chgData name="Biersach, David" userId="14a9feb0-85a7-4da4-be8a-c1e22b637acc" providerId="ADAL" clId="{37226206-9A45-402D-99BE-BD548F41D3D9}" dt="2024-01-26T14:43:15.624" v="6" actId="1076"/>
+          <ac:spMkLst>
+            <pc:docMk/>
+            <pc:sldMk cId="2497642885" sldId="423"/>
+            <ac:spMk id="6" creationId="{5E58A422-D106-FB14-AB1F-0B02E9BC2EF8}"/>
+          </ac:spMkLst>
+        </pc:spChg>
+        <pc:spChg chg="mod">
+          <ac:chgData name="Biersach, David" userId="14a9feb0-85a7-4da4-be8a-c1e22b637acc" providerId="ADAL" clId="{37226206-9A45-402D-99BE-BD548F41D3D9}" dt="2024-01-26T14:43:56.825" v="10" actId="14100"/>
+          <ac:spMkLst>
+            <pc:docMk/>
+            <pc:sldMk cId="2497642885" sldId="423"/>
+            <ac:spMk id="8" creationId="{00000000-0000-0000-0000-000000000000}"/>
+          </ac:spMkLst>
+        </pc:spChg>
+        <pc:picChg chg="mod">
+          <ac:chgData name="Biersach, David" userId="14a9feb0-85a7-4da4-be8a-c1e22b637acc" providerId="ADAL" clId="{37226206-9A45-402D-99BE-BD548F41D3D9}" dt="2024-01-26T14:43:12.683" v="5" actId="1076"/>
+          <ac:picMkLst>
+            <pc:docMk/>
+            <pc:sldMk cId="2497642885" sldId="423"/>
+            <ac:picMk id="2" creationId="{0FCCCF48-CFF1-4380-B2FF-A56282D1B53C}"/>
+          </ac:picMkLst>
+        </pc:picChg>
+      </pc:sldChg>
+      <pc:sldChg chg="addSp modSp mod modAnim">
+        <pc:chgData name="Biersach, David" userId="14a9feb0-85a7-4da4-be8a-c1e22b637acc" providerId="ADAL" clId="{37226206-9A45-402D-99BE-BD548F41D3D9}" dt="2024-01-26T14:56:50.485" v="143"/>
+        <pc:sldMkLst>
+          <pc:docMk/>
+          <pc:sldMk cId="3859126005" sldId="989"/>
+        </pc:sldMkLst>
+        <pc:spChg chg="add mod">
+          <ac:chgData name="Biersach, David" userId="14a9feb0-85a7-4da4-be8a-c1e22b637acc" providerId="ADAL" clId="{37226206-9A45-402D-99BE-BD548F41D3D9}" dt="2024-01-26T14:48:14.741" v="22" actId="14100"/>
+          <ac:spMkLst>
+            <pc:docMk/>
+            <pc:sldMk cId="3859126005" sldId="989"/>
+            <ac:spMk id="2" creationId="{09C651AB-DE5C-D2D2-2D10-206A0E9A5B98}"/>
+          </ac:spMkLst>
+        </pc:spChg>
+        <pc:spChg chg="add mod">
+          <ac:chgData name="Biersach, David" userId="14a9feb0-85a7-4da4-be8a-c1e22b637acc" providerId="ADAL" clId="{37226206-9A45-402D-99BE-BD548F41D3D9}" dt="2024-01-26T14:48:32.867" v="25" actId="14100"/>
+          <ac:spMkLst>
+            <pc:docMk/>
+            <pc:sldMk cId="3859126005" sldId="989"/>
+            <ac:spMk id="3" creationId="{F5E8E583-77F5-3A52-754C-85A032B4A45C}"/>
+          </ac:spMkLst>
+        </pc:spChg>
+        <pc:spChg chg="add mod">
+          <ac:chgData name="Biersach, David" userId="14a9feb0-85a7-4da4-be8a-c1e22b637acc" providerId="ADAL" clId="{37226206-9A45-402D-99BE-BD548F41D3D9}" dt="2024-01-26T14:48:48.993" v="32" actId="14100"/>
+          <ac:spMkLst>
+            <pc:docMk/>
+            <pc:sldMk cId="3859126005" sldId="989"/>
+            <ac:spMk id="4" creationId="{EA94CF17-947E-EAB1-661B-7C7FE6A5895E}"/>
+          </ac:spMkLst>
+        </pc:spChg>
+        <pc:spChg chg="add mod">
+          <ac:chgData name="Biersach, David" userId="14a9feb0-85a7-4da4-be8a-c1e22b637acc" providerId="ADAL" clId="{37226206-9A45-402D-99BE-BD548F41D3D9}" dt="2024-01-26T14:52:32.551" v="107" actId="113"/>
+          <ac:spMkLst>
+            <pc:docMk/>
+            <pc:sldMk cId="3859126005" sldId="989"/>
+            <ac:spMk id="19" creationId="{0E5E3880-9A4B-DB9A-6F66-253FF76A2DD0}"/>
+          </ac:spMkLst>
+        </pc:spChg>
+        <pc:spChg chg="add mod">
+          <ac:chgData name="Biersach, David" userId="14a9feb0-85a7-4da4-be8a-c1e22b637acc" providerId="ADAL" clId="{37226206-9A45-402D-99BE-BD548F41D3D9}" dt="2024-01-26T14:53:30.840" v="124" actId="1035"/>
+          <ac:spMkLst>
+            <pc:docMk/>
+            <pc:sldMk cId="3859126005" sldId="989"/>
+            <ac:spMk id="21" creationId="{7914820D-1DB7-4380-1023-B81C23825D90}"/>
+          </ac:spMkLst>
+        </pc:spChg>
+        <pc:spChg chg="add mod">
+          <ac:chgData name="Biersach, David" userId="14a9feb0-85a7-4da4-be8a-c1e22b637acc" providerId="ADAL" clId="{37226206-9A45-402D-99BE-BD548F41D3D9}" dt="2024-01-26T14:56:03.192" v="132" actId="14100"/>
+          <ac:spMkLst>
+            <pc:docMk/>
+            <pc:sldMk cId="3859126005" sldId="989"/>
+            <ac:spMk id="22" creationId="{272C0FAD-8CF1-4A8A-BED6-B55D4FF16197}"/>
+          </ac:spMkLst>
+        </pc:spChg>
+        <pc:spChg chg="add mod">
+          <ac:chgData name="Biersach, David" userId="14a9feb0-85a7-4da4-be8a-c1e22b637acc" providerId="ADAL" clId="{37226206-9A45-402D-99BE-BD548F41D3D9}" dt="2024-01-26T14:56:24.495" v="137" actId="14100"/>
+          <ac:spMkLst>
+            <pc:docMk/>
+            <pc:sldMk cId="3859126005" sldId="989"/>
+            <ac:spMk id="24" creationId="{A0B7852C-CF20-8E4E-0EBB-5E0B2069F83B}"/>
+          </ac:spMkLst>
+        </pc:spChg>
+        <pc:cxnChg chg="add mod">
+          <ac:chgData name="Biersach, David" userId="14a9feb0-85a7-4da4-be8a-c1e22b637acc" providerId="ADAL" clId="{37226206-9A45-402D-99BE-BD548F41D3D9}" dt="2024-01-26T14:49:11.507" v="36" actId="14100"/>
+          <ac:cxnSpMkLst>
+            <pc:docMk/>
+            <pc:sldMk cId="3859126005" sldId="989"/>
+            <ac:cxnSpMk id="9" creationId="{DD494CF1-3CB7-4C42-D490-2B62A0436765}"/>
+          </ac:cxnSpMkLst>
+        </pc:cxnChg>
+        <pc:cxnChg chg="add mod">
+          <ac:chgData name="Biersach, David" userId="14a9feb0-85a7-4da4-be8a-c1e22b637acc" providerId="ADAL" clId="{37226206-9A45-402D-99BE-BD548F41D3D9}" dt="2024-01-26T14:49:29.698" v="39" actId="14100"/>
+          <ac:cxnSpMkLst>
+            <pc:docMk/>
+            <pc:sldMk cId="3859126005" sldId="989"/>
+            <ac:cxnSpMk id="13" creationId="{83AEBF7F-D570-E02D-9A81-4E619CE34256}"/>
+          </ac:cxnSpMkLst>
+        </pc:cxnChg>
+      </pc:sldChg>
+    </pc:docChg>
+  </pc:docChgLst>
   <pc:docChgLst>
     <pc:chgData name="Biersach, David" userId="14a9feb0-85a7-4da4-be8a-c1e22b637acc" providerId="ADAL" clId="{6231E7D9-E8FD-4908-95BB-3604F3CA9764}"/>
     <pc:docChg chg="custSel delSld modSld">
@@ -298,7 +425,7 @@
           <a:p>
             <a:fld id="{A241AC98-512A-4A35-865E-757B6C1F07A2}" type="datetimeFigureOut">
               <a:rPr lang="en-US" smtClean="0"/>
-              <a:t>12/8/2023</a:t>
+              <a:t>1/26/2024</a:t>
             </a:fld>
             <a:endParaRPr lang="en-US"/>
           </a:p>
@@ -464,7 +591,7 @@
           <a:p>
             <a:fld id="{3854CEE7-15DE-41D9-8CA2-D1E137B1D850}" type="datetimeFigureOut">
               <a:rPr lang="en-US" smtClean="0"/>
-              <a:t>12/8/2023</a:t>
+              <a:t>1/26/2024</a:t>
             </a:fld>
             <a:endParaRPr lang="en-US"/>
           </a:p>
@@ -2459,7 +2586,7 @@
           <a:p>
             <a:fld id="{5555EB2C-244D-4423-AD97-018ED6478B87}" type="datetime1">
               <a:rPr lang="en-US" smtClean="0"/>
-              <a:t>12/8/2023</a:t>
+              <a:t>1/26/2024</a:t>
             </a:fld>
             <a:endParaRPr lang="en-US"/>
           </a:p>
@@ -2638,7 +2765,7 @@
           <a:p>
             <a:fld id="{A2B41D1F-7576-4C60-B4EB-5115BC56CF40}" type="datetime1">
               <a:rPr lang="en-US" smtClean="0"/>
-              <a:t>12/8/2023</a:t>
+              <a:t>1/26/2024</a:t>
             </a:fld>
             <a:endParaRPr lang="en-US"/>
           </a:p>
@@ -2830,7 +2957,7 @@
           <a:p>
             <a:fld id="{E79D1398-4D56-44F9-BA35-34ACF3159A64}" type="datetime1">
               <a:rPr lang="en-US" smtClean="0"/>
-              <a:t>12/8/2023</a:t>
+              <a:t>1/26/2024</a:t>
             </a:fld>
             <a:endParaRPr lang="en-US"/>
           </a:p>
@@ -3012,7 +3139,7 @@
           <a:p>
             <a:fld id="{A3CF632E-48CB-4EEB-A6B6-DEC7AD7CC976}" type="datetime1">
               <a:rPr lang="en-US" smtClean="0"/>
-              <a:t>12/8/2023</a:t>
+              <a:t>1/26/2024</a:t>
             </a:fld>
             <a:endParaRPr lang="en-US"/>
           </a:p>
@@ -3265,7 +3392,7 @@
           <a:p>
             <a:fld id="{BAEEE52C-3A57-458E-95F6-96B2FA9D1DD4}" type="datetime1">
               <a:rPr lang="en-US" smtClean="0"/>
-              <a:t>12/8/2023</a:t>
+              <a:t>1/26/2024</a:t>
             </a:fld>
             <a:endParaRPr lang="en-US"/>
           </a:p>
@@ -3509,7 +3636,7 @@
           <a:p>
             <a:fld id="{766FC747-A48A-4FF2-8EE4-3E95ECD1C2A8}" type="datetime1">
               <a:rPr lang="en-US" smtClean="0"/>
-              <a:t>12/8/2023</a:t>
+              <a:t>1/26/2024</a:t>
             </a:fld>
             <a:endParaRPr lang="en-US"/>
           </a:p>
@@ -3888,7 +4015,7 @@
           <a:p>
             <a:fld id="{C9BF5758-AB7F-463D-B638-E1729B95E126}" type="datetime1">
               <a:rPr lang="en-US" smtClean="0"/>
-              <a:t>12/8/2023</a:t>
+              <a:t>1/26/2024</a:t>
             </a:fld>
             <a:endParaRPr lang="en-US"/>
           </a:p>
@@ -4018,7 +4145,7 @@
           <a:p>
             <a:fld id="{F3718C77-7DD0-4738-BF52-D0EC9F78A76E}" type="datetime1">
               <a:rPr lang="en-US" smtClean="0"/>
-              <a:t>12/8/2023</a:t>
+              <a:t>1/26/2024</a:t>
             </a:fld>
             <a:endParaRPr lang="en-US"/>
           </a:p>
@@ -4125,7 +4252,7 @@
           <a:p>
             <a:fld id="{948970CF-13D9-4E1D-A74F-2CFE4953FCDB}" type="datetime1">
               <a:rPr lang="en-US" smtClean="0"/>
-              <a:t>12/8/2023</a:t>
+              <a:t>1/26/2024</a:t>
             </a:fld>
             <a:endParaRPr lang="en-US"/>
           </a:p>
@@ -4414,7 +4541,7 @@
           <a:p>
             <a:fld id="{F68C49B9-4E1C-4967-B9CF-0BF9FECBE837}" type="datetime1">
               <a:rPr lang="en-US" smtClean="0"/>
-              <a:t>12/8/2023</a:t>
+              <a:t>1/26/2024</a:t>
             </a:fld>
             <a:endParaRPr lang="en-US"/>
           </a:p>
@@ -4682,7 +4809,7 @@
           <a:p>
             <a:fld id="{7E338CBB-1F06-4333-9BBF-66628B15E581}" type="datetime1">
               <a:rPr lang="en-US" smtClean="0"/>
-              <a:t>12/8/2023</a:t>
+              <a:t>1/26/2024</a:t>
             </a:fld>
             <a:endParaRPr lang="en-US"/>
           </a:p>
@@ -4907,7 +5034,7 @@
           <a:p>
             <a:fld id="{705EC883-F03C-4CA3-AF62-BEF30EEA4F65}" type="datetime1">
               <a:rPr lang="en-US" smtClean="0"/>
-              <a:t>12/8/2023</a:t>
+              <a:t>1/26/2024</a:t>
             </a:fld>
             <a:endParaRPr lang="en-US"/>
           </a:p>
@@ -13914,7 +14041,7 @@
         </p:nvGrpSpPr>
         <p:grpSpPr>
           <a:xfrm>
-            <a:off x="1658336" y="3340996"/>
+            <a:off x="6313898" y="3824215"/>
             <a:ext cx="1076632" cy="369332"/>
             <a:chOff x="4968362" y="2079211"/>
             <a:chExt cx="1076632" cy="369332"/>
@@ -14034,7 +14161,7 @@
         </p:nvGrpSpPr>
         <p:grpSpPr>
           <a:xfrm>
-            <a:off x="2337515" y="4557372"/>
+            <a:off x="6562291" y="3978901"/>
             <a:ext cx="1076632" cy="369332"/>
             <a:chOff x="4704120" y="2356972"/>
             <a:chExt cx="1076632" cy="369332"/>
@@ -14139,1290 +14266,6 @@
             </a:p>
           </p:txBody>
         </p:sp>
-      </p:grpSp>
-      <p:sp>
-        <p:nvSpPr>
-          <p:cNvPr id="7" name="TextBox 6">
-            <a:extLst>
-              <a:ext uri="{FF2B5EF4-FFF2-40B4-BE49-F238E27FC236}">
-                <a16:creationId xmlns:a16="http://schemas.microsoft.com/office/drawing/2014/main" id="{CC3FE002-EA9D-F34E-F95B-94EE898FB15D}"/>
-              </a:ext>
-            </a:extLst>
-          </p:cNvPr>
-          <p:cNvSpPr txBox="1"/>
-          <p:nvPr/>
-        </p:nvSpPr>
-        <p:spPr>
-          <a:xfrm>
-            <a:off x="1341972" y="6153003"/>
-            <a:ext cx="2102468" cy="369332"/>
-          </a:xfrm>
-          <a:prstGeom prst="rect">
-            <a:avLst/>
-          </a:prstGeom>
-          <a:noFill/>
-        </p:spPr>
-        <p:txBody>
-          <a:bodyPr wrap="square">
-            <a:spAutoFit/>
-          </a:bodyPr>
-          <a:lstStyle/>
-          <a:p>
-            <a:pPr algn="ctr"/>
-            <a:r>
-              <a:rPr lang="en-US" sz="1800" b="1" dirty="0">
-                <a:solidFill>
-                  <a:srgbClr val="FF0000"/>
-                </a:solidFill>
-              </a:rPr>
-              <a:t>3.245 = [3; 4, 12, 4]</a:t>
-            </a:r>
-          </a:p>
-        </p:txBody>
-      </p:sp>
-      <p:sp>
-        <p:nvSpPr>
-          <p:cNvPr id="9" name="TextBox 8">
-            <a:extLst>
-              <a:ext uri="{FF2B5EF4-FFF2-40B4-BE49-F238E27FC236}">
-                <a16:creationId xmlns:a16="http://schemas.microsoft.com/office/drawing/2014/main" id="{92C1332C-5C9B-DF74-ABCC-41E1FBB70B18}"/>
-              </a:ext>
-            </a:extLst>
-          </p:cNvPr>
-          <p:cNvSpPr txBox="1"/>
-          <p:nvPr/>
-        </p:nvSpPr>
-        <p:spPr>
-          <a:xfrm>
-            <a:off x="5446209" y="6153003"/>
-            <a:ext cx="2925337" cy="369332"/>
-          </a:xfrm>
-          <a:prstGeom prst="rect">
-            <a:avLst/>
-          </a:prstGeom>
-          <a:noFill/>
-        </p:spPr>
-        <p:txBody>
-          <a:bodyPr wrap="square">
-            <a:spAutoFit/>
-          </a:bodyPr>
-          <a:lstStyle/>
-          <a:p>
-            <a:pPr algn="ctr"/>
-            <a:r>
-              <a:rPr lang="en-US" sz="1800" b="1" dirty="0">
-                <a:solidFill>
-                  <a:srgbClr val="FF0000"/>
-                </a:solidFill>
-              </a:rPr>
-              <a:t>[0; 1, 4, 1, 2, 2] = 0.825</a:t>
-            </a:r>
-            <a:endParaRPr lang="en-US" dirty="0"/>
-          </a:p>
-        </p:txBody>
-      </p:sp>
-      <p:sp>
-        <p:nvSpPr>
-          <p:cNvPr id="11" name="Rectangle 10">
-            <a:extLst>
-              <a:ext uri="{FF2B5EF4-FFF2-40B4-BE49-F238E27FC236}">
-                <a16:creationId xmlns:a16="http://schemas.microsoft.com/office/drawing/2014/main" id="{D6CD03C0-331C-4414-640E-5EA711CFD04A}"/>
-              </a:ext>
-            </a:extLst>
-          </p:cNvPr>
-          <p:cNvSpPr/>
-          <p:nvPr/>
-        </p:nvSpPr>
-        <p:spPr>
-          <a:xfrm>
-            <a:off x="1494263" y="5337718"/>
-            <a:ext cx="743415" cy="774952"/>
-          </a:xfrm>
-          <a:prstGeom prst="rect">
-            <a:avLst/>
-          </a:prstGeom>
-          <a:noFill/>
-          <a:ln w="28575">
-            <a:solidFill>
-              <a:srgbClr val="FF0000"/>
-            </a:solidFill>
-          </a:ln>
-        </p:spPr>
-        <p:style>
-          <a:lnRef idx="2">
-            <a:schemeClr val="accent1">
-              <a:shade val="15000"/>
-            </a:schemeClr>
-          </a:lnRef>
-          <a:fillRef idx="1">
-            <a:schemeClr val="accent1"/>
-          </a:fillRef>
-          <a:effectRef idx="0">
-            <a:schemeClr val="accent1"/>
-          </a:effectRef>
-          <a:fontRef idx="minor">
-            <a:schemeClr val="lt1"/>
-          </a:fontRef>
-        </p:style>
-        <p:txBody>
-          <a:bodyPr rtlCol="0" anchor="ctr"/>
-          <a:lstStyle/>
-          <a:p>
-            <a:pPr algn="ctr"/>
-            <a:endParaRPr lang="en-US"/>
-          </a:p>
-        </p:txBody>
-      </p:sp>
-      <p:sp>
-        <p:nvSpPr>
-          <p:cNvPr id="13" name="Rectangle 12">
-            <a:extLst>
-              <a:ext uri="{FF2B5EF4-FFF2-40B4-BE49-F238E27FC236}">
-                <a16:creationId xmlns:a16="http://schemas.microsoft.com/office/drawing/2014/main" id="{773A07EA-3E4E-995D-B4A3-BB66E9F56144}"/>
-              </a:ext>
-            </a:extLst>
-          </p:cNvPr>
-          <p:cNvSpPr/>
-          <p:nvPr/>
-        </p:nvSpPr>
-        <p:spPr>
-          <a:xfrm>
-            <a:off x="2219325" y="6238875"/>
-            <a:ext cx="1085850" cy="233363"/>
-          </a:xfrm>
-          <a:prstGeom prst="rect">
-            <a:avLst/>
-          </a:prstGeom>
-          <a:noFill/>
-          <a:ln>
-            <a:noFill/>
-          </a:ln>
-        </p:spPr>
-        <p:style>
-          <a:lnRef idx="2">
-            <a:schemeClr val="accent1">
-              <a:shade val="15000"/>
-            </a:schemeClr>
-          </a:lnRef>
-          <a:fillRef idx="1">
-            <a:schemeClr val="accent1"/>
-          </a:fillRef>
-          <a:effectRef idx="0">
-            <a:schemeClr val="accent1"/>
-          </a:effectRef>
-          <a:fontRef idx="minor">
-            <a:schemeClr val="lt1"/>
-          </a:fontRef>
-        </p:style>
-        <p:txBody>
-          <a:bodyPr rtlCol="0" anchor="ctr"/>
-          <a:lstStyle/>
-          <a:p>
-            <a:pPr algn="ctr"/>
-            <a:endParaRPr lang="en-US"/>
-          </a:p>
-        </p:txBody>
-      </p:sp>
-      <p:cxnSp>
-        <p:nvCxnSpPr>
-          <p:cNvPr id="21" name="Connector: Elbow 20">
-            <a:extLst>
-              <a:ext uri="{FF2B5EF4-FFF2-40B4-BE49-F238E27FC236}">
-                <a16:creationId xmlns:a16="http://schemas.microsoft.com/office/drawing/2014/main" id="{D32CAC5E-390B-1AE8-63A2-1F1D65D6126B}"/>
-              </a:ext>
-            </a:extLst>
-          </p:cNvPr>
-          <p:cNvCxnSpPr>
-            <a:cxnSpLocks/>
-            <a:stCxn id="11" idx="3"/>
-            <a:endCxn id="13" idx="2"/>
-          </p:cNvCxnSpPr>
-          <p:nvPr/>
-        </p:nvCxnSpPr>
-        <p:spPr>
-          <a:xfrm>
-            <a:off x="2237678" y="5725194"/>
-            <a:ext cx="524572" cy="747044"/>
-          </a:xfrm>
-          <a:prstGeom prst="bentConnector4">
-            <a:avLst>
-              <a:gd name="adj1" fmla="val 247077"/>
-              <a:gd name="adj2" fmla="val 130601"/>
-            </a:avLst>
-          </a:prstGeom>
-          <a:ln w="38100">
-            <a:solidFill>
-              <a:srgbClr val="FF0000"/>
-            </a:solidFill>
-            <a:tailEnd type="triangle"/>
-          </a:ln>
-        </p:spPr>
-        <p:style>
-          <a:lnRef idx="1">
-            <a:schemeClr val="accent1"/>
-          </a:lnRef>
-          <a:fillRef idx="0">
-            <a:schemeClr val="accent1"/>
-          </a:fillRef>
-          <a:effectRef idx="0">
-            <a:schemeClr val="accent1"/>
-          </a:effectRef>
-          <a:fontRef idx="minor">
-            <a:schemeClr val="tx1"/>
-          </a:fontRef>
-        </p:style>
-      </p:cxnSp>
-      <p:sp>
-        <p:nvSpPr>
-          <p:cNvPr id="25" name="Rectangle 24">
-            <a:extLst>
-              <a:ext uri="{FF2B5EF4-FFF2-40B4-BE49-F238E27FC236}">
-                <a16:creationId xmlns:a16="http://schemas.microsoft.com/office/drawing/2014/main" id="{3E0AEB6C-6F4D-D637-B552-6A186696A0E5}"/>
-              </a:ext>
-            </a:extLst>
-          </p:cNvPr>
-          <p:cNvSpPr/>
-          <p:nvPr/>
-        </p:nvSpPr>
-        <p:spPr>
-          <a:xfrm>
-            <a:off x="750848" y="5337718"/>
-            <a:ext cx="743415" cy="193926"/>
-          </a:xfrm>
-          <a:prstGeom prst="rect">
-            <a:avLst/>
-          </a:prstGeom>
-          <a:noFill/>
-          <a:ln w="28575">
-            <a:solidFill>
-              <a:srgbClr val="FF0000"/>
-            </a:solidFill>
-          </a:ln>
-        </p:spPr>
-        <p:style>
-          <a:lnRef idx="2">
-            <a:schemeClr val="accent1">
-              <a:shade val="15000"/>
-            </a:schemeClr>
-          </a:lnRef>
-          <a:fillRef idx="1">
-            <a:schemeClr val="accent1"/>
-          </a:fillRef>
-          <a:effectRef idx="0">
-            <a:schemeClr val="accent1"/>
-          </a:effectRef>
-          <a:fontRef idx="minor">
-            <a:schemeClr val="lt1"/>
-          </a:fontRef>
-        </p:style>
-        <p:txBody>
-          <a:bodyPr rtlCol="0" anchor="ctr"/>
-          <a:lstStyle/>
-          <a:p>
-            <a:pPr algn="ctr"/>
-            <a:endParaRPr lang="en-US"/>
-          </a:p>
-        </p:txBody>
-      </p:sp>
-      <p:sp>
-        <p:nvSpPr>
-          <p:cNvPr id="26" name="Rectangle 25">
-            <a:extLst>
-              <a:ext uri="{FF2B5EF4-FFF2-40B4-BE49-F238E27FC236}">
-                <a16:creationId xmlns:a16="http://schemas.microsoft.com/office/drawing/2014/main" id="{08E17FDD-B083-6FC1-9EBB-5B1F6FDCDA6B}"/>
-              </a:ext>
-            </a:extLst>
-          </p:cNvPr>
-          <p:cNvSpPr/>
-          <p:nvPr/>
-        </p:nvSpPr>
-        <p:spPr>
-          <a:xfrm>
-            <a:off x="1450182" y="6238874"/>
-            <a:ext cx="604837" cy="233363"/>
-          </a:xfrm>
-          <a:prstGeom prst="rect">
-            <a:avLst/>
-          </a:prstGeom>
-          <a:noFill/>
-          <a:ln>
-            <a:noFill/>
-          </a:ln>
-        </p:spPr>
-        <p:style>
-          <a:lnRef idx="2">
-            <a:schemeClr val="accent1">
-              <a:shade val="15000"/>
-            </a:schemeClr>
-          </a:lnRef>
-          <a:fillRef idx="1">
-            <a:schemeClr val="accent1"/>
-          </a:fillRef>
-          <a:effectRef idx="0">
-            <a:schemeClr val="accent1"/>
-          </a:effectRef>
-          <a:fontRef idx="minor">
-            <a:schemeClr val="lt1"/>
-          </a:fontRef>
-        </p:style>
-        <p:txBody>
-          <a:bodyPr rtlCol="0" anchor="ctr"/>
-          <a:lstStyle/>
-          <a:p>
-            <a:pPr algn="ctr"/>
-            <a:endParaRPr lang="en-US"/>
-          </a:p>
-        </p:txBody>
-      </p:sp>
-      <p:cxnSp>
-        <p:nvCxnSpPr>
-          <p:cNvPr id="27" name="Connector: Elbow 26">
-            <a:extLst>
-              <a:ext uri="{FF2B5EF4-FFF2-40B4-BE49-F238E27FC236}">
-                <a16:creationId xmlns:a16="http://schemas.microsoft.com/office/drawing/2014/main" id="{C91AF42C-A7B7-9D65-BE38-F9BE031CEEE6}"/>
-              </a:ext>
-            </a:extLst>
-          </p:cNvPr>
-          <p:cNvCxnSpPr>
-            <a:cxnSpLocks/>
-            <a:stCxn id="26" idx="1"/>
-            <a:endCxn id="25" idx="0"/>
-          </p:cNvCxnSpPr>
-          <p:nvPr/>
-        </p:nvCxnSpPr>
-        <p:spPr>
-          <a:xfrm rot="10800000">
-            <a:off x="1122556" y="5337718"/>
-            <a:ext cx="327626" cy="1017838"/>
-          </a:xfrm>
-          <a:prstGeom prst="bentConnector4">
-            <a:avLst>
-              <a:gd name="adj1" fmla="val 283230"/>
-              <a:gd name="adj2" fmla="val 122459"/>
-            </a:avLst>
-          </a:prstGeom>
-          <a:ln w="38100">
-            <a:solidFill>
-              <a:srgbClr val="FF0000"/>
-            </a:solidFill>
-            <a:tailEnd type="triangle"/>
-          </a:ln>
-        </p:spPr>
-        <p:style>
-          <a:lnRef idx="1">
-            <a:schemeClr val="accent1"/>
-          </a:lnRef>
-          <a:fillRef idx="0">
-            <a:schemeClr val="accent1"/>
-          </a:fillRef>
-          <a:effectRef idx="0">
-            <a:schemeClr val="accent1"/>
-          </a:effectRef>
-          <a:fontRef idx="minor">
-            <a:schemeClr val="tx1"/>
-          </a:fontRef>
-        </p:style>
-      </p:cxnSp>
-      <p:sp>
-        <p:nvSpPr>
-          <p:cNvPr id="30" name="Rectangle 29">
-            <a:extLst>
-              <a:ext uri="{FF2B5EF4-FFF2-40B4-BE49-F238E27FC236}">
-                <a16:creationId xmlns:a16="http://schemas.microsoft.com/office/drawing/2014/main" id="{2C2FA5DE-1EA4-8D3D-4829-E44A2D222787}"/>
-              </a:ext>
-            </a:extLst>
-          </p:cNvPr>
-          <p:cNvSpPr/>
-          <p:nvPr/>
-        </p:nvSpPr>
-        <p:spPr>
-          <a:xfrm>
-            <a:off x="7193757" y="5973086"/>
-            <a:ext cx="764382" cy="161236"/>
-          </a:xfrm>
-          <a:prstGeom prst="rect">
-            <a:avLst/>
-          </a:prstGeom>
-          <a:noFill/>
-          <a:ln w="28575">
-            <a:solidFill>
-              <a:srgbClr val="FF0000"/>
-            </a:solidFill>
-          </a:ln>
-        </p:spPr>
-        <p:style>
-          <a:lnRef idx="2">
-            <a:schemeClr val="accent1">
-              <a:shade val="15000"/>
-            </a:schemeClr>
-          </a:lnRef>
-          <a:fillRef idx="1">
-            <a:schemeClr val="accent1"/>
-          </a:fillRef>
-          <a:effectRef idx="0">
-            <a:schemeClr val="accent1"/>
-          </a:effectRef>
-          <a:fontRef idx="minor">
-            <a:schemeClr val="lt1"/>
-          </a:fontRef>
-        </p:style>
-        <p:txBody>
-          <a:bodyPr rtlCol="0" anchor="ctr"/>
-          <a:lstStyle/>
-          <a:p>
-            <a:pPr algn="ctr"/>
-            <a:endParaRPr lang="en-US"/>
-          </a:p>
-        </p:txBody>
-      </p:sp>
-      <p:sp>
-        <p:nvSpPr>
-          <p:cNvPr id="31" name="Rectangle 30">
-            <a:extLst>
-              <a:ext uri="{FF2B5EF4-FFF2-40B4-BE49-F238E27FC236}">
-                <a16:creationId xmlns:a16="http://schemas.microsoft.com/office/drawing/2014/main" id="{9287049F-B5DB-B769-BD7D-64776ADB784F}"/>
-              </a:ext>
-            </a:extLst>
-          </p:cNvPr>
-          <p:cNvSpPr/>
-          <p:nvPr/>
-        </p:nvSpPr>
-        <p:spPr>
-          <a:xfrm>
-            <a:off x="5255767" y="5213468"/>
-            <a:ext cx="478284" cy="920854"/>
-          </a:xfrm>
-          <a:prstGeom prst="rect">
-            <a:avLst/>
-          </a:prstGeom>
-          <a:noFill/>
-          <a:ln w="28575">
-            <a:solidFill>
-              <a:srgbClr val="FF0000"/>
-            </a:solidFill>
-          </a:ln>
-        </p:spPr>
-        <p:style>
-          <a:lnRef idx="2">
-            <a:schemeClr val="accent1">
-              <a:shade val="15000"/>
-            </a:schemeClr>
-          </a:lnRef>
-          <a:fillRef idx="1">
-            <a:schemeClr val="accent1"/>
-          </a:fillRef>
-          <a:effectRef idx="0">
-            <a:schemeClr val="accent1"/>
-          </a:effectRef>
-          <a:fontRef idx="minor">
-            <a:schemeClr val="lt1"/>
-          </a:fontRef>
-        </p:style>
-        <p:txBody>
-          <a:bodyPr rtlCol="0" anchor="ctr"/>
-          <a:lstStyle/>
-          <a:p>
-            <a:pPr algn="ctr"/>
-            <a:endParaRPr lang="en-US"/>
-          </a:p>
-        </p:txBody>
-      </p:sp>
-      <p:sp>
-        <p:nvSpPr>
-          <p:cNvPr id="32" name="Rectangle 31">
-            <a:extLst>
-              <a:ext uri="{FF2B5EF4-FFF2-40B4-BE49-F238E27FC236}">
-                <a16:creationId xmlns:a16="http://schemas.microsoft.com/office/drawing/2014/main" id="{D602255B-0317-E889-B473-E2D95F6BF738}"/>
-              </a:ext>
-            </a:extLst>
-          </p:cNvPr>
-          <p:cNvSpPr/>
-          <p:nvPr/>
-        </p:nvSpPr>
-        <p:spPr>
-          <a:xfrm>
-            <a:off x="5820471" y="6238873"/>
-            <a:ext cx="1434993" cy="233363"/>
-          </a:xfrm>
-          <a:prstGeom prst="rect">
-            <a:avLst/>
-          </a:prstGeom>
-          <a:noFill/>
-          <a:ln>
-            <a:noFill/>
-          </a:ln>
-        </p:spPr>
-        <p:style>
-          <a:lnRef idx="2">
-            <a:schemeClr val="accent1">
-              <a:shade val="15000"/>
-            </a:schemeClr>
-          </a:lnRef>
-          <a:fillRef idx="1">
-            <a:schemeClr val="accent1"/>
-          </a:fillRef>
-          <a:effectRef idx="0">
-            <a:schemeClr val="accent1"/>
-          </a:effectRef>
-          <a:fontRef idx="minor">
-            <a:schemeClr val="lt1"/>
-          </a:fontRef>
-        </p:style>
-        <p:txBody>
-          <a:bodyPr rtlCol="0" anchor="ctr"/>
-          <a:lstStyle/>
-          <a:p>
-            <a:pPr algn="ctr"/>
-            <a:endParaRPr lang="en-US"/>
-          </a:p>
-        </p:txBody>
-      </p:sp>
-      <p:sp>
-        <p:nvSpPr>
-          <p:cNvPr id="33" name="Rectangle 32">
-            <a:extLst>
-              <a:ext uri="{FF2B5EF4-FFF2-40B4-BE49-F238E27FC236}">
-                <a16:creationId xmlns:a16="http://schemas.microsoft.com/office/drawing/2014/main" id="{8E3D412E-4D4E-6F6B-B6BE-DD30EBAD3A90}"/>
-              </a:ext>
-            </a:extLst>
-          </p:cNvPr>
-          <p:cNvSpPr/>
-          <p:nvPr/>
-        </p:nvSpPr>
-        <p:spPr>
-          <a:xfrm>
-            <a:off x="7439760" y="6238872"/>
-            <a:ext cx="604837" cy="233363"/>
-          </a:xfrm>
-          <a:prstGeom prst="rect">
-            <a:avLst/>
-          </a:prstGeom>
-          <a:noFill/>
-          <a:ln>
-            <a:noFill/>
-          </a:ln>
-        </p:spPr>
-        <p:style>
-          <a:lnRef idx="2">
-            <a:schemeClr val="accent1">
-              <a:shade val="15000"/>
-            </a:schemeClr>
-          </a:lnRef>
-          <a:fillRef idx="1">
-            <a:schemeClr val="accent1"/>
-          </a:fillRef>
-          <a:effectRef idx="0">
-            <a:schemeClr val="accent1"/>
-          </a:effectRef>
-          <a:fontRef idx="minor">
-            <a:schemeClr val="lt1"/>
-          </a:fontRef>
-        </p:style>
-        <p:txBody>
-          <a:bodyPr rtlCol="0" anchor="ctr"/>
-          <a:lstStyle/>
-          <a:p>
-            <a:pPr algn="ctr"/>
-            <a:endParaRPr lang="en-US"/>
-          </a:p>
-        </p:txBody>
-      </p:sp>
-      <p:cxnSp>
-        <p:nvCxnSpPr>
-          <p:cNvPr id="34" name="Connector: Elbow 33">
-            <a:extLst>
-              <a:ext uri="{FF2B5EF4-FFF2-40B4-BE49-F238E27FC236}">
-                <a16:creationId xmlns:a16="http://schemas.microsoft.com/office/drawing/2014/main" id="{C5811CDA-F4EE-28C1-850E-660E2C329B9E}"/>
-              </a:ext>
-            </a:extLst>
-          </p:cNvPr>
-          <p:cNvCxnSpPr>
-            <a:cxnSpLocks/>
-            <a:stCxn id="32" idx="1"/>
-            <a:endCxn id="31" idx="0"/>
-          </p:cNvCxnSpPr>
-          <p:nvPr/>
-        </p:nvCxnSpPr>
-        <p:spPr>
-          <a:xfrm rot="10800000">
-            <a:off x="5494909" y="5213469"/>
-            <a:ext cx="325562" cy="1142087"/>
-          </a:xfrm>
-          <a:prstGeom prst="bentConnector4">
-            <a:avLst>
-              <a:gd name="adj1" fmla="val 278156"/>
-              <a:gd name="adj2" fmla="val 120016"/>
-            </a:avLst>
-          </a:prstGeom>
-          <a:ln w="38100">
-            <a:solidFill>
-              <a:srgbClr val="FF0000"/>
-            </a:solidFill>
-            <a:tailEnd type="triangle"/>
-          </a:ln>
-        </p:spPr>
-        <p:style>
-          <a:lnRef idx="1">
-            <a:schemeClr val="accent1"/>
-          </a:lnRef>
-          <a:fillRef idx="0">
-            <a:schemeClr val="accent1"/>
-          </a:fillRef>
-          <a:effectRef idx="0">
-            <a:schemeClr val="accent1"/>
-          </a:effectRef>
-          <a:fontRef idx="minor">
-            <a:schemeClr val="tx1"/>
-          </a:fontRef>
-        </p:style>
-      </p:cxnSp>
-      <p:cxnSp>
-        <p:nvCxnSpPr>
-          <p:cNvPr id="37" name="Connector: Elbow 36">
-            <a:extLst>
-              <a:ext uri="{FF2B5EF4-FFF2-40B4-BE49-F238E27FC236}">
-                <a16:creationId xmlns:a16="http://schemas.microsoft.com/office/drawing/2014/main" id="{B05AB5EB-E8AD-2C5C-BFFD-2CEDBC4DE0AF}"/>
-              </a:ext>
-            </a:extLst>
-          </p:cNvPr>
-          <p:cNvCxnSpPr>
-            <a:cxnSpLocks/>
-            <a:stCxn id="30" idx="3"/>
-            <a:endCxn id="33" idx="3"/>
-          </p:cNvCxnSpPr>
-          <p:nvPr/>
-        </p:nvCxnSpPr>
-        <p:spPr>
-          <a:xfrm>
-            <a:off x="7958139" y="6053704"/>
-            <a:ext cx="86458" cy="301850"/>
-          </a:xfrm>
-          <a:prstGeom prst="bentConnector3">
-            <a:avLst>
-              <a:gd name="adj1" fmla="val 364406"/>
-            </a:avLst>
-          </a:prstGeom>
-          <a:ln w="38100">
-            <a:solidFill>
-              <a:srgbClr val="FF0000"/>
-            </a:solidFill>
-            <a:tailEnd type="triangle"/>
-          </a:ln>
-        </p:spPr>
-        <p:style>
-          <a:lnRef idx="1">
-            <a:schemeClr val="accent1"/>
-          </a:lnRef>
-          <a:fillRef idx="0">
-            <a:schemeClr val="accent1"/>
-          </a:fillRef>
-          <a:effectRef idx="0">
-            <a:schemeClr val="accent1"/>
-          </a:effectRef>
-          <a:fontRef idx="minor">
-            <a:schemeClr val="tx1"/>
-          </a:fontRef>
-        </p:style>
-      </p:cxnSp>
-      <p:grpSp>
-        <p:nvGrpSpPr>
-          <p:cNvPr id="49" name="Group 48">
-            <a:extLst>
-              <a:ext uri="{FF2B5EF4-FFF2-40B4-BE49-F238E27FC236}">
-                <a16:creationId xmlns:a16="http://schemas.microsoft.com/office/drawing/2014/main" id="{3812D344-A4D1-EA3A-E122-46F4EB79F691}"/>
-              </a:ext>
-            </a:extLst>
-          </p:cNvPr>
-          <p:cNvGrpSpPr/>
-          <p:nvPr/>
-        </p:nvGrpSpPr>
-        <p:grpSpPr>
-          <a:xfrm>
-            <a:off x="1942563" y="2278577"/>
-            <a:ext cx="1068643" cy="369332"/>
-            <a:chOff x="3647644" y="4910075"/>
-            <a:chExt cx="1068643" cy="369332"/>
-          </a:xfrm>
-        </p:grpSpPr>
-        <p:sp>
-          <p:nvSpPr>
-            <p:cNvPr id="50" name="TextBox 49">
-              <a:extLst>
-                <a:ext uri="{FF2B5EF4-FFF2-40B4-BE49-F238E27FC236}">
-                  <a16:creationId xmlns:a16="http://schemas.microsoft.com/office/drawing/2014/main" id="{70832C35-CA3A-AA93-C4B1-2308FCCCB7B1}"/>
-                </a:ext>
-              </a:extLst>
-            </p:cNvPr>
-            <p:cNvSpPr txBox="1"/>
-            <p:nvPr/>
-          </p:nvSpPr>
-          <p:spPr>
-            <a:xfrm>
-              <a:off x="4332829" y="4910075"/>
-              <a:ext cx="383458" cy="369332"/>
-            </a:xfrm>
-            <a:prstGeom prst="rect">
-              <a:avLst/>
-            </a:prstGeom>
-            <a:noFill/>
-          </p:spPr>
-          <p:txBody>
-            <a:bodyPr wrap="square" rtlCol="0">
-              <a:spAutoFit/>
-            </a:bodyPr>
-            <a:lstStyle/>
-            <a:p>
-              <a:r>
-                <a:rPr lang="en-US" dirty="0">
-                  <a:ln>
-                    <a:solidFill>
-                      <a:srgbClr val="FF0000"/>
-                    </a:solidFill>
-                  </a:ln>
-                  <a:solidFill>
-                    <a:srgbClr val="FF0000"/>
-                  </a:solidFill>
-                  <a:sym typeface="Wingdings" panose="05000000000000000000" pitchFamily="2" charset="2"/>
-                </a:rPr>
-                <a:t></a:t>
-              </a:r>
-              <a:endParaRPr lang="en-US" dirty="0">
-                <a:ln>
-                  <a:solidFill>
-                    <a:srgbClr val="FF0000"/>
-                  </a:solidFill>
-                </a:ln>
-                <a:solidFill>
-                  <a:srgbClr val="FF0000"/>
-                </a:solidFill>
-              </a:endParaRPr>
-            </a:p>
-          </p:txBody>
-        </p:sp>
-        <p:cxnSp>
-          <p:nvCxnSpPr>
-            <p:cNvPr id="51" name="Straight Arrow Connector 50">
-              <a:extLst>
-                <a:ext uri="{FF2B5EF4-FFF2-40B4-BE49-F238E27FC236}">
-                  <a16:creationId xmlns:a16="http://schemas.microsoft.com/office/drawing/2014/main" id="{A0D88D3D-80AB-5E54-8251-7A108CB5149B}"/>
-                </a:ext>
-              </a:extLst>
-            </p:cNvPr>
-            <p:cNvCxnSpPr>
-              <a:cxnSpLocks/>
-            </p:cNvCxnSpPr>
-            <p:nvPr/>
-          </p:nvCxnSpPr>
-          <p:spPr>
-            <a:xfrm flipH="1">
-              <a:off x="3647644" y="5094741"/>
-              <a:ext cx="693174" cy="0"/>
-            </a:xfrm>
-            <a:prstGeom prst="straightConnector1">
-              <a:avLst/>
-            </a:prstGeom>
-            <a:ln w="38100">
-              <a:solidFill>
-                <a:srgbClr val="FF0000"/>
-              </a:solidFill>
-              <a:tailEnd type="triangle"/>
-            </a:ln>
-          </p:spPr>
-          <p:style>
-            <a:lnRef idx="1">
-              <a:schemeClr val="accent1"/>
-            </a:lnRef>
-            <a:fillRef idx="0">
-              <a:schemeClr val="accent1"/>
-            </a:fillRef>
-            <a:effectRef idx="0">
-              <a:schemeClr val="accent1"/>
-            </a:effectRef>
-            <a:fontRef idx="minor">
-              <a:schemeClr val="tx1"/>
-            </a:fontRef>
-          </p:style>
-        </p:cxnSp>
-      </p:grpSp>
-      <p:grpSp>
-        <p:nvGrpSpPr>
-          <p:cNvPr id="52" name="Group 51">
-            <a:extLst>
-              <a:ext uri="{FF2B5EF4-FFF2-40B4-BE49-F238E27FC236}">
-                <a16:creationId xmlns:a16="http://schemas.microsoft.com/office/drawing/2014/main" id="{608EB829-59F2-D177-11C8-97256ED5BB96}"/>
-              </a:ext>
-            </a:extLst>
-          </p:cNvPr>
-          <p:cNvGrpSpPr/>
-          <p:nvPr/>
-        </p:nvGrpSpPr>
-        <p:grpSpPr>
-          <a:xfrm>
-            <a:off x="6104199" y="1569319"/>
-            <a:ext cx="1064340" cy="369332"/>
-            <a:chOff x="3647644" y="5421073"/>
-            <a:chExt cx="1064340" cy="369332"/>
-          </a:xfrm>
-        </p:grpSpPr>
-        <p:sp>
-          <p:nvSpPr>
-            <p:cNvPr id="53" name="TextBox 52">
-              <a:extLst>
-                <a:ext uri="{FF2B5EF4-FFF2-40B4-BE49-F238E27FC236}">
-                  <a16:creationId xmlns:a16="http://schemas.microsoft.com/office/drawing/2014/main" id="{33D057D8-A1D4-C53D-9437-6C90A07B0F62}"/>
-                </a:ext>
-              </a:extLst>
-            </p:cNvPr>
-            <p:cNvSpPr txBox="1"/>
-            <p:nvPr/>
-          </p:nvSpPr>
-          <p:spPr>
-            <a:xfrm>
-              <a:off x="4328526" y="5421073"/>
-              <a:ext cx="383458" cy="369332"/>
-            </a:xfrm>
-            <a:prstGeom prst="rect">
-              <a:avLst/>
-            </a:prstGeom>
-            <a:noFill/>
-          </p:spPr>
-          <p:txBody>
-            <a:bodyPr wrap="square" rtlCol="0">
-              <a:spAutoFit/>
-            </a:bodyPr>
-            <a:lstStyle/>
-            <a:p>
-              <a:r>
-                <a:rPr lang="en-US" dirty="0">
-                  <a:ln>
-                    <a:solidFill>
-                      <a:srgbClr val="FF0000"/>
-                    </a:solidFill>
-                  </a:ln>
-                  <a:solidFill>
-                    <a:srgbClr val="FF0000"/>
-                  </a:solidFill>
-                  <a:sym typeface="Wingdings" panose="05000000000000000000" pitchFamily="2" charset="2"/>
-                </a:rPr>
-                <a:t></a:t>
-              </a:r>
-              <a:endParaRPr lang="en-US" dirty="0">
-                <a:ln>
-                  <a:solidFill>
-                    <a:srgbClr val="FF0000"/>
-                  </a:solidFill>
-                </a:ln>
-                <a:solidFill>
-                  <a:srgbClr val="FF0000"/>
-                </a:solidFill>
-              </a:endParaRPr>
-            </a:p>
-          </p:txBody>
-        </p:sp>
-        <p:cxnSp>
-          <p:nvCxnSpPr>
-            <p:cNvPr id="54" name="Straight Arrow Connector 53">
-              <a:extLst>
-                <a:ext uri="{FF2B5EF4-FFF2-40B4-BE49-F238E27FC236}">
-                  <a16:creationId xmlns:a16="http://schemas.microsoft.com/office/drawing/2014/main" id="{CA509416-2877-1CFD-C3C0-172A74E2B802}"/>
-                </a:ext>
-              </a:extLst>
-            </p:cNvPr>
-            <p:cNvCxnSpPr>
-              <a:cxnSpLocks/>
-            </p:cNvCxnSpPr>
-            <p:nvPr/>
-          </p:nvCxnSpPr>
-          <p:spPr>
-            <a:xfrm flipH="1">
-              <a:off x="3647644" y="5594437"/>
-              <a:ext cx="693174" cy="0"/>
-            </a:xfrm>
-            <a:prstGeom prst="straightConnector1">
-              <a:avLst/>
-            </a:prstGeom>
-            <a:ln w="38100">
-              <a:solidFill>
-                <a:srgbClr val="FF0000"/>
-              </a:solidFill>
-              <a:tailEnd type="triangle"/>
-            </a:ln>
-          </p:spPr>
-          <p:style>
-            <a:lnRef idx="1">
-              <a:schemeClr val="accent1"/>
-            </a:lnRef>
-            <a:fillRef idx="0">
-              <a:schemeClr val="accent1"/>
-            </a:fillRef>
-            <a:effectRef idx="0">
-              <a:schemeClr val="accent1"/>
-            </a:effectRef>
-            <a:fontRef idx="minor">
-              <a:schemeClr val="tx1"/>
-            </a:fontRef>
-          </p:style>
-        </p:cxnSp>
-      </p:grpSp>
-      <p:grpSp>
-        <p:nvGrpSpPr>
-          <p:cNvPr id="55" name="Group 54">
-            <a:extLst>
-              <a:ext uri="{FF2B5EF4-FFF2-40B4-BE49-F238E27FC236}">
-                <a16:creationId xmlns:a16="http://schemas.microsoft.com/office/drawing/2014/main" id="{BD2D798F-BFCF-2C48-FB01-6D24EDBB7209}"/>
-              </a:ext>
-            </a:extLst>
-          </p:cNvPr>
-          <p:cNvGrpSpPr/>
-          <p:nvPr/>
-        </p:nvGrpSpPr>
-        <p:grpSpPr>
-          <a:xfrm>
-            <a:off x="6313597" y="3822503"/>
-            <a:ext cx="1068643" cy="369332"/>
-            <a:chOff x="3647644" y="5359159"/>
-            <a:chExt cx="1068643" cy="369332"/>
-          </a:xfrm>
-        </p:grpSpPr>
-        <p:sp>
-          <p:nvSpPr>
-            <p:cNvPr id="56" name="TextBox 55">
-              <a:extLst>
-                <a:ext uri="{FF2B5EF4-FFF2-40B4-BE49-F238E27FC236}">
-                  <a16:creationId xmlns:a16="http://schemas.microsoft.com/office/drawing/2014/main" id="{994DB6EC-DC06-9777-E84B-F1D89F44E4AE}"/>
-                </a:ext>
-              </a:extLst>
-            </p:cNvPr>
-            <p:cNvSpPr txBox="1"/>
-            <p:nvPr/>
-          </p:nvSpPr>
-          <p:spPr>
-            <a:xfrm>
-              <a:off x="4332829" y="5359159"/>
-              <a:ext cx="383458" cy="369332"/>
-            </a:xfrm>
-            <a:prstGeom prst="rect">
-              <a:avLst/>
-            </a:prstGeom>
-            <a:noFill/>
-          </p:spPr>
-          <p:txBody>
-            <a:bodyPr wrap="square" rtlCol="0">
-              <a:spAutoFit/>
-            </a:bodyPr>
-            <a:lstStyle/>
-            <a:p>
-              <a:r>
-                <a:rPr lang="en-US" dirty="0">
-                  <a:ln>
-                    <a:solidFill>
-                      <a:srgbClr val="FF0000"/>
-                    </a:solidFill>
-                  </a:ln>
-                  <a:solidFill>
-                    <a:srgbClr val="FF0000"/>
-                  </a:solidFill>
-                  <a:sym typeface="Wingdings" panose="05000000000000000000" pitchFamily="2" charset="2"/>
-                </a:rPr>
-                <a:t></a:t>
-              </a:r>
-              <a:endParaRPr lang="en-US" dirty="0">
-                <a:ln>
-                  <a:solidFill>
-                    <a:srgbClr val="FF0000"/>
-                  </a:solidFill>
-                </a:ln>
-                <a:solidFill>
-                  <a:srgbClr val="FF0000"/>
-                </a:solidFill>
-              </a:endParaRPr>
-            </a:p>
-          </p:txBody>
-        </p:sp>
-        <p:cxnSp>
-          <p:nvCxnSpPr>
-            <p:cNvPr id="57" name="Straight Arrow Connector 56">
-              <a:extLst>
-                <a:ext uri="{FF2B5EF4-FFF2-40B4-BE49-F238E27FC236}">
-                  <a16:creationId xmlns:a16="http://schemas.microsoft.com/office/drawing/2014/main" id="{E0D3336D-AA00-79D8-DCE8-5AB600F52577}"/>
-                </a:ext>
-              </a:extLst>
-            </p:cNvPr>
-            <p:cNvCxnSpPr>
-              <a:cxnSpLocks/>
-            </p:cNvCxnSpPr>
-            <p:nvPr/>
-          </p:nvCxnSpPr>
-          <p:spPr>
-            <a:xfrm flipH="1">
-              <a:off x="3647644" y="5541057"/>
-              <a:ext cx="693174" cy="0"/>
-            </a:xfrm>
-            <a:prstGeom prst="straightConnector1">
-              <a:avLst/>
-            </a:prstGeom>
-            <a:ln w="38100">
-              <a:solidFill>
-                <a:srgbClr val="FF0000"/>
-              </a:solidFill>
-              <a:tailEnd type="triangle"/>
-            </a:ln>
-          </p:spPr>
-          <p:style>
-            <a:lnRef idx="1">
-              <a:schemeClr val="accent1"/>
-            </a:lnRef>
-            <a:fillRef idx="0">
-              <a:schemeClr val="accent1"/>
-            </a:fillRef>
-            <a:effectRef idx="0">
-              <a:schemeClr val="accent1"/>
-            </a:effectRef>
-            <a:fontRef idx="minor">
-              <a:schemeClr val="tx1"/>
-            </a:fontRef>
-          </p:style>
-        </p:cxnSp>
-      </p:grpSp>
-      <p:grpSp>
-        <p:nvGrpSpPr>
-          <p:cNvPr id="58" name="Group 57">
-            <a:extLst>
-              <a:ext uri="{FF2B5EF4-FFF2-40B4-BE49-F238E27FC236}">
-                <a16:creationId xmlns:a16="http://schemas.microsoft.com/office/drawing/2014/main" id="{D48078CC-D5F8-A994-1D15-B1C1509210BC}"/>
-              </a:ext>
-            </a:extLst>
-          </p:cNvPr>
-          <p:cNvGrpSpPr/>
-          <p:nvPr/>
-        </p:nvGrpSpPr>
-        <p:grpSpPr>
-          <a:xfrm>
-            <a:off x="7071954" y="4133665"/>
-            <a:ext cx="1076632" cy="369332"/>
-            <a:chOff x="2157212" y="5356391"/>
-            <a:chExt cx="1076632" cy="369332"/>
-          </a:xfrm>
-        </p:grpSpPr>
-        <p:sp>
-          <p:nvSpPr>
-            <p:cNvPr id="59" name="TextBox 58">
-              <a:extLst>
-                <a:ext uri="{FF2B5EF4-FFF2-40B4-BE49-F238E27FC236}">
-                  <a16:creationId xmlns:a16="http://schemas.microsoft.com/office/drawing/2014/main" id="{81760690-53B2-71E0-A8A0-158545D859AF}"/>
-                </a:ext>
-              </a:extLst>
-            </p:cNvPr>
-            <p:cNvSpPr txBox="1"/>
-            <p:nvPr/>
-          </p:nvSpPr>
-          <p:spPr>
-            <a:xfrm>
-              <a:off x="2850386" y="5356391"/>
-              <a:ext cx="383458" cy="369332"/>
-            </a:xfrm>
-            <a:prstGeom prst="rect">
-              <a:avLst/>
-            </a:prstGeom>
-            <a:noFill/>
-          </p:spPr>
-          <p:txBody>
-            <a:bodyPr wrap="square" rtlCol="0">
-              <a:spAutoFit/>
-            </a:bodyPr>
-            <a:lstStyle/>
-            <a:p>
-              <a:r>
-                <a:rPr lang="en-US" dirty="0">
-                  <a:ln>
-                    <a:solidFill>
-                      <a:srgbClr val="FF0000"/>
-                    </a:solidFill>
-                  </a:ln>
-                  <a:solidFill>
-                    <a:srgbClr val="FF0000"/>
-                  </a:solidFill>
-                  <a:sym typeface="Wingdings" panose="05000000000000000000" pitchFamily="2" charset="2"/>
-                </a:rPr>
-                <a:t></a:t>
-              </a:r>
-              <a:endParaRPr lang="en-US" dirty="0">
-                <a:ln>
-                  <a:solidFill>
-                    <a:srgbClr val="FF0000"/>
-                  </a:solidFill>
-                </a:ln>
-                <a:solidFill>
-                  <a:srgbClr val="FF0000"/>
-                </a:solidFill>
-              </a:endParaRPr>
-            </a:p>
-          </p:txBody>
-        </p:sp>
-        <p:cxnSp>
-          <p:nvCxnSpPr>
-            <p:cNvPr id="60" name="Straight Arrow Connector 59">
-              <a:extLst>
-                <a:ext uri="{FF2B5EF4-FFF2-40B4-BE49-F238E27FC236}">
-                  <a16:creationId xmlns:a16="http://schemas.microsoft.com/office/drawing/2014/main" id="{7FFBAB86-760E-BC74-867A-FA5EB50EA879}"/>
-                </a:ext>
-              </a:extLst>
-            </p:cNvPr>
-            <p:cNvCxnSpPr>
-              <a:cxnSpLocks/>
-            </p:cNvCxnSpPr>
-            <p:nvPr/>
-          </p:nvCxnSpPr>
-          <p:spPr>
-            <a:xfrm flipH="1">
-              <a:off x="2157212" y="5545146"/>
-              <a:ext cx="693174" cy="0"/>
-            </a:xfrm>
-            <a:prstGeom prst="straightConnector1">
-              <a:avLst/>
-            </a:prstGeom>
-            <a:ln w="38100">
-              <a:solidFill>
-                <a:srgbClr val="FF0000"/>
-              </a:solidFill>
-              <a:tailEnd type="triangle"/>
-            </a:ln>
-          </p:spPr>
-          <p:style>
-            <a:lnRef idx="1">
-              <a:schemeClr val="accent1"/>
-            </a:lnRef>
-            <a:fillRef idx="0">
-              <a:schemeClr val="accent1"/>
-            </a:fillRef>
-            <a:effectRef idx="0">
-              <a:schemeClr val="accent1"/>
-            </a:effectRef>
-            <a:fontRef idx="minor">
-              <a:schemeClr val="tx1"/>
-            </a:fontRef>
-          </p:style>
-        </p:cxnSp>
-      </p:grpSp>
-      <p:grpSp>
-        <p:nvGrpSpPr>
-          <p:cNvPr id="61" name="Group 60">
-            <a:extLst>
-              <a:ext uri="{FF2B5EF4-FFF2-40B4-BE49-F238E27FC236}">
-                <a16:creationId xmlns:a16="http://schemas.microsoft.com/office/drawing/2014/main" id="{411EA0C1-DE4C-3828-314F-18C1EB64ABC0}"/>
-              </a:ext>
-            </a:extLst>
-          </p:cNvPr>
-          <p:cNvGrpSpPr/>
-          <p:nvPr/>
-        </p:nvGrpSpPr>
-        <p:grpSpPr>
-          <a:xfrm>
-            <a:off x="6488020" y="3978905"/>
-            <a:ext cx="1076632" cy="369332"/>
-            <a:chOff x="2157212" y="5356391"/>
-            <a:chExt cx="1076632" cy="369332"/>
-          </a:xfrm>
-        </p:grpSpPr>
-        <p:sp>
-          <p:nvSpPr>
-            <p:cNvPr id="62" name="TextBox 61">
-              <a:extLst>
-                <a:ext uri="{FF2B5EF4-FFF2-40B4-BE49-F238E27FC236}">
-                  <a16:creationId xmlns:a16="http://schemas.microsoft.com/office/drawing/2014/main" id="{C08C3A49-73D1-2AD8-4BF6-43C5E51C7782}"/>
-                </a:ext>
-              </a:extLst>
-            </p:cNvPr>
-            <p:cNvSpPr txBox="1"/>
-            <p:nvPr/>
-          </p:nvSpPr>
-          <p:spPr>
-            <a:xfrm>
-              <a:off x="2850386" y="5356391"/>
-              <a:ext cx="383458" cy="369332"/>
-            </a:xfrm>
-            <a:prstGeom prst="rect">
-              <a:avLst/>
-            </a:prstGeom>
-            <a:noFill/>
-          </p:spPr>
-          <p:txBody>
-            <a:bodyPr wrap="square" rtlCol="0">
-              <a:spAutoFit/>
-            </a:bodyPr>
-            <a:lstStyle/>
-            <a:p>
-              <a:r>
-                <a:rPr lang="en-US" dirty="0">
-                  <a:ln>
-                    <a:solidFill>
-                      <a:srgbClr val="FF0000"/>
-                    </a:solidFill>
-                  </a:ln>
-                  <a:solidFill>
-                    <a:srgbClr val="FF0000"/>
-                  </a:solidFill>
-                  <a:sym typeface="Wingdings" panose="05000000000000000000" pitchFamily="2" charset="2"/>
-                </a:rPr>
-                <a:t></a:t>
-              </a:r>
-              <a:endParaRPr lang="en-US" dirty="0">
-                <a:ln>
-                  <a:solidFill>
-                    <a:srgbClr val="FF0000"/>
-                  </a:solidFill>
-                </a:ln>
-                <a:solidFill>
-                  <a:srgbClr val="FF0000"/>
-                </a:solidFill>
-              </a:endParaRPr>
-            </a:p>
-          </p:txBody>
-        </p:sp>
-        <p:cxnSp>
-          <p:nvCxnSpPr>
-            <p:cNvPr id="63" name="Straight Arrow Connector 62">
-              <a:extLst>
-                <a:ext uri="{FF2B5EF4-FFF2-40B4-BE49-F238E27FC236}">
-                  <a16:creationId xmlns:a16="http://schemas.microsoft.com/office/drawing/2014/main" id="{FA87AEAB-8F06-A63E-B2F5-421D7145C736}"/>
-                </a:ext>
-              </a:extLst>
-            </p:cNvPr>
-            <p:cNvCxnSpPr>
-              <a:cxnSpLocks/>
-            </p:cNvCxnSpPr>
-            <p:nvPr/>
-          </p:nvCxnSpPr>
-          <p:spPr>
-            <a:xfrm flipH="1">
-              <a:off x="2157212" y="5545146"/>
-              <a:ext cx="693174" cy="0"/>
-            </a:xfrm>
-            <a:prstGeom prst="straightConnector1">
-              <a:avLst/>
-            </a:prstGeom>
-            <a:ln w="38100">
-              <a:solidFill>
-                <a:srgbClr val="FF0000"/>
-              </a:solidFill>
-              <a:tailEnd type="triangle"/>
-            </a:ln>
-          </p:spPr>
-          <p:style>
-            <a:lnRef idx="1">
-              <a:schemeClr val="accent1"/>
-            </a:lnRef>
-            <a:fillRef idx="0">
-              <a:schemeClr val="accent1"/>
-            </a:fillRef>
-            <a:effectRef idx="0">
-              <a:schemeClr val="accent1"/>
-            </a:effectRef>
-            <a:fontRef idx="minor">
-              <a:schemeClr val="tx1"/>
-            </a:fontRef>
-          </p:style>
-        </p:cxnSp>
       </p:grpSp>
     </p:spTree>
     <p:extLst>
@@ -15536,27 +14379,36 @@
                             </p:childTnLst>
                           </p:cTn>
                         </p:par>
+                      </p:childTnLst>
+                    </p:cTn>
+                  </p:par>
+                  <p:par>
+                    <p:cTn id="12" fill="hold">
+                      <p:stCondLst>
+                        <p:cond delay="indefinite"/>
+                      </p:stCondLst>
+                      <p:childTnLst>
                         <p:par>
-                          <p:cTn id="12" fill="hold">
+                          <p:cTn id="13" fill="hold">
                             <p:stCondLst>
-                              <p:cond delay="1000"/>
+                              <p:cond delay="0"/>
                             </p:stCondLst>
                             <p:childTnLst>
                               <p:par>
-                                <p:cTn id="13" presetID="2" presetClass="entr" presetSubtype="4" fill="hold" grpId="0" nodeType="afterEffect">
+                                <p:cTn id="14" presetID="22" presetClass="entr" presetSubtype="1" fill="hold" nodeType="clickEffect">
                                   <p:stCondLst>
                                     <p:cond delay="0"/>
                                   </p:stCondLst>
                                   <p:childTnLst>
                                     <p:set>
                                       <p:cBhvr>
-                                        <p:cTn id="14" dur="1" fill="hold">
+                                        <p:cTn id="15" dur="1" fill="hold">
                                           <p:stCondLst>
                                             <p:cond delay="0"/>
                                           </p:stCondLst>
                                         </p:cTn>
                                         <p:tgtEl>
-                                          <p:spTgt spid="7"/>
+                                          <p:spTgt spid="6"/>
                                         </p:tgtEl>
                                         <p:attrNameLst>
                                           <p:attrName>style.visibility</p:attrName>
@@ -15566,52 +14418,58 @@
                                         <p:strVal val="visible"/>
                                       </p:to>
                                     </p:set>
-                                    <p:anim calcmode="lin" valueType="num">
-                                      <p:cBhvr additive="base">
-                                        <p:cTn id="15" dur="500" fill="hold"/>
+                                    <p:animEffect transition="in" filter="wipe(up)">
+                                      <p:cBhvr>
+                                        <p:cTn id="16" dur="500"/>
                                         <p:tgtEl>
-                                          <p:spTgt spid="7"/>
+                                          <p:spTgt spid="6"/>
+                                        </p:tgtEl>
+                                      </p:cBhvr>
+                                    </p:animEffect>
+                                  </p:childTnLst>
+                                </p:cTn>
+                              </p:par>
+                            </p:childTnLst>
+                          </p:cTn>
+                        </p:par>
+                        <p:par>
+                          <p:cTn id="17" fill="hold">
+                            <p:stCondLst>
+                              <p:cond delay="500"/>
+                            </p:stCondLst>
+                            <p:childTnLst>
+                              <p:par>
+                                <p:cTn id="18" presetID="22" presetClass="entr" presetSubtype="1" fill="hold" nodeType="afterEffect">
+                                  <p:stCondLst>
+                                    <p:cond delay="0"/>
+                                  </p:stCondLst>
+                                  <p:childTnLst>
+                                    <p:set>
+                                      <p:cBhvr>
+                                        <p:cTn id="19" dur="1" fill="hold">
+                                          <p:stCondLst>
+                                            <p:cond delay="0"/>
+                                          </p:stCondLst>
+                                        </p:cTn>
+                                        <p:tgtEl>
+                                          <p:spTgt spid="12"/>
                                         </p:tgtEl>
                                         <p:attrNameLst>
-                                          <p:attrName>ppt_x</p:attrName>
+                                          <p:attrName>style.visibility</p:attrName>
                                         </p:attrNameLst>
                                       </p:cBhvr>
-                                      <p:tavLst>
-                                        <p:tav tm="0">
-                                          <p:val>
-                                            <p:strVal val="#ppt_x"/>
-                                          </p:val>
-                                        </p:tav>
-                                        <p:tav tm="100000">
-                                          <p:val>
-                                            <p:strVal val="#ppt_x"/>
-                                          </p:val>
-                                        </p:tav>
-                                      </p:tavLst>
-                                    </p:anim>
-                                    <p:anim calcmode="lin" valueType="num">
-                                      <p:cBhvr additive="base">
-                                        <p:cTn id="16" dur="500" fill="hold"/>
+                                      <p:to>
+                                        <p:strVal val="visible"/>
+                                      </p:to>
+                                    </p:set>
+                                    <p:animEffect transition="in" filter="wipe(up)">
+                                      <p:cBhvr>
+                                        <p:cTn id="20" dur="500"/>
                                         <p:tgtEl>
-                                          <p:spTgt spid="7"/>
+                                          <p:spTgt spid="12"/>
                                         </p:tgtEl>
-                                        <p:attrNameLst>
-                                          <p:attrName>ppt_y</p:attrName>
-                                        </p:attrNameLst>
                                       </p:cBhvr>
-                                      <p:tavLst>
-                                        <p:tav tm="0">
-                                          <p:val>
-                                            <p:strVal val="1+#ppt_h/2"/>
-                                          </p:val>
-                                        </p:tav>
-                                        <p:tav tm="100000">
-                                          <p:val>
-                                            <p:strVal val="#ppt_y"/>
-                                          </p:val>
-                                        </p:tav>
-                                      </p:tavLst>
-                                    </p:anim>
+                                    </p:animEffect>
                                   </p:childTnLst>
                                 </p:cTn>
                               </p:par>
@@ -15622,63 +14480,19 @@
                     </p:cTn>
                   </p:par>
                   <p:par>
-                    <p:cTn id="17" fill="hold">
+                    <p:cTn id="21" fill="hold">
                       <p:stCondLst>
                         <p:cond delay="indefinite"/>
                       </p:stCondLst>
                       <p:childTnLst>
                         <p:par>
-                          <p:cTn id="18" fill="hold">
+                          <p:cTn id="22" fill="hold">
                             <p:stCondLst>
                               <p:cond delay="0"/>
                             </p:stCondLst>
                             <p:childTnLst>
                               <p:par>
-                                <p:cTn id="19" presetID="22" presetClass="entr" presetSubtype="4" fill="hold" nodeType="clickEffect">
-                                  <p:stCondLst>
-                                    <p:cond delay="0"/>
-                                  </p:stCondLst>
-                                  <p:childTnLst>
-                                    <p:set>
-                                      <p:cBhvr>
-                                        <p:cTn id="20" dur="1" fill="hold">
-                                          <p:stCondLst>
-                                            <p:cond delay="0"/>
-                                          </p:stCondLst>
-                                        </p:cTn>
-                                        <p:tgtEl>
-                                          <p:spTgt spid="27"/>
-                                        </p:tgtEl>
-                                        <p:attrNameLst>
-                                          <p:attrName>style.visibility</p:attrName>
-                                        </p:attrNameLst>
-                                      </p:cBhvr>
-                                      <p:to>
-                                        <p:strVal val="visible"/>
-                                      </p:to>
-                                    </p:set>
-                                    <p:animEffect transition="in" filter="wipe(down)">
-                                      <p:cBhvr>
-                                        <p:cTn id="21" dur="500"/>
-                                        <p:tgtEl>
-                                          <p:spTgt spid="27"/>
-                                        </p:tgtEl>
-                                      </p:cBhvr>
-                                    </p:animEffect>
-                                  </p:childTnLst>
-                                </p:cTn>
-                              </p:par>
-                            </p:childTnLst>
-                          </p:cTn>
-                        </p:par>
-                        <p:par>
-                          <p:cTn id="22" fill="hold">
-                            <p:stCondLst>
-                              <p:cond delay="500"/>
-                            </p:stCondLst>
-                            <p:childTnLst>
-                              <p:par>
-                                <p:cTn id="23" presetID="22" presetClass="entr" presetSubtype="8" fill="hold" grpId="0" nodeType="afterEffect">
+                                <p:cTn id="23" presetID="22" presetClass="entr" presetSubtype="2" fill="hold" nodeType="clickEffect">
                                   <p:stCondLst>
                                     <p:cond delay="0"/>
                                   </p:stCondLst>
@@ -15691,7 +14505,7 @@
                                           </p:stCondLst>
                                         </p:cTn>
                                         <p:tgtEl>
-                                          <p:spTgt spid="25"/>
+                                          <p:spTgt spid="14"/>
                                         </p:tgtEl>
                                         <p:attrNameLst>
                                           <p:attrName>style.visibility</p:attrName>
@@ -15701,11 +14515,11 @@
                                         <p:strVal val="visible"/>
                                       </p:to>
                                     </p:set>
-                                    <p:animEffect transition="in" filter="wipe(left)">
+                                    <p:animEffect transition="in" filter="wipe(right)">
                                       <p:cBhvr>
                                         <p:cTn id="25" dur="500"/>
                                         <p:tgtEl>
-                                          <p:spTgt spid="25"/>
+                                          <p:spTgt spid="14"/>
                                         </p:tgtEl>
                                       </p:cBhvr>
                                     </p:animEffect>
@@ -15731,7 +14545,7 @@
                             </p:stCondLst>
                             <p:childTnLst>
                               <p:par>
-                                <p:cTn id="28" presetID="22" presetClass="entr" presetSubtype="1" fill="hold" grpId="0" nodeType="clickEffect">
+                                <p:cTn id="28" presetID="22" presetClass="entr" presetSubtype="2" fill="hold" nodeType="clickEffect">
                                   <p:stCondLst>
                                     <p:cond delay="0"/>
                                   </p:stCondLst>
@@ -15739,156 +14553,6 @@
                                     <p:set>
                                       <p:cBhvr>
                                         <p:cTn id="29" dur="1" fill="hold">
-                                          <p:stCondLst>
-                                            <p:cond delay="0"/>
-                                          </p:stCondLst>
-                                        </p:cTn>
-                                        <p:tgtEl>
-                                          <p:spTgt spid="11"/>
-                                        </p:tgtEl>
-                                        <p:attrNameLst>
-                                          <p:attrName>style.visibility</p:attrName>
-                                        </p:attrNameLst>
-                                      </p:cBhvr>
-                                      <p:to>
-                                        <p:strVal val="visible"/>
-                                      </p:to>
-                                    </p:set>
-                                    <p:animEffect transition="in" filter="wipe(up)">
-                                      <p:cBhvr>
-                                        <p:cTn id="30" dur="500"/>
-                                        <p:tgtEl>
-                                          <p:spTgt spid="11"/>
-                                        </p:tgtEl>
-                                      </p:cBhvr>
-                                    </p:animEffect>
-                                  </p:childTnLst>
-                                </p:cTn>
-                              </p:par>
-                            </p:childTnLst>
-                          </p:cTn>
-                        </p:par>
-                        <p:par>
-                          <p:cTn id="31" fill="hold">
-                            <p:stCondLst>
-                              <p:cond delay="500"/>
-                            </p:stCondLst>
-                            <p:childTnLst>
-                              <p:par>
-                                <p:cTn id="32" presetID="22" presetClass="entr" presetSubtype="1" fill="hold" nodeType="afterEffect">
-                                  <p:stCondLst>
-                                    <p:cond delay="0"/>
-                                  </p:stCondLst>
-                                  <p:childTnLst>
-                                    <p:set>
-                                      <p:cBhvr>
-                                        <p:cTn id="33" dur="1" fill="hold">
-                                          <p:stCondLst>
-                                            <p:cond delay="0"/>
-                                          </p:stCondLst>
-                                        </p:cTn>
-                                        <p:tgtEl>
-                                          <p:spTgt spid="21"/>
-                                        </p:tgtEl>
-                                        <p:attrNameLst>
-                                          <p:attrName>style.visibility</p:attrName>
-                                        </p:attrNameLst>
-                                      </p:cBhvr>
-                                      <p:to>
-                                        <p:strVal val="visible"/>
-                                      </p:to>
-                                    </p:set>
-                                    <p:animEffect transition="in" filter="wipe(up)">
-                                      <p:cBhvr>
-                                        <p:cTn id="34" dur="500"/>
-                                        <p:tgtEl>
-                                          <p:spTgt spid="21"/>
-                                        </p:tgtEl>
-                                      </p:cBhvr>
-                                    </p:animEffect>
-                                  </p:childTnLst>
-                                </p:cTn>
-                              </p:par>
-                            </p:childTnLst>
-                          </p:cTn>
-                        </p:par>
-                      </p:childTnLst>
-                    </p:cTn>
-                  </p:par>
-                  <p:par>
-                    <p:cTn id="35" fill="hold">
-                      <p:stCondLst>
-                        <p:cond delay="indefinite"/>
-                      </p:stCondLst>
-                      <p:childTnLst>
-                        <p:par>
-                          <p:cTn id="36" fill="hold">
-                            <p:stCondLst>
-                              <p:cond delay="0"/>
-                            </p:stCondLst>
-                            <p:childTnLst>
-                              <p:par>
-                                <p:cTn id="37" presetID="22" presetClass="entr" presetSubtype="2" fill="hold" nodeType="clickEffect">
-                                  <p:stCondLst>
-                                    <p:cond delay="0"/>
-                                  </p:stCondLst>
-                                  <p:childTnLst>
-                                    <p:set>
-                                      <p:cBhvr>
-                                        <p:cTn id="38" dur="1" fill="hold">
-                                          <p:stCondLst>
-                                            <p:cond delay="0"/>
-                                          </p:stCondLst>
-                                        </p:cTn>
-                                        <p:tgtEl>
-                                          <p:spTgt spid="14"/>
-                                        </p:tgtEl>
-                                        <p:attrNameLst>
-                                          <p:attrName>style.visibility</p:attrName>
-                                        </p:attrNameLst>
-                                      </p:cBhvr>
-                                      <p:to>
-                                        <p:strVal val="visible"/>
-                                      </p:to>
-                                    </p:set>
-                                    <p:animEffect transition="in" filter="wipe(right)">
-                                      <p:cBhvr>
-                                        <p:cTn id="39" dur="500"/>
-                                        <p:tgtEl>
-                                          <p:spTgt spid="14"/>
-                                        </p:tgtEl>
-                                      </p:cBhvr>
-                                    </p:animEffect>
-                                  </p:childTnLst>
-                                </p:cTn>
-                              </p:par>
-                            </p:childTnLst>
-                          </p:cTn>
-                        </p:par>
-                      </p:childTnLst>
-                    </p:cTn>
-                  </p:par>
-                  <p:par>
-                    <p:cTn id="40" fill="hold">
-                      <p:stCondLst>
-                        <p:cond delay="indefinite"/>
-                      </p:stCondLst>
-                      <p:childTnLst>
-                        <p:par>
-                          <p:cTn id="41" fill="hold">
-                            <p:stCondLst>
-                              <p:cond delay="0"/>
-                            </p:stCondLst>
-                            <p:childTnLst>
-                              <p:par>
-                                <p:cTn id="42" presetID="22" presetClass="entr" presetSubtype="2" fill="hold" nodeType="clickEffect">
-                                  <p:stCondLst>
-                                    <p:cond delay="0"/>
-                                  </p:stCondLst>
-                                  <p:childTnLst>
-                                    <p:set>
-                                      <p:cBhvr>
-                                        <p:cTn id="43" dur="1" fill="hold">
                                           <p:stCondLst>
                                             <p:cond delay="0"/>
                                           </p:stCondLst>
@@ -15906,647 +14570,9 @@
                                     </p:set>
                                     <p:animEffect transition="in" filter="wipe(right)">
                                       <p:cBhvr>
-                                        <p:cTn id="44" dur="500"/>
+                                        <p:cTn id="30" dur="500"/>
                                         <p:tgtEl>
                                           <p:spTgt spid="17"/>
-                                        </p:tgtEl>
-                                      </p:cBhvr>
-                                    </p:animEffect>
-                                  </p:childTnLst>
-                                </p:cTn>
-                              </p:par>
-                            </p:childTnLst>
-                          </p:cTn>
-                        </p:par>
-                      </p:childTnLst>
-                    </p:cTn>
-                  </p:par>
-                  <p:par>
-                    <p:cTn id="45" fill="hold">
-                      <p:stCondLst>
-                        <p:cond delay="indefinite"/>
-                      </p:stCondLst>
-                      <p:childTnLst>
-                        <p:par>
-                          <p:cTn id="46" fill="hold">
-                            <p:stCondLst>
-                              <p:cond delay="0"/>
-                            </p:stCondLst>
-                            <p:childTnLst>
-                              <p:par>
-                                <p:cTn id="47" presetID="22" presetClass="entr" presetSubtype="2" fill="hold" nodeType="clickEffect">
-                                  <p:stCondLst>
-                                    <p:cond delay="0"/>
-                                  </p:stCondLst>
-                                  <p:childTnLst>
-                                    <p:set>
-                                      <p:cBhvr>
-                                        <p:cTn id="48" dur="1" fill="hold">
-                                          <p:stCondLst>
-                                            <p:cond delay="0"/>
-                                          </p:stCondLst>
-                                        </p:cTn>
-                                        <p:tgtEl>
-                                          <p:spTgt spid="49"/>
-                                        </p:tgtEl>
-                                        <p:attrNameLst>
-                                          <p:attrName>style.visibility</p:attrName>
-                                        </p:attrNameLst>
-                                      </p:cBhvr>
-                                      <p:to>
-                                        <p:strVal val="visible"/>
-                                      </p:to>
-                                    </p:set>
-                                    <p:animEffect transition="in" filter="wipe(right)">
-                                      <p:cBhvr>
-                                        <p:cTn id="49" dur="500"/>
-                                        <p:tgtEl>
-                                          <p:spTgt spid="49"/>
-                                        </p:tgtEl>
-                                      </p:cBhvr>
-                                    </p:animEffect>
-                                  </p:childTnLst>
-                                </p:cTn>
-                              </p:par>
-                            </p:childTnLst>
-                          </p:cTn>
-                        </p:par>
-                      </p:childTnLst>
-                    </p:cTn>
-                  </p:par>
-                  <p:par>
-                    <p:cTn id="50" fill="hold">
-                      <p:stCondLst>
-                        <p:cond delay="indefinite"/>
-                      </p:stCondLst>
-                      <p:childTnLst>
-                        <p:par>
-                          <p:cTn id="51" fill="hold">
-                            <p:stCondLst>
-                              <p:cond delay="0"/>
-                            </p:stCondLst>
-                            <p:childTnLst>
-                              <p:par>
-                                <p:cTn id="52" presetID="22" presetClass="entr" presetSubtype="1" fill="hold" nodeType="clickEffect">
-                                  <p:stCondLst>
-                                    <p:cond delay="0"/>
-                                  </p:stCondLst>
-                                  <p:childTnLst>
-                                    <p:set>
-                                      <p:cBhvr>
-                                        <p:cTn id="53" dur="1" fill="hold">
-                                          <p:stCondLst>
-                                            <p:cond delay="0"/>
-                                          </p:stCondLst>
-                                        </p:cTn>
-                                        <p:tgtEl>
-                                          <p:spTgt spid="6"/>
-                                        </p:tgtEl>
-                                        <p:attrNameLst>
-                                          <p:attrName>style.visibility</p:attrName>
-                                        </p:attrNameLst>
-                                      </p:cBhvr>
-                                      <p:to>
-                                        <p:strVal val="visible"/>
-                                      </p:to>
-                                    </p:set>
-                                    <p:animEffect transition="in" filter="wipe(up)">
-                                      <p:cBhvr>
-                                        <p:cTn id="54" dur="500"/>
-                                        <p:tgtEl>
-                                          <p:spTgt spid="6"/>
-                                        </p:tgtEl>
-                                      </p:cBhvr>
-                                    </p:animEffect>
-                                  </p:childTnLst>
-                                </p:cTn>
-                              </p:par>
-                            </p:childTnLst>
-                          </p:cTn>
-                        </p:par>
-                        <p:par>
-                          <p:cTn id="55" fill="hold">
-                            <p:stCondLst>
-                              <p:cond delay="500"/>
-                            </p:stCondLst>
-                            <p:childTnLst>
-                              <p:par>
-                                <p:cTn id="56" presetID="22" presetClass="entr" presetSubtype="1" fill="hold" nodeType="afterEffect">
-                                  <p:stCondLst>
-                                    <p:cond delay="0"/>
-                                  </p:stCondLst>
-                                  <p:childTnLst>
-                                    <p:set>
-                                      <p:cBhvr>
-                                        <p:cTn id="57" dur="1" fill="hold">
-                                          <p:stCondLst>
-                                            <p:cond delay="0"/>
-                                          </p:stCondLst>
-                                        </p:cTn>
-                                        <p:tgtEl>
-                                          <p:spTgt spid="12"/>
-                                        </p:tgtEl>
-                                        <p:attrNameLst>
-                                          <p:attrName>style.visibility</p:attrName>
-                                        </p:attrNameLst>
-                                      </p:cBhvr>
-                                      <p:to>
-                                        <p:strVal val="visible"/>
-                                      </p:to>
-                                    </p:set>
-                                    <p:animEffect transition="in" filter="wipe(up)">
-                                      <p:cBhvr>
-                                        <p:cTn id="58" dur="500"/>
-                                        <p:tgtEl>
-                                          <p:spTgt spid="12"/>
-                                        </p:tgtEl>
-                                      </p:cBhvr>
-                                    </p:animEffect>
-                                  </p:childTnLst>
-                                </p:cTn>
-                              </p:par>
-                            </p:childTnLst>
-                          </p:cTn>
-                        </p:par>
-                        <p:par>
-                          <p:cTn id="59" fill="hold">
-                            <p:stCondLst>
-                              <p:cond delay="1000"/>
-                            </p:stCondLst>
-                            <p:childTnLst>
-                              <p:par>
-                                <p:cTn id="60" presetID="2" presetClass="entr" presetSubtype="4" fill="hold" grpId="0" nodeType="afterEffect">
-                                  <p:stCondLst>
-                                    <p:cond delay="0"/>
-                                  </p:stCondLst>
-                                  <p:childTnLst>
-                                    <p:set>
-                                      <p:cBhvr>
-                                        <p:cTn id="61" dur="1" fill="hold">
-                                          <p:stCondLst>
-                                            <p:cond delay="0"/>
-                                          </p:stCondLst>
-                                        </p:cTn>
-                                        <p:tgtEl>
-                                          <p:spTgt spid="9"/>
-                                        </p:tgtEl>
-                                        <p:attrNameLst>
-                                          <p:attrName>style.visibility</p:attrName>
-                                        </p:attrNameLst>
-                                      </p:cBhvr>
-                                      <p:to>
-                                        <p:strVal val="visible"/>
-                                      </p:to>
-                                    </p:set>
-                                    <p:anim calcmode="lin" valueType="num">
-                                      <p:cBhvr additive="base">
-                                        <p:cTn id="62" dur="500" fill="hold"/>
-                                        <p:tgtEl>
-                                          <p:spTgt spid="9"/>
-                                        </p:tgtEl>
-                                        <p:attrNameLst>
-                                          <p:attrName>ppt_x</p:attrName>
-                                        </p:attrNameLst>
-                                      </p:cBhvr>
-                                      <p:tavLst>
-                                        <p:tav tm="0">
-                                          <p:val>
-                                            <p:strVal val="#ppt_x"/>
-                                          </p:val>
-                                        </p:tav>
-                                        <p:tav tm="100000">
-                                          <p:val>
-                                            <p:strVal val="#ppt_x"/>
-                                          </p:val>
-                                        </p:tav>
-                                      </p:tavLst>
-                                    </p:anim>
-                                    <p:anim calcmode="lin" valueType="num">
-                                      <p:cBhvr additive="base">
-                                        <p:cTn id="63" dur="500" fill="hold"/>
-                                        <p:tgtEl>
-                                          <p:spTgt spid="9"/>
-                                        </p:tgtEl>
-                                        <p:attrNameLst>
-                                          <p:attrName>ppt_y</p:attrName>
-                                        </p:attrNameLst>
-                                      </p:cBhvr>
-                                      <p:tavLst>
-                                        <p:tav tm="0">
-                                          <p:val>
-                                            <p:strVal val="1+#ppt_h/2"/>
-                                          </p:val>
-                                        </p:tav>
-                                        <p:tav tm="100000">
-                                          <p:val>
-                                            <p:strVal val="#ppt_y"/>
-                                          </p:val>
-                                        </p:tav>
-                                      </p:tavLst>
-                                    </p:anim>
-                                  </p:childTnLst>
-                                </p:cTn>
-                              </p:par>
-                            </p:childTnLst>
-                          </p:cTn>
-                        </p:par>
-                      </p:childTnLst>
-                    </p:cTn>
-                  </p:par>
-                  <p:par>
-                    <p:cTn id="64" fill="hold">
-                      <p:stCondLst>
-                        <p:cond delay="indefinite"/>
-                      </p:stCondLst>
-                      <p:childTnLst>
-                        <p:par>
-                          <p:cTn id="65" fill="hold">
-                            <p:stCondLst>
-                              <p:cond delay="0"/>
-                            </p:stCondLst>
-                            <p:childTnLst>
-                              <p:par>
-                                <p:cTn id="66" presetID="22" presetClass="entr" presetSubtype="4" fill="hold" nodeType="clickEffect">
-                                  <p:stCondLst>
-                                    <p:cond delay="0"/>
-                                  </p:stCondLst>
-                                  <p:childTnLst>
-                                    <p:set>
-                                      <p:cBhvr>
-                                        <p:cTn id="67" dur="1" fill="hold">
-                                          <p:stCondLst>
-                                            <p:cond delay="0"/>
-                                          </p:stCondLst>
-                                        </p:cTn>
-                                        <p:tgtEl>
-                                          <p:spTgt spid="34"/>
-                                        </p:tgtEl>
-                                        <p:attrNameLst>
-                                          <p:attrName>style.visibility</p:attrName>
-                                        </p:attrNameLst>
-                                      </p:cBhvr>
-                                      <p:to>
-                                        <p:strVal val="visible"/>
-                                      </p:to>
-                                    </p:set>
-                                    <p:animEffect transition="in" filter="wipe(down)">
-                                      <p:cBhvr>
-                                        <p:cTn id="68" dur="500"/>
-                                        <p:tgtEl>
-                                          <p:spTgt spid="34"/>
-                                        </p:tgtEl>
-                                      </p:cBhvr>
-                                    </p:animEffect>
-                                  </p:childTnLst>
-                                </p:cTn>
-                              </p:par>
-                            </p:childTnLst>
-                          </p:cTn>
-                        </p:par>
-                        <p:par>
-                          <p:cTn id="69" fill="hold">
-                            <p:stCondLst>
-                              <p:cond delay="500"/>
-                            </p:stCondLst>
-                            <p:childTnLst>
-                              <p:par>
-                                <p:cTn id="70" presetID="22" presetClass="entr" presetSubtype="1" fill="hold" grpId="0" nodeType="afterEffect">
-                                  <p:stCondLst>
-                                    <p:cond delay="0"/>
-                                  </p:stCondLst>
-                                  <p:childTnLst>
-                                    <p:set>
-                                      <p:cBhvr>
-                                        <p:cTn id="71" dur="1" fill="hold">
-                                          <p:stCondLst>
-                                            <p:cond delay="0"/>
-                                          </p:stCondLst>
-                                        </p:cTn>
-                                        <p:tgtEl>
-                                          <p:spTgt spid="31"/>
-                                        </p:tgtEl>
-                                        <p:attrNameLst>
-                                          <p:attrName>style.visibility</p:attrName>
-                                        </p:attrNameLst>
-                                      </p:cBhvr>
-                                      <p:to>
-                                        <p:strVal val="visible"/>
-                                      </p:to>
-                                    </p:set>
-                                    <p:animEffect transition="in" filter="wipe(up)">
-                                      <p:cBhvr>
-                                        <p:cTn id="72" dur="500"/>
-                                        <p:tgtEl>
-                                          <p:spTgt spid="31"/>
-                                        </p:tgtEl>
-                                      </p:cBhvr>
-                                    </p:animEffect>
-                                  </p:childTnLst>
-                                </p:cTn>
-                              </p:par>
-                            </p:childTnLst>
-                          </p:cTn>
-                        </p:par>
-                      </p:childTnLst>
-                    </p:cTn>
-                  </p:par>
-                  <p:par>
-                    <p:cTn id="73" fill="hold">
-                      <p:stCondLst>
-                        <p:cond delay="indefinite"/>
-                      </p:stCondLst>
-                      <p:childTnLst>
-                        <p:par>
-                          <p:cTn id="74" fill="hold">
-                            <p:stCondLst>
-                              <p:cond delay="0"/>
-                            </p:stCondLst>
-                            <p:childTnLst>
-                              <p:par>
-                                <p:cTn id="75" presetID="22" presetClass="entr" presetSubtype="8" fill="hold" grpId="0" nodeType="clickEffect">
-                                  <p:stCondLst>
-                                    <p:cond delay="0"/>
-                                  </p:stCondLst>
-                                  <p:childTnLst>
-                                    <p:set>
-                                      <p:cBhvr>
-                                        <p:cTn id="76" dur="1" fill="hold">
-                                          <p:stCondLst>
-                                            <p:cond delay="0"/>
-                                          </p:stCondLst>
-                                        </p:cTn>
-                                        <p:tgtEl>
-                                          <p:spTgt spid="30"/>
-                                        </p:tgtEl>
-                                        <p:attrNameLst>
-                                          <p:attrName>style.visibility</p:attrName>
-                                        </p:attrNameLst>
-                                      </p:cBhvr>
-                                      <p:to>
-                                        <p:strVal val="visible"/>
-                                      </p:to>
-                                    </p:set>
-                                    <p:animEffect transition="in" filter="wipe(left)">
-                                      <p:cBhvr>
-                                        <p:cTn id="77" dur="500"/>
-                                        <p:tgtEl>
-                                          <p:spTgt spid="30"/>
-                                        </p:tgtEl>
-                                      </p:cBhvr>
-                                    </p:animEffect>
-                                  </p:childTnLst>
-                                </p:cTn>
-                              </p:par>
-                            </p:childTnLst>
-                          </p:cTn>
-                        </p:par>
-                        <p:par>
-                          <p:cTn id="78" fill="hold">
-                            <p:stCondLst>
-                              <p:cond delay="500"/>
-                            </p:stCondLst>
-                            <p:childTnLst>
-                              <p:par>
-                                <p:cTn id="79" presetID="22" presetClass="entr" presetSubtype="1" fill="hold" nodeType="afterEffect">
-                                  <p:stCondLst>
-                                    <p:cond delay="0"/>
-                                  </p:stCondLst>
-                                  <p:childTnLst>
-                                    <p:set>
-                                      <p:cBhvr>
-                                        <p:cTn id="80" dur="1" fill="hold">
-                                          <p:stCondLst>
-                                            <p:cond delay="0"/>
-                                          </p:stCondLst>
-                                        </p:cTn>
-                                        <p:tgtEl>
-                                          <p:spTgt spid="37"/>
-                                        </p:tgtEl>
-                                        <p:attrNameLst>
-                                          <p:attrName>style.visibility</p:attrName>
-                                        </p:attrNameLst>
-                                      </p:cBhvr>
-                                      <p:to>
-                                        <p:strVal val="visible"/>
-                                      </p:to>
-                                    </p:set>
-                                    <p:animEffect transition="in" filter="wipe(up)">
-                                      <p:cBhvr>
-                                        <p:cTn id="81" dur="500"/>
-                                        <p:tgtEl>
-                                          <p:spTgt spid="37"/>
-                                        </p:tgtEl>
-                                      </p:cBhvr>
-                                    </p:animEffect>
-                                  </p:childTnLst>
-                                </p:cTn>
-                              </p:par>
-                            </p:childTnLst>
-                          </p:cTn>
-                        </p:par>
-                      </p:childTnLst>
-                    </p:cTn>
-                  </p:par>
-                  <p:par>
-                    <p:cTn id="82" fill="hold">
-                      <p:stCondLst>
-                        <p:cond delay="indefinite"/>
-                      </p:stCondLst>
-                      <p:childTnLst>
-                        <p:par>
-                          <p:cTn id="83" fill="hold">
-                            <p:stCondLst>
-                              <p:cond delay="0"/>
-                            </p:stCondLst>
-                            <p:childTnLst>
-                              <p:par>
-                                <p:cTn id="84" presetID="22" presetClass="entr" presetSubtype="2" fill="hold" nodeType="clickEffect">
-                                  <p:stCondLst>
-                                    <p:cond delay="0"/>
-                                  </p:stCondLst>
-                                  <p:childTnLst>
-                                    <p:set>
-                                      <p:cBhvr>
-                                        <p:cTn id="85" dur="1" fill="hold">
-                                          <p:stCondLst>
-                                            <p:cond delay="0"/>
-                                          </p:stCondLst>
-                                        </p:cTn>
-                                        <p:tgtEl>
-                                          <p:spTgt spid="52"/>
-                                        </p:tgtEl>
-                                        <p:attrNameLst>
-                                          <p:attrName>style.visibility</p:attrName>
-                                        </p:attrNameLst>
-                                      </p:cBhvr>
-                                      <p:to>
-                                        <p:strVal val="visible"/>
-                                      </p:to>
-                                    </p:set>
-                                    <p:animEffect transition="in" filter="wipe(right)">
-                                      <p:cBhvr>
-                                        <p:cTn id="86" dur="500"/>
-                                        <p:tgtEl>
-                                          <p:spTgt spid="52"/>
-                                        </p:tgtEl>
-                                      </p:cBhvr>
-                                    </p:animEffect>
-                                  </p:childTnLst>
-                                </p:cTn>
-                              </p:par>
-                            </p:childTnLst>
-                          </p:cTn>
-                        </p:par>
-                      </p:childTnLst>
-                    </p:cTn>
-                  </p:par>
-                  <p:par>
-                    <p:cTn id="87" fill="hold">
-                      <p:stCondLst>
-                        <p:cond delay="indefinite"/>
-                      </p:stCondLst>
-                      <p:childTnLst>
-                        <p:par>
-                          <p:cTn id="88" fill="hold">
-                            <p:stCondLst>
-                              <p:cond delay="0"/>
-                            </p:stCondLst>
-                            <p:childTnLst>
-                              <p:par>
-                                <p:cTn id="89" presetID="22" presetClass="entr" presetSubtype="2" fill="hold" nodeType="clickEffect">
-                                  <p:stCondLst>
-                                    <p:cond delay="0"/>
-                                  </p:stCondLst>
-                                  <p:childTnLst>
-                                    <p:set>
-                                      <p:cBhvr>
-                                        <p:cTn id="90" dur="1" fill="hold">
-                                          <p:stCondLst>
-                                            <p:cond delay="0"/>
-                                          </p:stCondLst>
-                                        </p:cTn>
-                                        <p:tgtEl>
-                                          <p:spTgt spid="55"/>
-                                        </p:tgtEl>
-                                        <p:attrNameLst>
-                                          <p:attrName>style.visibility</p:attrName>
-                                        </p:attrNameLst>
-                                      </p:cBhvr>
-                                      <p:to>
-                                        <p:strVal val="visible"/>
-                                      </p:to>
-                                    </p:set>
-                                    <p:animEffect transition="in" filter="wipe(right)">
-                                      <p:cBhvr>
-                                        <p:cTn id="91" dur="500"/>
-                                        <p:tgtEl>
-                                          <p:spTgt spid="55"/>
-                                        </p:tgtEl>
-                                      </p:cBhvr>
-                                    </p:animEffect>
-                                  </p:childTnLst>
-                                </p:cTn>
-                              </p:par>
-                            </p:childTnLst>
-                          </p:cTn>
-                        </p:par>
-                      </p:childTnLst>
-                    </p:cTn>
-                  </p:par>
-                  <p:par>
-                    <p:cTn id="92" fill="hold">
-                      <p:stCondLst>
-                        <p:cond delay="indefinite"/>
-                      </p:stCondLst>
-                      <p:childTnLst>
-                        <p:par>
-                          <p:cTn id="93" fill="hold">
-                            <p:stCondLst>
-                              <p:cond delay="0"/>
-                            </p:stCondLst>
-                            <p:childTnLst>
-                              <p:par>
-                                <p:cTn id="94" presetID="22" presetClass="entr" presetSubtype="2" fill="hold" nodeType="clickEffect">
-                                  <p:stCondLst>
-                                    <p:cond delay="0"/>
-                                  </p:stCondLst>
-                                  <p:childTnLst>
-                                    <p:set>
-                                      <p:cBhvr>
-                                        <p:cTn id="95" dur="1" fill="hold">
-                                          <p:stCondLst>
-                                            <p:cond delay="0"/>
-                                          </p:stCondLst>
-                                        </p:cTn>
-                                        <p:tgtEl>
-                                          <p:spTgt spid="61"/>
-                                        </p:tgtEl>
-                                        <p:attrNameLst>
-                                          <p:attrName>style.visibility</p:attrName>
-                                        </p:attrNameLst>
-                                      </p:cBhvr>
-                                      <p:to>
-                                        <p:strVal val="visible"/>
-                                      </p:to>
-                                    </p:set>
-                                    <p:animEffect transition="in" filter="wipe(right)">
-                                      <p:cBhvr>
-                                        <p:cTn id="96" dur="500"/>
-                                        <p:tgtEl>
-                                          <p:spTgt spid="61"/>
-                                        </p:tgtEl>
-                                      </p:cBhvr>
-                                    </p:animEffect>
-                                  </p:childTnLst>
-                                </p:cTn>
-                              </p:par>
-                            </p:childTnLst>
-                          </p:cTn>
-                        </p:par>
-                      </p:childTnLst>
-                    </p:cTn>
-                  </p:par>
-                  <p:par>
-                    <p:cTn id="97" fill="hold">
-                      <p:stCondLst>
-                        <p:cond delay="indefinite"/>
-                      </p:stCondLst>
-                      <p:childTnLst>
-                        <p:par>
-                          <p:cTn id="98" fill="hold">
-                            <p:stCondLst>
-                              <p:cond delay="0"/>
-                            </p:stCondLst>
-                            <p:childTnLst>
-                              <p:par>
-                                <p:cTn id="99" presetID="22" presetClass="entr" presetSubtype="2" fill="hold" nodeType="clickEffect">
-                                  <p:stCondLst>
-                                    <p:cond delay="0"/>
-                                  </p:stCondLst>
-                                  <p:childTnLst>
-                                    <p:set>
-                                      <p:cBhvr>
-                                        <p:cTn id="100" dur="1" fill="hold">
-                                          <p:stCondLst>
-                                            <p:cond delay="0"/>
-                                          </p:stCondLst>
-                                        </p:cTn>
-                                        <p:tgtEl>
-                                          <p:spTgt spid="58"/>
-                                        </p:tgtEl>
-                                        <p:attrNameLst>
-                                          <p:attrName>style.visibility</p:attrName>
-                                        </p:attrNameLst>
-                                      </p:cBhvr>
-                                      <p:to>
-                                        <p:strVal val="visible"/>
-                                      </p:to>
-                                    </p:set>
-                                    <p:animEffect transition="in" filter="wipe(right)">
-                                      <p:cBhvr>
-                                        <p:cTn id="101" dur="500"/>
-                                        <p:tgtEl>
-                                          <p:spTgt spid="58"/>
                                         </p:tgtEl>
                                       </p:cBhvr>
                                     </p:animEffect>
@@ -16580,14 +14606,6 @@
         </p:cTn>
       </p:par>
     </p:tnLst>
-    <p:bldLst>
-      <p:bldP spid="7" grpId="0"/>
-      <p:bldP spid="9" grpId="0"/>
-      <p:bldP spid="11" grpId="0" animBg="1"/>
-      <p:bldP spid="25" grpId="0" animBg="1"/>
-      <p:bldP spid="30" grpId="0" animBg="1"/>
-      <p:bldP spid="31" grpId="0" animBg="1"/>
-    </p:bldLst>
   </p:timing>
 </p:sld>
 </file>
@@ -17733,36 +15751,12 @@
           <a:p>
             <a:pPr algn="ctr"/>
             <a:r>
-              <a:rPr lang="en-US" b="1" dirty="0">
-                <a:solidFill>
-                  <a:srgbClr val="7030A0"/>
-                </a:solidFill>
-              </a:rPr>
-              <a:t>Truncated</a:t>
-            </a:r>
-            <a:r>
               <a:rPr lang="en-US" dirty="0">
                 <a:solidFill>
                   <a:srgbClr val="7030A0"/>
                 </a:solidFill>
               </a:rPr>
-              <a:t> infinite CFs, when decoded, will only return an </a:t>
-            </a:r>
-            <a:r>
-              <a:rPr lang="en-US" i="1" dirty="0">
-                <a:solidFill>
-                  <a:srgbClr val="7030A0"/>
-                </a:solidFill>
-              </a:rPr>
-              <a:t>approximation</a:t>
-            </a:r>
-            <a:r>
-              <a:rPr lang="en-US" dirty="0">
-                <a:solidFill>
-                  <a:srgbClr val="7030A0"/>
-                </a:solidFill>
-              </a:rPr>
-              <a:t> of the original real number</a:t>
+              <a:t>Truncated infinite CFs, when decoded, will only return an approximation of the original real number</a:t>
             </a:r>
           </a:p>
         </p:txBody>
@@ -18359,489 +16353,6 @@
           </a:fontRef>
         </p:style>
       </p:cxnSp>
-      <mc:AlternateContent xmlns:mc="http://schemas.openxmlformats.org/markup-compatibility/2006">
-        <mc:Choice xmlns:a14="http://schemas.microsoft.com/office/drawing/2010/main" Requires="a14">
-          <p:sp>
-            <p:nvSpPr>
-              <p:cNvPr id="3" name="TextBox 2">
-                <a:extLst>
-                  <a:ext uri="{FF2B5EF4-FFF2-40B4-BE49-F238E27FC236}">
-                    <a16:creationId xmlns:a16="http://schemas.microsoft.com/office/drawing/2014/main" id="{EC1E85DB-EF04-6677-E5B9-0FBC10CE0E28}"/>
-                  </a:ext>
-                </a:extLst>
-              </p:cNvPr>
-              <p:cNvSpPr txBox="1"/>
-              <p:nvPr/>
-            </p:nvSpPr>
-            <p:spPr>
-              <a:xfrm>
-                <a:off x="380421" y="2192400"/>
-                <a:ext cx="203261" cy="189219"/>
-              </a:xfrm>
-              <a:prstGeom prst="rect">
-                <a:avLst/>
-              </a:prstGeom>
-              <a:noFill/>
-            </p:spPr>
-            <p:txBody>
-              <a:bodyPr wrap="none" lIns="0" tIns="0" rIns="0" bIns="0" rtlCol="0">
-                <a:spAutoFit/>
-              </a:bodyPr>
-              <a:lstStyle/>
-              <a:p>
-                <a14:m>
-                  <m:oMathPara xmlns:m="http://schemas.openxmlformats.org/officeDocument/2006/math">
-                    <m:oMathParaPr>
-                      <m:jc m:val="centerGroup"/>
-                    </m:oMathParaPr>
-                    <m:oMath xmlns:m="http://schemas.openxmlformats.org/officeDocument/2006/math">
-                      <m:rad>
-                        <m:radPr>
-                          <m:degHide m:val="on"/>
-                          <m:ctrlPr>
-                            <a:rPr lang="en-US" sz="1100" i="1" smtClean="0">
-                              <a:ln>
-                                <a:solidFill>
-                                  <a:srgbClr val="7030A0"/>
-                                </a:solidFill>
-                              </a:ln>
-                              <a:solidFill>
-                                <a:srgbClr val="7030A0"/>
-                              </a:solidFill>
-                              <a:latin typeface="Cambria Math" panose="02040503050406030204" pitchFamily="18" charset="0"/>
-                            </a:rPr>
-                          </m:ctrlPr>
-                        </m:radPr>
-                        <m:deg/>
-                        <m:e>
-                          <m:r>
-                            <a:rPr lang="en-US" sz="1100" b="0" i="1" smtClean="0">
-                              <a:ln>
-                                <a:solidFill>
-                                  <a:srgbClr val="7030A0"/>
-                                </a:solidFill>
-                              </a:ln>
-                              <a:solidFill>
-                                <a:srgbClr val="7030A0"/>
-                              </a:solidFill>
-                              <a:latin typeface="Cambria Math" panose="02040503050406030204" pitchFamily="18" charset="0"/>
-                            </a:rPr>
-                            <m:t>2</m:t>
-                          </m:r>
-                        </m:e>
-                      </m:rad>
-                    </m:oMath>
-                  </m:oMathPara>
-                </a14:m>
-                <a:endParaRPr lang="en-US" sz="1100" dirty="0">
-                  <a:ln>
-                    <a:solidFill>
-                      <a:srgbClr val="7030A0"/>
-                    </a:solidFill>
-                  </a:ln>
-                  <a:solidFill>
-                    <a:srgbClr val="7030A0"/>
-                  </a:solidFill>
-                </a:endParaRPr>
-              </a:p>
-            </p:txBody>
-          </p:sp>
-        </mc:Choice>
-        <mc:Fallback>
-          <p:sp>
-            <p:nvSpPr>
-              <p:cNvPr id="3" name="TextBox 2">
-                <a:extLst>
-                  <a:ext uri="{FF2B5EF4-FFF2-40B4-BE49-F238E27FC236}">
-                    <a16:creationId xmlns:a16="http://schemas.microsoft.com/office/drawing/2014/main" id="{EC1E85DB-EF04-6677-E5B9-0FBC10CE0E28}"/>
-                  </a:ext>
-                </a:extLst>
-              </p:cNvPr>
-              <p:cNvSpPr txBox="1">
-                <a:spLocks noRot="1" noChangeAspect="1" noMove="1" noResize="1" noEditPoints="1" noAdjustHandles="1" noChangeArrowheads="1" noChangeShapeType="1" noTextEdit="1"/>
-              </p:cNvSpPr>
-              <p:nvPr/>
-            </p:nvSpPr>
-            <p:spPr>
-              <a:xfrm>
-                <a:off x="380421" y="2192400"/>
-                <a:ext cx="203261" cy="189219"/>
-              </a:xfrm>
-              <a:prstGeom prst="rect">
-                <a:avLst/>
-              </a:prstGeom>
-              <a:blipFill>
-                <a:blip r:embed="rId7"/>
-                <a:stretch>
-                  <a:fillRect/>
-                </a:stretch>
-              </a:blipFill>
-            </p:spPr>
-            <p:txBody>
-              <a:bodyPr/>
-              <a:lstStyle/>
-              <a:p>
-                <a:r>
-                  <a:rPr lang="en-US">
-                    <a:noFill/>
-                  </a:rPr>
-                  <a:t> </a:t>
-                </a:r>
-              </a:p>
-            </p:txBody>
-          </p:sp>
-        </mc:Fallback>
-      </mc:AlternateContent>
-      <mc:AlternateContent xmlns:mc="http://schemas.openxmlformats.org/markup-compatibility/2006">
-        <mc:Choice xmlns:a14="http://schemas.microsoft.com/office/drawing/2010/main" Requires="a14">
-          <p:sp>
-            <p:nvSpPr>
-              <p:cNvPr id="6" name="TextBox 5">
-                <a:extLst>
-                  <a:ext uri="{FF2B5EF4-FFF2-40B4-BE49-F238E27FC236}">
-                    <a16:creationId xmlns:a16="http://schemas.microsoft.com/office/drawing/2014/main" id="{021C6AA8-7556-4DAF-CC38-73FE40EA4D2C}"/>
-                  </a:ext>
-                </a:extLst>
-              </p:cNvPr>
-              <p:cNvSpPr txBox="1"/>
-              <p:nvPr/>
-            </p:nvSpPr>
-            <p:spPr>
-              <a:xfrm>
-                <a:off x="301874" y="2356319"/>
-                <a:ext cx="360355" cy="189219"/>
-              </a:xfrm>
-              <a:prstGeom prst="rect">
-                <a:avLst/>
-              </a:prstGeom>
-              <a:noFill/>
-            </p:spPr>
-            <p:txBody>
-              <a:bodyPr wrap="none" lIns="0" tIns="0" rIns="0" bIns="0" rtlCol="0">
-                <a:spAutoFit/>
-              </a:bodyPr>
-              <a:lstStyle/>
-              <a:p>
-                <a14:m>
-                  <m:oMathPara xmlns:m="http://schemas.openxmlformats.org/officeDocument/2006/math">
-                    <m:oMathParaPr>
-                      <m:jc m:val="centerGroup"/>
-                    </m:oMathParaPr>
-                    <m:oMath xmlns:m="http://schemas.openxmlformats.org/officeDocument/2006/math">
-                      <m:rad>
-                        <m:radPr>
-                          <m:degHide m:val="on"/>
-                          <m:ctrlPr>
-                            <a:rPr lang="en-US" sz="1100" i="1" smtClean="0">
-                              <a:ln>
-                                <a:solidFill>
-                                  <a:srgbClr val="7030A0"/>
-                                </a:solidFill>
-                              </a:ln>
-                              <a:solidFill>
-                                <a:srgbClr val="7030A0"/>
-                              </a:solidFill>
-                              <a:latin typeface="Cambria Math" panose="02040503050406030204" pitchFamily="18" charset="0"/>
-                            </a:rPr>
-                          </m:ctrlPr>
-                        </m:radPr>
-                        <m:deg/>
-                        <m:e>
-                          <m:r>
-                            <a:rPr lang="en-US" sz="1100" b="0" i="1" smtClean="0">
-                              <a:ln>
-                                <a:solidFill>
-                                  <a:srgbClr val="7030A0"/>
-                                </a:solidFill>
-                              </a:ln>
-                              <a:solidFill>
-                                <a:srgbClr val="7030A0"/>
-                              </a:solidFill>
-                              <a:latin typeface="Cambria Math" panose="02040503050406030204" pitchFamily="18" charset="0"/>
-                            </a:rPr>
-                            <m:t>113</m:t>
-                          </m:r>
-                        </m:e>
-                      </m:rad>
-                    </m:oMath>
-                  </m:oMathPara>
-                </a14:m>
-                <a:endParaRPr lang="en-US" sz="1100" dirty="0">
-                  <a:ln>
-                    <a:solidFill>
-                      <a:srgbClr val="7030A0"/>
-                    </a:solidFill>
-                  </a:ln>
-                  <a:solidFill>
-                    <a:srgbClr val="7030A0"/>
-                  </a:solidFill>
-                </a:endParaRPr>
-              </a:p>
-            </p:txBody>
-          </p:sp>
-        </mc:Choice>
-        <mc:Fallback>
-          <p:sp>
-            <p:nvSpPr>
-              <p:cNvPr id="6" name="TextBox 5">
-                <a:extLst>
-                  <a:ext uri="{FF2B5EF4-FFF2-40B4-BE49-F238E27FC236}">
-                    <a16:creationId xmlns:a16="http://schemas.microsoft.com/office/drawing/2014/main" id="{021C6AA8-7556-4DAF-CC38-73FE40EA4D2C}"/>
-                  </a:ext>
-                </a:extLst>
-              </p:cNvPr>
-              <p:cNvSpPr txBox="1">
-                <a:spLocks noRot="1" noChangeAspect="1" noMove="1" noResize="1" noEditPoints="1" noAdjustHandles="1" noChangeArrowheads="1" noChangeShapeType="1" noTextEdit="1"/>
-              </p:cNvSpPr>
-              <p:nvPr/>
-            </p:nvSpPr>
-            <p:spPr>
-              <a:xfrm>
-                <a:off x="301874" y="2356319"/>
-                <a:ext cx="360355" cy="189219"/>
-              </a:xfrm>
-              <a:prstGeom prst="rect">
-                <a:avLst/>
-              </a:prstGeom>
-              <a:blipFill>
-                <a:blip r:embed="rId8"/>
-                <a:stretch>
-                  <a:fillRect/>
-                </a:stretch>
-              </a:blipFill>
-            </p:spPr>
-            <p:txBody>
-              <a:bodyPr/>
-              <a:lstStyle/>
-              <a:p>
-                <a:r>
-                  <a:rPr lang="en-US">
-                    <a:noFill/>
-                  </a:rPr>
-                  <a:t> </a:t>
-                </a:r>
-              </a:p>
-            </p:txBody>
-          </p:sp>
-        </mc:Fallback>
-      </mc:AlternateContent>
-      <p:sp>
-        <p:nvSpPr>
-          <p:cNvPr id="7" name="Rectangle 6">
-            <a:extLst>
-              <a:ext uri="{FF2B5EF4-FFF2-40B4-BE49-F238E27FC236}">
-                <a16:creationId xmlns:a16="http://schemas.microsoft.com/office/drawing/2014/main" id="{0ADF8D62-48DD-7031-F0C9-6365AD126177}"/>
-              </a:ext>
-            </a:extLst>
-          </p:cNvPr>
-          <p:cNvSpPr/>
-          <p:nvPr/>
-        </p:nvSpPr>
-        <p:spPr>
-          <a:xfrm>
-            <a:off x="783702" y="2039462"/>
-            <a:ext cx="428064" cy="173524"/>
-          </a:xfrm>
-          <a:prstGeom prst="rect">
-            <a:avLst/>
-          </a:prstGeom>
-          <a:noFill/>
-          <a:ln w="28575">
-            <a:solidFill>
-              <a:srgbClr val="00B050"/>
-            </a:solidFill>
-          </a:ln>
-        </p:spPr>
-        <p:style>
-          <a:lnRef idx="2">
-            <a:schemeClr val="accent1">
-              <a:shade val="15000"/>
-            </a:schemeClr>
-          </a:lnRef>
-          <a:fillRef idx="1">
-            <a:schemeClr val="accent1"/>
-          </a:fillRef>
-          <a:effectRef idx="0">
-            <a:schemeClr val="accent1"/>
-          </a:effectRef>
-          <a:fontRef idx="minor">
-            <a:schemeClr val="lt1"/>
-          </a:fontRef>
-        </p:style>
-        <p:txBody>
-          <a:bodyPr rtlCol="0" anchor="ctr"/>
-          <a:lstStyle/>
-          <a:p>
-            <a:pPr algn="ctr"/>
-            <a:endParaRPr lang="en-US"/>
-          </a:p>
-        </p:txBody>
-      </p:sp>
-      <p:sp>
-        <p:nvSpPr>
-          <p:cNvPr id="8" name="Rectangle 7">
-            <a:extLst>
-              <a:ext uri="{FF2B5EF4-FFF2-40B4-BE49-F238E27FC236}">
-                <a16:creationId xmlns:a16="http://schemas.microsoft.com/office/drawing/2014/main" id="{56079BD5-BEF3-0069-BCDC-8A68EA683378}"/>
-              </a:ext>
-            </a:extLst>
-          </p:cNvPr>
-          <p:cNvSpPr/>
-          <p:nvPr/>
-        </p:nvSpPr>
-        <p:spPr>
-          <a:xfrm>
-            <a:off x="2665026" y="2039462"/>
-            <a:ext cx="428064" cy="173524"/>
-          </a:xfrm>
-          <a:prstGeom prst="rect">
-            <a:avLst/>
-          </a:prstGeom>
-          <a:noFill/>
-          <a:ln w="28575">
-            <a:solidFill>
-              <a:srgbClr val="00B050"/>
-            </a:solidFill>
-          </a:ln>
-        </p:spPr>
-        <p:style>
-          <a:lnRef idx="2">
-            <a:schemeClr val="accent1">
-              <a:shade val="15000"/>
-            </a:schemeClr>
-          </a:lnRef>
-          <a:fillRef idx="1">
-            <a:schemeClr val="accent1"/>
-          </a:fillRef>
-          <a:effectRef idx="0">
-            <a:schemeClr val="accent1"/>
-          </a:effectRef>
-          <a:fontRef idx="minor">
-            <a:schemeClr val="lt1"/>
-          </a:fontRef>
-        </p:style>
-        <p:txBody>
-          <a:bodyPr rtlCol="0" anchor="ctr"/>
-          <a:lstStyle/>
-          <a:p>
-            <a:pPr algn="ctr"/>
-            <a:endParaRPr lang="en-US"/>
-          </a:p>
-        </p:txBody>
-      </p:sp>
-      <mc:AlternateContent xmlns:mc="http://schemas.openxmlformats.org/markup-compatibility/2006">
-        <mc:Choice xmlns:a14="http://schemas.microsoft.com/office/drawing/2010/main" Requires="a14">
-          <p:sp>
-            <p:nvSpPr>
-              <p:cNvPr id="9" name="TextBox 8">
-                <a:extLst>
-                  <a:ext uri="{FF2B5EF4-FFF2-40B4-BE49-F238E27FC236}">
-                    <a16:creationId xmlns:a16="http://schemas.microsoft.com/office/drawing/2014/main" id="{11F3ECED-732B-65CF-F1CA-1D330E4EDC93}"/>
-                  </a:ext>
-                </a:extLst>
-              </p:cNvPr>
-              <p:cNvSpPr txBox="1"/>
-              <p:nvPr/>
-            </p:nvSpPr>
-            <p:spPr>
-              <a:xfrm>
-                <a:off x="416425" y="2520239"/>
-                <a:ext cx="131253" cy="169277"/>
-              </a:xfrm>
-              <a:prstGeom prst="rect">
-                <a:avLst/>
-              </a:prstGeom>
-              <a:noFill/>
-            </p:spPr>
-            <p:txBody>
-              <a:bodyPr wrap="none" lIns="0" tIns="0" rIns="0" bIns="0" rtlCol="0">
-                <a:spAutoFit/>
-              </a:bodyPr>
-              <a:lstStyle/>
-              <a:p>
-                <a14:m>
-                  <m:oMathPara xmlns:m="http://schemas.openxmlformats.org/officeDocument/2006/math">
-                    <m:oMathParaPr>
-                      <m:jc m:val="centerGroup"/>
-                    </m:oMathParaPr>
-                    <m:oMath xmlns:m="http://schemas.openxmlformats.org/officeDocument/2006/math">
-                      <m:r>
-                        <a:rPr lang="en-US" sz="1100" i="1" smtClean="0">
-                          <a:ln>
-                            <a:solidFill>
-                              <a:srgbClr val="7030A0"/>
-                            </a:solidFill>
-                          </a:ln>
-                          <a:solidFill>
-                            <a:srgbClr val="7030A0"/>
-                          </a:solidFill>
-                          <a:latin typeface="Cambria Math" panose="02040503050406030204" pitchFamily="18" charset="0"/>
-                          <a:ea typeface="Cambria Math" panose="02040503050406030204" pitchFamily="18" charset="0"/>
-                        </a:rPr>
-                        <m:t>𝜑</m:t>
-                      </m:r>
-                    </m:oMath>
-                  </m:oMathPara>
-                </a14:m>
-                <a:endParaRPr lang="en-US" sz="1100" dirty="0">
-                  <a:ln>
-                    <a:solidFill>
-                      <a:srgbClr val="7030A0"/>
-                    </a:solidFill>
-                  </a:ln>
-                  <a:solidFill>
-                    <a:srgbClr val="7030A0"/>
-                  </a:solidFill>
-                </a:endParaRPr>
-              </a:p>
-            </p:txBody>
-          </p:sp>
-        </mc:Choice>
-        <mc:Fallback>
-          <p:sp>
-            <p:nvSpPr>
-              <p:cNvPr id="9" name="TextBox 8">
-                <a:extLst>
-                  <a:ext uri="{FF2B5EF4-FFF2-40B4-BE49-F238E27FC236}">
-                    <a16:creationId xmlns:a16="http://schemas.microsoft.com/office/drawing/2014/main" id="{11F3ECED-732B-65CF-F1CA-1D330E4EDC93}"/>
-                  </a:ext>
-                </a:extLst>
-              </p:cNvPr>
-              <p:cNvSpPr txBox="1">
-                <a:spLocks noRot="1" noChangeAspect="1" noMove="1" noResize="1" noEditPoints="1" noAdjustHandles="1" noChangeArrowheads="1" noChangeShapeType="1" noTextEdit="1"/>
-              </p:cNvSpPr>
-              <p:nvPr/>
-            </p:nvSpPr>
-            <p:spPr>
-              <a:xfrm>
-                <a:off x="416425" y="2520239"/>
-                <a:ext cx="131253" cy="169277"/>
-              </a:xfrm>
-              <a:prstGeom prst="rect">
-                <a:avLst/>
-              </a:prstGeom>
-              <a:blipFill>
-                <a:blip r:embed="rId9"/>
-                <a:stretch>
-                  <a:fillRect b="-3571"/>
-                </a:stretch>
-              </a:blipFill>
-            </p:spPr>
-            <p:txBody>
-              <a:bodyPr/>
-              <a:lstStyle/>
-              <a:p>
-                <a:r>
-                  <a:rPr lang="en-US">
-                    <a:noFill/>
-                  </a:rPr>
-                  <a:t> </a:t>
-                </a:r>
-              </a:p>
-            </p:txBody>
-          </p:sp>
-        </mc:Fallback>
-      </mc:AlternateContent>
     </p:spTree>
     <p:extLst>
       <p:ext uri="{BB962C8B-B14F-4D97-AF65-F5344CB8AC3E}">
@@ -18910,127 +16421,21 @@
                             </p:childTnLst>
                           </p:cTn>
                         </p:par>
-                      </p:childTnLst>
-                    </p:cTn>
-                  </p:par>
-                  <p:par>
-                    <p:cTn id="8" fill="hold">
-                      <p:stCondLst>
-                        <p:cond delay="indefinite"/>
-                      </p:stCondLst>
-                      <p:childTnLst>
                         <p:par>
-                          <p:cTn id="9" fill="hold">
+                          <p:cTn id="8" fill="hold">
                             <p:stCondLst>
-                              <p:cond delay="0"/>
+                              <p:cond delay="500"/>
                             </p:stCondLst>
                             <p:childTnLst>
                               <p:par>
-                                <p:cTn id="10" presetID="22" presetClass="entr" presetSubtype="8" fill="hold" grpId="0" nodeType="clickEffect">
+                                <p:cTn id="9" presetID="16" presetClass="entr" presetSubtype="37" fill="hold" grpId="0" nodeType="afterEffect">
                                   <p:stCondLst>
                                     <p:cond delay="0"/>
                                   </p:stCondLst>
                                   <p:childTnLst>
                                     <p:set>
                                       <p:cBhvr>
-                                        <p:cTn id="11" dur="1" fill="hold">
-                                          <p:stCondLst>
-                                            <p:cond delay="0"/>
-                                          </p:stCondLst>
-                                        </p:cTn>
-                                        <p:tgtEl>
-                                          <p:spTgt spid="7"/>
-                                        </p:tgtEl>
-                                        <p:attrNameLst>
-                                          <p:attrName>style.visibility</p:attrName>
-                                        </p:attrNameLst>
-                                      </p:cBhvr>
-                                      <p:to>
-                                        <p:strVal val="visible"/>
-                                      </p:to>
-                                    </p:set>
-                                    <p:animEffect transition="in" filter="wipe(left)">
-                                      <p:cBhvr>
-                                        <p:cTn id="12" dur="500"/>
-                                        <p:tgtEl>
-                                          <p:spTgt spid="7"/>
-                                        </p:tgtEl>
-                                      </p:cBhvr>
-                                    </p:animEffect>
-                                  </p:childTnLst>
-                                </p:cTn>
-                              </p:par>
-                            </p:childTnLst>
-                          </p:cTn>
-                        </p:par>
-                        <p:par>
-                          <p:cTn id="13" fill="hold">
-                            <p:stCondLst>
-                              <p:cond delay="500"/>
-                            </p:stCondLst>
-                            <p:childTnLst>
-                              <p:par>
-                                <p:cTn id="14" presetID="22" presetClass="entr" presetSubtype="8" fill="hold" grpId="0" nodeType="afterEffect">
-                                  <p:stCondLst>
-                                    <p:cond delay="0"/>
-                                  </p:stCondLst>
-                                  <p:childTnLst>
-                                    <p:set>
-                                      <p:cBhvr>
-                                        <p:cTn id="15" dur="1" fill="hold">
-                                          <p:stCondLst>
-                                            <p:cond delay="0"/>
-                                          </p:stCondLst>
-                                        </p:cTn>
-                                        <p:tgtEl>
-                                          <p:spTgt spid="8"/>
-                                        </p:tgtEl>
-                                        <p:attrNameLst>
-                                          <p:attrName>style.visibility</p:attrName>
-                                        </p:attrNameLst>
-                                      </p:cBhvr>
-                                      <p:to>
-                                        <p:strVal val="visible"/>
-                                      </p:to>
-                                    </p:set>
-                                    <p:animEffect transition="in" filter="wipe(left)">
-                                      <p:cBhvr>
-                                        <p:cTn id="16" dur="500"/>
-                                        <p:tgtEl>
-                                          <p:spTgt spid="8"/>
-                                        </p:tgtEl>
-                                      </p:cBhvr>
-                                    </p:animEffect>
-                                  </p:childTnLst>
-                                </p:cTn>
-                              </p:par>
-                            </p:childTnLst>
-                          </p:cTn>
-                        </p:par>
-                      </p:childTnLst>
-                    </p:cTn>
-                  </p:par>
-                  <p:par>
-                    <p:cTn id="17" fill="hold">
-                      <p:stCondLst>
-                        <p:cond delay="indefinite"/>
-                      </p:stCondLst>
-                      <p:childTnLst>
-                        <p:par>
-                          <p:cTn id="18" fill="hold">
-                            <p:stCondLst>
-                              <p:cond delay="0"/>
-                            </p:stCondLst>
-                            <p:childTnLst>
-                              <p:par>
-                                <p:cTn id="19" presetID="16" presetClass="entr" presetSubtype="37" fill="hold" grpId="0" nodeType="clickEffect">
-                                  <p:stCondLst>
-                                    <p:cond delay="0"/>
-                                  </p:stCondLst>
-                                  <p:childTnLst>
-                                    <p:set>
-                                      <p:cBhvr>
-                                        <p:cTn id="20" dur="1" fill="hold">
+                                        <p:cTn id="10" dur="1" fill="hold">
                                           <p:stCondLst>
                                             <p:cond delay="0"/>
                                           </p:stCondLst>
@@ -19048,7 +16453,7 @@
                                     </p:set>
                                     <p:animEffect transition="in" filter="barn(outVertical)">
                                       <p:cBhvr>
-                                        <p:cTn id="21" dur="500"/>
+                                        <p:cTn id="11" dur="500"/>
                                         <p:tgtEl>
                                           <p:spTgt spid="10"/>
                                         </p:tgtEl>
@@ -19060,103 +16465,30 @@
                             </p:childTnLst>
                           </p:cTn>
                         </p:par>
+                      </p:childTnLst>
+                    </p:cTn>
+                  </p:par>
+                  <p:par>
+                    <p:cTn id="12" fill="hold">
+                      <p:stCondLst>
+                        <p:cond delay="indefinite"/>
+                      </p:stCondLst>
+                      <p:childTnLst>
                         <p:par>
-                          <p:cTn id="22" fill="hold">
+                          <p:cTn id="13" fill="hold">
                             <p:stCondLst>
-                              <p:cond delay="500"/>
+                              <p:cond delay="0"/>
                             </p:stCondLst>
                             <p:childTnLst>
                               <p:par>
-                                <p:cTn id="23" presetID="2" presetClass="entr" presetSubtype="8" fill="hold" grpId="0" nodeType="afterEffect">
+                                <p:cTn id="14" presetID="2" presetClass="entr" presetSubtype="1" fill="hold" grpId="0" nodeType="clickEffect">
                                   <p:stCondLst>
                                     <p:cond delay="0"/>
                                   </p:stCondLst>
                                   <p:childTnLst>
                                     <p:set>
                                       <p:cBhvr>
-                                        <p:cTn id="24" dur="1" fill="hold">
-                                          <p:stCondLst>
-                                            <p:cond delay="0"/>
-                                          </p:stCondLst>
-                                        </p:cTn>
-                                        <p:tgtEl>
-                                          <p:spTgt spid="3"/>
-                                        </p:tgtEl>
-                                        <p:attrNameLst>
-                                          <p:attrName>style.visibility</p:attrName>
-                                        </p:attrNameLst>
-                                      </p:cBhvr>
-                                      <p:to>
-                                        <p:strVal val="visible"/>
-                                      </p:to>
-                                    </p:set>
-                                    <p:anim calcmode="lin" valueType="num">
-                                      <p:cBhvr additive="base">
-                                        <p:cTn id="25" dur="500" fill="hold"/>
-                                        <p:tgtEl>
-                                          <p:spTgt spid="3"/>
-                                        </p:tgtEl>
-                                        <p:attrNameLst>
-                                          <p:attrName>ppt_x</p:attrName>
-                                        </p:attrNameLst>
-                                      </p:cBhvr>
-                                      <p:tavLst>
-                                        <p:tav tm="0">
-                                          <p:val>
-                                            <p:strVal val="0-#ppt_w/2"/>
-                                          </p:val>
-                                        </p:tav>
-                                        <p:tav tm="100000">
-                                          <p:val>
-                                            <p:strVal val="#ppt_x"/>
-                                          </p:val>
-                                        </p:tav>
-                                      </p:tavLst>
-                                    </p:anim>
-                                    <p:anim calcmode="lin" valueType="num">
-                                      <p:cBhvr additive="base">
-                                        <p:cTn id="26" dur="500" fill="hold"/>
-                                        <p:tgtEl>
-                                          <p:spTgt spid="3"/>
-                                        </p:tgtEl>
-                                        <p:attrNameLst>
-                                          <p:attrName>ppt_y</p:attrName>
-                                        </p:attrNameLst>
-                                      </p:cBhvr>
-                                      <p:tavLst>
-                                        <p:tav tm="0">
-                                          <p:val>
-                                            <p:strVal val="#ppt_y"/>
-                                          </p:val>
-                                        </p:tav>
-                                        <p:tav tm="100000">
-                                          <p:val>
-                                            <p:strVal val="#ppt_y"/>
-                                          </p:val>
-                                        </p:tav>
-                                      </p:tavLst>
-                                    </p:anim>
-                                  </p:childTnLst>
-                                </p:cTn>
-                              </p:par>
-                            </p:childTnLst>
-                          </p:cTn>
-                        </p:par>
-                        <p:par>
-                          <p:cTn id="27" fill="hold">
-                            <p:stCondLst>
-                              <p:cond delay="1000"/>
-                            </p:stCondLst>
-                            <p:childTnLst>
-                              <p:par>
-                                <p:cTn id="28" presetID="2" presetClass="entr" presetSubtype="1" fill="hold" grpId="0" nodeType="afterEffect">
-                                  <p:stCondLst>
-                                    <p:cond delay="0"/>
-                                  </p:stCondLst>
-                                  <p:childTnLst>
-                                    <p:set>
-                                      <p:cBhvr>
-                                        <p:cTn id="29" dur="1" fill="hold">
+                                        <p:cTn id="15" dur="1" fill="hold">
                                           <p:stCondLst>
                                             <p:cond delay="0"/>
                                           </p:stCondLst>
@@ -19174,7 +16506,7 @@
                                     </p:set>
                                     <p:anim calcmode="lin" valueType="num">
                                       <p:cBhvr additive="base">
-                                        <p:cTn id="30" dur="500" fill="hold"/>
+                                        <p:cTn id="16" dur="500" fill="hold"/>
                                         <p:tgtEl>
                                           <p:spTgt spid="2"/>
                                         </p:tgtEl>
@@ -19197,7 +16529,7 @@
                                     </p:anim>
                                     <p:anim calcmode="lin" valueType="num">
                                       <p:cBhvr additive="base">
-                                        <p:cTn id="31" dur="500" fill="hold"/>
+                                        <p:cTn id="17" dur="500" fill="hold"/>
                                         <p:tgtEl>
                                           <p:spTgt spid="2"/>
                                         </p:tgtEl>
@@ -19225,20 +16557,20 @@
                           </p:cTn>
                         </p:par>
                         <p:par>
-                          <p:cTn id="32" fill="hold">
+                          <p:cTn id="18" fill="hold">
                             <p:stCondLst>
-                              <p:cond delay="1500"/>
+                              <p:cond delay="500"/>
                             </p:stCondLst>
                             <p:childTnLst>
                               <p:par>
-                                <p:cTn id="33" presetID="2" presetClass="entr" presetSubtype="1" fill="hold" grpId="0" nodeType="afterEffect">
+                                <p:cTn id="19" presetID="2" presetClass="entr" presetSubtype="1" fill="hold" grpId="0" nodeType="afterEffect">
                                   <p:stCondLst>
                                     <p:cond delay="0"/>
                                   </p:stCondLst>
                                   <p:childTnLst>
                                     <p:set>
                                       <p:cBhvr>
-                                        <p:cTn id="34" dur="1" fill="hold">
+                                        <p:cTn id="20" dur="1" fill="hold">
                                           <p:stCondLst>
                                             <p:cond delay="0"/>
                                           </p:stCondLst>
@@ -19256,7 +16588,7 @@
                                     </p:set>
                                     <p:anim calcmode="lin" valueType="num">
                                       <p:cBhvr additive="base">
-                                        <p:cTn id="35" dur="500" fill="hold"/>
+                                        <p:cTn id="21" dur="500" fill="hold"/>
                                         <p:tgtEl>
                                           <p:spTgt spid="13"/>
                                         </p:tgtEl>
@@ -19279,7 +16611,7 @@
                                     </p:anim>
                                     <p:anim calcmode="lin" valueType="num">
                                       <p:cBhvr additive="base">
-                                        <p:cTn id="36" dur="500" fill="hold"/>
+                                        <p:cTn id="22" dur="500" fill="hold"/>
                                         <p:tgtEl>
                                           <p:spTgt spid="13"/>
                                         </p:tgtEl>
@@ -19310,32 +16642,32 @@
                     </p:cTn>
                   </p:par>
                   <p:par>
-                    <p:cTn id="37" fill="hold">
+                    <p:cTn id="23" fill="hold">
                       <p:stCondLst>
                         <p:cond delay="indefinite"/>
                       </p:stCondLst>
                       <p:childTnLst>
                         <p:par>
-                          <p:cTn id="38" fill="hold">
+                          <p:cTn id="24" fill="hold">
                             <p:stCondLst>
                               <p:cond delay="0"/>
                             </p:stCondLst>
                             <p:childTnLst>
                               <p:par>
-                                <p:cTn id="39" presetID="2" presetClass="entr" presetSubtype="8" fill="hold" grpId="0" nodeType="clickEffect">
+                                <p:cTn id="25" presetID="22" presetClass="entr" presetSubtype="8" fill="hold" nodeType="clickEffect">
                                   <p:stCondLst>
                                     <p:cond delay="0"/>
                                   </p:stCondLst>
                                   <p:childTnLst>
                                     <p:set>
                                       <p:cBhvr>
-                                        <p:cTn id="40" dur="1" fill="hold">
+                                        <p:cTn id="26" dur="1" fill="hold">
                                           <p:stCondLst>
                                             <p:cond delay="0"/>
                                           </p:stCondLst>
                                         </p:cTn>
                                         <p:tgtEl>
-                                          <p:spTgt spid="6"/>
+                                          <p:spTgt spid="5"/>
                                         </p:tgtEl>
                                         <p:attrNameLst>
                                           <p:attrName>style.visibility</p:attrName>
@@ -19345,52 +16677,14 @@
                                         <p:strVal val="visible"/>
                                       </p:to>
                                     </p:set>
-                                    <p:anim calcmode="lin" valueType="num">
-                                      <p:cBhvr additive="base">
-                                        <p:cTn id="41" dur="500" fill="hold"/>
+                                    <p:animEffect transition="in" filter="wipe(left)">
+                                      <p:cBhvr>
+                                        <p:cTn id="27" dur="2000"/>
                                         <p:tgtEl>
-                                          <p:spTgt spid="6"/>
+                                          <p:spTgt spid="5"/>
                                         </p:tgtEl>
-                                        <p:attrNameLst>
-                                          <p:attrName>ppt_x</p:attrName>
-                                        </p:attrNameLst>
                                       </p:cBhvr>
-                                      <p:tavLst>
-                                        <p:tav tm="0">
-                                          <p:val>
-                                            <p:strVal val="0-#ppt_w/2"/>
-                                          </p:val>
-                                        </p:tav>
-                                        <p:tav tm="100000">
-                                          <p:val>
-                                            <p:strVal val="#ppt_x"/>
-                                          </p:val>
-                                        </p:tav>
-                                      </p:tavLst>
-                                    </p:anim>
-                                    <p:anim calcmode="lin" valueType="num">
-                                      <p:cBhvr additive="base">
-                                        <p:cTn id="42" dur="500" fill="hold"/>
-                                        <p:tgtEl>
-                                          <p:spTgt spid="6"/>
-                                        </p:tgtEl>
-                                        <p:attrNameLst>
-                                          <p:attrName>ppt_y</p:attrName>
-                                        </p:attrNameLst>
-                                      </p:cBhvr>
-                                      <p:tavLst>
-                                        <p:tav tm="0">
-                                          <p:val>
-                                            <p:strVal val="#ppt_y"/>
-                                          </p:val>
-                                        </p:tav>
-                                        <p:tav tm="100000">
-                                          <p:val>
-                                            <p:strVal val="#ppt_y"/>
-                                          </p:val>
-                                        </p:tav>
-                                      </p:tavLst>
-                                    </p:anim>
+                                    </p:animEffect>
                                   </p:childTnLst>
                                 </p:cTn>
                               </p:par>
@@ -19401,26 +16695,26 @@
                     </p:cTn>
                   </p:par>
                   <p:par>
-                    <p:cTn id="43" fill="hold">
+                    <p:cTn id="28" fill="hold">
                       <p:stCondLst>
                         <p:cond delay="indefinite"/>
                       </p:stCondLst>
                       <p:childTnLst>
                         <p:par>
-                          <p:cTn id="44" fill="hold">
+                          <p:cTn id="29" fill="hold">
                             <p:stCondLst>
                               <p:cond delay="0"/>
                             </p:stCondLst>
                             <p:childTnLst>
                               <p:par>
-                                <p:cTn id="45" presetID="22" presetClass="entr" presetSubtype="8" fill="hold" grpId="0" nodeType="clickEffect">
+                                <p:cTn id="30" presetID="22" presetClass="entr" presetSubtype="8" fill="hold" grpId="0" nodeType="clickEffect">
                                   <p:stCondLst>
                                     <p:cond delay="0"/>
                                   </p:stCondLst>
                                   <p:childTnLst>
                                     <p:set>
                                       <p:cBhvr>
-                                        <p:cTn id="46" dur="1" fill="hold">
+                                        <p:cTn id="31" dur="1" fill="hold">
                                           <p:stCondLst>
                                             <p:cond delay="0"/>
                                           </p:stCondLst>
@@ -19438,7 +16732,7 @@
                                     </p:set>
                                     <p:animEffect transition="in" filter="wipe(left)">
                                       <p:cBhvr>
-                                        <p:cTn id="47" dur="500"/>
+                                        <p:cTn id="32" dur="500"/>
                                         <p:tgtEl>
                                           <p:spTgt spid="15"/>
                                         </p:tgtEl>
@@ -19451,164 +16745,20 @@
                           </p:cTn>
                         </p:par>
                         <p:par>
-                          <p:cTn id="48" fill="hold">
+                          <p:cTn id="33" fill="hold">
                             <p:stCondLst>
                               <p:cond delay="500"/>
                             </p:stCondLst>
                             <p:childTnLst>
                               <p:par>
-                                <p:cTn id="49" presetID="2" presetClass="entr" presetSubtype="8" fill="hold" grpId="0" nodeType="afterEffect">
+                                <p:cTn id="34" presetID="53" presetClass="entr" presetSubtype="16" fill="hold" grpId="0" nodeType="afterEffect">
                                   <p:stCondLst>
                                     <p:cond delay="0"/>
                                   </p:stCondLst>
                                   <p:childTnLst>
                                     <p:set>
                                       <p:cBhvr>
-                                        <p:cTn id="50" dur="1" fill="hold">
-                                          <p:stCondLst>
-                                            <p:cond delay="0"/>
-                                          </p:stCondLst>
-                                        </p:cTn>
-                                        <p:tgtEl>
-                                          <p:spTgt spid="9"/>
-                                        </p:tgtEl>
-                                        <p:attrNameLst>
-                                          <p:attrName>style.visibility</p:attrName>
-                                        </p:attrNameLst>
-                                      </p:cBhvr>
-                                      <p:to>
-                                        <p:strVal val="visible"/>
-                                      </p:to>
-                                    </p:set>
-                                    <p:anim calcmode="lin" valueType="num">
-                                      <p:cBhvr additive="base">
-                                        <p:cTn id="51" dur="500" fill="hold"/>
-                                        <p:tgtEl>
-                                          <p:spTgt spid="9"/>
-                                        </p:tgtEl>
-                                        <p:attrNameLst>
-                                          <p:attrName>ppt_x</p:attrName>
-                                        </p:attrNameLst>
-                                      </p:cBhvr>
-                                      <p:tavLst>
-                                        <p:tav tm="0">
-                                          <p:val>
-                                            <p:strVal val="0-#ppt_w/2"/>
-                                          </p:val>
-                                        </p:tav>
-                                        <p:tav tm="100000">
-                                          <p:val>
-                                            <p:strVal val="#ppt_x"/>
-                                          </p:val>
-                                        </p:tav>
-                                      </p:tavLst>
-                                    </p:anim>
-                                    <p:anim calcmode="lin" valueType="num">
-                                      <p:cBhvr additive="base">
-                                        <p:cTn id="52" dur="500" fill="hold"/>
-                                        <p:tgtEl>
-                                          <p:spTgt spid="9"/>
-                                        </p:tgtEl>
-                                        <p:attrNameLst>
-                                          <p:attrName>ppt_y</p:attrName>
-                                        </p:attrNameLst>
-                                      </p:cBhvr>
-                                      <p:tavLst>
-                                        <p:tav tm="0">
-                                          <p:val>
-                                            <p:strVal val="#ppt_y"/>
-                                          </p:val>
-                                        </p:tav>
-                                        <p:tav tm="100000">
-                                          <p:val>
-                                            <p:strVal val="#ppt_y"/>
-                                          </p:val>
-                                        </p:tav>
-                                      </p:tavLst>
-                                    </p:anim>
-                                  </p:childTnLst>
-                                </p:cTn>
-                              </p:par>
-                            </p:childTnLst>
-                          </p:cTn>
-                        </p:par>
-                      </p:childTnLst>
-                    </p:cTn>
-                  </p:par>
-                  <p:par>
-                    <p:cTn id="53" fill="hold">
-                      <p:stCondLst>
-                        <p:cond delay="indefinite"/>
-                      </p:stCondLst>
-                      <p:childTnLst>
-                        <p:par>
-                          <p:cTn id="54" fill="hold">
-                            <p:stCondLst>
-                              <p:cond delay="0"/>
-                            </p:stCondLst>
-                            <p:childTnLst>
-                              <p:par>
-                                <p:cTn id="55" presetID="22" presetClass="entr" presetSubtype="8" fill="hold" nodeType="clickEffect">
-                                  <p:stCondLst>
-                                    <p:cond delay="0"/>
-                                  </p:stCondLst>
-                                  <p:childTnLst>
-                                    <p:set>
-                                      <p:cBhvr>
-                                        <p:cTn id="56" dur="1" fill="hold">
-                                          <p:stCondLst>
-                                            <p:cond delay="0"/>
-                                          </p:stCondLst>
-                                        </p:cTn>
-                                        <p:tgtEl>
-                                          <p:spTgt spid="5"/>
-                                        </p:tgtEl>
-                                        <p:attrNameLst>
-                                          <p:attrName>style.visibility</p:attrName>
-                                        </p:attrNameLst>
-                                      </p:cBhvr>
-                                      <p:to>
-                                        <p:strVal val="visible"/>
-                                      </p:to>
-                                    </p:set>
-                                    <p:animEffect transition="in" filter="wipe(left)">
-                                      <p:cBhvr>
-                                        <p:cTn id="57" dur="2000"/>
-                                        <p:tgtEl>
-                                          <p:spTgt spid="5"/>
-                                        </p:tgtEl>
-                                      </p:cBhvr>
-                                    </p:animEffect>
-                                  </p:childTnLst>
-                                </p:cTn>
-                              </p:par>
-                            </p:childTnLst>
-                          </p:cTn>
-                        </p:par>
-                      </p:childTnLst>
-                    </p:cTn>
-                  </p:par>
-                  <p:par>
-                    <p:cTn id="58" fill="hold">
-                      <p:stCondLst>
-                        <p:cond delay="indefinite"/>
-                      </p:stCondLst>
-                      <p:childTnLst>
-                        <p:par>
-                          <p:cTn id="59" fill="hold">
-                            <p:stCondLst>
-                              <p:cond delay="0"/>
-                            </p:stCondLst>
-                            <p:childTnLst>
-                              <p:par>
-                                <p:cTn id="60" presetID="53" presetClass="entr" presetSubtype="16" fill="hold" grpId="0" nodeType="clickEffect">
-                                  <p:stCondLst>
-                                    <p:cond delay="0"/>
-                                  </p:stCondLst>
-                                  <p:childTnLst>
-                                    <p:set>
-                                      <p:cBhvr>
-                                        <p:cTn id="61" dur="1" fill="hold">
+                                        <p:cTn id="35" dur="1" fill="hold">
                                           <p:stCondLst>
                                             <p:cond delay="0"/>
                                           </p:stCondLst>
@@ -19626,7 +16776,7 @@
                                     </p:set>
                                     <p:anim calcmode="lin" valueType="num">
                                       <p:cBhvr>
-                                        <p:cTn id="62" dur="500" fill="hold"/>
+                                        <p:cTn id="36" dur="500" fill="hold"/>
                                         <p:tgtEl>
                                           <p:spTgt spid="17"/>
                                         </p:tgtEl>
@@ -19649,7 +16799,7 @@
                                     </p:anim>
                                     <p:anim calcmode="lin" valueType="num">
                                       <p:cBhvr>
-                                        <p:cTn id="63" dur="500" fill="hold"/>
+                                        <p:cTn id="37" dur="500" fill="hold"/>
                                         <p:tgtEl>
                                           <p:spTgt spid="17"/>
                                         </p:tgtEl>
@@ -19672,7 +16822,7 @@
                                     </p:anim>
                                     <p:animEffect transition="in" filter="fade">
                                       <p:cBhvr>
-                                        <p:cTn id="64" dur="500"/>
+                                        <p:cTn id="38" dur="500"/>
                                         <p:tgtEl>
                                           <p:spTgt spid="17"/>
                                         </p:tgtEl>
@@ -19685,20 +16835,20 @@
                           </p:cTn>
                         </p:par>
                         <p:par>
-                          <p:cTn id="65" fill="hold">
+                          <p:cTn id="39" fill="hold">
                             <p:stCondLst>
-                              <p:cond delay="500"/>
+                              <p:cond delay="1000"/>
                             </p:stCondLst>
                             <p:childTnLst>
                               <p:par>
-                                <p:cTn id="66" presetID="2" presetClass="entr" presetSubtype="4" fill="hold" grpId="0" nodeType="afterEffect">
+                                <p:cTn id="40" presetID="2" presetClass="entr" presetSubtype="4" fill="hold" grpId="0" nodeType="afterEffect">
                                   <p:stCondLst>
                                     <p:cond delay="0"/>
                                   </p:stCondLst>
                                   <p:childTnLst>
                                     <p:set>
                                       <p:cBhvr>
-                                        <p:cTn id="67" dur="1" fill="hold">
+                                        <p:cTn id="41" dur="1" fill="hold">
                                           <p:stCondLst>
                                             <p:cond delay="0"/>
                                           </p:stCondLst>
@@ -19716,7 +16866,7 @@
                                     </p:set>
                                     <p:anim calcmode="lin" valueType="num">
                                       <p:cBhvr additive="base">
-                                        <p:cTn id="68" dur="500" fill="hold"/>
+                                        <p:cTn id="42" dur="500" fill="hold"/>
                                         <p:tgtEl>
                                           <p:spTgt spid="18"/>
                                         </p:tgtEl>
@@ -19739,7 +16889,7 @@
                                     </p:anim>
                                     <p:anim calcmode="lin" valueType="num">
                                       <p:cBhvr additive="base">
-                                        <p:cTn id="69" dur="500" fill="hold"/>
+                                        <p:cTn id="43" dur="500" fill="hold"/>
                                         <p:tgtEl>
                                           <p:spTgt spid="18"/>
                                         </p:tgtEl>
@@ -19770,26 +16920,26 @@
                     </p:cTn>
                   </p:par>
                   <p:par>
-                    <p:cTn id="70" fill="hold">
+                    <p:cTn id="44" fill="hold">
                       <p:stCondLst>
                         <p:cond delay="indefinite"/>
                       </p:stCondLst>
                       <p:childTnLst>
                         <p:par>
-                          <p:cTn id="71" fill="hold">
+                          <p:cTn id="45" fill="hold">
                             <p:stCondLst>
                               <p:cond delay="0"/>
                             </p:stCondLst>
                             <p:childTnLst>
                               <p:par>
-                                <p:cTn id="72" presetID="1" presetClass="entr" presetSubtype="0" fill="hold" nodeType="clickEffect">
+                                <p:cTn id="46" presetID="1" presetClass="entr" presetSubtype="0" fill="hold" nodeType="clickEffect">
                                   <p:stCondLst>
                                     <p:cond delay="0"/>
                                   </p:stCondLst>
                                   <p:childTnLst>
                                     <p:set>
                                       <p:cBhvr>
-                                        <p:cTn id="73" dur="1" fill="hold">
+                                        <p:cTn id="47" dur="1" fill="hold">
                                           <p:stCondLst>
                                             <p:cond delay="0"/>
                                           </p:stCondLst>
@@ -19842,11 +16992,6 @@
       <p:bldP spid="18" grpId="0" animBg="1"/>
       <p:bldP spid="2" grpId="0" animBg="1"/>
       <p:bldP spid="13" grpId="0" animBg="1"/>
-      <p:bldP spid="3" grpId="0"/>
-      <p:bldP spid="6" grpId="0"/>
-      <p:bldP spid="7" grpId="0" animBg="1"/>
-      <p:bldP spid="8" grpId="0" animBg="1"/>
-      <p:bldP spid="9" grpId="0"/>
     </p:bldLst>
   </p:timing>
 </p:sld>
@@ -20530,7 +17675,7 @@
         </p:blipFill>
         <p:spPr>
           <a:xfrm>
-            <a:off x="1097075" y="856116"/>
+            <a:off x="1097074" y="1169013"/>
             <a:ext cx="6949851" cy="3692920"/>
           </a:xfrm>
           <a:prstGeom prst="rect">
@@ -20576,7 +17721,7 @@
         </p:nvSpPr>
         <p:spPr>
           <a:xfrm>
-            <a:off x="428908" y="4741751"/>
+            <a:off x="428908" y="4968462"/>
             <a:ext cx="7114892" cy="923330"/>
           </a:xfrm>
           <a:prstGeom prst="rect">
@@ -20617,8 +17762,8 @@
         </p:nvSpPr>
         <p:spPr>
           <a:xfrm>
-            <a:off x="3014108" y="5739810"/>
-            <a:ext cx="5325110" cy="923330"/>
+            <a:off x="3986354" y="5753436"/>
+            <a:ext cx="4728738" cy="923330"/>
           </a:xfrm>
           <a:prstGeom prst="rect">
             <a:avLst/>
@@ -20673,6 +17818,541 @@
           </a:p>
         </p:txBody>
       </p:sp>
+      <mc:AlternateContent xmlns:mc="http://schemas.openxmlformats.org/markup-compatibility/2006">
+        <mc:Choice xmlns:a14="http://schemas.microsoft.com/office/drawing/2010/main" Requires="a14">
+          <p:sp>
+            <p:nvSpPr>
+              <p:cNvPr id="6" name="TextBox 5">
+                <a:extLst>
+                  <a:ext uri="{FF2B5EF4-FFF2-40B4-BE49-F238E27FC236}">
+                    <a16:creationId xmlns:a16="http://schemas.microsoft.com/office/drawing/2014/main" id="{5E58A422-D106-FB14-AB1F-0B02E9BC2EF8}"/>
+                  </a:ext>
+                </a:extLst>
+              </p:cNvPr>
+              <p:cNvSpPr txBox="1"/>
+              <p:nvPr/>
+            </p:nvSpPr>
+            <p:spPr>
+              <a:xfrm>
+                <a:off x="182278" y="484036"/>
+                <a:ext cx="2331920" cy="461152"/>
+              </a:xfrm>
+              <a:prstGeom prst="rect">
+                <a:avLst/>
+              </a:prstGeom>
+              <a:noFill/>
+              <a:ln w="28575">
+                <a:solidFill>
+                  <a:srgbClr val="0070C0"/>
+                </a:solidFill>
+              </a:ln>
+            </p:spPr>
+            <p:txBody>
+              <a:bodyPr wrap="none" lIns="0" tIns="0" rIns="0" bIns="0" rtlCol="0">
+                <a:spAutoFit/>
+              </a:bodyPr>
+              <a:lstStyle/>
+              <a:p>
+                <a:pPr/>
+                <a14:m>
+                  <m:oMathPara xmlns:m="http://schemas.openxmlformats.org/officeDocument/2006/math">
+                    <m:oMathParaPr>
+                      <m:jc m:val="left"/>
+                    </m:oMathParaPr>
+                    <m:oMath xmlns:m="http://schemas.openxmlformats.org/officeDocument/2006/math">
+                      <m:r>
+                        <a:rPr lang="en-US" sz="1400" b="0" i="1" smtClean="0">
+                          <a:latin typeface="Cambria Math" panose="02040503050406030204" pitchFamily="18" charset="0"/>
+                        </a:rPr>
+                        <m:t> </m:t>
+                      </m:r>
+                      <m:sSub>
+                        <m:sSubPr>
+                          <m:ctrlPr>
+                            <a:rPr lang="en-US" sz="1400" i="1" smtClean="0">
+                              <a:latin typeface="Cambria Math" panose="02040503050406030204" pitchFamily="18" charset="0"/>
+                            </a:rPr>
+                          </m:ctrlPr>
+                        </m:sSubPr>
+                        <m:e>
+                          <m:r>
+                            <a:rPr lang="en-US" sz="1400" b="0" i="1" smtClean="0">
+                              <a:latin typeface="Cambria Math" panose="02040503050406030204" pitchFamily="18" charset="0"/>
+                            </a:rPr>
+                            <m:t>h</m:t>
+                          </m:r>
+                        </m:e>
+                        <m:sub>
+                          <m:r>
+                            <a:rPr lang="en-US" sz="1400" b="0" i="1" smtClean="0">
+                              <a:latin typeface="Cambria Math" panose="02040503050406030204" pitchFamily="18" charset="0"/>
+                            </a:rPr>
+                            <m:t>𝑛</m:t>
+                          </m:r>
+                        </m:sub>
+                      </m:sSub>
+                      <m:r>
+                        <a:rPr lang="en-US" sz="1400" b="0" i="1" smtClean="0">
+                          <a:latin typeface="Cambria Math" panose="02040503050406030204" pitchFamily="18" charset="0"/>
+                        </a:rPr>
+                        <m:t>=</m:t>
+                      </m:r>
+                      <m:sSub>
+                        <m:sSubPr>
+                          <m:ctrlPr>
+                            <a:rPr lang="en-US" sz="1400" b="0" i="1" smtClean="0">
+                              <a:latin typeface="Cambria Math" panose="02040503050406030204" pitchFamily="18" charset="0"/>
+                            </a:rPr>
+                          </m:ctrlPr>
+                        </m:sSubPr>
+                        <m:e>
+                          <m:r>
+                            <a:rPr lang="en-US" sz="1400" b="0" i="1" smtClean="0">
+                              <a:latin typeface="Cambria Math" panose="02040503050406030204" pitchFamily="18" charset="0"/>
+                            </a:rPr>
+                            <m:t>𝑎</m:t>
+                          </m:r>
+                        </m:e>
+                        <m:sub>
+                          <m:r>
+                            <a:rPr lang="en-US" sz="1400" b="0" i="1" smtClean="0">
+                              <a:latin typeface="Cambria Math" panose="02040503050406030204" pitchFamily="18" charset="0"/>
+                            </a:rPr>
+                            <m:t>𝑛</m:t>
+                          </m:r>
+                        </m:sub>
+                      </m:sSub>
+                      <m:sSub>
+                        <m:sSubPr>
+                          <m:ctrlPr>
+                            <a:rPr lang="en-US" sz="1400" b="0" i="1" smtClean="0">
+                              <a:latin typeface="Cambria Math" panose="02040503050406030204" pitchFamily="18" charset="0"/>
+                              <a:ea typeface="Cambria Math" panose="02040503050406030204" pitchFamily="18" charset="0"/>
+                            </a:rPr>
+                          </m:ctrlPr>
+                        </m:sSubPr>
+                        <m:e>
+                          <m:r>
+                            <a:rPr lang="en-US" sz="1400" b="0" i="1" smtClean="0">
+                              <a:latin typeface="Cambria Math" panose="02040503050406030204" pitchFamily="18" charset="0"/>
+                              <a:ea typeface="Cambria Math" panose="02040503050406030204" pitchFamily="18" charset="0"/>
+                            </a:rPr>
+                            <m:t>h</m:t>
+                          </m:r>
+                        </m:e>
+                        <m:sub>
+                          <m:d>
+                            <m:dPr>
+                              <m:ctrlPr>
+                                <a:rPr lang="en-US" sz="1400" b="0" i="1" smtClean="0">
+                                  <a:latin typeface="Cambria Math" panose="02040503050406030204" pitchFamily="18" charset="0"/>
+                                  <a:ea typeface="Cambria Math" panose="02040503050406030204" pitchFamily="18" charset="0"/>
+                                </a:rPr>
+                              </m:ctrlPr>
+                            </m:dPr>
+                            <m:e>
+                              <m:r>
+                                <a:rPr lang="en-US" sz="1400" b="0" i="1" smtClean="0">
+                                  <a:latin typeface="Cambria Math" panose="02040503050406030204" pitchFamily="18" charset="0"/>
+                                  <a:ea typeface="Cambria Math" panose="02040503050406030204" pitchFamily="18" charset="0"/>
+                                </a:rPr>
+                                <m:t>𝑛</m:t>
+                              </m:r>
+                              <m:r>
+                                <a:rPr lang="en-US" sz="1400" b="0" i="1" smtClean="0">
+                                  <a:latin typeface="Cambria Math" panose="02040503050406030204" pitchFamily="18" charset="0"/>
+                                  <a:ea typeface="Cambria Math" panose="02040503050406030204" pitchFamily="18" charset="0"/>
+                                </a:rPr>
+                                <m:t>−1</m:t>
+                              </m:r>
+                            </m:e>
+                          </m:d>
+                        </m:sub>
+                      </m:sSub>
+                      <m:r>
+                        <a:rPr lang="en-US" sz="1400" b="0" i="1" smtClean="0">
+                          <a:latin typeface="Cambria Math" panose="02040503050406030204" pitchFamily="18" charset="0"/>
+                          <a:ea typeface="Cambria Math" panose="02040503050406030204" pitchFamily="18" charset="0"/>
+                        </a:rPr>
+                        <m:t>+</m:t>
+                      </m:r>
+                      <m:sSub>
+                        <m:sSubPr>
+                          <m:ctrlPr>
+                            <a:rPr lang="en-US" sz="1400" b="0" i="1" smtClean="0">
+                              <a:latin typeface="Cambria Math" panose="02040503050406030204" pitchFamily="18" charset="0"/>
+                              <a:ea typeface="Cambria Math" panose="02040503050406030204" pitchFamily="18" charset="0"/>
+                            </a:rPr>
+                          </m:ctrlPr>
+                        </m:sSubPr>
+                        <m:e>
+                          <m:r>
+                            <a:rPr lang="en-US" sz="1400" b="0" i="1" smtClean="0">
+                              <a:latin typeface="Cambria Math" panose="02040503050406030204" pitchFamily="18" charset="0"/>
+                              <a:ea typeface="Cambria Math" panose="02040503050406030204" pitchFamily="18" charset="0"/>
+                            </a:rPr>
+                            <m:t>𝑏</m:t>
+                          </m:r>
+                        </m:e>
+                        <m:sub>
+                          <m:d>
+                            <m:dPr>
+                              <m:ctrlPr>
+                                <a:rPr lang="en-US" sz="1400" b="0" i="1" smtClean="0">
+                                  <a:latin typeface="Cambria Math" panose="02040503050406030204" pitchFamily="18" charset="0"/>
+                                  <a:ea typeface="Cambria Math" panose="02040503050406030204" pitchFamily="18" charset="0"/>
+                                </a:rPr>
+                              </m:ctrlPr>
+                            </m:dPr>
+                            <m:e>
+                              <m:r>
+                                <a:rPr lang="en-US" sz="1400" b="0" i="1" smtClean="0">
+                                  <a:latin typeface="Cambria Math" panose="02040503050406030204" pitchFamily="18" charset="0"/>
+                                  <a:ea typeface="Cambria Math" panose="02040503050406030204" pitchFamily="18" charset="0"/>
+                                </a:rPr>
+                                <m:t>𝑛</m:t>
+                              </m:r>
+                              <m:r>
+                                <a:rPr lang="en-US" sz="1400" b="0" i="1" smtClean="0">
+                                  <a:latin typeface="Cambria Math" panose="02040503050406030204" pitchFamily="18" charset="0"/>
+                                  <a:ea typeface="Cambria Math" panose="02040503050406030204" pitchFamily="18" charset="0"/>
+                                </a:rPr>
+                                <m:t>−1</m:t>
+                              </m:r>
+                            </m:e>
+                          </m:d>
+                        </m:sub>
+                      </m:sSub>
+                      <m:sSub>
+                        <m:sSubPr>
+                          <m:ctrlPr>
+                            <a:rPr lang="en-US" sz="1400" b="0" i="1" smtClean="0">
+                              <a:latin typeface="Cambria Math" panose="02040503050406030204" pitchFamily="18" charset="0"/>
+                              <a:ea typeface="Cambria Math" panose="02040503050406030204" pitchFamily="18" charset="0"/>
+                            </a:rPr>
+                          </m:ctrlPr>
+                        </m:sSubPr>
+                        <m:e>
+                          <m:r>
+                            <a:rPr lang="en-US" sz="1400" b="0" i="1" smtClean="0">
+                              <a:latin typeface="Cambria Math" panose="02040503050406030204" pitchFamily="18" charset="0"/>
+                              <a:ea typeface="Cambria Math" panose="02040503050406030204" pitchFamily="18" charset="0"/>
+                            </a:rPr>
+                            <m:t>h</m:t>
+                          </m:r>
+                        </m:e>
+                        <m:sub>
+                          <m:d>
+                            <m:dPr>
+                              <m:ctrlPr>
+                                <a:rPr lang="en-US" sz="1400" b="0" i="1" smtClean="0">
+                                  <a:latin typeface="Cambria Math" panose="02040503050406030204" pitchFamily="18" charset="0"/>
+                                  <a:ea typeface="Cambria Math" panose="02040503050406030204" pitchFamily="18" charset="0"/>
+                                </a:rPr>
+                              </m:ctrlPr>
+                            </m:dPr>
+                            <m:e>
+                              <m:r>
+                                <a:rPr lang="en-US" sz="1400" b="0" i="1" smtClean="0">
+                                  <a:latin typeface="Cambria Math" panose="02040503050406030204" pitchFamily="18" charset="0"/>
+                                  <a:ea typeface="Cambria Math" panose="02040503050406030204" pitchFamily="18" charset="0"/>
+                                </a:rPr>
+                                <m:t>𝑛</m:t>
+                              </m:r>
+                              <m:r>
+                                <a:rPr lang="en-US" sz="1400" b="0" i="1" smtClean="0">
+                                  <a:latin typeface="Cambria Math" panose="02040503050406030204" pitchFamily="18" charset="0"/>
+                                  <a:ea typeface="Cambria Math" panose="02040503050406030204" pitchFamily="18" charset="0"/>
+                                </a:rPr>
+                                <m:t>−2</m:t>
+                              </m:r>
+                            </m:e>
+                          </m:d>
+                        </m:sub>
+                      </m:sSub>
+                    </m:oMath>
+                  </m:oMathPara>
+                </a14:m>
+                <a:endParaRPr lang="en-US" sz="1400" b="0" dirty="0">
+                  <a:ea typeface="Cambria Math" panose="02040503050406030204" pitchFamily="18" charset="0"/>
+                </a:endParaRPr>
+              </a:p>
+              <a:p>
+                <a:pPr/>
+                <a14:m>
+                  <m:oMathPara xmlns:m="http://schemas.openxmlformats.org/officeDocument/2006/math">
+                    <m:oMathParaPr>
+                      <m:jc m:val="left"/>
+                    </m:oMathParaPr>
+                    <m:oMath xmlns:m="http://schemas.openxmlformats.org/officeDocument/2006/math">
+                      <m:r>
+                        <a:rPr lang="en-US" sz="1400" b="0" i="1" smtClean="0">
+                          <a:latin typeface="Cambria Math" panose="02040503050406030204" pitchFamily="18" charset="0"/>
+                        </a:rPr>
+                        <m:t> </m:t>
+                      </m:r>
+                      <m:sSub>
+                        <m:sSubPr>
+                          <m:ctrlPr>
+                            <a:rPr lang="en-US" sz="1400" i="1">
+                              <a:latin typeface="Cambria Math" panose="02040503050406030204" pitchFamily="18" charset="0"/>
+                            </a:rPr>
+                          </m:ctrlPr>
+                        </m:sSubPr>
+                        <m:e>
+                          <m:r>
+                            <a:rPr lang="en-US" sz="1400" i="1">
+                              <a:latin typeface="Cambria Math" panose="02040503050406030204" pitchFamily="18" charset="0"/>
+                            </a:rPr>
+                            <m:t>𝑘</m:t>
+                          </m:r>
+                        </m:e>
+                        <m:sub>
+                          <m:r>
+                            <a:rPr lang="en-US" sz="1400" i="1">
+                              <a:latin typeface="Cambria Math" panose="02040503050406030204" pitchFamily="18" charset="0"/>
+                            </a:rPr>
+                            <m:t>𝑛</m:t>
+                          </m:r>
+                        </m:sub>
+                      </m:sSub>
+                      <m:r>
+                        <a:rPr lang="en-US" sz="1400" i="1">
+                          <a:latin typeface="Cambria Math" panose="02040503050406030204" pitchFamily="18" charset="0"/>
+                        </a:rPr>
+                        <m:t>=</m:t>
+                      </m:r>
+                      <m:sSub>
+                        <m:sSubPr>
+                          <m:ctrlPr>
+                            <a:rPr lang="en-US" sz="1400" i="1">
+                              <a:latin typeface="Cambria Math" panose="02040503050406030204" pitchFamily="18" charset="0"/>
+                            </a:rPr>
+                          </m:ctrlPr>
+                        </m:sSubPr>
+                        <m:e>
+                          <m:r>
+                            <a:rPr lang="en-US" sz="1400" i="1">
+                              <a:latin typeface="Cambria Math" panose="02040503050406030204" pitchFamily="18" charset="0"/>
+                            </a:rPr>
+                            <m:t>𝑎</m:t>
+                          </m:r>
+                        </m:e>
+                        <m:sub>
+                          <m:r>
+                            <a:rPr lang="en-US" sz="1400" i="1">
+                              <a:latin typeface="Cambria Math" panose="02040503050406030204" pitchFamily="18" charset="0"/>
+                            </a:rPr>
+                            <m:t>𝑛</m:t>
+                          </m:r>
+                        </m:sub>
+                      </m:sSub>
+                      <m:sSub>
+                        <m:sSubPr>
+                          <m:ctrlPr>
+                            <a:rPr lang="en-US" sz="1400" i="1">
+                              <a:latin typeface="Cambria Math" panose="02040503050406030204" pitchFamily="18" charset="0"/>
+                              <a:ea typeface="Cambria Math" panose="02040503050406030204" pitchFamily="18" charset="0"/>
+                            </a:rPr>
+                          </m:ctrlPr>
+                        </m:sSubPr>
+                        <m:e>
+                          <m:r>
+                            <a:rPr lang="en-US" sz="1400" i="1">
+                              <a:latin typeface="Cambria Math" panose="02040503050406030204" pitchFamily="18" charset="0"/>
+                              <a:ea typeface="Cambria Math" panose="02040503050406030204" pitchFamily="18" charset="0"/>
+                            </a:rPr>
+                            <m:t>𝑘</m:t>
+                          </m:r>
+                        </m:e>
+                        <m:sub>
+                          <m:d>
+                            <m:dPr>
+                              <m:ctrlPr>
+                                <a:rPr lang="en-US" sz="1400" i="1">
+                                  <a:latin typeface="Cambria Math" panose="02040503050406030204" pitchFamily="18" charset="0"/>
+                                  <a:ea typeface="Cambria Math" panose="02040503050406030204" pitchFamily="18" charset="0"/>
+                                </a:rPr>
+                              </m:ctrlPr>
+                            </m:dPr>
+                            <m:e>
+                              <m:r>
+                                <a:rPr lang="en-US" sz="1400" i="1">
+                                  <a:latin typeface="Cambria Math" panose="02040503050406030204" pitchFamily="18" charset="0"/>
+                                  <a:ea typeface="Cambria Math" panose="02040503050406030204" pitchFamily="18" charset="0"/>
+                                </a:rPr>
+                                <m:t>𝑛</m:t>
+                              </m:r>
+                              <m:r>
+                                <a:rPr lang="en-US" sz="1400" i="1">
+                                  <a:latin typeface="Cambria Math" panose="02040503050406030204" pitchFamily="18" charset="0"/>
+                                  <a:ea typeface="Cambria Math" panose="02040503050406030204" pitchFamily="18" charset="0"/>
+                                </a:rPr>
+                                <m:t>−1</m:t>
+                              </m:r>
+                            </m:e>
+                          </m:d>
+                        </m:sub>
+                      </m:sSub>
+                      <m:r>
+                        <a:rPr lang="en-US" sz="1400" i="1">
+                          <a:latin typeface="Cambria Math" panose="02040503050406030204" pitchFamily="18" charset="0"/>
+                          <a:ea typeface="Cambria Math" panose="02040503050406030204" pitchFamily="18" charset="0"/>
+                        </a:rPr>
+                        <m:t>+</m:t>
+                      </m:r>
+                      <m:sSub>
+                        <m:sSubPr>
+                          <m:ctrlPr>
+                            <a:rPr lang="en-US" sz="1400" i="1">
+                              <a:latin typeface="Cambria Math" panose="02040503050406030204" pitchFamily="18" charset="0"/>
+                              <a:ea typeface="Cambria Math" panose="02040503050406030204" pitchFamily="18" charset="0"/>
+                            </a:rPr>
+                          </m:ctrlPr>
+                        </m:sSubPr>
+                        <m:e>
+                          <m:r>
+                            <a:rPr lang="en-US" sz="1400" i="1">
+                              <a:latin typeface="Cambria Math" panose="02040503050406030204" pitchFamily="18" charset="0"/>
+                              <a:ea typeface="Cambria Math" panose="02040503050406030204" pitchFamily="18" charset="0"/>
+                            </a:rPr>
+                            <m:t>𝑏</m:t>
+                          </m:r>
+                        </m:e>
+                        <m:sub>
+                          <m:d>
+                            <m:dPr>
+                              <m:ctrlPr>
+                                <a:rPr lang="en-US" sz="1400" i="1">
+                                  <a:latin typeface="Cambria Math" panose="02040503050406030204" pitchFamily="18" charset="0"/>
+                                  <a:ea typeface="Cambria Math" panose="02040503050406030204" pitchFamily="18" charset="0"/>
+                                </a:rPr>
+                              </m:ctrlPr>
+                            </m:dPr>
+                            <m:e>
+                              <m:r>
+                                <a:rPr lang="en-US" sz="1400" i="1">
+                                  <a:latin typeface="Cambria Math" panose="02040503050406030204" pitchFamily="18" charset="0"/>
+                                  <a:ea typeface="Cambria Math" panose="02040503050406030204" pitchFamily="18" charset="0"/>
+                                </a:rPr>
+                                <m:t>𝑛</m:t>
+                              </m:r>
+                              <m:r>
+                                <a:rPr lang="en-US" sz="1400" i="1">
+                                  <a:latin typeface="Cambria Math" panose="02040503050406030204" pitchFamily="18" charset="0"/>
+                                  <a:ea typeface="Cambria Math" panose="02040503050406030204" pitchFamily="18" charset="0"/>
+                                </a:rPr>
+                                <m:t>−1</m:t>
+                              </m:r>
+                            </m:e>
+                          </m:d>
+                        </m:sub>
+                      </m:sSub>
+                      <m:sSub>
+                        <m:sSubPr>
+                          <m:ctrlPr>
+                            <a:rPr lang="en-US" sz="1400" i="1">
+                              <a:latin typeface="Cambria Math" panose="02040503050406030204" pitchFamily="18" charset="0"/>
+                              <a:ea typeface="Cambria Math" panose="02040503050406030204" pitchFamily="18" charset="0"/>
+                            </a:rPr>
+                          </m:ctrlPr>
+                        </m:sSubPr>
+                        <m:e>
+                          <m:r>
+                            <a:rPr lang="en-US" sz="1400" i="1">
+                              <a:latin typeface="Cambria Math" panose="02040503050406030204" pitchFamily="18" charset="0"/>
+                              <a:ea typeface="Cambria Math" panose="02040503050406030204" pitchFamily="18" charset="0"/>
+                            </a:rPr>
+                            <m:t>𝑘</m:t>
+                          </m:r>
+                        </m:e>
+                        <m:sub>
+                          <m:d>
+                            <m:dPr>
+                              <m:ctrlPr>
+                                <a:rPr lang="en-US" sz="1400" i="1">
+                                  <a:latin typeface="Cambria Math" panose="02040503050406030204" pitchFamily="18" charset="0"/>
+                                  <a:ea typeface="Cambria Math" panose="02040503050406030204" pitchFamily="18" charset="0"/>
+                                </a:rPr>
+                              </m:ctrlPr>
+                            </m:dPr>
+                            <m:e>
+                              <m:r>
+                                <a:rPr lang="en-US" sz="1400" i="1">
+                                  <a:latin typeface="Cambria Math" panose="02040503050406030204" pitchFamily="18" charset="0"/>
+                                  <a:ea typeface="Cambria Math" panose="02040503050406030204" pitchFamily="18" charset="0"/>
+                                </a:rPr>
+                                <m:t>𝑛</m:t>
+                              </m:r>
+                              <m:r>
+                                <a:rPr lang="en-US" sz="1400" i="1">
+                                  <a:latin typeface="Cambria Math" panose="02040503050406030204" pitchFamily="18" charset="0"/>
+                                  <a:ea typeface="Cambria Math" panose="02040503050406030204" pitchFamily="18" charset="0"/>
+                                </a:rPr>
+                                <m:t>−2</m:t>
+                              </m:r>
+                            </m:e>
+                          </m:d>
+                        </m:sub>
+                      </m:sSub>
+                    </m:oMath>
+                  </m:oMathPara>
+                </a14:m>
+                <a:endParaRPr lang="en-US" sz="1400" dirty="0"/>
+              </a:p>
+            </p:txBody>
+          </p:sp>
+        </mc:Choice>
+        <mc:Fallback>
+          <p:sp>
+            <p:nvSpPr>
+              <p:cNvPr id="6" name="TextBox 5">
+                <a:extLst>
+                  <a:ext uri="{FF2B5EF4-FFF2-40B4-BE49-F238E27FC236}">
+                    <a16:creationId xmlns:a16="http://schemas.microsoft.com/office/drawing/2014/main" id="{5E58A422-D106-FB14-AB1F-0B02E9BC2EF8}"/>
+                  </a:ext>
+                </a:extLst>
+              </p:cNvPr>
+              <p:cNvSpPr txBox="1">
+                <a:spLocks noRot="1" noChangeAspect="1" noMove="1" noResize="1" noEditPoints="1" noAdjustHandles="1" noChangeArrowheads="1" noChangeShapeType="1" noTextEdit="1"/>
+              </p:cNvSpPr>
+              <p:nvPr/>
+            </p:nvSpPr>
+            <p:spPr>
+              <a:xfrm>
+                <a:off x="182278" y="484036"/>
+                <a:ext cx="2331920" cy="461152"/>
+              </a:xfrm>
+              <a:prstGeom prst="rect">
+                <a:avLst/>
+              </a:prstGeom>
+              <a:blipFill>
+                <a:blip r:embed="rId3"/>
+                <a:stretch>
+                  <a:fillRect l="-517"/>
+                </a:stretch>
+              </a:blipFill>
+              <a:ln w="28575">
+                <a:solidFill>
+                  <a:srgbClr val="0070C0"/>
+                </a:solidFill>
+              </a:ln>
+            </p:spPr>
+            <p:txBody>
+              <a:bodyPr/>
+              <a:lstStyle/>
+              <a:p>
+                <a:r>
+                  <a:rPr lang="en-US">
+                    <a:noFill/>
+                  </a:rPr>
+                  <a:t> </a:t>
+                </a:r>
+              </a:p>
+            </p:txBody>
+          </p:sp>
+        </mc:Fallback>
+      </mc:AlternateContent>
     </p:spTree>
     <p:extLst>
       <p:ext uri="{BB962C8B-B14F-4D97-AF65-F5344CB8AC3E}">
@@ -20695,6 +18375,9 @@
                     <p:cTn id="3" fill="hold">
                       <p:stCondLst>
                         <p:cond delay="indefinite"/>
+                        <p:cond evt="onBegin" delay="0">
+                          <p:tn val="2"/>
+                        </p:cond>
                       </p:stCondLst>
                       <p:childTnLst>
                         <p:par>
@@ -20704,7 +18387,7 @@
                             </p:stCondLst>
                             <p:childTnLst>
                               <p:par>
-                                <p:cTn id="5" presetID="2" presetClass="entr" presetSubtype="4" fill="hold" grpId="0" nodeType="clickEffect">
+                                <p:cTn id="5" presetID="2" presetClass="entr" presetSubtype="1" fill="hold" grpId="0" nodeType="afterEffect">
                                   <p:stCondLst>
                                     <p:cond delay="0"/>
                                   </p:stCondLst>
@@ -20717,7 +18400,7 @@
                                           </p:stCondLst>
                                         </p:cTn>
                                         <p:tgtEl>
-                                          <p:spTgt spid="4"/>
+                                          <p:spTgt spid="6"/>
                                         </p:tgtEl>
                                         <p:attrNameLst>
                                           <p:attrName>style.visibility</p:attrName>
@@ -20731,7 +18414,7 @@
                                       <p:cBhvr additive="base">
                                         <p:cTn id="7" dur="500" fill="hold"/>
                                         <p:tgtEl>
-                                          <p:spTgt spid="4"/>
+                                          <p:spTgt spid="6"/>
                                         </p:tgtEl>
                                         <p:attrNameLst>
                                           <p:attrName>ppt_x</p:attrName>
@@ -20754,7 +18437,7 @@
                                       <p:cBhvr additive="base">
                                         <p:cTn id="8" dur="500" fill="hold"/>
                                         <p:tgtEl>
-                                          <p:spTgt spid="4"/>
+                                          <p:spTgt spid="6"/>
                                         </p:tgtEl>
                                         <p:attrNameLst>
                                           <p:attrName>ppt_y</p:attrName>
@@ -20763,7 +18446,7 @@
                                       <p:tavLst>
                                         <p:tav tm="0">
                                           <p:val>
-                                            <p:strVal val="1+#ppt_h/2"/>
+                                            <p:strVal val="0-#ppt_h/2"/>
                                           </p:val>
                                         </p:tav>
                                         <p:tav tm="100000">
@@ -20795,7 +18478,7 @@
                             </p:stCondLst>
                             <p:childTnLst>
                               <p:par>
-                                <p:cTn id="11" presetID="2" presetClass="entr" presetSubtype="4" fill="hold" grpId="0" nodeType="clickEffect">
+                                <p:cTn id="11" presetID="22" presetClass="entr" presetSubtype="8" fill="hold" grpId="0" nodeType="clickEffect">
                                   <p:stCondLst>
                                     <p:cond delay="0"/>
                                   </p:stCondLst>
@@ -20803,6 +18486,59 @@
                                     <p:set>
                                       <p:cBhvr>
                                         <p:cTn id="12" dur="1" fill="hold">
+                                          <p:stCondLst>
+                                            <p:cond delay="0"/>
+                                          </p:stCondLst>
+                                        </p:cTn>
+                                        <p:tgtEl>
+                                          <p:spTgt spid="4"/>
+                                        </p:tgtEl>
+                                        <p:attrNameLst>
+                                          <p:attrName>style.visibility</p:attrName>
+                                        </p:attrNameLst>
+                                      </p:cBhvr>
+                                      <p:to>
+                                        <p:strVal val="visible"/>
+                                      </p:to>
+                                    </p:set>
+                                    <p:animEffect transition="in" filter="wipe(left)">
+                                      <p:cBhvr>
+                                        <p:cTn id="13" dur="500"/>
+                                        <p:tgtEl>
+                                          <p:spTgt spid="4"/>
+                                        </p:tgtEl>
+                                      </p:cBhvr>
+                                    </p:animEffect>
+                                  </p:childTnLst>
+                                </p:cTn>
+                              </p:par>
+                            </p:childTnLst>
+                          </p:cTn>
+                        </p:par>
+                      </p:childTnLst>
+                    </p:cTn>
+                  </p:par>
+                  <p:par>
+                    <p:cTn id="14" fill="hold">
+                      <p:stCondLst>
+                        <p:cond delay="indefinite"/>
+                      </p:stCondLst>
+                      <p:childTnLst>
+                        <p:par>
+                          <p:cTn id="15" fill="hold">
+                            <p:stCondLst>
+                              <p:cond delay="0"/>
+                            </p:stCondLst>
+                            <p:childTnLst>
+                              <p:par>
+                                <p:cTn id="16" presetID="22" presetClass="entr" presetSubtype="8" fill="hold" grpId="0" nodeType="clickEffect">
+                                  <p:stCondLst>
+                                    <p:cond delay="0"/>
+                                  </p:stCondLst>
+                                  <p:childTnLst>
+                                    <p:set>
+                                      <p:cBhvr>
+                                        <p:cTn id="17" dur="1" fill="hold">
                                           <p:stCondLst>
                                             <p:cond delay="0"/>
                                           </p:stCondLst>
@@ -20818,52 +18554,14 @@
                                         <p:strVal val="visible"/>
                                       </p:to>
                                     </p:set>
-                                    <p:anim calcmode="lin" valueType="num">
-                                      <p:cBhvr additive="base">
-                                        <p:cTn id="13" dur="500" fill="hold"/>
+                                    <p:animEffect transition="in" filter="wipe(left)">
+                                      <p:cBhvr>
+                                        <p:cTn id="18" dur="500"/>
                                         <p:tgtEl>
                                           <p:spTgt spid="8"/>
                                         </p:tgtEl>
-                                        <p:attrNameLst>
-                                          <p:attrName>ppt_x</p:attrName>
-                                        </p:attrNameLst>
                                       </p:cBhvr>
-                                      <p:tavLst>
-                                        <p:tav tm="0">
-                                          <p:val>
-                                            <p:strVal val="#ppt_x"/>
-                                          </p:val>
-                                        </p:tav>
-                                        <p:tav tm="100000">
-                                          <p:val>
-                                            <p:strVal val="#ppt_x"/>
-                                          </p:val>
-                                        </p:tav>
-                                      </p:tavLst>
-                                    </p:anim>
-                                    <p:anim calcmode="lin" valueType="num">
-                                      <p:cBhvr additive="base">
-                                        <p:cTn id="14" dur="500" fill="hold"/>
-                                        <p:tgtEl>
-                                          <p:spTgt spid="8"/>
-                                        </p:tgtEl>
-                                        <p:attrNameLst>
-                                          <p:attrName>ppt_y</p:attrName>
-                                        </p:attrNameLst>
-                                      </p:cBhvr>
-                                      <p:tavLst>
-                                        <p:tav tm="0">
-                                          <p:val>
-                                            <p:strVal val="1+#ppt_h/2"/>
-                                          </p:val>
-                                        </p:tav>
-                                        <p:tav tm="100000">
-                                          <p:val>
-                                            <p:strVal val="#ppt_y"/>
-                                          </p:val>
-                                        </p:tav>
-                                      </p:tavLst>
-                                    </p:anim>
+                                    </p:animEffect>
                                   </p:childTnLst>
                                 </p:cTn>
                               </p:par>
@@ -20897,6 +18595,7 @@
     <p:bldLst>
       <p:bldP spid="4" grpId="0"/>
       <p:bldP spid="8" grpId="0"/>
+      <p:bldP spid="6" grpId="0" animBg="1"/>
     </p:bldLst>
   </p:timing>
 </p:sld>
@@ -26776,6 +24475,441 @@
           </a:p>
         </p:txBody>
       </p:sp>
+      <p:sp>
+        <p:nvSpPr>
+          <p:cNvPr id="2" name="Rectangle 1">
+            <a:extLst>
+              <a:ext uri="{FF2B5EF4-FFF2-40B4-BE49-F238E27FC236}">
+                <a16:creationId xmlns:a16="http://schemas.microsoft.com/office/drawing/2014/main" id="{09C651AB-DE5C-D2D2-2D10-206A0E9A5B98}"/>
+              </a:ext>
+            </a:extLst>
+          </p:cNvPr>
+          <p:cNvSpPr/>
+          <p:nvPr/>
+        </p:nvSpPr>
+        <p:spPr>
+          <a:xfrm>
+            <a:off x="1295400" y="2576010"/>
+            <a:ext cx="427602" cy="309957"/>
+          </a:xfrm>
+          <a:prstGeom prst="rect">
+            <a:avLst/>
+          </a:prstGeom>
+          <a:noFill/>
+          <a:ln w="28575">
+            <a:solidFill>
+              <a:srgbClr val="00B050"/>
+            </a:solidFill>
+          </a:ln>
+        </p:spPr>
+        <p:style>
+          <a:lnRef idx="2">
+            <a:schemeClr val="accent1">
+              <a:shade val="15000"/>
+            </a:schemeClr>
+          </a:lnRef>
+          <a:fillRef idx="1">
+            <a:schemeClr val="accent1"/>
+          </a:fillRef>
+          <a:effectRef idx="0">
+            <a:schemeClr val="accent1"/>
+          </a:effectRef>
+          <a:fontRef idx="minor">
+            <a:schemeClr val="lt1"/>
+          </a:fontRef>
+        </p:style>
+        <p:txBody>
+          <a:bodyPr rtlCol="0" anchor="ctr"/>
+          <a:lstStyle/>
+          <a:p>
+            <a:pPr algn="ctr"/>
+            <a:endParaRPr lang="en-US"/>
+          </a:p>
+        </p:txBody>
+      </p:sp>
+      <p:sp>
+        <p:nvSpPr>
+          <p:cNvPr id="3" name="Rectangle 2">
+            <a:extLst>
+              <a:ext uri="{FF2B5EF4-FFF2-40B4-BE49-F238E27FC236}">
+                <a16:creationId xmlns:a16="http://schemas.microsoft.com/office/drawing/2014/main" id="{F5E8E583-77F5-3A52-754C-85A032B4A45C}"/>
+              </a:ext>
+            </a:extLst>
+          </p:cNvPr>
+          <p:cNvSpPr/>
+          <p:nvPr/>
+        </p:nvSpPr>
+        <p:spPr>
+          <a:xfrm>
+            <a:off x="2806050" y="3433262"/>
+            <a:ext cx="146700" cy="309957"/>
+          </a:xfrm>
+          <a:prstGeom prst="rect">
+            <a:avLst/>
+          </a:prstGeom>
+          <a:noFill/>
+          <a:ln w="28575">
+            <a:solidFill>
+              <a:srgbClr val="00B050"/>
+            </a:solidFill>
+          </a:ln>
+        </p:spPr>
+        <p:style>
+          <a:lnRef idx="2">
+            <a:schemeClr val="accent1">
+              <a:shade val="15000"/>
+            </a:schemeClr>
+          </a:lnRef>
+          <a:fillRef idx="1">
+            <a:schemeClr val="accent1"/>
+          </a:fillRef>
+          <a:effectRef idx="0">
+            <a:schemeClr val="accent1"/>
+          </a:effectRef>
+          <a:fontRef idx="minor">
+            <a:schemeClr val="lt1"/>
+          </a:fontRef>
+        </p:style>
+        <p:txBody>
+          <a:bodyPr rtlCol="0" anchor="ctr"/>
+          <a:lstStyle/>
+          <a:p>
+            <a:pPr algn="ctr"/>
+            <a:endParaRPr lang="en-US"/>
+          </a:p>
+        </p:txBody>
+      </p:sp>
+      <p:sp>
+        <p:nvSpPr>
+          <p:cNvPr id="4" name="Rectangle 3">
+            <a:extLst>
+              <a:ext uri="{FF2B5EF4-FFF2-40B4-BE49-F238E27FC236}">
+                <a16:creationId xmlns:a16="http://schemas.microsoft.com/office/drawing/2014/main" id="{EA94CF17-947E-EAB1-661B-7C7FE6A5895E}"/>
+              </a:ext>
+            </a:extLst>
+          </p:cNvPr>
+          <p:cNvSpPr/>
+          <p:nvPr/>
+        </p:nvSpPr>
+        <p:spPr>
+          <a:xfrm>
+            <a:off x="4581126" y="3528431"/>
+            <a:ext cx="701233" cy="309957"/>
+          </a:xfrm>
+          <a:prstGeom prst="rect">
+            <a:avLst/>
+          </a:prstGeom>
+          <a:noFill/>
+          <a:ln w="28575">
+            <a:solidFill>
+              <a:srgbClr val="00B050"/>
+            </a:solidFill>
+          </a:ln>
+        </p:spPr>
+        <p:style>
+          <a:lnRef idx="2">
+            <a:schemeClr val="accent1">
+              <a:shade val="15000"/>
+            </a:schemeClr>
+          </a:lnRef>
+          <a:fillRef idx="1">
+            <a:schemeClr val="accent1"/>
+          </a:fillRef>
+          <a:effectRef idx="0">
+            <a:schemeClr val="accent1"/>
+          </a:effectRef>
+          <a:fontRef idx="minor">
+            <a:schemeClr val="lt1"/>
+          </a:fontRef>
+        </p:style>
+        <p:txBody>
+          <a:bodyPr rtlCol="0" anchor="ctr"/>
+          <a:lstStyle/>
+          <a:p>
+            <a:pPr algn="ctr"/>
+            <a:endParaRPr lang="en-US"/>
+          </a:p>
+        </p:txBody>
+      </p:sp>
+      <p:cxnSp>
+        <p:nvCxnSpPr>
+          <p:cNvPr id="9" name="Connector: Elbow 8">
+            <a:extLst>
+              <a:ext uri="{FF2B5EF4-FFF2-40B4-BE49-F238E27FC236}">
+                <a16:creationId xmlns:a16="http://schemas.microsoft.com/office/drawing/2014/main" id="{DD494CF1-3CB7-4C42-D490-2B62A0436765}"/>
+              </a:ext>
+            </a:extLst>
+          </p:cNvPr>
+          <p:cNvCxnSpPr>
+            <a:stCxn id="2" idx="2"/>
+            <a:endCxn id="3" idx="0"/>
+          </p:cNvCxnSpPr>
+          <p:nvPr/>
+        </p:nvCxnSpPr>
+        <p:spPr>
+          <a:xfrm rot="16200000" flipH="1">
+            <a:off x="1920653" y="2474514"/>
+            <a:ext cx="547295" cy="1370199"/>
+          </a:xfrm>
+          <a:prstGeom prst="bentConnector3">
+            <a:avLst>
+              <a:gd name="adj1" fmla="val 66570"/>
+            </a:avLst>
+          </a:prstGeom>
+          <a:ln w="28575">
+            <a:solidFill>
+              <a:srgbClr val="00B050"/>
+            </a:solidFill>
+            <a:tailEnd type="triangle"/>
+          </a:ln>
+        </p:spPr>
+        <p:style>
+          <a:lnRef idx="1">
+            <a:schemeClr val="accent1"/>
+          </a:lnRef>
+          <a:fillRef idx="0">
+            <a:schemeClr val="accent1"/>
+          </a:fillRef>
+          <a:effectRef idx="0">
+            <a:schemeClr val="accent1"/>
+          </a:effectRef>
+          <a:fontRef idx="minor">
+            <a:schemeClr val="tx1"/>
+          </a:fontRef>
+        </p:style>
+      </p:cxnSp>
+      <p:cxnSp>
+        <p:nvCxnSpPr>
+          <p:cNvPr id="13" name="Connector: Elbow 12">
+            <a:extLst>
+              <a:ext uri="{FF2B5EF4-FFF2-40B4-BE49-F238E27FC236}">
+                <a16:creationId xmlns:a16="http://schemas.microsoft.com/office/drawing/2014/main" id="{83AEBF7F-D570-E02D-9A81-4E619CE34256}"/>
+              </a:ext>
+            </a:extLst>
+          </p:cNvPr>
+          <p:cNvCxnSpPr>
+            <a:cxnSpLocks/>
+            <a:stCxn id="3" idx="2"/>
+            <a:endCxn id="4" idx="2"/>
+          </p:cNvCxnSpPr>
+          <p:nvPr/>
+        </p:nvCxnSpPr>
+        <p:spPr>
+          <a:xfrm rot="16200000" flipH="1">
+            <a:off x="3857987" y="2764631"/>
+            <a:ext cx="95169" cy="2052343"/>
+          </a:xfrm>
+          <a:prstGeom prst="bentConnector3">
+            <a:avLst>
+              <a:gd name="adj1" fmla="val 340204"/>
+            </a:avLst>
+          </a:prstGeom>
+          <a:ln w="28575">
+            <a:solidFill>
+              <a:srgbClr val="00B050"/>
+            </a:solidFill>
+            <a:tailEnd type="triangle"/>
+          </a:ln>
+        </p:spPr>
+        <p:style>
+          <a:lnRef idx="1">
+            <a:schemeClr val="accent1"/>
+          </a:lnRef>
+          <a:fillRef idx="0">
+            <a:schemeClr val="accent1"/>
+          </a:fillRef>
+          <a:effectRef idx="0">
+            <a:schemeClr val="accent1"/>
+          </a:effectRef>
+          <a:fontRef idx="minor">
+            <a:schemeClr val="tx1"/>
+          </a:fontRef>
+        </p:style>
+      </p:cxnSp>
+      <p:sp>
+        <p:nvSpPr>
+          <p:cNvPr id="19" name="TextBox 18">
+            <a:extLst>
+              <a:ext uri="{FF2B5EF4-FFF2-40B4-BE49-F238E27FC236}">
+                <a16:creationId xmlns:a16="http://schemas.microsoft.com/office/drawing/2014/main" id="{0E5E3880-9A4B-DB9A-6F66-253FF76A2DD0}"/>
+              </a:ext>
+            </a:extLst>
+          </p:cNvPr>
+          <p:cNvSpPr txBox="1"/>
+          <p:nvPr/>
+        </p:nvSpPr>
+        <p:spPr>
+          <a:xfrm>
+            <a:off x="98241" y="4746365"/>
+            <a:ext cx="1410960" cy="738664"/>
+          </a:xfrm>
+          <a:prstGeom prst="rect">
+            <a:avLst/>
+          </a:prstGeom>
+          <a:noFill/>
+        </p:spPr>
+        <p:txBody>
+          <a:bodyPr wrap="square" rtlCol="0">
+            <a:spAutoFit/>
+          </a:bodyPr>
+          <a:lstStyle/>
+          <a:p>
+            <a:pPr algn="ctr"/>
+            <a:r>
+              <a:rPr lang="en-US" sz="1400" b="1" dirty="0">
+                <a:solidFill>
+                  <a:srgbClr val="0070C0"/>
+                </a:solidFill>
+              </a:rPr>
+              <a:t>This was the h/k algorithm for a standard CF</a:t>
+            </a:r>
+          </a:p>
+        </p:txBody>
+      </p:sp>
+      <p:sp>
+        <p:nvSpPr>
+          <p:cNvPr id="21" name="TextBox 20">
+            <a:extLst>
+              <a:ext uri="{FF2B5EF4-FFF2-40B4-BE49-F238E27FC236}">
+                <a16:creationId xmlns:a16="http://schemas.microsoft.com/office/drawing/2014/main" id="{7914820D-1DB7-4380-1023-B81C23825D90}"/>
+              </a:ext>
+            </a:extLst>
+          </p:cNvPr>
+          <p:cNvSpPr txBox="1"/>
+          <p:nvPr/>
+        </p:nvSpPr>
+        <p:spPr>
+          <a:xfrm>
+            <a:off x="6092938" y="3975560"/>
+            <a:ext cx="2688325" cy="307777"/>
+          </a:xfrm>
+          <a:prstGeom prst="rect">
+            <a:avLst/>
+          </a:prstGeom>
+          <a:noFill/>
+        </p:spPr>
+        <p:txBody>
+          <a:bodyPr wrap="square" rtlCol="0">
+            <a:spAutoFit/>
+          </a:bodyPr>
+          <a:lstStyle/>
+          <a:p>
+            <a:pPr algn="ctr"/>
+            <a:r>
+              <a:rPr lang="en-US" sz="1400" b="1" dirty="0">
+                <a:solidFill>
+                  <a:srgbClr val="0070C0"/>
+                </a:solidFill>
+              </a:rPr>
+              <a:t>This is the h/k algorithm for a GCF</a:t>
+            </a:r>
+          </a:p>
+        </p:txBody>
+      </p:sp>
+      <p:sp>
+        <p:nvSpPr>
+          <p:cNvPr id="22" name="Rectangle 21">
+            <a:extLst>
+              <a:ext uri="{FF2B5EF4-FFF2-40B4-BE49-F238E27FC236}">
+                <a16:creationId xmlns:a16="http://schemas.microsoft.com/office/drawing/2014/main" id="{272C0FAD-8CF1-4A8A-BED6-B55D4FF16197}"/>
+              </a:ext>
+            </a:extLst>
+          </p:cNvPr>
+          <p:cNvSpPr/>
+          <p:nvPr/>
+        </p:nvSpPr>
+        <p:spPr>
+          <a:xfrm>
+            <a:off x="4931743" y="6211874"/>
+            <a:ext cx="1842914" cy="307777"/>
+          </a:xfrm>
+          <a:prstGeom prst="rect">
+            <a:avLst/>
+          </a:prstGeom>
+          <a:noFill/>
+          <a:ln w="28575">
+            <a:solidFill>
+              <a:srgbClr val="FFFF00"/>
+            </a:solidFill>
+          </a:ln>
+        </p:spPr>
+        <p:style>
+          <a:lnRef idx="2">
+            <a:schemeClr val="accent1">
+              <a:shade val="15000"/>
+            </a:schemeClr>
+          </a:lnRef>
+          <a:fillRef idx="1">
+            <a:schemeClr val="accent1"/>
+          </a:fillRef>
+          <a:effectRef idx="0">
+            <a:schemeClr val="accent1"/>
+          </a:effectRef>
+          <a:fontRef idx="minor">
+            <a:schemeClr val="lt1"/>
+          </a:fontRef>
+        </p:style>
+        <p:txBody>
+          <a:bodyPr rtlCol="0" anchor="ctr"/>
+          <a:lstStyle/>
+          <a:p>
+            <a:pPr algn="ctr"/>
+            <a:endParaRPr lang="en-US"/>
+          </a:p>
+        </p:txBody>
+      </p:sp>
+      <p:sp>
+        <p:nvSpPr>
+          <p:cNvPr id="24" name="Rectangle 23">
+            <a:extLst>
+              <a:ext uri="{FF2B5EF4-FFF2-40B4-BE49-F238E27FC236}">
+                <a16:creationId xmlns:a16="http://schemas.microsoft.com/office/drawing/2014/main" id="{A0B7852C-CF20-8E4E-0EBB-5E0B2069F83B}"/>
+              </a:ext>
+            </a:extLst>
+          </p:cNvPr>
+          <p:cNvSpPr/>
+          <p:nvPr/>
+        </p:nvSpPr>
+        <p:spPr>
+          <a:xfrm>
+            <a:off x="4694477" y="4597904"/>
+            <a:ext cx="2080180" cy="166978"/>
+          </a:xfrm>
+          <a:prstGeom prst="rect">
+            <a:avLst/>
+          </a:prstGeom>
+          <a:noFill/>
+          <a:ln w="28575">
+            <a:solidFill>
+              <a:srgbClr val="FFFF00"/>
+            </a:solidFill>
+          </a:ln>
+        </p:spPr>
+        <p:style>
+          <a:lnRef idx="2">
+            <a:schemeClr val="accent1">
+              <a:shade val="15000"/>
+            </a:schemeClr>
+          </a:lnRef>
+          <a:fillRef idx="1">
+            <a:schemeClr val="accent1"/>
+          </a:fillRef>
+          <a:effectRef idx="0">
+            <a:schemeClr val="accent1"/>
+          </a:effectRef>
+          <a:fontRef idx="minor">
+            <a:schemeClr val="lt1"/>
+          </a:fontRef>
+        </p:style>
+        <p:txBody>
+          <a:bodyPr rtlCol="0" anchor="ctr"/>
+          <a:lstStyle/>
+          <a:p>
+            <a:pPr algn="ctr"/>
+            <a:endParaRPr lang="en-US"/>
+          </a:p>
+        </p:txBody>
+      </p:sp>
     </p:spTree>
     <p:extLst>
       <p:ext uri="{BB962C8B-B14F-4D97-AF65-F5344CB8AC3E}">
@@ -27223,7 +25357,7 @@
                             </p:stCondLst>
                             <p:childTnLst>
                               <p:par>
-                                <p:cTn id="40" presetID="1" presetClass="exit" presetSubtype="0" fill="hold" nodeType="clickEffect">
+                                <p:cTn id="40" presetID="22" presetClass="entr" presetSubtype="1" fill="hold" grpId="0" nodeType="clickEffect">
                                   <p:stCondLst>
                                     <p:cond delay="0"/>
                                   </p:stCondLst>
@@ -27231,6 +25365,226 @@
                                     <p:set>
                                       <p:cBhvr>
                                         <p:cTn id="41" dur="1" fill="hold">
+                                          <p:stCondLst>
+                                            <p:cond delay="0"/>
+                                          </p:stCondLst>
+                                        </p:cTn>
+                                        <p:tgtEl>
+                                          <p:spTgt spid="2"/>
+                                        </p:tgtEl>
+                                        <p:attrNameLst>
+                                          <p:attrName>style.visibility</p:attrName>
+                                        </p:attrNameLst>
+                                      </p:cBhvr>
+                                      <p:to>
+                                        <p:strVal val="visible"/>
+                                      </p:to>
+                                    </p:set>
+                                    <p:animEffect transition="in" filter="wipe(up)">
+                                      <p:cBhvr>
+                                        <p:cTn id="42" dur="500"/>
+                                        <p:tgtEl>
+                                          <p:spTgt spid="2"/>
+                                        </p:tgtEl>
+                                      </p:cBhvr>
+                                    </p:animEffect>
+                                  </p:childTnLst>
+                                </p:cTn>
+                              </p:par>
+                            </p:childTnLst>
+                          </p:cTn>
+                        </p:par>
+                        <p:par>
+                          <p:cTn id="43" fill="hold">
+                            <p:stCondLst>
+                              <p:cond delay="500"/>
+                            </p:stCondLst>
+                            <p:childTnLst>
+                              <p:par>
+                                <p:cTn id="44" presetID="22" presetClass="entr" presetSubtype="8" fill="hold" nodeType="afterEffect">
+                                  <p:stCondLst>
+                                    <p:cond delay="0"/>
+                                  </p:stCondLst>
+                                  <p:childTnLst>
+                                    <p:set>
+                                      <p:cBhvr>
+                                        <p:cTn id="45" dur="1" fill="hold">
+                                          <p:stCondLst>
+                                            <p:cond delay="0"/>
+                                          </p:stCondLst>
+                                        </p:cTn>
+                                        <p:tgtEl>
+                                          <p:spTgt spid="9"/>
+                                        </p:tgtEl>
+                                        <p:attrNameLst>
+                                          <p:attrName>style.visibility</p:attrName>
+                                        </p:attrNameLst>
+                                      </p:cBhvr>
+                                      <p:to>
+                                        <p:strVal val="visible"/>
+                                      </p:to>
+                                    </p:set>
+                                    <p:animEffect transition="in" filter="wipe(left)">
+                                      <p:cBhvr>
+                                        <p:cTn id="46" dur="500"/>
+                                        <p:tgtEl>
+                                          <p:spTgt spid="9"/>
+                                        </p:tgtEl>
+                                      </p:cBhvr>
+                                    </p:animEffect>
+                                  </p:childTnLst>
+                                </p:cTn>
+                              </p:par>
+                            </p:childTnLst>
+                          </p:cTn>
+                        </p:par>
+                        <p:par>
+                          <p:cTn id="47" fill="hold">
+                            <p:stCondLst>
+                              <p:cond delay="1000"/>
+                            </p:stCondLst>
+                            <p:childTnLst>
+                              <p:par>
+                                <p:cTn id="48" presetID="22" presetClass="entr" presetSubtype="1" fill="hold" grpId="0" nodeType="afterEffect">
+                                  <p:stCondLst>
+                                    <p:cond delay="0"/>
+                                  </p:stCondLst>
+                                  <p:childTnLst>
+                                    <p:set>
+                                      <p:cBhvr>
+                                        <p:cTn id="49" dur="1" fill="hold">
+                                          <p:stCondLst>
+                                            <p:cond delay="0"/>
+                                          </p:stCondLst>
+                                        </p:cTn>
+                                        <p:tgtEl>
+                                          <p:spTgt spid="3"/>
+                                        </p:tgtEl>
+                                        <p:attrNameLst>
+                                          <p:attrName>style.visibility</p:attrName>
+                                        </p:attrNameLst>
+                                      </p:cBhvr>
+                                      <p:to>
+                                        <p:strVal val="visible"/>
+                                      </p:to>
+                                    </p:set>
+                                    <p:animEffect transition="in" filter="wipe(up)">
+                                      <p:cBhvr>
+                                        <p:cTn id="50" dur="500"/>
+                                        <p:tgtEl>
+                                          <p:spTgt spid="3"/>
+                                        </p:tgtEl>
+                                      </p:cBhvr>
+                                    </p:animEffect>
+                                  </p:childTnLst>
+                                </p:cTn>
+                              </p:par>
+                            </p:childTnLst>
+                          </p:cTn>
+                        </p:par>
+                        <p:par>
+                          <p:cTn id="51" fill="hold">
+                            <p:stCondLst>
+                              <p:cond delay="1500"/>
+                            </p:stCondLst>
+                            <p:childTnLst>
+                              <p:par>
+                                <p:cTn id="52" presetID="22" presetClass="entr" presetSubtype="8" fill="hold" nodeType="afterEffect">
+                                  <p:stCondLst>
+                                    <p:cond delay="0"/>
+                                  </p:stCondLst>
+                                  <p:childTnLst>
+                                    <p:set>
+                                      <p:cBhvr>
+                                        <p:cTn id="53" dur="1" fill="hold">
+                                          <p:stCondLst>
+                                            <p:cond delay="0"/>
+                                          </p:stCondLst>
+                                        </p:cTn>
+                                        <p:tgtEl>
+                                          <p:spTgt spid="13"/>
+                                        </p:tgtEl>
+                                        <p:attrNameLst>
+                                          <p:attrName>style.visibility</p:attrName>
+                                        </p:attrNameLst>
+                                      </p:cBhvr>
+                                      <p:to>
+                                        <p:strVal val="visible"/>
+                                      </p:to>
+                                    </p:set>
+                                    <p:animEffect transition="in" filter="wipe(left)">
+                                      <p:cBhvr>
+                                        <p:cTn id="54" dur="500"/>
+                                        <p:tgtEl>
+                                          <p:spTgt spid="13"/>
+                                        </p:tgtEl>
+                                      </p:cBhvr>
+                                    </p:animEffect>
+                                  </p:childTnLst>
+                                </p:cTn>
+                              </p:par>
+                            </p:childTnLst>
+                          </p:cTn>
+                        </p:par>
+                        <p:par>
+                          <p:cTn id="55" fill="hold">
+                            <p:stCondLst>
+                              <p:cond delay="2000"/>
+                            </p:stCondLst>
+                            <p:childTnLst>
+                              <p:par>
+                                <p:cTn id="56" presetID="22" presetClass="entr" presetSubtype="4" fill="hold" grpId="0" nodeType="afterEffect">
+                                  <p:stCondLst>
+                                    <p:cond delay="0"/>
+                                  </p:stCondLst>
+                                  <p:childTnLst>
+                                    <p:set>
+                                      <p:cBhvr>
+                                        <p:cTn id="57" dur="1" fill="hold">
+                                          <p:stCondLst>
+                                            <p:cond delay="0"/>
+                                          </p:stCondLst>
+                                        </p:cTn>
+                                        <p:tgtEl>
+                                          <p:spTgt spid="4"/>
+                                        </p:tgtEl>
+                                        <p:attrNameLst>
+                                          <p:attrName>style.visibility</p:attrName>
+                                        </p:attrNameLst>
+                                      </p:cBhvr>
+                                      <p:to>
+                                        <p:strVal val="visible"/>
+                                      </p:to>
+                                    </p:set>
+                                    <p:animEffect transition="in" filter="wipe(down)">
+                                      <p:cBhvr>
+                                        <p:cTn id="58" dur="500"/>
+                                        <p:tgtEl>
+                                          <p:spTgt spid="4"/>
+                                        </p:tgtEl>
+                                      </p:cBhvr>
+                                    </p:animEffect>
+                                  </p:childTnLst>
+                                </p:cTn>
+                              </p:par>
+                            </p:childTnLst>
+                          </p:cTn>
+                        </p:par>
+                        <p:par>
+                          <p:cTn id="59" fill="hold">
+                            <p:stCondLst>
+                              <p:cond delay="2500"/>
+                            </p:stCondLst>
+                            <p:childTnLst>
+                              <p:par>
+                                <p:cTn id="60" presetID="1" presetClass="exit" presetSubtype="0" fill="hold" nodeType="afterEffect">
+                                  <p:stCondLst>
+                                    <p:cond delay="0"/>
+                                  </p:stCondLst>
+                                  <p:childTnLst>
+                                    <p:set>
+                                      <p:cBhvr>
+                                        <p:cTn id="61" dur="1" fill="hold">
                                           <p:stCondLst>
                                             <p:cond delay="0"/>
                                           </p:stCondLst>
@@ -27250,14 +25604,14 @@
                                 </p:cTn>
                               </p:par>
                               <p:par>
-                                <p:cTn id="42" presetID="1" presetClass="exit" presetSubtype="0" fill="hold" nodeType="withEffect">
+                                <p:cTn id="62" presetID="1" presetClass="exit" presetSubtype="0" fill="hold" nodeType="withEffect">
                                   <p:stCondLst>
                                     <p:cond delay="0"/>
                                   </p:stCondLst>
                                   <p:childTnLst>
                                     <p:set>
                                       <p:cBhvr>
-                                        <p:cTn id="43" dur="1" fill="hold">
+                                        <p:cTn id="63" dur="1" fill="hold">
                                           <p:stCondLst>
                                             <p:cond delay="0"/>
                                           </p:stCondLst>
@@ -27280,20 +25634,20 @@
                           </p:cTn>
                         </p:par>
                         <p:par>
-                          <p:cTn id="44" fill="hold">
+                          <p:cTn id="64" fill="hold">
                             <p:stCondLst>
-                              <p:cond delay="0"/>
+                              <p:cond delay="2500"/>
                             </p:stCondLst>
                             <p:childTnLst>
                               <p:par>
-                                <p:cTn id="45" presetID="22" presetClass="entr" presetSubtype="4" fill="hold" nodeType="afterEffect">
+                                <p:cTn id="65" presetID="22" presetClass="entr" presetSubtype="4" fill="hold" nodeType="afterEffect">
                                   <p:stCondLst>
                                     <p:cond delay="0"/>
                                   </p:stCondLst>
                                   <p:childTnLst>
                                     <p:set>
                                       <p:cBhvr>
-                                        <p:cTn id="46" dur="1" fill="hold">
+                                        <p:cTn id="66" dur="1" fill="hold">
                                           <p:stCondLst>
                                             <p:cond delay="0"/>
                                           </p:stCondLst>
@@ -27311,221 +25665,9 @@
                                     </p:set>
                                     <p:animEffect transition="in" filter="wipe(down)">
                                       <p:cBhvr>
-                                        <p:cTn id="47" dur="500"/>
+                                        <p:cTn id="67" dur="500"/>
                                         <p:tgtEl>
                                           <p:spTgt spid="23"/>
-                                        </p:tgtEl>
-                                      </p:cBhvr>
-                                    </p:animEffect>
-                                  </p:childTnLst>
-                                </p:cTn>
-                              </p:par>
-                            </p:childTnLst>
-                          </p:cTn>
-                        </p:par>
-                      </p:childTnLst>
-                    </p:cTn>
-                  </p:par>
-                  <p:par>
-                    <p:cTn id="48" fill="hold">
-                      <p:stCondLst>
-                        <p:cond delay="indefinite"/>
-                      </p:stCondLst>
-                      <p:childTnLst>
-                        <p:par>
-                          <p:cTn id="49" fill="hold">
-                            <p:stCondLst>
-                              <p:cond delay="0"/>
-                            </p:stCondLst>
-                            <p:childTnLst>
-                              <p:par>
-                                <p:cTn id="50" presetID="22" presetClass="entr" presetSubtype="4" fill="hold" nodeType="clickEffect">
-                                  <p:stCondLst>
-                                    <p:cond delay="0"/>
-                                  </p:stCondLst>
-                                  <p:childTnLst>
-                                    <p:set>
-                                      <p:cBhvr>
-                                        <p:cTn id="51" dur="1" fill="hold">
-                                          <p:stCondLst>
-                                            <p:cond delay="0"/>
-                                          </p:stCondLst>
-                                        </p:cTn>
-                                        <p:tgtEl>
-                                          <p:spTgt spid="27"/>
-                                        </p:tgtEl>
-                                        <p:attrNameLst>
-                                          <p:attrName>style.visibility</p:attrName>
-                                        </p:attrNameLst>
-                                      </p:cBhvr>
-                                      <p:to>
-                                        <p:strVal val="visible"/>
-                                      </p:to>
-                                    </p:set>
-                                    <p:animEffect transition="in" filter="wipe(down)">
-                                      <p:cBhvr>
-                                        <p:cTn id="52" dur="500"/>
-                                        <p:tgtEl>
-                                          <p:spTgt spid="27"/>
-                                        </p:tgtEl>
-                                      </p:cBhvr>
-                                    </p:animEffect>
-                                  </p:childTnLst>
-                                </p:cTn>
-                              </p:par>
-                            </p:childTnLst>
-                          </p:cTn>
-                        </p:par>
-                      </p:childTnLst>
-                    </p:cTn>
-                  </p:par>
-                  <p:par>
-                    <p:cTn id="53" fill="hold">
-                      <p:stCondLst>
-                        <p:cond delay="indefinite"/>
-                      </p:stCondLst>
-                      <p:childTnLst>
-                        <p:par>
-                          <p:cTn id="54" fill="hold">
-                            <p:stCondLst>
-                              <p:cond delay="0"/>
-                            </p:stCondLst>
-                            <p:childTnLst>
-                              <p:par>
-                                <p:cTn id="55" presetID="22" presetClass="entr" presetSubtype="4" fill="hold" nodeType="clickEffect">
-                                  <p:stCondLst>
-                                    <p:cond delay="0"/>
-                                  </p:stCondLst>
-                                  <p:childTnLst>
-                                    <p:set>
-                                      <p:cBhvr>
-                                        <p:cTn id="56" dur="1" fill="hold">
-                                          <p:stCondLst>
-                                            <p:cond delay="0"/>
-                                          </p:stCondLst>
-                                        </p:cTn>
-                                        <p:tgtEl>
-                                          <p:spTgt spid="28"/>
-                                        </p:tgtEl>
-                                        <p:attrNameLst>
-                                          <p:attrName>style.visibility</p:attrName>
-                                        </p:attrNameLst>
-                                      </p:cBhvr>
-                                      <p:to>
-                                        <p:strVal val="visible"/>
-                                      </p:to>
-                                    </p:set>
-                                    <p:animEffect transition="in" filter="wipe(down)">
-                                      <p:cBhvr>
-                                        <p:cTn id="57" dur="500"/>
-                                        <p:tgtEl>
-                                          <p:spTgt spid="28"/>
-                                        </p:tgtEl>
-                                      </p:cBhvr>
-                                    </p:animEffect>
-                                  </p:childTnLst>
-                                </p:cTn>
-                              </p:par>
-                            </p:childTnLst>
-                          </p:cTn>
-                        </p:par>
-                      </p:childTnLst>
-                    </p:cTn>
-                  </p:par>
-                  <p:par>
-                    <p:cTn id="58" fill="hold">
-                      <p:stCondLst>
-                        <p:cond delay="indefinite"/>
-                      </p:stCondLst>
-                      <p:childTnLst>
-                        <p:par>
-                          <p:cTn id="59" fill="hold">
-                            <p:stCondLst>
-                              <p:cond delay="0"/>
-                            </p:stCondLst>
-                            <p:childTnLst>
-                              <p:par>
-                                <p:cTn id="60" presetID="22" presetClass="entr" presetSubtype="4" fill="hold" nodeType="clickEffect">
-                                  <p:stCondLst>
-                                    <p:cond delay="0"/>
-                                  </p:stCondLst>
-                                  <p:childTnLst>
-                                    <p:set>
-                                      <p:cBhvr>
-                                        <p:cTn id="61" dur="1" fill="hold">
-                                          <p:stCondLst>
-                                            <p:cond delay="0"/>
-                                          </p:stCondLst>
-                                        </p:cTn>
-                                        <p:tgtEl>
-                                          <p:spTgt spid="30"/>
-                                        </p:tgtEl>
-                                        <p:attrNameLst>
-                                          <p:attrName>style.visibility</p:attrName>
-                                        </p:attrNameLst>
-                                      </p:cBhvr>
-                                      <p:to>
-                                        <p:strVal val="visible"/>
-                                      </p:to>
-                                    </p:set>
-                                    <p:animEffect transition="in" filter="wipe(down)">
-                                      <p:cBhvr>
-                                        <p:cTn id="62" dur="500"/>
-                                        <p:tgtEl>
-                                          <p:spTgt spid="30"/>
-                                        </p:tgtEl>
-                                      </p:cBhvr>
-                                    </p:animEffect>
-                                  </p:childTnLst>
-                                </p:cTn>
-                              </p:par>
-                            </p:childTnLst>
-                          </p:cTn>
-                        </p:par>
-                      </p:childTnLst>
-                    </p:cTn>
-                  </p:par>
-                  <p:par>
-                    <p:cTn id="63" fill="hold">
-                      <p:stCondLst>
-                        <p:cond delay="indefinite"/>
-                      </p:stCondLst>
-                      <p:childTnLst>
-                        <p:par>
-                          <p:cTn id="64" fill="hold">
-                            <p:stCondLst>
-                              <p:cond delay="0"/>
-                            </p:stCondLst>
-                            <p:childTnLst>
-                              <p:par>
-                                <p:cTn id="65" presetID="22" presetClass="entr" presetSubtype="4" fill="hold" nodeType="clickEffect">
-                                  <p:stCondLst>
-                                    <p:cond delay="0"/>
-                                  </p:stCondLst>
-                                  <p:childTnLst>
-                                    <p:set>
-                                      <p:cBhvr>
-                                        <p:cTn id="66" dur="1" fill="hold">
-                                          <p:stCondLst>
-                                            <p:cond delay="0"/>
-                                          </p:stCondLst>
-                                        </p:cTn>
-                                        <p:tgtEl>
-                                          <p:spTgt spid="33"/>
-                                        </p:tgtEl>
-                                        <p:attrNameLst>
-                                          <p:attrName>style.visibility</p:attrName>
-                                        </p:attrNameLst>
-                                      </p:cBhvr>
-                                      <p:to>
-                                        <p:strVal val="visible"/>
-                                      </p:to>
-                                    </p:set>
-                                    <p:animEffect transition="in" filter="wipe(down)">
-                                      <p:cBhvr>
-                                        <p:cTn id="67" dur="500"/>
-                                        <p:tgtEl>
-                                          <p:spTgt spid="33"/>
                                         </p:tgtEl>
                                       </p:cBhvr>
                                     </p:animEffect>
@@ -27551,7 +25693,7 @@
                             </p:stCondLst>
                             <p:childTnLst>
                               <p:par>
-                                <p:cTn id="70" presetID="1" presetClass="exit" presetSubtype="0" fill="hold" nodeType="clickEffect">
+                                <p:cTn id="70" presetID="22" presetClass="entr" presetSubtype="4" fill="hold" nodeType="clickEffect">
                                   <p:stCondLst>
                                     <p:cond delay="0"/>
                                   </p:stCondLst>
@@ -27559,6 +25701,218 @@
                                     <p:set>
                                       <p:cBhvr>
                                         <p:cTn id="71" dur="1" fill="hold">
+                                          <p:stCondLst>
+                                            <p:cond delay="0"/>
+                                          </p:stCondLst>
+                                        </p:cTn>
+                                        <p:tgtEl>
+                                          <p:spTgt spid="27"/>
+                                        </p:tgtEl>
+                                        <p:attrNameLst>
+                                          <p:attrName>style.visibility</p:attrName>
+                                        </p:attrNameLst>
+                                      </p:cBhvr>
+                                      <p:to>
+                                        <p:strVal val="visible"/>
+                                      </p:to>
+                                    </p:set>
+                                    <p:animEffect transition="in" filter="wipe(down)">
+                                      <p:cBhvr>
+                                        <p:cTn id="72" dur="500"/>
+                                        <p:tgtEl>
+                                          <p:spTgt spid="27"/>
+                                        </p:tgtEl>
+                                      </p:cBhvr>
+                                    </p:animEffect>
+                                  </p:childTnLst>
+                                </p:cTn>
+                              </p:par>
+                            </p:childTnLst>
+                          </p:cTn>
+                        </p:par>
+                      </p:childTnLst>
+                    </p:cTn>
+                  </p:par>
+                  <p:par>
+                    <p:cTn id="73" fill="hold">
+                      <p:stCondLst>
+                        <p:cond delay="indefinite"/>
+                      </p:stCondLst>
+                      <p:childTnLst>
+                        <p:par>
+                          <p:cTn id="74" fill="hold">
+                            <p:stCondLst>
+                              <p:cond delay="0"/>
+                            </p:stCondLst>
+                            <p:childTnLst>
+                              <p:par>
+                                <p:cTn id="75" presetID="22" presetClass="entr" presetSubtype="4" fill="hold" nodeType="clickEffect">
+                                  <p:stCondLst>
+                                    <p:cond delay="0"/>
+                                  </p:stCondLst>
+                                  <p:childTnLst>
+                                    <p:set>
+                                      <p:cBhvr>
+                                        <p:cTn id="76" dur="1" fill="hold">
+                                          <p:stCondLst>
+                                            <p:cond delay="0"/>
+                                          </p:stCondLst>
+                                        </p:cTn>
+                                        <p:tgtEl>
+                                          <p:spTgt spid="28"/>
+                                        </p:tgtEl>
+                                        <p:attrNameLst>
+                                          <p:attrName>style.visibility</p:attrName>
+                                        </p:attrNameLst>
+                                      </p:cBhvr>
+                                      <p:to>
+                                        <p:strVal val="visible"/>
+                                      </p:to>
+                                    </p:set>
+                                    <p:animEffect transition="in" filter="wipe(down)">
+                                      <p:cBhvr>
+                                        <p:cTn id="77" dur="500"/>
+                                        <p:tgtEl>
+                                          <p:spTgt spid="28"/>
+                                        </p:tgtEl>
+                                      </p:cBhvr>
+                                    </p:animEffect>
+                                  </p:childTnLst>
+                                </p:cTn>
+                              </p:par>
+                            </p:childTnLst>
+                          </p:cTn>
+                        </p:par>
+                      </p:childTnLst>
+                    </p:cTn>
+                  </p:par>
+                  <p:par>
+                    <p:cTn id="78" fill="hold">
+                      <p:stCondLst>
+                        <p:cond delay="indefinite"/>
+                      </p:stCondLst>
+                      <p:childTnLst>
+                        <p:par>
+                          <p:cTn id="79" fill="hold">
+                            <p:stCondLst>
+                              <p:cond delay="0"/>
+                            </p:stCondLst>
+                            <p:childTnLst>
+                              <p:par>
+                                <p:cTn id="80" presetID="22" presetClass="entr" presetSubtype="4" fill="hold" nodeType="clickEffect">
+                                  <p:stCondLst>
+                                    <p:cond delay="0"/>
+                                  </p:stCondLst>
+                                  <p:childTnLst>
+                                    <p:set>
+                                      <p:cBhvr>
+                                        <p:cTn id="81" dur="1" fill="hold">
+                                          <p:stCondLst>
+                                            <p:cond delay="0"/>
+                                          </p:stCondLst>
+                                        </p:cTn>
+                                        <p:tgtEl>
+                                          <p:spTgt spid="30"/>
+                                        </p:tgtEl>
+                                        <p:attrNameLst>
+                                          <p:attrName>style.visibility</p:attrName>
+                                        </p:attrNameLst>
+                                      </p:cBhvr>
+                                      <p:to>
+                                        <p:strVal val="visible"/>
+                                      </p:to>
+                                    </p:set>
+                                    <p:animEffect transition="in" filter="wipe(down)">
+                                      <p:cBhvr>
+                                        <p:cTn id="82" dur="500"/>
+                                        <p:tgtEl>
+                                          <p:spTgt spid="30"/>
+                                        </p:tgtEl>
+                                      </p:cBhvr>
+                                    </p:animEffect>
+                                  </p:childTnLst>
+                                </p:cTn>
+                              </p:par>
+                            </p:childTnLst>
+                          </p:cTn>
+                        </p:par>
+                      </p:childTnLst>
+                    </p:cTn>
+                  </p:par>
+                  <p:par>
+                    <p:cTn id="83" fill="hold">
+                      <p:stCondLst>
+                        <p:cond delay="indefinite"/>
+                      </p:stCondLst>
+                      <p:childTnLst>
+                        <p:par>
+                          <p:cTn id="84" fill="hold">
+                            <p:stCondLst>
+                              <p:cond delay="0"/>
+                            </p:stCondLst>
+                            <p:childTnLst>
+                              <p:par>
+                                <p:cTn id="85" presetID="22" presetClass="entr" presetSubtype="4" fill="hold" nodeType="clickEffect">
+                                  <p:stCondLst>
+                                    <p:cond delay="0"/>
+                                  </p:stCondLst>
+                                  <p:childTnLst>
+                                    <p:set>
+                                      <p:cBhvr>
+                                        <p:cTn id="86" dur="1" fill="hold">
+                                          <p:stCondLst>
+                                            <p:cond delay="0"/>
+                                          </p:stCondLst>
+                                        </p:cTn>
+                                        <p:tgtEl>
+                                          <p:spTgt spid="33"/>
+                                        </p:tgtEl>
+                                        <p:attrNameLst>
+                                          <p:attrName>style.visibility</p:attrName>
+                                        </p:attrNameLst>
+                                      </p:cBhvr>
+                                      <p:to>
+                                        <p:strVal val="visible"/>
+                                      </p:to>
+                                    </p:set>
+                                    <p:animEffect transition="in" filter="wipe(down)">
+                                      <p:cBhvr>
+                                        <p:cTn id="87" dur="500"/>
+                                        <p:tgtEl>
+                                          <p:spTgt spid="33"/>
+                                        </p:tgtEl>
+                                      </p:cBhvr>
+                                    </p:animEffect>
+                                  </p:childTnLst>
+                                </p:cTn>
+                              </p:par>
+                            </p:childTnLst>
+                          </p:cTn>
+                        </p:par>
+                      </p:childTnLst>
+                    </p:cTn>
+                  </p:par>
+                  <p:par>
+                    <p:cTn id="88" fill="hold">
+                      <p:stCondLst>
+                        <p:cond delay="indefinite"/>
+                      </p:stCondLst>
+                      <p:childTnLst>
+                        <p:par>
+                          <p:cTn id="89" fill="hold">
+                            <p:stCondLst>
+                              <p:cond delay="0"/>
+                            </p:stCondLst>
+                            <p:childTnLst>
+                              <p:par>
+                                <p:cTn id="90" presetID="1" presetClass="exit" presetSubtype="0" fill="hold" nodeType="clickEffect">
+                                  <p:stCondLst>
+                                    <p:cond delay="0"/>
+                                  </p:stCondLst>
+                                  <p:childTnLst>
+                                    <p:set>
+                                      <p:cBhvr>
+                                        <p:cTn id="91" dur="1" fill="hold">
                                           <p:stCondLst>
                                             <p:cond delay="0"/>
                                           </p:stCondLst>
@@ -27578,14 +25932,14 @@
                                 </p:cTn>
                               </p:par>
                               <p:par>
-                                <p:cTn id="72" presetID="1" presetClass="exit" presetSubtype="0" fill="hold" nodeType="withEffect">
+                                <p:cTn id="92" presetID="1" presetClass="exit" presetSubtype="0" fill="hold" nodeType="withEffect">
                                   <p:stCondLst>
                                     <p:cond delay="0"/>
                                   </p:stCondLst>
                                   <p:childTnLst>
                                     <p:set>
                                       <p:cBhvr>
-                                        <p:cTn id="73" dur="1" fill="hold">
+                                        <p:cTn id="93" dur="1" fill="hold">
                                           <p:stCondLst>
                                             <p:cond delay="0"/>
                                           </p:stCondLst>
@@ -27605,14 +25959,14 @@
                                 </p:cTn>
                               </p:par>
                               <p:par>
-                                <p:cTn id="74" presetID="1" presetClass="exit" presetSubtype="0" fill="hold" nodeType="withEffect">
+                                <p:cTn id="94" presetID="1" presetClass="exit" presetSubtype="0" fill="hold" nodeType="withEffect">
                                   <p:stCondLst>
                                     <p:cond delay="0"/>
                                   </p:stCondLst>
                                   <p:childTnLst>
                                     <p:set>
                                       <p:cBhvr>
-                                        <p:cTn id="75" dur="1" fill="hold">
+                                        <p:cTn id="95" dur="1" fill="hold">
                                           <p:stCondLst>
                                             <p:cond delay="0"/>
                                           </p:stCondLst>
@@ -27632,14 +25986,14 @@
                                 </p:cTn>
                               </p:par>
                               <p:par>
-                                <p:cTn id="76" presetID="1" presetClass="exit" presetSubtype="0" fill="hold" nodeType="withEffect">
+                                <p:cTn id="96" presetID="1" presetClass="exit" presetSubtype="0" fill="hold" nodeType="withEffect">
                                   <p:stCondLst>
                                     <p:cond delay="0"/>
                                   </p:stCondLst>
                                   <p:childTnLst>
                                     <p:set>
                                       <p:cBhvr>
-                                        <p:cTn id="77" dur="1" fill="hold">
+                                        <p:cTn id="97" dur="1" fill="hold">
                                           <p:stCondLst>
                                             <p:cond delay="0"/>
                                           </p:stCondLst>
@@ -27659,14 +26013,14 @@
                                 </p:cTn>
                               </p:par>
                               <p:par>
-                                <p:cTn id="78" presetID="1" presetClass="exit" presetSubtype="0" fill="hold" nodeType="withEffect">
+                                <p:cTn id="98" presetID="1" presetClass="exit" presetSubtype="0" fill="hold" nodeType="withEffect">
                                   <p:stCondLst>
                                     <p:cond delay="0"/>
                                   </p:stCondLst>
                                   <p:childTnLst>
                                     <p:set>
                                       <p:cBhvr>
-                                        <p:cTn id="79" dur="1" fill="hold">
+                                        <p:cTn id="99" dur="1" fill="hold">
                                           <p:stCondLst>
                                             <p:cond delay="0"/>
                                           </p:stCondLst>
@@ -27689,20 +26043,20 @@
                           </p:cTn>
                         </p:par>
                         <p:par>
-                          <p:cTn id="80" fill="hold">
+                          <p:cTn id="100" fill="hold">
                             <p:stCondLst>
                               <p:cond delay="0"/>
                             </p:stCondLst>
                             <p:childTnLst>
                               <p:par>
-                                <p:cTn id="81" presetID="2" presetClass="entr" presetSubtype="8" fill="hold" nodeType="afterEffect">
+                                <p:cTn id="101" presetID="2" presetClass="entr" presetSubtype="8" fill="hold" nodeType="afterEffect">
                                   <p:stCondLst>
                                     <p:cond delay="0"/>
                                   </p:stCondLst>
                                   <p:childTnLst>
                                     <p:set>
                                       <p:cBhvr>
-                                        <p:cTn id="82" dur="1" fill="hold">
+                                        <p:cTn id="102" dur="1" fill="hold">
                                           <p:stCondLst>
                                             <p:cond delay="0"/>
                                           </p:stCondLst>
@@ -27720,7 +26074,7 @@
                                     </p:set>
                                     <p:anim calcmode="lin" valueType="num">
                                       <p:cBhvr additive="base">
-                                        <p:cTn id="83" dur="500" fill="hold"/>
+                                        <p:cTn id="103" dur="500" fill="hold"/>
                                         <p:tgtEl>
                                           <p:spTgt spid="29"/>
                                         </p:tgtEl>
@@ -27743,9 +26097,91 @@
                                     </p:anim>
                                     <p:anim calcmode="lin" valueType="num">
                                       <p:cBhvr additive="base">
-                                        <p:cTn id="84" dur="500" fill="hold"/>
+                                        <p:cTn id="104" dur="500" fill="hold"/>
                                         <p:tgtEl>
                                           <p:spTgt spid="29"/>
+                                        </p:tgtEl>
+                                        <p:attrNameLst>
+                                          <p:attrName>ppt_y</p:attrName>
+                                        </p:attrNameLst>
+                                      </p:cBhvr>
+                                      <p:tavLst>
+                                        <p:tav tm="0">
+                                          <p:val>
+                                            <p:strVal val="#ppt_y"/>
+                                          </p:val>
+                                        </p:tav>
+                                        <p:tav tm="100000">
+                                          <p:val>
+                                            <p:strVal val="#ppt_y"/>
+                                          </p:val>
+                                        </p:tav>
+                                      </p:tavLst>
+                                    </p:anim>
+                                  </p:childTnLst>
+                                </p:cTn>
+                              </p:par>
+                            </p:childTnLst>
+                          </p:cTn>
+                        </p:par>
+                        <p:par>
+                          <p:cTn id="105" fill="hold">
+                            <p:stCondLst>
+                              <p:cond delay="500"/>
+                            </p:stCondLst>
+                            <p:childTnLst>
+                              <p:par>
+                                <p:cTn id="106" presetID="2" presetClass="entr" presetSubtype="8" fill="hold" grpId="0" nodeType="afterEffect">
+                                  <p:stCondLst>
+                                    <p:cond delay="0"/>
+                                  </p:stCondLst>
+                                  <p:childTnLst>
+                                    <p:set>
+                                      <p:cBhvr>
+                                        <p:cTn id="107" dur="1" fill="hold">
+                                          <p:stCondLst>
+                                            <p:cond delay="0"/>
+                                          </p:stCondLst>
+                                        </p:cTn>
+                                        <p:tgtEl>
+                                          <p:spTgt spid="19"/>
+                                        </p:tgtEl>
+                                        <p:attrNameLst>
+                                          <p:attrName>style.visibility</p:attrName>
+                                        </p:attrNameLst>
+                                      </p:cBhvr>
+                                      <p:to>
+                                        <p:strVal val="visible"/>
+                                      </p:to>
+                                    </p:set>
+                                    <p:anim calcmode="lin" valueType="num">
+                                      <p:cBhvr additive="base">
+                                        <p:cTn id="108" dur="500" fill="hold"/>
+                                        <p:tgtEl>
+                                          <p:spTgt spid="19"/>
+                                        </p:tgtEl>
+                                        <p:attrNameLst>
+                                          <p:attrName>ppt_x</p:attrName>
+                                        </p:attrNameLst>
+                                      </p:cBhvr>
+                                      <p:tavLst>
+                                        <p:tav tm="0">
+                                          <p:val>
+                                            <p:strVal val="0-#ppt_w/2"/>
+                                          </p:val>
+                                        </p:tav>
+                                        <p:tav tm="100000">
+                                          <p:val>
+                                            <p:strVal val="#ppt_x"/>
+                                          </p:val>
+                                        </p:tav>
+                                      </p:tavLst>
+                                    </p:anim>
+                                    <p:anim calcmode="lin" valueType="num">
+                                      <p:cBhvr additive="base">
+                                        <p:cTn id="109" dur="500" fill="hold"/>
+                                        <p:tgtEl>
+                                          <p:spTgt spid="19"/>
                                         </p:tgtEl>
                                         <p:attrNameLst>
                                           <p:attrName>ppt_y</p:attrName>
@@ -27774,26 +26210,26 @@
                     </p:cTn>
                   </p:par>
                   <p:par>
-                    <p:cTn id="85" fill="hold">
+                    <p:cTn id="110" fill="hold">
                       <p:stCondLst>
                         <p:cond delay="indefinite"/>
                       </p:stCondLst>
                       <p:childTnLst>
                         <p:par>
-                          <p:cTn id="86" fill="hold">
+                          <p:cTn id="111" fill="hold">
                             <p:stCondLst>
                               <p:cond delay="0"/>
                             </p:stCondLst>
                             <p:childTnLst>
                               <p:par>
-                                <p:cTn id="87" presetID="22" presetClass="entr" presetSubtype="1" fill="hold" nodeType="clickEffect">
+                                <p:cTn id="112" presetID="22" presetClass="entr" presetSubtype="1" fill="hold" nodeType="clickEffect">
                                   <p:stCondLst>
                                     <p:cond delay="0"/>
                                   </p:stCondLst>
                                   <p:childTnLst>
                                     <p:set>
                                       <p:cBhvr>
-                                        <p:cTn id="88" dur="1" fill="hold">
+                                        <p:cTn id="113" dur="1" fill="hold">
                                           <p:stCondLst>
                                             <p:cond delay="0"/>
                                           </p:stCondLst>
@@ -27811,9 +26247,179 @@
                                     </p:set>
                                     <p:animEffect transition="in" filter="wipe(up)">
                                       <p:cBhvr>
-                                        <p:cTn id="89" dur="500"/>
+                                        <p:cTn id="114" dur="500"/>
                                         <p:tgtEl>
                                           <p:spTgt spid="8"/>
+                                        </p:tgtEl>
+                                      </p:cBhvr>
+                                    </p:animEffect>
+                                  </p:childTnLst>
+                                </p:cTn>
+                              </p:par>
+                            </p:childTnLst>
+                          </p:cTn>
+                        </p:par>
+                        <p:par>
+                          <p:cTn id="115" fill="hold">
+                            <p:stCondLst>
+                              <p:cond delay="500"/>
+                            </p:stCondLst>
+                            <p:childTnLst>
+                              <p:par>
+                                <p:cTn id="116" presetID="2" presetClass="entr" presetSubtype="2" fill="hold" grpId="0" nodeType="afterEffect">
+                                  <p:stCondLst>
+                                    <p:cond delay="0"/>
+                                  </p:stCondLst>
+                                  <p:childTnLst>
+                                    <p:set>
+                                      <p:cBhvr>
+                                        <p:cTn id="117" dur="1" fill="hold">
+                                          <p:stCondLst>
+                                            <p:cond delay="0"/>
+                                          </p:stCondLst>
+                                        </p:cTn>
+                                        <p:tgtEl>
+                                          <p:spTgt spid="21"/>
+                                        </p:tgtEl>
+                                        <p:attrNameLst>
+                                          <p:attrName>style.visibility</p:attrName>
+                                        </p:attrNameLst>
+                                      </p:cBhvr>
+                                      <p:to>
+                                        <p:strVal val="visible"/>
+                                      </p:to>
+                                    </p:set>
+                                    <p:anim calcmode="lin" valueType="num">
+                                      <p:cBhvr additive="base">
+                                        <p:cTn id="118" dur="500" fill="hold"/>
+                                        <p:tgtEl>
+                                          <p:spTgt spid="21"/>
+                                        </p:tgtEl>
+                                        <p:attrNameLst>
+                                          <p:attrName>ppt_x</p:attrName>
+                                        </p:attrNameLst>
+                                      </p:cBhvr>
+                                      <p:tavLst>
+                                        <p:tav tm="0">
+                                          <p:val>
+                                            <p:strVal val="1+#ppt_w/2"/>
+                                          </p:val>
+                                        </p:tav>
+                                        <p:tav tm="100000">
+                                          <p:val>
+                                            <p:strVal val="#ppt_x"/>
+                                          </p:val>
+                                        </p:tav>
+                                      </p:tavLst>
+                                    </p:anim>
+                                    <p:anim calcmode="lin" valueType="num">
+                                      <p:cBhvr additive="base">
+                                        <p:cTn id="119" dur="500" fill="hold"/>
+                                        <p:tgtEl>
+                                          <p:spTgt spid="21"/>
+                                        </p:tgtEl>
+                                        <p:attrNameLst>
+                                          <p:attrName>ppt_y</p:attrName>
+                                        </p:attrNameLst>
+                                      </p:cBhvr>
+                                      <p:tavLst>
+                                        <p:tav tm="0">
+                                          <p:val>
+                                            <p:strVal val="#ppt_y"/>
+                                          </p:val>
+                                        </p:tav>
+                                        <p:tav tm="100000">
+                                          <p:val>
+                                            <p:strVal val="#ppt_y"/>
+                                          </p:val>
+                                        </p:tav>
+                                      </p:tavLst>
+                                    </p:anim>
+                                  </p:childTnLst>
+                                </p:cTn>
+                              </p:par>
+                            </p:childTnLst>
+                          </p:cTn>
+                        </p:par>
+                        <p:par>
+                          <p:cTn id="120" fill="hold">
+                            <p:stCondLst>
+                              <p:cond delay="1000"/>
+                            </p:stCondLst>
+                            <p:childTnLst>
+                              <p:par>
+                                <p:cTn id="121" presetID="22" presetClass="entr" presetSubtype="8" fill="hold" grpId="0" nodeType="afterEffect">
+                                  <p:stCondLst>
+                                    <p:cond delay="0"/>
+                                  </p:stCondLst>
+                                  <p:childTnLst>
+                                    <p:set>
+                                      <p:cBhvr>
+                                        <p:cTn id="122" dur="1" fill="hold">
+                                          <p:stCondLst>
+                                            <p:cond delay="0"/>
+                                          </p:stCondLst>
+                                        </p:cTn>
+                                        <p:tgtEl>
+                                          <p:spTgt spid="24"/>
+                                        </p:tgtEl>
+                                        <p:attrNameLst>
+                                          <p:attrName>style.visibility</p:attrName>
+                                        </p:attrNameLst>
+                                      </p:cBhvr>
+                                      <p:to>
+                                        <p:strVal val="visible"/>
+                                      </p:to>
+                                    </p:set>
+                                    <p:animEffect transition="in" filter="wipe(left)">
+                                      <p:cBhvr>
+                                        <p:cTn id="123" dur="500"/>
+                                        <p:tgtEl>
+                                          <p:spTgt spid="24"/>
+                                        </p:tgtEl>
+                                      </p:cBhvr>
+                                    </p:animEffect>
+                                  </p:childTnLst>
+                                </p:cTn>
+                              </p:par>
+                            </p:childTnLst>
+                          </p:cTn>
+                        </p:par>
+                        <p:par>
+                          <p:cTn id="124" fill="hold">
+                            <p:stCondLst>
+                              <p:cond delay="1500"/>
+                            </p:stCondLst>
+                            <p:childTnLst>
+                              <p:par>
+                                <p:cTn id="125" presetID="22" presetClass="entr" presetSubtype="8" fill="hold" grpId="0" nodeType="afterEffect">
+                                  <p:stCondLst>
+                                    <p:cond delay="0"/>
+                                  </p:stCondLst>
+                                  <p:childTnLst>
+                                    <p:set>
+                                      <p:cBhvr>
+                                        <p:cTn id="126" dur="1" fill="hold">
+                                          <p:stCondLst>
+                                            <p:cond delay="0"/>
+                                          </p:stCondLst>
+                                        </p:cTn>
+                                        <p:tgtEl>
+                                          <p:spTgt spid="22"/>
+                                        </p:tgtEl>
+                                        <p:attrNameLst>
+                                          <p:attrName>style.visibility</p:attrName>
+                                        </p:attrNameLst>
+                                      </p:cBhvr>
+                                      <p:to>
+                                        <p:strVal val="visible"/>
+                                      </p:to>
+                                    </p:set>
+                                    <p:animEffect transition="in" filter="wipe(left)">
+                                      <p:cBhvr>
+                                        <p:cTn id="127" dur="500"/>
+                                        <p:tgtEl>
+                                          <p:spTgt spid="22"/>
                                         </p:tgtEl>
                                       </p:cBhvr>
                                     </p:animEffect>
@@ -27852,6 +26458,13 @@
       <p:bldP spid="11" grpId="0"/>
       <p:bldP spid="12" grpId="0"/>
       <p:bldP spid="17" grpId="0"/>
+      <p:bldP spid="2" grpId="0" animBg="1"/>
+      <p:bldP spid="3" grpId="0" animBg="1"/>
+      <p:bldP spid="4" grpId="0" animBg="1"/>
+      <p:bldP spid="19" grpId="0"/>
+      <p:bldP spid="21" grpId="0"/>
+      <p:bldP spid="22" grpId="0" animBg="1"/>
+      <p:bldP spid="24" grpId="0" animBg="1"/>
     </p:bldLst>
   </p:timing>
 </p:sld>

--- a/Session 19 - Continued Fractions/Session 19 - Continued Fractions.pptx
+++ b/Session 19 - Continued Fractions/Session 19 - Continued Fractions.pptx
@@ -168,6 +168,52 @@
 <file path=ppt/changesInfos/changesInfo1.xml><?xml version="1.0" encoding="utf-8"?>
 <pc:chgInfo xmlns:a="http://schemas.openxmlformats.org/drawingml/2006/main" xmlns:r="http://schemas.openxmlformats.org/officeDocument/2006/relationships" xmlns:ac="http://schemas.microsoft.com/office/drawing/2013/main/command" xmlns:pc="http://schemas.microsoft.com/office/powerpoint/2013/main/command">
   <pc:docChgLst>
+    <pc:chgData name="Biersach, David" userId="14a9feb0-85a7-4da4-be8a-c1e22b637acc" providerId="ADAL" clId="{6231E7D9-E8FD-4908-95BB-3604F3CA9764}"/>
+    <pc:docChg chg="custSel delSld modSld">
+      <pc:chgData name="Biersach, David" userId="14a9feb0-85a7-4da4-be8a-c1e22b637acc" providerId="ADAL" clId="{6231E7D9-E8FD-4908-95BB-3604F3CA9764}" dt="2020-05-29T19:25:56.584" v="2" actId="2696"/>
+      <pc:docMkLst>
+        <pc:docMk/>
+      </pc:docMkLst>
+      <pc:sldChg chg="del">
+        <pc:chgData name="Biersach, David" userId="14a9feb0-85a7-4da4-be8a-c1e22b637acc" providerId="ADAL" clId="{6231E7D9-E8FD-4908-95BB-3604F3CA9764}" dt="2020-05-29T19:25:56.584" v="2" actId="2696"/>
+        <pc:sldMkLst>
+          <pc:docMk/>
+          <pc:sldMk cId="1150352350" sldId="278"/>
+        </pc:sldMkLst>
+      </pc:sldChg>
+      <pc:sldChg chg="modSp">
+        <pc:chgData name="Biersach, David" userId="14a9feb0-85a7-4da4-be8a-c1e22b637acc" providerId="ADAL" clId="{6231E7D9-E8FD-4908-95BB-3604F3CA9764}" dt="2020-05-29T19:25:52.552" v="0" actId="27636"/>
+        <pc:sldMkLst>
+          <pc:docMk/>
+          <pc:sldMk cId="206124625" sldId="464"/>
+        </pc:sldMkLst>
+        <pc:spChg chg="mod">
+          <ac:chgData name="Biersach, David" userId="14a9feb0-85a7-4da4-be8a-c1e22b637acc" providerId="ADAL" clId="{6231E7D9-E8FD-4908-95BB-3604F3CA9764}" dt="2020-05-29T19:25:52.552" v="0" actId="27636"/>
+          <ac:spMkLst>
+            <pc:docMk/>
+            <pc:sldMk cId="206124625" sldId="464"/>
+            <ac:spMk id="3" creationId="{00000000-0000-0000-0000-000000000000}"/>
+          </ac:spMkLst>
+        </pc:spChg>
+      </pc:sldChg>
+      <pc:sldChg chg="modSp">
+        <pc:chgData name="Biersach, David" userId="14a9feb0-85a7-4da4-be8a-c1e22b637acc" providerId="ADAL" clId="{6231E7D9-E8FD-4908-95BB-3604F3CA9764}" dt="2020-05-29T19:25:52.649" v="1" actId="27636"/>
+        <pc:sldMkLst>
+          <pc:docMk/>
+          <pc:sldMk cId="320308749" sldId="465"/>
+        </pc:sldMkLst>
+        <pc:spChg chg="mod">
+          <ac:chgData name="Biersach, David" userId="14a9feb0-85a7-4da4-be8a-c1e22b637acc" providerId="ADAL" clId="{6231E7D9-E8FD-4908-95BB-3604F3CA9764}" dt="2020-05-29T19:25:52.649" v="1" actId="27636"/>
+          <ac:spMkLst>
+            <pc:docMk/>
+            <pc:sldMk cId="320308749" sldId="465"/>
+            <ac:spMk id="3" creationId="{00000000-0000-0000-0000-000000000000}"/>
+          </ac:spMkLst>
+        </pc:spChg>
+      </pc:sldChg>
+    </pc:docChg>
+  </pc:docChgLst>
+  <pc:docChgLst>
     <pc:chgData name="Biersach, David" userId="14a9feb0-85a7-4da4-be8a-c1e22b637acc" providerId="ADAL" clId="{37226206-9A45-402D-99BE-BD548F41D3D9}"/>
     <pc:docChg chg="custSel modSld">
       <pc:chgData name="Biersach, David" userId="14a9feb0-85a7-4da4-be8a-c1e22b637acc" providerId="ADAL" clId="{37226206-9A45-402D-99BE-BD548F41D3D9}" dt="2024-01-26T14:56:50.485" v="143"/>
@@ -294,52 +340,6 @@
       </pc:sldChg>
     </pc:docChg>
   </pc:docChgLst>
-  <pc:docChgLst>
-    <pc:chgData name="Biersach, David" userId="14a9feb0-85a7-4da4-be8a-c1e22b637acc" providerId="ADAL" clId="{6231E7D9-E8FD-4908-95BB-3604F3CA9764}"/>
-    <pc:docChg chg="custSel delSld modSld">
-      <pc:chgData name="Biersach, David" userId="14a9feb0-85a7-4da4-be8a-c1e22b637acc" providerId="ADAL" clId="{6231E7D9-E8FD-4908-95BB-3604F3CA9764}" dt="2020-05-29T19:25:56.584" v="2" actId="2696"/>
-      <pc:docMkLst>
-        <pc:docMk/>
-      </pc:docMkLst>
-      <pc:sldChg chg="del">
-        <pc:chgData name="Biersach, David" userId="14a9feb0-85a7-4da4-be8a-c1e22b637acc" providerId="ADAL" clId="{6231E7D9-E8FD-4908-95BB-3604F3CA9764}" dt="2020-05-29T19:25:56.584" v="2" actId="2696"/>
-        <pc:sldMkLst>
-          <pc:docMk/>
-          <pc:sldMk cId="1150352350" sldId="278"/>
-        </pc:sldMkLst>
-      </pc:sldChg>
-      <pc:sldChg chg="modSp">
-        <pc:chgData name="Biersach, David" userId="14a9feb0-85a7-4da4-be8a-c1e22b637acc" providerId="ADAL" clId="{6231E7D9-E8FD-4908-95BB-3604F3CA9764}" dt="2020-05-29T19:25:52.552" v="0" actId="27636"/>
-        <pc:sldMkLst>
-          <pc:docMk/>
-          <pc:sldMk cId="206124625" sldId="464"/>
-        </pc:sldMkLst>
-        <pc:spChg chg="mod">
-          <ac:chgData name="Biersach, David" userId="14a9feb0-85a7-4da4-be8a-c1e22b637acc" providerId="ADAL" clId="{6231E7D9-E8FD-4908-95BB-3604F3CA9764}" dt="2020-05-29T19:25:52.552" v="0" actId="27636"/>
-          <ac:spMkLst>
-            <pc:docMk/>
-            <pc:sldMk cId="206124625" sldId="464"/>
-            <ac:spMk id="3" creationId="{00000000-0000-0000-0000-000000000000}"/>
-          </ac:spMkLst>
-        </pc:spChg>
-      </pc:sldChg>
-      <pc:sldChg chg="modSp">
-        <pc:chgData name="Biersach, David" userId="14a9feb0-85a7-4da4-be8a-c1e22b637acc" providerId="ADAL" clId="{6231E7D9-E8FD-4908-95BB-3604F3CA9764}" dt="2020-05-29T19:25:52.649" v="1" actId="27636"/>
-        <pc:sldMkLst>
-          <pc:docMk/>
-          <pc:sldMk cId="320308749" sldId="465"/>
-        </pc:sldMkLst>
-        <pc:spChg chg="mod">
-          <ac:chgData name="Biersach, David" userId="14a9feb0-85a7-4da4-be8a-c1e22b637acc" providerId="ADAL" clId="{6231E7D9-E8FD-4908-95BB-3604F3CA9764}" dt="2020-05-29T19:25:52.649" v="1" actId="27636"/>
-          <ac:spMkLst>
-            <pc:docMk/>
-            <pc:sldMk cId="320308749" sldId="465"/>
-            <ac:spMk id="3" creationId="{00000000-0000-0000-0000-000000000000}"/>
-          </ac:spMkLst>
-        </pc:spChg>
-      </pc:sldChg>
-    </pc:docChg>
-  </pc:docChgLst>
 </pc:chgInfo>
 </file>
 
@@ -425,7 +425,7 @@
           <a:p>
             <a:fld id="{A241AC98-512A-4A35-865E-757B6C1F07A2}" type="datetimeFigureOut">
               <a:rPr lang="en-US" smtClean="0"/>
-              <a:t>1/26/2024</a:t>
+              <a:t>2/5/2024</a:t>
             </a:fld>
             <a:endParaRPr lang="en-US"/>
           </a:p>
@@ -591,7 +591,7 @@
           <a:p>
             <a:fld id="{3854CEE7-15DE-41D9-8CA2-D1E137B1D850}" type="datetimeFigureOut">
               <a:rPr lang="en-US" smtClean="0"/>
-              <a:t>1/26/2024</a:t>
+              <a:t>2/5/2024</a:t>
             </a:fld>
             <a:endParaRPr lang="en-US"/>
           </a:p>
@@ -2586,7 +2586,7 @@
           <a:p>
             <a:fld id="{5555EB2C-244D-4423-AD97-018ED6478B87}" type="datetime1">
               <a:rPr lang="en-US" smtClean="0"/>
-              <a:t>1/26/2024</a:t>
+              <a:t>2/5/2024</a:t>
             </a:fld>
             <a:endParaRPr lang="en-US"/>
           </a:p>
@@ -2765,7 +2765,7 @@
           <a:p>
             <a:fld id="{A2B41D1F-7576-4C60-B4EB-5115BC56CF40}" type="datetime1">
               <a:rPr lang="en-US" smtClean="0"/>
-              <a:t>1/26/2024</a:t>
+              <a:t>2/5/2024</a:t>
             </a:fld>
             <a:endParaRPr lang="en-US"/>
           </a:p>
@@ -2957,7 +2957,7 @@
           <a:p>
             <a:fld id="{E79D1398-4D56-44F9-BA35-34ACF3159A64}" type="datetime1">
               <a:rPr lang="en-US" smtClean="0"/>
-              <a:t>1/26/2024</a:t>
+              <a:t>2/5/2024</a:t>
             </a:fld>
             <a:endParaRPr lang="en-US"/>
           </a:p>
@@ -3139,7 +3139,7 @@
           <a:p>
             <a:fld id="{A3CF632E-48CB-4EEB-A6B6-DEC7AD7CC976}" type="datetime1">
               <a:rPr lang="en-US" smtClean="0"/>
-              <a:t>1/26/2024</a:t>
+              <a:t>2/5/2024</a:t>
             </a:fld>
             <a:endParaRPr lang="en-US"/>
           </a:p>
@@ -3392,7 +3392,7 @@
           <a:p>
             <a:fld id="{BAEEE52C-3A57-458E-95F6-96B2FA9D1DD4}" type="datetime1">
               <a:rPr lang="en-US" smtClean="0"/>
-              <a:t>1/26/2024</a:t>
+              <a:t>2/5/2024</a:t>
             </a:fld>
             <a:endParaRPr lang="en-US"/>
           </a:p>
@@ -3636,7 +3636,7 @@
           <a:p>
             <a:fld id="{766FC747-A48A-4FF2-8EE4-3E95ECD1C2A8}" type="datetime1">
               <a:rPr lang="en-US" smtClean="0"/>
-              <a:t>1/26/2024</a:t>
+              <a:t>2/5/2024</a:t>
             </a:fld>
             <a:endParaRPr lang="en-US"/>
           </a:p>
@@ -4015,7 +4015,7 @@
           <a:p>
             <a:fld id="{C9BF5758-AB7F-463D-B638-E1729B95E126}" type="datetime1">
               <a:rPr lang="en-US" smtClean="0"/>
-              <a:t>1/26/2024</a:t>
+              <a:t>2/5/2024</a:t>
             </a:fld>
             <a:endParaRPr lang="en-US"/>
           </a:p>
@@ -4145,7 +4145,7 @@
           <a:p>
             <a:fld id="{F3718C77-7DD0-4738-BF52-D0EC9F78A76E}" type="datetime1">
               <a:rPr lang="en-US" smtClean="0"/>
-              <a:t>1/26/2024</a:t>
+              <a:t>2/5/2024</a:t>
             </a:fld>
             <a:endParaRPr lang="en-US"/>
           </a:p>
@@ -4252,7 +4252,7 @@
           <a:p>
             <a:fld id="{948970CF-13D9-4E1D-A74F-2CFE4953FCDB}" type="datetime1">
               <a:rPr lang="en-US" smtClean="0"/>
-              <a:t>1/26/2024</a:t>
+              <a:t>2/5/2024</a:t>
             </a:fld>
             <a:endParaRPr lang="en-US"/>
           </a:p>
@@ -4541,7 +4541,7 @@
           <a:p>
             <a:fld id="{F68C49B9-4E1C-4967-B9CF-0BF9FECBE837}" type="datetime1">
               <a:rPr lang="en-US" smtClean="0"/>
-              <a:t>1/26/2024</a:t>
+              <a:t>2/5/2024</a:t>
             </a:fld>
             <a:endParaRPr lang="en-US"/>
           </a:p>
@@ -4809,7 +4809,7 @@
           <a:p>
             <a:fld id="{7E338CBB-1F06-4333-9BBF-66628B15E581}" type="datetime1">
               <a:rPr lang="en-US" smtClean="0"/>
-              <a:t>1/26/2024</a:t>
+              <a:t>2/5/2024</a:t>
             </a:fld>
             <a:endParaRPr lang="en-US"/>
           </a:p>
@@ -5034,7 +5034,7 @@
           <a:p>
             <a:fld id="{705EC883-F03C-4CA3-AF62-BEF30EEA4F65}" type="datetime1">
               <a:rPr lang="en-US" smtClean="0"/>
-              <a:t>1/26/2024</a:t>
+              <a:t>2/5/2024</a:t>
             </a:fld>
             <a:endParaRPr lang="en-US"/>
           </a:p>
@@ -17818,8 +17818,8 @@
           </a:p>
         </p:txBody>
       </p:sp>
-      <mc:AlternateContent xmlns:mc="http://schemas.openxmlformats.org/markup-compatibility/2006">
-        <mc:Choice xmlns:a14="http://schemas.microsoft.com/office/drawing/2010/main" Requires="a14">
+      <mc:AlternateContent xmlns:mc="http://schemas.openxmlformats.org/markup-compatibility/2006" xmlns:a14="http://schemas.microsoft.com/office/drawing/2010/main">
+        <mc:Choice Requires="a14">
           <p:sp>
             <p:nvSpPr>
               <p:cNvPr id="6" name="TextBox 5">
@@ -18303,7 +18303,7 @@
             </p:txBody>
           </p:sp>
         </mc:Choice>
-        <mc:Fallback>
+        <mc:Fallback xmlns="">
           <p:sp>
             <p:nvSpPr>
               <p:cNvPr id="6" name="TextBox 5">
@@ -22921,10 +22921,10 @@
       </p:grpSpPr>
       <p:pic>
         <p:nvPicPr>
-          <p:cNvPr id="8" name="Picture 7">
+          <p:cNvPr id="31" name="Picture 30">
             <a:extLst>
               <a:ext uri="{FF2B5EF4-FFF2-40B4-BE49-F238E27FC236}">
-                <a16:creationId xmlns:a16="http://schemas.microsoft.com/office/drawing/2014/main" id="{19EE369E-655C-A907-E33C-B35393043F53}"/>
+                <a16:creationId xmlns:a16="http://schemas.microsoft.com/office/drawing/2014/main" id="{844CE5A7-D195-AA54-FB1C-EE8B14EFB637}"/>
               </a:ext>
             </a:extLst>
           </p:cNvPr>
@@ -22941,12 +22941,108 @@
         </p:blipFill>
         <p:spPr>
           <a:xfrm>
-            <a:off x="4451198" y="4271081"/>
-            <a:ext cx="4253624" cy="2427897"/>
+            <a:off x="4174565" y="1439003"/>
+            <a:ext cx="4506171" cy="1449882"/>
           </a:xfrm>
           <a:prstGeom prst="rect">
             <a:avLst/>
           </a:prstGeom>
+          <a:ln>
+            <a:solidFill>
+              <a:schemeClr val="tx1"/>
+            </a:solidFill>
+          </a:ln>
+          <a:effectLst>
+            <a:outerShdw blurRad="50800" dist="38100" dir="2700000" algn="tl" rotWithShape="0">
+              <a:prstClr val="black">
+                <a:alpha val="40000"/>
+              </a:prstClr>
+            </a:outerShdw>
+          </a:effectLst>
+        </p:spPr>
+      </p:pic>
+      <p:pic>
+        <p:nvPicPr>
+          <p:cNvPr id="18" name="Picture 17">
+            <a:extLst>
+              <a:ext uri="{FF2B5EF4-FFF2-40B4-BE49-F238E27FC236}">
+                <a16:creationId xmlns:a16="http://schemas.microsoft.com/office/drawing/2014/main" id="{1F13A50F-EC61-8607-281A-0CC704404AA9}"/>
+              </a:ext>
+            </a:extLst>
+          </p:cNvPr>
+          <p:cNvPicPr>
+            <a:picLocks noChangeAspect="1"/>
+          </p:cNvPicPr>
+          <p:nvPr/>
+        </p:nvPicPr>
+        <p:blipFill>
+          <a:blip r:embed="rId4"/>
+          <a:stretch>
+            <a:fillRect/>
+          </a:stretch>
+        </p:blipFill>
+        <p:spPr>
+          <a:xfrm>
+            <a:off x="1550392" y="4250853"/>
+            <a:ext cx="2624173" cy="2027056"/>
+          </a:xfrm>
+          <a:prstGeom prst="rect">
+            <a:avLst/>
+          </a:prstGeom>
+          <a:ln>
+            <a:solidFill>
+              <a:schemeClr val="tx1"/>
+            </a:solidFill>
+          </a:ln>
+          <a:effectLst>
+            <a:outerShdw blurRad="50800" dist="38100" dir="2700000" algn="tl" rotWithShape="0">
+              <a:prstClr val="black">
+                <a:alpha val="40000"/>
+              </a:prstClr>
+            </a:outerShdw>
+          </a:effectLst>
+        </p:spPr>
+      </p:pic>
+      <p:pic>
+        <p:nvPicPr>
+          <p:cNvPr id="10" name="Picture 9">
+            <a:extLst>
+              <a:ext uri="{FF2B5EF4-FFF2-40B4-BE49-F238E27FC236}">
+                <a16:creationId xmlns:a16="http://schemas.microsoft.com/office/drawing/2014/main" id="{B8343A69-A7FE-A065-1B6E-69089C20DC0C}"/>
+              </a:ext>
+            </a:extLst>
+          </p:cNvPr>
+          <p:cNvPicPr>
+            <a:picLocks noChangeAspect="1"/>
+          </p:cNvPicPr>
+          <p:nvPr/>
+        </p:nvPicPr>
+        <p:blipFill>
+          <a:blip r:embed="rId5"/>
+          <a:stretch>
+            <a:fillRect/>
+          </a:stretch>
+        </p:blipFill>
+        <p:spPr>
+          <a:xfrm>
+            <a:off x="4440647" y="4250853"/>
+            <a:ext cx="2965237" cy="2444744"/>
+          </a:xfrm>
+          <a:prstGeom prst="rect">
+            <a:avLst/>
+          </a:prstGeom>
+          <a:ln>
+            <a:solidFill>
+              <a:schemeClr val="tx1"/>
+            </a:solidFill>
+          </a:ln>
+          <a:effectLst>
+            <a:outerShdw blurRad="50800" dist="38100" dir="2700000" algn="tl" rotWithShape="0">
+              <a:prstClr val="black">
+                <a:alpha val="40000"/>
+              </a:prstClr>
+            </a:outerShdw>
+          </a:effectLst>
         </p:spPr>
       </p:pic>
       <p:pic>
@@ -22964,7 +23060,7 @@
           <p:nvPr/>
         </p:nvPicPr>
         <p:blipFill rotWithShape="1">
-          <a:blip r:embed="rId4"/>
+          <a:blip r:embed="rId6"/>
           <a:srcRect l="22889" r="22486" b="43964"/>
           <a:stretch/>
         </p:blipFill>
@@ -22972,36 +23068,6 @@
           <a:xfrm>
             <a:off x="574891" y="1411659"/>
             <a:ext cx="3050499" cy="1103455"/>
-          </a:xfrm>
-          <a:prstGeom prst="rect">
-            <a:avLst/>
-          </a:prstGeom>
-        </p:spPr>
-      </p:pic>
-      <p:pic>
-        <p:nvPicPr>
-          <p:cNvPr id="6" name="Picture 5">
-            <a:extLst>
-              <a:ext uri="{FF2B5EF4-FFF2-40B4-BE49-F238E27FC236}">
-                <a16:creationId xmlns:a16="http://schemas.microsoft.com/office/drawing/2014/main" id="{D9170868-4DED-241E-0EED-9C57FAD08C35}"/>
-              </a:ext>
-            </a:extLst>
-          </p:cNvPr>
-          <p:cNvPicPr>
-            <a:picLocks noChangeAspect="1"/>
-          </p:cNvPicPr>
-          <p:nvPr/>
-        </p:nvPicPr>
-        <p:blipFill>
-          <a:blip r:embed="rId5"/>
-          <a:stretch>
-            <a:fillRect/>
-          </a:stretch>
-        </p:blipFill>
-        <p:spPr>
-          <a:xfrm>
-            <a:off x="3988419" y="1622255"/>
-            <a:ext cx="4939061" cy="818262"/>
           </a:xfrm>
           <a:prstGeom prst="rect">
             <a:avLst/>
@@ -24092,13 +24158,15 @@
               </a:ext>
             </a:extLst>
           </p:cNvPr>
-          <p:cNvCxnSpPr/>
+          <p:cNvCxnSpPr>
+            <a:cxnSpLocks/>
+          </p:cNvCxnSpPr>
           <p:nvPr/>
         </p:nvCxnSpPr>
         <p:spPr>
           <a:xfrm flipV="1">
-            <a:off x="5179102" y="2226039"/>
-            <a:ext cx="539646" cy="804539"/>
+            <a:off x="5179102" y="2142129"/>
+            <a:ext cx="613621" cy="888449"/>
           </a:xfrm>
           <a:prstGeom prst="straightConnector1">
             <a:avLst/>
@@ -24141,8 +24209,8 @@
         </p:nvCxnSpPr>
         <p:spPr>
           <a:xfrm flipV="1">
-            <a:off x="5917767" y="2226039"/>
-            <a:ext cx="95832" cy="852879"/>
+            <a:off x="5917767" y="2142129"/>
+            <a:ext cx="112487" cy="936789"/>
           </a:xfrm>
           <a:prstGeom prst="straightConnector1">
             <a:avLst/>
@@ -24185,8 +24253,8 @@
         </p:nvCxnSpPr>
         <p:spPr>
           <a:xfrm flipV="1">
-            <a:off x="5191569" y="2209723"/>
-            <a:ext cx="1038759" cy="1340701"/>
+            <a:off x="5191569" y="2142128"/>
+            <a:ext cx="1057010" cy="1408296"/>
           </a:xfrm>
           <a:prstGeom prst="straightConnector1">
             <a:avLst/>
@@ -24229,8 +24297,8 @@
         </p:nvCxnSpPr>
         <p:spPr>
           <a:xfrm flipV="1">
-            <a:off x="5938569" y="2209723"/>
-            <a:ext cx="549883" cy="1334248"/>
+            <a:off x="5938569" y="2142129"/>
+            <a:ext cx="554677" cy="1401842"/>
           </a:xfrm>
           <a:prstGeom prst="straightConnector1">
             <a:avLst/>
@@ -24273,8 +24341,8 @@
         </p:nvCxnSpPr>
         <p:spPr>
           <a:xfrm flipV="1">
-            <a:off x="6638411" y="2226039"/>
-            <a:ext cx="101386" cy="1324385"/>
+            <a:off x="6638411" y="2142128"/>
+            <a:ext cx="55821" cy="1408296"/>
           </a:xfrm>
           <a:prstGeom prst="straightConnector1">
             <a:avLst/>
@@ -24317,8 +24385,8 @@
         </p:nvCxnSpPr>
         <p:spPr>
           <a:xfrm flipH="1" flipV="1">
-            <a:off x="6977328" y="2226039"/>
-            <a:ext cx="360357" cy="1354995"/>
+            <a:off x="6949102" y="2142128"/>
+            <a:ext cx="388583" cy="1438906"/>
           </a:xfrm>
           <a:prstGeom prst="straightConnector1">
             <a:avLst/>
@@ -24361,8 +24429,8 @@
         </p:nvCxnSpPr>
         <p:spPr>
           <a:xfrm flipH="1" flipV="1">
-            <a:off x="7234459" y="2226039"/>
-            <a:ext cx="843715" cy="1324385"/>
+            <a:off x="7169943" y="2142127"/>
+            <a:ext cx="908231" cy="1408297"/>
           </a:xfrm>
           <a:prstGeom prst="straightConnector1">
             <a:avLst/>
@@ -24389,35 +24457,6 @@
           </a:fontRef>
         </p:style>
       </p:cxnSp>
-      <p:pic>
-        <p:nvPicPr>
-          <p:cNvPr id="29" name="Picture 28">
-            <a:extLst>
-              <a:ext uri="{FF2B5EF4-FFF2-40B4-BE49-F238E27FC236}">
-                <a16:creationId xmlns:a16="http://schemas.microsoft.com/office/drawing/2014/main" id="{71C7999F-AEB4-9F7F-01FD-AE5EB6295DFB}"/>
-              </a:ext>
-            </a:extLst>
-          </p:cNvPr>
-          <p:cNvPicPr>
-            <a:picLocks noChangeAspect="1"/>
-          </p:cNvPicPr>
-          <p:nvPr/>
-        </p:nvPicPr>
-        <p:blipFill rotWithShape="1">
-          <a:blip r:embed="rId12"/>
-          <a:srcRect r="14739" b="5100"/>
-          <a:stretch/>
-        </p:blipFill>
-        <p:spPr>
-          <a:xfrm>
-            <a:off x="1548971" y="4299012"/>
-            <a:ext cx="2514159" cy="1994765"/>
-          </a:xfrm>
-          <a:prstGeom prst="rect">
-            <a:avLst/>
-          </a:prstGeom>
-        </p:spPr>
-      </p:pic>
       <p:sp>
         <p:nvSpPr>
           <p:cNvPr id="5" name="Title 1">
@@ -24740,7 +24779,7 @@
         </p:nvSpPr>
         <p:spPr>
           <a:xfrm>
-            <a:off x="98241" y="4746365"/>
+            <a:off x="98241" y="4693716"/>
             <a:ext cx="1410960" cy="738664"/>
           </a:xfrm>
           <a:prstGeom prst="rect">
@@ -24761,7 +24800,23 @@
                   <a:srgbClr val="0070C0"/>
                 </a:solidFill>
               </a:rPr>
-              <a:t>This was the h/k algorithm for a standard CF</a:t>
+              <a:t>This was the h/k algorithm for a </a:t>
+            </a:r>
+            <a:r>
+              <a:rPr lang="en-US" sz="1400" b="1" u="sng" dirty="0">
+                <a:solidFill>
+                  <a:srgbClr val="0070C0"/>
+                </a:solidFill>
+              </a:rPr>
+              <a:t>standard</a:t>
+            </a:r>
+            <a:r>
+              <a:rPr lang="en-US" sz="1400" b="1" dirty="0">
+                <a:solidFill>
+                  <a:srgbClr val="0070C0"/>
+                </a:solidFill>
+              </a:rPr>
+              <a:t> CF</a:t>
             </a:r>
           </a:p>
         </p:txBody>
@@ -24780,8 +24835,8 @@
         </p:nvSpPr>
         <p:spPr>
           <a:xfrm>
-            <a:off x="6092938" y="3975560"/>
-            <a:ext cx="2688325" cy="307777"/>
+            <a:off x="7409971" y="4693716"/>
+            <a:ext cx="1546804" cy="738664"/>
           </a:xfrm>
           <a:prstGeom prst="rect">
             <a:avLst/>
@@ -24801,7 +24856,23 @@
                   <a:srgbClr val="0070C0"/>
                 </a:solidFill>
               </a:rPr>
-              <a:t>This is the h/k algorithm for a GCF</a:t>
+              <a:t>This is the h/k algorithm for a </a:t>
+            </a:r>
+            <a:r>
+              <a:rPr lang="en-US" sz="1400" b="1" u="sng" dirty="0">
+                <a:solidFill>
+                  <a:srgbClr val="0070C0"/>
+                </a:solidFill>
+              </a:rPr>
+              <a:t>generalized</a:t>
+            </a:r>
+            <a:r>
+              <a:rPr lang="en-US" sz="1400" b="1" dirty="0">
+                <a:solidFill>
+                  <a:srgbClr val="0070C0"/>
+                </a:solidFill>
+              </a:rPr>
+              <a:t> CF</a:t>
             </a:r>
           </a:p>
         </p:txBody>
@@ -24820,8 +24891,8 @@
         </p:nvSpPr>
         <p:spPr>
           <a:xfrm>
-            <a:off x="4931743" y="6211874"/>
-            <a:ext cx="1842914" cy="307777"/>
+            <a:off x="4996309" y="6161805"/>
+            <a:ext cx="2238149" cy="307777"/>
           </a:xfrm>
           <a:prstGeom prst="rect">
             <a:avLst/>
@@ -24829,7 +24900,7 @@
           <a:noFill/>
           <a:ln w="28575">
             <a:solidFill>
-              <a:srgbClr val="FFFF00"/>
+              <a:srgbClr val="7030A0"/>
             </a:solidFill>
           </a:ln>
         </p:spPr>
@@ -24872,8 +24943,8 @@
         </p:nvSpPr>
         <p:spPr>
           <a:xfrm>
-            <a:off x="4694477" y="4597904"/>
-            <a:ext cx="2080180" cy="166978"/>
+            <a:off x="4694476" y="4419895"/>
+            <a:ext cx="2475467" cy="166978"/>
           </a:xfrm>
           <a:prstGeom prst="rect">
             <a:avLst/>
@@ -24881,7 +24952,7 @@
           <a:noFill/>
           <a:ln w="28575">
             <a:solidFill>
-              <a:srgbClr val="FFFF00"/>
+              <a:srgbClr val="7030A0"/>
             </a:solidFill>
           </a:ln>
         </p:spPr>
@@ -25199,27 +25270,36 @@
                             </p:childTnLst>
                           </p:cTn>
                         </p:par>
+                      </p:childTnLst>
+                    </p:cTn>
+                  </p:par>
+                  <p:par>
+                    <p:cTn id="25" fill="hold">
+                      <p:stCondLst>
+                        <p:cond delay="indefinite"/>
+                      </p:stCondLst>
+                      <p:childTnLst>
                         <p:par>
-                          <p:cTn id="25" fill="hold">
+                          <p:cTn id="26" fill="hold">
                             <p:stCondLst>
                               <p:cond delay="0"/>
                             </p:stCondLst>
                             <p:childTnLst>
                               <p:par>
-                                <p:cTn id="26" presetID="1" presetClass="entr" presetSubtype="0" fill="hold" nodeType="afterEffect">
+                                <p:cTn id="27" presetID="22" presetClass="entr" presetSubtype="1" fill="hold" grpId="0" nodeType="clickEffect">
                                   <p:stCondLst>
                                     <p:cond delay="0"/>
                                   </p:stCondLst>
                                   <p:childTnLst>
                                     <p:set>
                                       <p:cBhvr>
-                                        <p:cTn id="27" dur="1" fill="hold">
+                                        <p:cTn id="28" dur="1" fill="hold">
                                           <p:stCondLst>
                                             <p:cond delay="0"/>
                                           </p:stCondLst>
                                         </p:cTn>
                                         <p:tgtEl>
-                                          <p:spTgt spid="6"/>
+                                          <p:spTgt spid="2"/>
                                         </p:tgtEl>
                                         <p:attrNameLst>
                                           <p:attrName>style.visibility</p:attrName>
@@ -25229,6 +25309,190 @@
                                         <p:strVal val="visible"/>
                                       </p:to>
                                     </p:set>
+                                    <p:animEffect transition="in" filter="wipe(up)">
+                                      <p:cBhvr>
+                                        <p:cTn id="29" dur="500"/>
+                                        <p:tgtEl>
+                                          <p:spTgt spid="2"/>
+                                        </p:tgtEl>
+                                      </p:cBhvr>
+                                    </p:animEffect>
+                                  </p:childTnLst>
+                                </p:cTn>
+                              </p:par>
+                            </p:childTnLst>
+                          </p:cTn>
+                        </p:par>
+                        <p:par>
+                          <p:cTn id="30" fill="hold">
+                            <p:stCondLst>
+                              <p:cond delay="500"/>
+                            </p:stCondLst>
+                            <p:childTnLst>
+                              <p:par>
+                                <p:cTn id="31" presetID="22" presetClass="entr" presetSubtype="8" fill="hold" nodeType="afterEffect">
+                                  <p:stCondLst>
+                                    <p:cond delay="0"/>
+                                  </p:stCondLst>
+                                  <p:childTnLst>
+                                    <p:set>
+                                      <p:cBhvr>
+                                        <p:cTn id="32" dur="1" fill="hold">
+                                          <p:stCondLst>
+                                            <p:cond delay="0"/>
+                                          </p:stCondLst>
+                                        </p:cTn>
+                                        <p:tgtEl>
+                                          <p:spTgt spid="9"/>
+                                        </p:tgtEl>
+                                        <p:attrNameLst>
+                                          <p:attrName>style.visibility</p:attrName>
+                                        </p:attrNameLst>
+                                      </p:cBhvr>
+                                      <p:to>
+                                        <p:strVal val="visible"/>
+                                      </p:to>
+                                    </p:set>
+                                    <p:animEffect transition="in" filter="wipe(left)">
+                                      <p:cBhvr>
+                                        <p:cTn id="33" dur="500"/>
+                                        <p:tgtEl>
+                                          <p:spTgt spid="9"/>
+                                        </p:tgtEl>
+                                      </p:cBhvr>
+                                    </p:animEffect>
+                                  </p:childTnLst>
+                                </p:cTn>
+                              </p:par>
+                            </p:childTnLst>
+                          </p:cTn>
+                        </p:par>
+                        <p:par>
+                          <p:cTn id="34" fill="hold">
+                            <p:stCondLst>
+                              <p:cond delay="1000"/>
+                            </p:stCondLst>
+                            <p:childTnLst>
+                              <p:par>
+                                <p:cTn id="35" presetID="22" presetClass="entr" presetSubtype="1" fill="hold" grpId="0" nodeType="afterEffect">
+                                  <p:stCondLst>
+                                    <p:cond delay="0"/>
+                                  </p:stCondLst>
+                                  <p:childTnLst>
+                                    <p:set>
+                                      <p:cBhvr>
+                                        <p:cTn id="36" dur="1" fill="hold">
+                                          <p:stCondLst>
+                                            <p:cond delay="0"/>
+                                          </p:stCondLst>
+                                        </p:cTn>
+                                        <p:tgtEl>
+                                          <p:spTgt spid="3"/>
+                                        </p:tgtEl>
+                                        <p:attrNameLst>
+                                          <p:attrName>style.visibility</p:attrName>
+                                        </p:attrNameLst>
+                                      </p:cBhvr>
+                                      <p:to>
+                                        <p:strVal val="visible"/>
+                                      </p:to>
+                                    </p:set>
+                                    <p:animEffect transition="in" filter="wipe(up)">
+                                      <p:cBhvr>
+                                        <p:cTn id="37" dur="500"/>
+                                        <p:tgtEl>
+                                          <p:spTgt spid="3"/>
+                                        </p:tgtEl>
+                                      </p:cBhvr>
+                                    </p:animEffect>
+                                  </p:childTnLst>
+                                </p:cTn>
+                              </p:par>
+                            </p:childTnLst>
+                          </p:cTn>
+                        </p:par>
+                        <p:par>
+                          <p:cTn id="38" fill="hold">
+                            <p:stCondLst>
+                              <p:cond delay="1500"/>
+                            </p:stCondLst>
+                            <p:childTnLst>
+                              <p:par>
+                                <p:cTn id="39" presetID="22" presetClass="entr" presetSubtype="8" fill="hold" nodeType="afterEffect">
+                                  <p:stCondLst>
+                                    <p:cond delay="0"/>
+                                  </p:stCondLst>
+                                  <p:childTnLst>
+                                    <p:set>
+                                      <p:cBhvr>
+                                        <p:cTn id="40" dur="1" fill="hold">
+                                          <p:stCondLst>
+                                            <p:cond delay="0"/>
+                                          </p:stCondLst>
+                                        </p:cTn>
+                                        <p:tgtEl>
+                                          <p:spTgt spid="13"/>
+                                        </p:tgtEl>
+                                        <p:attrNameLst>
+                                          <p:attrName>style.visibility</p:attrName>
+                                        </p:attrNameLst>
+                                      </p:cBhvr>
+                                      <p:to>
+                                        <p:strVal val="visible"/>
+                                      </p:to>
+                                    </p:set>
+                                    <p:animEffect transition="in" filter="wipe(left)">
+                                      <p:cBhvr>
+                                        <p:cTn id="41" dur="500"/>
+                                        <p:tgtEl>
+                                          <p:spTgt spid="13"/>
+                                        </p:tgtEl>
+                                      </p:cBhvr>
+                                    </p:animEffect>
+                                  </p:childTnLst>
+                                </p:cTn>
+                              </p:par>
+                            </p:childTnLst>
+                          </p:cTn>
+                        </p:par>
+                        <p:par>
+                          <p:cTn id="42" fill="hold">
+                            <p:stCondLst>
+                              <p:cond delay="2000"/>
+                            </p:stCondLst>
+                            <p:childTnLst>
+                              <p:par>
+                                <p:cTn id="43" presetID="22" presetClass="entr" presetSubtype="4" fill="hold" grpId="0" nodeType="afterEffect">
+                                  <p:stCondLst>
+                                    <p:cond delay="0"/>
+                                  </p:stCondLst>
+                                  <p:childTnLst>
+                                    <p:set>
+                                      <p:cBhvr>
+                                        <p:cTn id="44" dur="1" fill="hold">
+                                          <p:stCondLst>
+                                            <p:cond delay="0"/>
+                                          </p:stCondLst>
+                                        </p:cTn>
+                                        <p:tgtEl>
+                                          <p:spTgt spid="4"/>
+                                        </p:tgtEl>
+                                        <p:attrNameLst>
+                                          <p:attrName>style.visibility</p:attrName>
+                                        </p:attrNameLst>
+                                      </p:cBhvr>
+                                      <p:to>
+                                        <p:strVal val="visible"/>
+                                      </p:to>
+                                    </p:set>
+                                    <p:animEffect transition="in" filter="wipe(down)">
+                                      <p:cBhvr>
+                                        <p:cTn id="45" dur="500"/>
+                                        <p:tgtEl>
+                                          <p:spTgt spid="4"/>
+                                        </p:tgtEl>
+                                      </p:cBhvr>
+                                    </p:animEffect>
                                   </p:childTnLst>
                                 </p:cTn>
                               </p:par>
@@ -25239,26 +25503,70 @@
                     </p:cTn>
                   </p:par>
                   <p:par>
-                    <p:cTn id="28" fill="hold">
+                    <p:cTn id="46" fill="hold">
                       <p:stCondLst>
                         <p:cond delay="indefinite"/>
                       </p:stCondLst>
                       <p:childTnLst>
                         <p:par>
-                          <p:cTn id="29" fill="hold">
+                          <p:cTn id="47" fill="hold">
                             <p:stCondLst>
                               <p:cond delay="0"/>
                             </p:stCondLst>
                             <p:childTnLst>
                               <p:par>
-                                <p:cTn id="30" presetID="22" presetClass="entr" presetSubtype="4" fill="hold" nodeType="clickEffect">
+                                <p:cTn id="48" presetID="22" presetClass="entr" presetSubtype="1" fill="hold" nodeType="clickEffect">
                                   <p:stCondLst>
                                     <p:cond delay="0"/>
                                   </p:stCondLst>
                                   <p:childTnLst>
                                     <p:set>
                                       <p:cBhvr>
-                                        <p:cTn id="31" dur="1" fill="hold">
+                                        <p:cTn id="49" dur="1" fill="hold">
+                                          <p:stCondLst>
+                                            <p:cond delay="0"/>
+                                          </p:stCondLst>
+                                        </p:cTn>
+                                        <p:tgtEl>
+                                          <p:spTgt spid="31"/>
+                                        </p:tgtEl>
+                                        <p:attrNameLst>
+                                          <p:attrName>style.visibility</p:attrName>
+                                        </p:attrNameLst>
+                                      </p:cBhvr>
+                                      <p:to>
+                                        <p:strVal val="visible"/>
+                                      </p:to>
+                                    </p:set>
+                                    <p:animEffect transition="in" filter="wipe(up)">
+                                      <p:cBhvr>
+                                        <p:cTn id="50" dur="500"/>
+                                        <p:tgtEl>
+                                          <p:spTgt spid="31"/>
+                                        </p:tgtEl>
+                                      </p:cBhvr>
+                                    </p:animEffect>
+                                  </p:childTnLst>
+                                </p:cTn>
+                              </p:par>
+                            </p:childTnLst>
+                          </p:cTn>
+                        </p:par>
+                        <p:par>
+                          <p:cTn id="51" fill="hold">
+                            <p:stCondLst>
+                              <p:cond delay="500"/>
+                            </p:stCondLst>
+                            <p:childTnLst>
+                              <p:par>
+                                <p:cTn id="52" presetID="22" presetClass="entr" presetSubtype="4" fill="hold" nodeType="afterEffect">
+                                  <p:stCondLst>
+                                    <p:cond delay="0"/>
+                                  </p:stCondLst>
+                                  <p:childTnLst>
+                                    <p:set>
+                                      <p:cBhvr>
+                                        <p:cTn id="53" dur="1" fill="hold">
                                           <p:stCondLst>
                                             <p:cond delay="0"/>
                                           </p:stCondLst>
@@ -25276,7 +25584,7 @@
                                     </p:set>
                                     <p:animEffect transition="in" filter="wipe(down)">
                                       <p:cBhvr>
-                                        <p:cTn id="32" dur="500"/>
+                                        <p:cTn id="54" dur="500"/>
                                         <p:tgtEl>
                                           <p:spTgt spid="15"/>
                                         </p:tgtEl>
@@ -25292,26 +25600,26 @@
                     </p:cTn>
                   </p:par>
                   <p:par>
-                    <p:cTn id="33" fill="hold">
+                    <p:cTn id="55" fill="hold">
                       <p:stCondLst>
                         <p:cond delay="indefinite"/>
                       </p:stCondLst>
                       <p:childTnLst>
                         <p:par>
-                          <p:cTn id="34" fill="hold">
+                          <p:cTn id="56" fill="hold">
                             <p:stCondLst>
                               <p:cond delay="0"/>
                             </p:stCondLst>
                             <p:childTnLst>
                               <p:par>
-                                <p:cTn id="35" presetID="22" presetClass="entr" presetSubtype="4" fill="hold" nodeType="clickEffect">
+                                <p:cTn id="57" presetID="22" presetClass="entr" presetSubtype="4" fill="hold" nodeType="clickEffect">
                                   <p:stCondLst>
                                     <p:cond delay="0"/>
                                   </p:stCondLst>
                                   <p:childTnLst>
                                     <p:set>
                                       <p:cBhvr>
-                                        <p:cTn id="36" dur="1" fill="hold">
+                                        <p:cTn id="58" dur="1" fill="hold">
                                           <p:stCondLst>
                                             <p:cond delay="0"/>
                                           </p:stCondLst>
@@ -25329,7 +25637,7 @@
                                     </p:set>
                                     <p:animEffect transition="in" filter="wipe(down)">
                                       <p:cBhvr>
-                                        <p:cTn id="37" dur="500"/>
+                                        <p:cTn id="59" dur="500"/>
                                         <p:tgtEl>
                                           <p:spTgt spid="20"/>
                                         </p:tgtEl>
@@ -25345,208 +25653,32 @@
                     </p:cTn>
                   </p:par>
                   <p:par>
-                    <p:cTn id="38" fill="hold">
+                    <p:cTn id="60" fill="hold">
                       <p:stCondLst>
                         <p:cond delay="indefinite"/>
                       </p:stCondLst>
                       <p:childTnLst>
                         <p:par>
-                          <p:cTn id="39" fill="hold">
+                          <p:cTn id="61" fill="hold">
                             <p:stCondLst>
                               <p:cond delay="0"/>
                             </p:stCondLst>
                             <p:childTnLst>
                               <p:par>
-                                <p:cTn id="40" presetID="22" presetClass="entr" presetSubtype="1" fill="hold" grpId="0" nodeType="clickEffect">
+                                <p:cTn id="62" presetID="22" presetClass="entr" presetSubtype="4" fill="hold" nodeType="clickEffect">
                                   <p:stCondLst>
                                     <p:cond delay="0"/>
                                   </p:stCondLst>
                                   <p:childTnLst>
                                     <p:set>
                                       <p:cBhvr>
-                                        <p:cTn id="41" dur="1" fill="hold">
+                                        <p:cTn id="63" dur="1" fill="hold">
                                           <p:stCondLst>
                                             <p:cond delay="0"/>
                                           </p:stCondLst>
                                         </p:cTn>
                                         <p:tgtEl>
-                                          <p:spTgt spid="2"/>
-                                        </p:tgtEl>
-                                        <p:attrNameLst>
-                                          <p:attrName>style.visibility</p:attrName>
-                                        </p:attrNameLst>
-                                      </p:cBhvr>
-                                      <p:to>
-                                        <p:strVal val="visible"/>
-                                      </p:to>
-                                    </p:set>
-                                    <p:animEffect transition="in" filter="wipe(up)">
-                                      <p:cBhvr>
-                                        <p:cTn id="42" dur="500"/>
-                                        <p:tgtEl>
-                                          <p:spTgt spid="2"/>
-                                        </p:tgtEl>
-                                      </p:cBhvr>
-                                    </p:animEffect>
-                                  </p:childTnLst>
-                                </p:cTn>
-                              </p:par>
-                            </p:childTnLst>
-                          </p:cTn>
-                        </p:par>
-                        <p:par>
-                          <p:cTn id="43" fill="hold">
-                            <p:stCondLst>
-                              <p:cond delay="500"/>
-                            </p:stCondLst>
-                            <p:childTnLst>
-                              <p:par>
-                                <p:cTn id="44" presetID="22" presetClass="entr" presetSubtype="8" fill="hold" nodeType="afterEffect">
-                                  <p:stCondLst>
-                                    <p:cond delay="0"/>
-                                  </p:stCondLst>
-                                  <p:childTnLst>
-                                    <p:set>
-                                      <p:cBhvr>
-                                        <p:cTn id="45" dur="1" fill="hold">
-                                          <p:stCondLst>
-                                            <p:cond delay="0"/>
-                                          </p:stCondLst>
-                                        </p:cTn>
-                                        <p:tgtEl>
-                                          <p:spTgt spid="9"/>
-                                        </p:tgtEl>
-                                        <p:attrNameLst>
-                                          <p:attrName>style.visibility</p:attrName>
-                                        </p:attrNameLst>
-                                      </p:cBhvr>
-                                      <p:to>
-                                        <p:strVal val="visible"/>
-                                      </p:to>
-                                    </p:set>
-                                    <p:animEffect transition="in" filter="wipe(left)">
-                                      <p:cBhvr>
-                                        <p:cTn id="46" dur="500"/>
-                                        <p:tgtEl>
-                                          <p:spTgt spid="9"/>
-                                        </p:tgtEl>
-                                      </p:cBhvr>
-                                    </p:animEffect>
-                                  </p:childTnLst>
-                                </p:cTn>
-                              </p:par>
-                            </p:childTnLst>
-                          </p:cTn>
-                        </p:par>
-                        <p:par>
-                          <p:cTn id="47" fill="hold">
-                            <p:stCondLst>
-                              <p:cond delay="1000"/>
-                            </p:stCondLst>
-                            <p:childTnLst>
-                              <p:par>
-                                <p:cTn id="48" presetID="22" presetClass="entr" presetSubtype="1" fill="hold" grpId="0" nodeType="afterEffect">
-                                  <p:stCondLst>
-                                    <p:cond delay="0"/>
-                                  </p:stCondLst>
-                                  <p:childTnLst>
-                                    <p:set>
-                                      <p:cBhvr>
-                                        <p:cTn id="49" dur="1" fill="hold">
-                                          <p:stCondLst>
-                                            <p:cond delay="0"/>
-                                          </p:stCondLst>
-                                        </p:cTn>
-                                        <p:tgtEl>
-                                          <p:spTgt spid="3"/>
-                                        </p:tgtEl>
-                                        <p:attrNameLst>
-                                          <p:attrName>style.visibility</p:attrName>
-                                        </p:attrNameLst>
-                                      </p:cBhvr>
-                                      <p:to>
-                                        <p:strVal val="visible"/>
-                                      </p:to>
-                                    </p:set>
-                                    <p:animEffect transition="in" filter="wipe(up)">
-                                      <p:cBhvr>
-                                        <p:cTn id="50" dur="500"/>
-                                        <p:tgtEl>
-                                          <p:spTgt spid="3"/>
-                                        </p:tgtEl>
-                                      </p:cBhvr>
-                                    </p:animEffect>
-                                  </p:childTnLst>
-                                </p:cTn>
-                              </p:par>
-                            </p:childTnLst>
-                          </p:cTn>
-                        </p:par>
-                        <p:par>
-                          <p:cTn id="51" fill="hold">
-                            <p:stCondLst>
-                              <p:cond delay="1500"/>
-                            </p:stCondLst>
-                            <p:childTnLst>
-                              <p:par>
-                                <p:cTn id="52" presetID="22" presetClass="entr" presetSubtype="8" fill="hold" nodeType="afterEffect">
-                                  <p:stCondLst>
-                                    <p:cond delay="0"/>
-                                  </p:stCondLst>
-                                  <p:childTnLst>
-                                    <p:set>
-                                      <p:cBhvr>
-                                        <p:cTn id="53" dur="1" fill="hold">
-                                          <p:stCondLst>
-                                            <p:cond delay="0"/>
-                                          </p:stCondLst>
-                                        </p:cTn>
-                                        <p:tgtEl>
-                                          <p:spTgt spid="13"/>
-                                        </p:tgtEl>
-                                        <p:attrNameLst>
-                                          <p:attrName>style.visibility</p:attrName>
-                                        </p:attrNameLst>
-                                      </p:cBhvr>
-                                      <p:to>
-                                        <p:strVal val="visible"/>
-                                      </p:to>
-                                    </p:set>
-                                    <p:animEffect transition="in" filter="wipe(left)">
-                                      <p:cBhvr>
-                                        <p:cTn id="54" dur="500"/>
-                                        <p:tgtEl>
-                                          <p:spTgt spid="13"/>
-                                        </p:tgtEl>
-                                      </p:cBhvr>
-                                    </p:animEffect>
-                                  </p:childTnLst>
-                                </p:cTn>
-                              </p:par>
-                            </p:childTnLst>
-                          </p:cTn>
-                        </p:par>
-                        <p:par>
-                          <p:cTn id="55" fill="hold">
-                            <p:stCondLst>
-                              <p:cond delay="2000"/>
-                            </p:stCondLst>
-                            <p:childTnLst>
-                              <p:par>
-                                <p:cTn id="56" presetID="22" presetClass="entr" presetSubtype="4" fill="hold" grpId="0" nodeType="afterEffect">
-                                  <p:stCondLst>
-                                    <p:cond delay="0"/>
-                                  </p:stCondLst>
-                                  <p:childTnLst>
-                                    <p:set>
-                                      <p:cBhvr>
-                                        <p:cTn id="57" dur="1" fill="hold">
-                                          <p:stCondLst>
-                                            <p:cond delay="0"/>
-                                          </p:stCondLst>
-                                        </p:cTn>
-                                        <p:tgtEl>
-                                          <p:spTgt spid="4"/>
+                                          <p:spTgt spid="23"/>
                                         </p:tgtEl>
                                         <p:attrNameLst>
                                           <p:attrName>style.visibility</p:attrName>
@@ -25558,9 +25690,62 @@
                                     </p:set>
                                     <p:animEffect transition="in" filter="wipe(down)">
                                       <p:cBhvr>
-                                        <p:cTn id="58" dur="500"/>
+                                        <p:cTn id="64" dur="500"/>
                                         <p:tgtEl>
-                                          <p:spTgt spid="4"/>
+                                          <p:spTgt spid="23"/>
+                                        </p:tgtEl>
+                                      </p:cBhvr>
+                                    </p:animEffect>
+                                  </p:childTnLst>
+                                </p:cTn>
+                              </p:par>
+                            </p:childTnLst>
+                          </p:cTn>
+                        </p:par>
+                      </p:childTnLst>
+                    </p:cTn>
+                  </p:par>
+                  <p:par>
+                    <p:cTn id="65" fill="hold">
+                      <p:stCondLst>
+                        <p:cond delay="indefinite"/>
+                      </p:stCondLst>
+                      <p:childTnLst>
+                        <p:par>
+                          <p:cTn id="66" fill="hold">
+                            <p:stCondLst>
+                              <p:cond delay="0"/>
+                            </p:stCondLst>
+                            <p:childTnLst>
+                              <p:par>
+                                <p:cTn id="67" presetID="22" presetClass="entr" presetSubtype="4" fill="hold" nodeType="clickEffect">
+                                  <p:stCondLst>
+                                    <p:cond delay="0"/>
+                                  </p:stCondLst>
+                                  <p:childTnLst>
+                                    <p:set>
+                                      <p:cBhvr>
+                                        <p:cTn id="68" dur="1" fill="hold">
+                                          <p:stCondLst>
+                                            <p:cond delay="0"/>
+                                          </p:stCondLst>
+                                        </p:cTn>
+                                        <p:tgtEl>
+                                          <p:spTgt spid="27"/>
+                                        </p:tgtEl>
+                                        <p:attrNameLst>
+                                          <p:attrName>style.visibility</p:attrName>
+                                        </p:attrNameLst>
+                                      </p:cBhvr>
+                                      <p:to>
+                                        <p:strVal val="visible"/>
+                                      </p:to>
+                                    </p:set>
+                                    <p:animEffect transition="in" filter="wipe(down)">
+                                      <p:cBhvr>
+                                        <p:cTn id="69" dur="500"/>
+                                        <p:tgtEl>
+                                          <p:spTgt spid="27"/>
                                         </p:tgtEl>
                                       </p:cBhvr>
                                     </p:animEffect>
@@ -25571,20 +25756,161 @@
                           </p:cTn>
                         </p:par>
                         <p:par>
-                          <p:cTn id="59" fill="hold">
+                          <p:cTn id="70" fill="hold">
                             <p:stCondLst>
-                              <p:cond delay="2500"/>
+                              <p:cond delay="500"/>
                             </p:stCondLst>
                             <p:childTnLst>
                               <p:par>
-                                <p:cTn id="60" presetID="1" presetClass="exit" presetSubtype="0" fill="hold" nodeType="afterEffect">
+                                <p:cTn id="71" presetID="22" presetClass="entr" presetSubtype="4" fill="hold" nodeType="afterEffect">
                                   <p:stCondLst>
                                     <p:cond delay="0"/>
                                   </p:stCondLst>
                                   <p:childTnLst>
                                     <p:set>
                                       <p:cBhvr>
-                                        <p:cTn id="61" dur="1" fill="hold">
+                                        <p:cTn id="72" dur="1" fill="hold">
+                                          <p:stCondLst>
+                                            <p:cond delay="0"/>
+                                          </p:stCondLst>
+                                        </p:cTn>
+                                        <p:tgtEl>
+                                          <p:spTgt spid="28"/>
+                                        </p:tgtEl>
+                                        <p:attrNameLst>
+                                          <p:attrName>style.visibility</p:attrName>
+                                        </p:attrNameLst>
+                                      </p:cBhvr>
+                                      <p:to>
+                                        <p:strVal val="visible"/>
+                                      </p:to>
+                                    </p:set>
+                                    <p:animEffect transition="in" filter="wipe(down)">
+                                      <p:cBhvr>
+                                        <p:cTn id="73" dur="500"/>
+                                        <p:tgtEl>
+                                          <p:spTgt spid="28"/>
+                                        </p:tgtEl>
+                                      </p:cBhvr>
+                                    </p:animEffect>
+                                  </p:childTnLst>
+                                </p:cTn>
+                              </p:par>
+                            </p:childTnLst>
+                          </p:cTn>
+                        </p:par>
+                        <p:par>
+                          <p:cTn id="74" fill="hold">
+                            <p:stCondLst>
+                              <p:cond delay="1000"/>
+                            </p:stCondLst>
+                            <p:childTnLst>
+                              <p:par>
+                                <p:cTn id="75" presetID="22" presetClass="entr" presetSubtype="4" fill="hold" nodeType="afterEffect">
+                                  <p:stCondLst>
+                                    <p:cond delay="0"/>
+                                  </p:stCondLst>
+                                  <p:childTnLst>
+                                    <p:set>
+                                      <p:cBhvr>
+                                        <p:cTn id="76" dur="1" fill="hold">
+                                          <p:stCondLst>
+                                            <p:cond delay="0"/>
+                                          </p:stCondLst>
+                                        </p:cTn>
+                                        <p:tgtEl>
+                                          <p:spTgt spid="30"/>
+                                        </p:tgtEl>
+                                        <p:attrNameLst>
+                                          <p:attrName>style.visibility</p:attrName>
+                                        </p:attrNameLst>
+                                      </p:cBhvr>
+                                      <p:to>
+                                        <p:strVal val="visible"/>
+                                      </p:to>
+                                    </p:set>
+                                    <p:animEffect transition="in" filter="wipe(down)">
+                                      <p:cBhvr>
+                                        <p:cTn id="77" dur="500"/>
+                                        <p:tgtEl>
+                                          <p:spTgt spid="30"/>
+                                        </p:tgtEl>
+                                      </p:cBhvr>
+                                    </p:animEffect>
+                                  </p:childTnLst>
+                                </p:cTn>
+                              </p:par>
+                            </p:childTnLst>
+                          </p:cTn>
+                        </p:par>
+                        <p:par>
+                          <p:cTn id="78" fill="hold">
+                            <p:stCondLst>
+                              <p:cond delay="1500"/>
+                            </p:stCondLst>
+                            <p:childTnLst>
+                              <p:par>
+                                <p:cTn id="79" presetID="22" presetClass="entr" presetSubtype="4" fill="hold" nodeType="afterEffect">
+                                  <p:stCondLst>
+                                    <p:cond delay="0"/>
+                                  </p:stCondLst>
+                                  <p:childTnLst>
+                                    <p:set>
+                                      <p:cBhvr>
+                                        <p:cTn id="80" dur="1" fill="hold">
+                                          <p:stCondLst>
+                                            <p:cond delay="0"/>
+                                          </p:stCondLst>
+                                        </p:cTn>
+                                        <p:tgtEl>
+                                          <p:spTgt spid="33"/>
+                                        </p:tgtEl>
+                                        <p:attrNameLst>
+                                          <p:attrName>style.visibility</p:attrName>
+                                        </p:attrNameLst>
+                                      </p:cBhvr>
+                                      <p:to>
+                                        <p:strVal val="visible"/>
+                                      </p:to>
+                                    </p:set>
+                                    <p:animEffect transition="in" filter="wipe(down)">
+                                      <p:cBhvr>
+                                        <p:cTn id="81" dur="500"/>
+                                        <p:tgtEl>
+                                          <p:spTgt spid="33"/>
+                                        </p:tgtEl>
+                                      </p:cBhvr>
+                                    </p:animEffect>
+                                  </p:childTnLst>
+                                </p:cTn>
+                              </p:par>
+                            </p:childTnLst>
+                          </p:cTn>
+                        </p:par>
+                      </p:childTnLst>
+                    </p:cTn>
+                  </p:par>
+                  <p:par>
+                    <p:cTn id="82" fill="hold">
+                      <p:stCondLst>
+                        <p:cond delay="indefinite"/>
+                      </p:stCondLst>
+                      <p:childTnLst>
+                        <p:par>
+                          <p:cTn id="83" fill="hold">
+                            <p:stCondLst>
+                              <p:cond delay="0"/>
+                            </p:stCondLst>
+                            <p:childTnLst>
+                              <p:par>
+                                <p:cTn id="84" presetID="1" presetClass="exit" presetSubtype="0" fill="hold" nodeType="clickEffect">
+                                  <p:stCondLst>
+                                    <p:cond delay="0"/>
+                                  </p:stCondLst>
+                                  <p:childTnLst>
+                                    <p:set>
+                                      <p:cBhvr>
+                                        <p:cTn id="85" dur="1" fill="hold">
                                           <p:stCondLst>
                                             <p:cond delay="0"/>
                                           </p:stCondLst>
@@ -25603,15 +25929,24 @@
                                   </p:childTnLst>
                                 </p:cTn>
                               </p:par>
+                            </p:childTnLst>
+                          </p:cTn>
+                        </p:par>
+                        <p:par>
+                          <p:cTn id="86" fill="hold">
+                            <p:stCondLst>
+                              <p:cond delay="0"/>
+                            </p:stCondLst>
+                            <p:childTnLst>
                               <p:par>
-                                <p:cTn id="62" presetID="1" presetClass="exit" presetSubtype="0" fill="hold" nodeType="withEffect">
+                                <p:cTn id="87" presetID="1" presetClass="exit" presetSubtype="0" fill="hold" nodeType="afterEffect">
                                   <p:stCondLst>
                                     <p:cond delay="0"/>
                                   </p:stCondLst>
                                   <p:childTnLst>
                                     <p:set>
                                       <p:cBhvr>
-                                        <p:cTn id="63" dur="1" fill="hold">
+                                        <p:cTn id="88" dur="1" fill="hold">
                                           <p:stCondLst>
                                             <p:cond delay="0"/>
                                           </p:stCondLst>
@@ -25634,278 +25969,13 @@
                           </p:cTn>
                         </p:par>
                         <p:par>
-                          <p:cTn id="64" fill="hold">
-                            <p:stCondLst>
-                              <p:cond delay="2500"/>
-                            </p:stCondLst>
-                            <p:childTnLst>
-                              <p:par>
-                                <p:cTn id="65" presetID="22" presetClass="entr" presetSubtype="4" fill="hold" nodeType="afterEffect">
-                                  <p:stCondLst>
-                                    <p:cond delay="0"/>
-                                  </p:stCondLst>
-                                  <p:childTnLst>
-                                    <p:set>
-                                      <p:cBhvr>
-                                        <p:cTn id="66" dur="1" fill="hold">
-                                          <p:stCondLst>
-                                            <p:cond delay="0"/>
-                                          </p:stCondLst>
-                                        </p:cTn>
-                                        <p:tgtEl>
-                                          <p:spTgt spid="23"/>
-                                        </p:tgtEl>
-                                        <p:attrNameLst>
-                                          <p:attrName>style.visibility</p:attrName>
-                                        </p:attrNameLst>
-                                      </p:cBhvr>
-                                      <p:to>
-                                        <p:strVal val="visible"/>
-                                      </p:to>
-                                    </p:set>
-                                    <p:animEffect transition="in" filter="wipe(down)">
-                                      <p:cBhvr>
-                                        <p:cTn id="67" dur="500"/>
-                                        <p:tgtEl>
-                                          <p:spTgt spid="23"/>
-                                        </p:tgtEl>
-                                      </p:cBhvr>
-                                    </p:animEffect>
-                                  </p:childTnLst>
-                                </p:cTn>
-                              </p:par>
-                            </p:childTnLst>
-                          </p:cTn>
-                        </p:par>
-                      </p:childTnLst>
-                    </p:cTn>
-                  </p:par>
-                  <p:par>
-                    <p:cTn id="68" fill="hold">
-                      <p:stCondLst>
-                        <p:cond delay="indefinite"/>
-                      </p:stCondLst>
-                      <p:childTnLst>
-                        <p:par>
-                          <p:cTn id="69" fill="hold">
-                            <p:stCondLst>
-                              <p:cond delay="0"/>
-                            </p:stCondLst>
-                            <p:childTnLst>
-                              <p:par>
-                                <p:cTn id="70" presetID="22" presetClass="entr" presetSubtype="4" fill="hold" nodeType="clickEffect">
-                                  <p:stCondLst>
-                                    <p:cond delay="0"/>
-                                  </p:stCondLst>
-                                  <p:childTnLst>
-                                    <p:set>
-                                      <p:cBhvr>
-                                        <p:cTn id="71" dur="1" fill="hold">
-                                          <p:stCondLst>
-                                            <p:cond delay="0"/>
-                                          </p:stCondLst>
-                                        </p:cTn>
-                                        <p:tgtEl>
-                                          <p:spTgt spid="27"/>
-                                        </p:tgtEl>
-                                        <p:attrNameLst>
-                                          <p:attrName>style.visibility</p:attrName>
-                                        </p:attrNameLst>
-                                      </p:cBhvr>
-                                      <p:to>
-                                        <p:strVal val="visible"/>
-                                      </p:to>
-                                    </p:set>
-                                    <p:animEffect transition="in" filter="wipe(down)">
-                                      <p:cBhvr>
-                                        <p:cTn id="72" dur="500"/>
-                                        <p:tgtEl>
-                                          <p:spTgt spid="27"/>
-                                        </p:tgtEl>
-                                      </p:cBhvr>
-                                    </p:animEffect>
-                                  </p:childTnLst>
-                                </p:cTn>
-                              </p:par>
-                            </p:childTnLst>
-                          </p:cTn>
-                        </p:par>
-                      </p:childTnLst>
-                    </p:cTn>
-                  </p:par>
-                  <p:par>
-                    <p:cTn id="73" fill="hold">
-                      <p:stCondLst>
-                        <p:cond delay="indefinite"/>
-                      </p:stCondLst>
-                      <p:childTnLst>
-                        <p:par>
-                          <p:cTn id="74" fill="hold">
-                            <p:stCondLst>
-                              <p:cond delay="0"/>
-                            </p:stCondLst>
-                            <p:childTnLst>
-                              <p:par>
-                                <p:cTn id="75" presetID="22" presetClass="entr" presetSubtype="4" fill="hold" nodeType="clickEffect">
-                                  <p:stCondLst>
-                                    <p:cond delay="0"/>
-                                  </p:stCondLst>
-                                  <p:childTnLst>
-                                    <p:set>
-                                      <p:cBhvr>
-                                        <p:cTn id="76" dur="1" fill="hold">
-                                          <p:stCondLst>
-                                            <p:cond delay="0"/>
-                                          </p:stCondLst>
-                                        </p:cTn>
-                                        <p:tgtEl>
-                                          <p:spTgt spid="28"/>
-                                        </p:tgtEl>
-                                        <p:attrNameLst>
-                                          <p:attrName>style.visibility</p:attrName>
-                                        </p:attrNameLst>
-                                      </p:cBhvr>
-                                      <p:to>
-                                        <p:strVal val="visible"/>
-                                      </p:to>
-                                    </p:set>
-                                    <p:animEffect transition="in" filter="wipe(down)">
-                                      <p:cBhvr>
-                                        <p:cTn id="77" dur="500"/>
-                                        <p:tgtEl>
-                                          <p:spTgt spid="28"/>
-                                        </p:tgtEl>
-                                      </p:cBhvr>
-                                    </p:animEffect>
-                                  </p:childTnLst>
-                                </p:cTn>
-                              </p:par>
-                            </p:childTnLst>
-                          </p:cTn>
-                        </p:par>
-                      </p:childTnLst>
-                    </p:cTn>
-                  </p:par>
-                  <p:par>
-                    <p:cTn id="78" fill="hold">
-                      <p:stCondLst>
-                        <p:cond delay="indefinite"/>
-                      </p:stCondLst>
-                      <p:childTnLst>
-                        <p:par>
-                          <p:cTn id="79" fill="hold">
-                            <p:stCondLst>
-                              <p:cond delay="0"/>
-                            </p:stCondLst>
-                            <p:childTnLst>
-                              <p:par>
-                                <p:cTn id="80" presetID="22" presetClass="entr" presetSubtype="4" fill="hold" nodeType="clickEffect">
-                                  <p:stCondLst>
-                                    <p:cond delay="0"/>
-                                  </p:stCondLst>
-                                  <p:childTnLst>
-                                    <p:set>
-                                      <p:cBhvr>
-                                        <p:cTn id="81" dur="1" fill="hold">
-                                          <p:stCondLst>
-                                            <p:cond delay="0"/>
-                                          </p:stCondLst>
-                                        </p:cTn>
-                                        <p:tgtEl>
-                                          <p:spTgt spid="30"/>
-                                        </p:tgtEl>
-                                        <p:attrNameLst>
-                                          <p:attrName>style.visibility</p:attrName>
-                                        </p:attrNameLst>
-                                      </p:cBhvr>
-                                      <p:to>
-                                        <p:strVal val="visible"/>
-                                      </p:to>
-                                    </p:set>
-                                    <p:animEffect transition="in" filter="wipe(down)">
-                                      <p:cBhvr>
-                                        <p:cTn id="82" dur="500"/>
-                                        <p:tgtEl>
-                                          <p:spTgt spid="30"/>
-                                        </p:tgtEl>
-                                      </p:cBhvr>
-                                    </p:animEffect>
-                                  </p:childTnLst>
-                                </p:cTn>
-                              </p:par>
-                            </p:childTnLst>
-                          </p:cTn>
-                        </p:par>
-                      </p:childTnLst>
-                    </p:cTn>
-                  </p:par>
-                  <p:par>
-                    <p:cTn id="83" fill="hold">
-                      <p:stCondLst>
-                        <p:cond delay="indefinite"/>
-                      </p:stCondLst>
-                      <p:childTnLst>
-                        <p:par>
-                          <p:cTn id="84" fill="hold">
-                            <p:stCondLst>
-                              <p:cond delay="0"/>
-                            </p:stCondLst>
-                            <p:childTnLst>
-                              <p:par>
-                                <p:cTn id="85" presetID="22" presetClass="entr" presetSubtype="4" fill="hold" nodeType="clickEffect">
-                                  <p:stCondLst>
-                                    <p:cond delay="0"/>
-                                  </p:stCondLst>
-                                  <p:childTnLst>
-                                    <p:set>
-                                      <p:cBhvr>
-                                        <p:cTn id="86" dur="1" fill="hold">
-                                          <p:stCondLst>
-                                            <p:cond delay="0"/>
-                                          </p:stCondLst>
-                                        </p:cTn>
-                                        <p:tgtEl>
-                                          <p:spTgt spid="33"/>
-                                        </p:tgtEl>
-                                        <p:attrNameLst>
-                                          <p:attrName>style.visibility</p:attrName>
-                                        </p:attrNameLst>
-                                      </p:cBhvr>
-                                      <p:to>
-                                        <p:strVal val="visible"/>
-                                      </p:to>
-                                    </p:set>
-                                    <p:animEffect transition="in" filter="wipe(down)">
-                                      <p:cBhvr>
-                                        <p:cTn id="87" dur="500"/>
-                                        <p:tgtEl>
-                                          <p:spTgt spid="33"/>
-                                        </p:tgtEl>
-                                      </p:cBhvr>
-                                    </p:animEffect>
-                                  </p:childTnLst>
-                                </p:cTn>
-                              </p:par>
-                            </p:childTnLst>
-                          </p:cTn>
-                        </p:par>
-                      </p:childTnLst>
-                    </p:cTn>
-                  </p:par>
-                  <p:par>
-                    <p:cTn id="88" fill="hold">
-                      <p:stCondLst>
-                        <p:cond delay="indefinite"/>
-                      </p:stCondLst>
-                      <p:childTnLst>
-                        <p:par>
                           <p:cTn id="89" fill="hold">
                             <p:stCondLst>
                               <p:cond delay="0"/>
                             </p:stCondLst>
                             <p:childTnLst>
                               <p:par>
-                                <p:cTn id="90" presetID="1" presetClass="exit" presetSubtype="0" fill="hold" nodeType="clickEffect">
+                                <p:cTn id="90" presetID="1" presetClass="exit" presetSubtype="0" fill="hold" nodeType="afterEffect">
                                   <p:stCondLst>
                                     <p:cond delay="0"/>
                                   </p:stCondLst>
@@ -26049,7 +26119,7 @@
                             </p:stCondLst>
                             <p:childTnLst>
                               <p:par>
-                                <p:cTn id="101" presetID="2" presetClass="entr" presetSubtype="8" fill="hold" nodeType="afterEffect">
+                                <p:cTn id="101" presetID="2" presetClass="entr" presetSubtype="8" fill="hold" grpId="0" nodeType="afterEffect">
                                   <p:stCondLst>
                                     <p:cond delay="0"/>
                                   </p:stCondLst>
@@ -26062,7 +26132,7 @@
                                           </p:stCondLst>
                                         </p:cTn>
                                         <p:tgtEl>
-                                          <p:spTgt spid="29"/>
+                                          <p:spTgt spid="19"/>
                                         </p:tgtEl>
                                         <p:attrNameLst>
                                           <p:attrName>style.visibility</p:attrName>
@@ -26076,7 +26146,7 @@
                                       <p:cBhvr additive="base">
                                         <p:cTn id="103" dur="500" fill="hold"/>
                                         <p:tgtEl>
-                                          <p:spTgt spid="29"/>
+                                          <p:spTgt spid="19"/>
                                         </p:tgtEl>
                                         <p:attrNameLst>
                                           <p:attrName>ppt_x</p:attrName>
@@ -26099,7 +26169,7 @@
                                       <p:cBhvr additive="base">
                                         <p:cTn id="104" dur="500" fill="hold"/>
                                         <p:tgtEl>
-                                          <p:spTgt spid="29"/>
+                                          <p:spTgt spid="19"/>
                                         </p:tgtEl>
                                         <p:attrNameLst>
                                           <p:attrName>ppt_y</p:attrName>
@@ -26131,7 +26201,7 @@
                             </p:stCondLst>
                             <p:childTnLst>
                               <p:par>
-                                <p:cTn id="106" presetID="2" presetClass="entr" presetSubtype="8" fill="hold" grpId="0" nodeType="afterEffect">
+                                <p:cTn id="106" presetID="22" presetClass="entr" presetSubtype="1" fill="hold" nodeType="afterEffect">
                                   <p:stCondLst>
                                     <p:cond delay="0"/>
                                   </p:stCondLst>
@@ -26144,98 +26214,7 @@
                                           </p:stCondLst>
                                         </p:cTn>
                                         <p:tgtEl>
-                                          <p:spTgt spid="19"/>
-                                        </p:tgtEl>
-                                        <p:attrNameLst>
-                                          <p:attrName>style.visibility</p:attrName>
-                                        </p:attrNameLst>
-                                      </p:cBhvr>
-                                      <p:to>
-                                        <p:strVal val="visible"/>
-                                      </p:to>
-                                    </p:set>
-                                    <p:anim calcmode="lin" valueType="num">
-                                      <p:cBhvr additive="base">
-                                        <p:cTn id="108" dur="500" fill="hold"/>
-                                        <p:tgtEl>
-                                          <p:spTgt spid="19"/>
-                                        </p:tgtEl>
-                                        <p:attrNameLst>
-                                          <p:attrName>ppt_x</p:attrName>
-                                        </p:attrNameLst>
-                                      </p:cBhvr>
-                                      <p:tavLst>
-                                        <p:tav tm="0">
-                                          <p:val>
-                                            <p:strVal val="0-#ppt_w/2"/>
-                                          </p:val>
-                                        </p:tav>
-                                        <p:tav tm="100000">
-                                          <p:val>
-                                            <p:strVal val="#ppt_x"/>
-                                          </p:val>
-                                        </p:tav>
-                                      </p:tavLst>
-                                    </p:anim>
-                                    <p:anim calcmode="lin" valueType="num">
-                                      <p:cBhvr additive="base">
-                                        <p:cTn id="109" dur="500" fill="hold"/>
-                                        <p:tgtEl>
-                                          <p:spTgt spid="19"/>
-                                        </p:tgtEl>
-                                        <p:attrNameLst>
-                                          <p:attrName>ppt_y</p:attrName>
-                                        </p:attrNameLst>
-                                      </p:cBhvr>
-                                      <p:tavLst>
-                                        <p:tav tm="0">
-                                          <p:val>
-                                            <p:strVal val="#ppt_y"/>
-                                          </p:val>
-                                        </p:tav>
-                                        <p:tav tm="100000">
-                                          <p:val>
-                                            <p:strVal val="#ppt_y"/>
-                                          </p:val>
-                                        </p:tav>
-                                      </p:tavLst>
-                                    </p:anim>
-                                  </p:childTnLst>
-                                </p:cTn>
-                              </p:par>
-                            </p:childTnLst>
-                          </p:cTn>
-                        </p:par>
-                      </p:childTnLst>
-                    </p:cTn>
-                  </p:par>
-                  <p:par>
-                    <p:cTn id="110" fill="hold">
-                      <p:stCondLst>
-                        <p:cond delay="indefinite"/>
-                      </p:stCondLst>
-                      <p:childTnLst>
-                        <p:par>
-                          <p:cTn id="111" fill="hold">
-                            <p:stCondLst>
-                              <p:cond delay="0"/>
-                            </p:stCondLst>
-                            <p:childTnLst>
-                              <p:par>
-                                <p:cTn id="112" presetID="22" presetClass="entr" presetSubtype="1" fill="hold" nodeType="clickEffect">
-                                  <p:stCondLst>
-                                    <p:cond delay="0"/>
-                                  </p:stCondLst>
-                                  <p:childTnLst>
-                                    <p:set>
-                                      <p:cBhvr>
-                                        <p:cTn id="113" dur="1" fill="hold">
-                                          <p:stCondLst>
-                                            <p:cond delay="0"/>
-                                          </p:stCondLst>
-                                        </p:cTn>
-                                        <p:tgtEl>
-                                          <p:spTgt spid="8"/>
+                                          <p:spTgt spid="18"/>
                                         </p:tgtEl>
                                         <p:attrNameLst>
                                           <p:attrName>style.visibility</p:attrName>
@@ -26247,9 +26226,9 @@
                                     </p:set>
                                     <p:animEffect transition="in" filter="wipe(up)">
                                       <p:cBhvr>
-                                        <p:cTn id="114" dur="500"/>
+                                        <p:cTn id="108" dur="500"/>
                                         <p:tgtEl>
-                                          <p:spTgt spid="8"/>
+                                          <p:spTgt spid="18"/>
                                         </p:tgtEl>
                                       </p:cBhvr>
                                     </p:animEffect>
@@ -26259,21 +26238,30 @@
                             </p:childTnLst>
                           </p:cTn>
                         </p:par>
+                      </p:childTnLst>
+                    </p:cTn>
+                  </p:par>
+                  <p:par>
+                    <p:cTn id="109" fill="hold">
+                      <p:stCondLst>
+                        <p:cond delay="indefinite"/>
+                      </p:stCondLst>
+                      <p:childTnLst>
                         <p:par>
-                          <p:cTn id="115" fill="hold">
+                          <p:cTn id="110" fill="hold">
                             <p:stCondLst>
-                              <p:cond delay="500"/>
+                              <p:cond delay="0"/>
                             </p:stCondLst>
                             <p:childTnLst>
                               <p:par>
-                                <p:cTn id="116" presetID="2" presetClass="entr" presetSubtype="2" fill="hold" grpId="0" nodeType="afterEffect">
+                                <p:cTn id="111" presetID="2" presetClass="entr" presetSubtype="2" fill="hold" grpId="0" nodeType="clickEffect">
                                   <p:stCondLst>
                                     <p:cond delay="0"/>
                                   </p:stCondLst>
                                   <p:childTnLst>
                                     <p:set>
                                       <p:cBhvr>
-                                        <p:cTn id="117" dur="1" fill="hold">
+                                        <p:cTn id="112" dur="1" fill="hold">
                                           <p:stCondLst>
                                             <p:cond delay="0"/>
                                           </p:stCondLst>
@@ -26291,7 +26279,7 @@
                                     </p:set>
                                     <p:anim calcmode="lin" valueType="num">
                                       <p:cBhvr additive="base">
-                                        <p:cTn id="118" dur="500" fill="hold"/>
+                                        <p:cTn id="113" dur="500" fill="hold"/>
                                         <p:tgtEl>
                                           <p:spTgt spid="21"/>
                                         </p:tgtEl>
@@ -26314,7 +26302,7 @@
                                     </p:anim>
                                     <p:anim calcmode="lin" valueType="num">
                                       <p:cBhvr additive="base">
-                                        <p:cTn id="119" dur="500" fill="hold"/>
+                                        <p:cTn id="114" dur="500" fill="hold"/>
                                         <p:tgtEl>
                                           <p:spTgt spid="21"/>
                                         </p:tgtEl>
@@ -26342,13 +26330,66 @@
                           </p:cTn>
                         </p:par>
                         <p:par>
-                          <p:cTn id="120" fill="hold">
+                          <p:cTn id="115" fill="hold">
                             <p:stCondLst>
-                              <p:cond delay="1000"/>
+                              <p:cond delay="500"/>
                             </p:stCondLst>
                             <p:childTnLst>
                               <p:par>
-                                <p:cTn id="121" presetID="22" presetClass="entr" presetSubtype="8" fill="hold" grpId="0" nodeType="afterEffect">
+                                <p:cTn id="116" presetID="22" presetClass="entr" presetSubtype="1" fill="hold" nodeType="afterEffect">
+                                  <p:stCondLst>
+                                    <p:cond delay="0"/>
+                                  </p:stCondLst>
+                                  <p:childTnLst>
+                                    <p:set>
+                                      <p:cBhvr>
+                                        <p:cTn id="117" dur="1" fill="hold">
+                                          <p:stCondLst>
+                                            <p:cond delay="0"/>
+                                          </p:stCondLst>
+                                        </p:cTn>
+                                        <p:tgtEl>
+                                          <p:spTgt spid="10"/>
+                                        </p:tgtEl>
+                                        <p:attrNameLst>
+                                          <p:attrName>style.visibility</p:attrName>
+                                        </p:attrNameLst>
+                                      </p:cBhvr>
+                                      <p:to>
+                                        <p:strVal val="visible"/>
+                                      </p:to>
+                                    </p:set>
+                                    <p:animEffect transition="in" filter="wipe(up)">
+                                      <p:cBhvr>
+                                        <p:cTn id="118" dur="500"/>
+                                        <p:tgtEl>
+                                          <p:spTgt spid="10"/>
+                                        </p:tgtEl>
+                                      </p:cBhvr>
+                                    </p:animEffect>
+                                  </p:childTnLst>
+                                </p:cTn>
+                              </p:par>
+                            </p:childTnLst>
+                          </p:cTn>
+                        </p:par>
+                      </p:childTnLst>
+                    </p:cTn>
+                  </p:par>
+                  <p:par>
+                    <p:cTn id="119" fill="hold">
+                      <p:stCondLst>
+                        <p:cond delay="indefinite"/>
+                      </p:stCondLst>
+                      <p:childTnLst>
+                        <p:par>
+                          <p:cTn id="120" fill="hold">
+                            <p:stCondLst>
+                              <p:cond delay="0"/>
+                            </p:stCondLst>
+                            <p:childTnLst>
+                              <p:par>
+                                <p:cTn id="121" presetID="22" presetClass="entr" presetSubtype="8" fill="hold" grpId="0" nodeType="clickEffect">
                                   <p:stCondLst>
                                     <p:cond delay="0"/>
                                   </p:stCondLst>
@@ -26385,21 +26426,30 @@
                             </p:childTnLst>
                           </p:cTn>
                         </p:par>
+                      </p:childTnLst>
+                    </p:cTn>
+                  </p:par>
+                  <p:par>
+                    <p:cTn id="124" fill="hold">
+                      <p:stCondLst>
+                        <p:cond delay="indefinite"/>
+                      </p:stCondLst>
+                      <p:childTnLst>
                         <p:par>
-                          <p:cTn id="124" fill="hold">
+                          <p:cTn id="125" fill="hold">
                             <p:stCondLst>
-                              <p:cond delay="1500"/>
+                              <p:cond delay="0"/>
                             </p:stCondLst>
                             <p:childTnLst>
                               <p:par>
-                                <p:cTn id="125" presetID="22" presetClass="entr" presetSubtype="8" fill="hold" grpId="0" nodeType="afterEffect">
+                                <p:cTn id="126" presetID="22" presetClass="entr" presetSubtype="8" fill="hold" grpId="0" nodeType="clickEffect">
                                   <p:stCondLst>
                                     <p:cond delay="0"/>
                                   </p:stCondLst>
                                   <p:childTnLst>
                                     <p:set>
                                       <p:cBhvr>
-                                        <p:cTn id="126" dur="1" fill="hold">
+                                        <p:cTn id="127" dur="1" fill="hold">
                                           <p:stCondLst>
                                             <p:cond delay="0"/>
                                           </p:stCondLst>
@@ -26417,7 +26467,7 @@
                                     </p:set>
                                     <p:animEffect transition="in" filter="wipe(left)">
                                       <p:cBhvr>
-                                        <p:cTn id="127" dur="500"/>
+                                        <p:cTn id="128" dur="500"/>
                                         <p:tgtEl>
                                           <p:spTgt spid="22"/>
                                         </p:tgtEl>
@@ -26679,6 +26729,41 @@
           <a:chExt cx="0" cy="0"/>
         </a:xfrm>
       </p:grpSpPr>
+      <p:pic>
+        <p:nvPicPr>
+          <p:cNvPr id="7" name="Picture 6">
+            <a:extLst>
+              <a:ext uri="{FF2B5EF4-FFF2-40B4-BE49-F238E27FC236}">
+                <a16:creationId xmlns:a16="http://schemas.microsoft.com/office/drawing/2014/main" id="{6AB8A38D-D0E0-FFE2-FD61-0626B7D6FC0C}"/>
+              </a:ext>
+            </a:extLst>
+          </p:cNvPr>
+          <p:cNvPicPr>
+            <a:picLocks noChangeAspect="1"/>
+          </p:cNvPicPr>
+          <p:nvPr/>
+        </p:nvPicPr>
+        <p:blipFill>
+          <a:blip r:embed="rId3"/>
+          <a:stretch>
+            <a:fillRect/>
+          </a:stretch>
+        </p:blipFill>
+        <p:spPr>
+          <a:xfrm>
+            <a:off x="1731164" y="1512466"/>
+            <a:ext cx="5876190" cy="4800000"/>
+          </a:xfrm>
+          <a:prstGeom prst="rect">
+            <a:avLst/>
+          </a:prstGeom>
+          <a:ln>
+            <a:solidFill>
+              <a:schemeClr val="tx1"/>
+            </a:solidFill>
+          </a:ln>
+        </p:spPr>
+      </p:pic>
       <p:sp>
         <p:nvSpPr>
           <p:cNvPr id="2" name="Title 1"/>
@@ -26743,41 +26828,6 @@
           </a:p>
         </p:txBody>
       </p:sp>
-      <p:pic>
-        <p:nvPicPr>
-          <p:cNvPr id="5" name="Picture 4">
-            <a:extLst>
-              <a:ext uri="{FF2B5EF4-FFF2-40B4-BE49-F238E27FC236}">
-                <a16:creationId xmlns:a16="http://schemas.microsoft.com/office/drawing/2014/main" id="{C4E06C4E-3B59-4C07-7EA4-6225E9AD37F3}"/>
-              </a:ext>
-            </a:extLst>
-          </p:cNvPr>
-          <p:cNvPicPr>
-            <a:picLocks noChangeAspect="1"/>
-          </p:cNvPicPr>
-          <p:nvPr/>
-        </p:nvPicPr>
-        <p:blipFill>
-          <a:blip r:embed="rId3"/>
-          <a:stretch>
-            <a:fillRect/>
-          </a:stretch>
-        </p:blipFill>
-        <p:spPr>
-          <a:xfrm>
-            <a:off x="1724381" y="1512466"/>
-            <a:ext cx="5695238" cy="4800000"/>
-          </a:xfrm>
-          <a:prstGeom prst="rect">
-            <a:avLst/>
-          </a:prstGeom>
-          <a:ln>
-            <a:solidFill>
-              <a:schemeClr val="tx1"/>
-            </a:solidFill>
-          </a:ln>
-        </p:spPr>
-      </p:pic>
       <p:grpSp>
         <p:nvGrpSpPr>
           <p:cNvPr id="6" name="Group 5">
@@ -26792,7 +26842,7 @@
         </p:nvGrpSpPr>
         <p:grpSpPr>
           <a:xfrm>
-            <a:off x="6948334" y="1438601"/>
+            <a:off x="7196768" y="1596380"/>
             <a:ext cx="1076632" cy="369332"/>
             <a:chOff x="4968362" y="2079211"/>
             <a:chExt cx="1076632" cy="369332"/>
@@ -26920,7 +26970,7 @@
         </p:blipFill>
         <p:spPr>
           <a:xfrm>
-            <a:off x="5661835" y="1918734"/>
+            <a:off x="5985580" y="2049626"/>
             <a:ext cx="2363132" cy="915656"/>
           </a:xfrm>
           <a:prstGeom prst="rect">
@@ -26954,7 +27004,7 @@
         </p:nvGrpSpPr>
         <p:grpSpPr>
           <a:xfrm>
-            <a:off x="4079980" y="5131911"/>
+            <a:off x="3930282" y="5145754"/>
             <a:ext cx="1076632" cy="369332"/>
             <a:chOff x="4704120" y="2356972"/>
             <a:chExt cx="1076632" cy="369332"/>
@@ -27082,7 +27132,7 @@
         </p:blipFill>
         <p:spPr>
           <a:xfrm>
-            <a:off x="5661835" y="3325755"/>
+            <a:off x="5594702" y="3692703"/>
             <a:ext cx="3144887" cy="861699"/>
           </a:xfrm>
           <a:prstGeom prst="rect">
@@ -27109,7 +27159,7 @@
         </p:nvGrpSpPr>
         <p:grpSpPr>
           <a:xfrm>
-            <a:off x="7167146" y="2975742"/>
+            <a:off x="7486650" y="3128244"/>
             <a:ext cx="1068643" cy="369332"/>
             <a:chOff x="3647644" y="4910075"/>
             <a:chExt cx="1068643" cy="369332"/>
@@ -27229,7 +27279,7 @@
         </p:nvGrpSpPr>
         <p:grpSpPr>
           <a:xfrm>
-            <a:off x="4121039" y="5943134"/>
+            <a:off x="3930282" y="5962556"/>
             <a:ext cx="1064340" cy="369332"/>
             <a:chOff x="3647644" y="5421073"/>
             <a:chExt cx="1064340" cy="369332"/>
@@ -27349,7 +27399,7 @@
         </p:nvSpPr>
         <p:spPr>
           <a:xfrm>
-            <a:off x="5584108" y="5824057"/>
+            <a:off x="5272288" y="5861262"/>
             <a:ext cx="2057400" cy="646331"/>
           </a:xfrm>
           <a:prstGeom prst="rect">
@@ -27445,7 +27495,7 @@
                                           </p:stCondLst>
                                         </p:cTn>
                                         <p:tgtEl>
-                                          <p:spTgt spid="5"/>
+                                          <p:spTgt spid="7"/>
                                         </p:tgtEl>
                                         <p:attrNameLst>
                                           <p:attrName>style.visibility</p:attrName>
@@ -27459,7 +27509,7 @@
                                       <p:cBhvr>
                                         <p:cTn id="7" dur="500"/>
                                         <p:tgtEl>
-                                          <p:spTgt spid="5"/>
+                                          <p:spTgt spid="7"/>
                                         </p:tgtEl>
                                       </p:cBhvr>
                                     </p:animEffect>
@@ -40299,7 +40349,15 @@
           <a:p>
             <a:r>
               <a:rPr lang="en-US" sz="2400" dirty="0"/>
-              <a:t>Write a Python program that calculates and displays the Hamming Weight of </a:t>
+              <a:t>Update the Python program </a:t>
+            </a:r>
+            <a:r>
+              <a:rPr lang="en-US" sz="2400" b="1" dirty="0"/>
+              <a:t>hamming_weight.py </a:t>
+            </a:r>
+            <a:r>
+              <a:rPr lang="en-US" sz="2400" dirty="0"/>
+              <a:t>to calculate and display the Hamming Weight of </a:t>
             </a:r>
             <a:r>
               <a:rPr lang="en-US" sz="2400" b="1" dirty="0"/>

--- a/Session 19 - Continued Fractions/Session 19 - Continued Fractions.pptx
+++ b/Session 19 - Continued Fractions/Session 19 - Continued Fractions.pptx
@@ -425,7 +425,7 @@
           <a:p>
             <a:fld id="{A241AC98-512A-4A35-865E-757B6C1F07A2}" type="datetimeFigureOut">
               <a:rPr lang="en-US" smtClean="0"/>
-              <a:t>2/5/2024</a:t>
+              <a:t>4/20/2024</a:t>
             </a:fld>
             <a:endParaRPr lang="en-US"/>
           </a:p>
@@ -591,7 +591,7 @@
           <a:p>
             <a:fld id="{3854CEE7-15DE-41D9-8CA2-D1E137B1D850}" type="datetimeFigureOut">
               <a:rPr lang="en-US" smtClean="0"/>
-              <a:t>2/5/2024</a:t>
+              <a:t>4/20/2024</a:t>
             </a:fld>
             <a:endParaRPr lang="en-US"/>
           </a:p>
@@ -2586,7 +2586,7 @@
           <a:p>
             <a:fld id="{5555EB2C-244D-4423-AD97-018ED6478B87}" type="datetime1">
               <a:rPr lang="en-US" smtClean="0"/>
-              <a:t>2/5/2024</a:t>
+              <a:t>4/20/2024</a:t>
             </a:fld>
             <a:endParaRPr lang="en-US"/>
           </a:p>
@@ -2765,7 +2765,7 @@
           <a:p>
             <a:fld id="{A2B41D1F-7576-4C60-B4EB-5115BC56CF40}" type="datetime1">
               <a:rPr lang="en-US" smtClean="0"/>
-              <a:t>2/5/2024</a:t>
+              <a:t>4/20/2024</a:t>
             </a:fld>
             <a:endParaRPr lang="en-US"/>
           </a:p>
@@ -2957,7 +2957,7 @@
           <a:p>
             <a:fld id="{E79D1398-4D56-44F9-BA35-34ACF3159A64}" type="datetime1">
               <a:rPr lang="en-US" smtClean="0"/>
-              <a:t>2/5/2024</a:t>
+              <a:t>4/20/2024</a:t>
             </a:fld>
             <a:endParaRPr lang="en-US"/>
           </a:p>
@@ -3139,7 +3139,7 @@
           <a:p>
             <a:fld id="{A3CF632E-48CB-4EEB-A6B6-DEC7AD7CC976}" type="datetime1">
               <a:rPr lang="en-US" smtClean="0"/>
-              <a:t>2/5/2024</a:t>
+              <a:t>4/20/2024</a:t>
             </a:fld>
             <a:endParaRPr lang="en-US"/>
           </a:p>
@@ -3392,7 +3392,7 @@
           <a:p>
             <a:fld id="{BAEEE52C-3A57-458E-95F6-96B2FA9D1DD4}" type="datetime1">
               <a:rPr lang="en-US" smtClean="0"/>
-              <a:t>2/5/2024</a:t>
+              <a:t>4/20/2024</a:t>
             </a:fld>
             <a:endParaRPr lang="en-US"/>
           </a:p>
@@ -3636,7 +3636,7 @@
           <a:p>
             <a:fld id="{766FC747-A48A-4FF2-8EE4-3E95ECD1C2A8}" type="datetime1">
               <a:rPr lang="en-US" smtClean="0"/>
-              <a:t>2/5/2024</a:t>
+              <a:t>4/20/2024</a:t>
             </a:fld>
             <a:endParaRPr lang="en-US"/>
           </a:p>
@@ -4015,7 +4015,7 @@
           <a:p>
             <a:fld id="{C9BF5758-AB7F-463D-B638-E1729B95E126}" type="datetime1">
               <a:rPr lang="en-US" smtClean="0"/>
-              <a:t>2/5/2024</a:t>
+              <a:t>4/20/2024</a:t>
             </a:fld>
             <a:endParaRPr lang="en-US"/>
           </a:p>
@@ -4145,7 +4145,7 @@
           <a:p>
             <a:fld id="{F3718C77-7DD0-4738-BF52-D0EC9F78A76E}" type="datetime1">
               <a:rPr lang="en-US" smtClean="0"/>
-              <a:t>2/5/2024</a:t>
+              <a:t>4/20/2024</a:t>
             </a:fld>
             <a:endParaRPr lang="en-US"/>
           </a:p>
@@ -4252,7 +4252,7 @@
           <a:p>
             <a:fld id="{948970CF-13D9-4E1D-A74F-2CFE4953FCDB}" type="datetime1">
               <a:rPr lang="en-US" smtClean="0"/>
-              <a:t>2/5/2024</a:t>
+              <a:t>4/20/2024</a:t>
             </a:fld>
             <a:endParaRPr lang="en-US"/>
           </a:p>
@@ -4541,7 +4541,7 @@
           <a:p>
             <a:fld id="{F68C49B9-4E1C-4967-B9CF-0BF9FECBE837}" type="datetime1">
               <a:rPr lang="en-US" smtClean="0"/>
-              <a:t>2/5/2024</a:t>
+              <a:t>4/20/2024</a:t>
             </a:fld>
             <a:endParaRPr lang="en-US"/>
           </a:p>
@@ -4809,7 +4809,7 @@
           <a:p>
             <a:fld id="{7E338CBB-1F06-4333-9BBF-66628B15E581}" type="datetime1">
               <a:rPr lang="en-US" smtClean="0"/>
-              <a:t>2/5/2024</a:t>
+              <a:t>4/20/2024</a:t>
             </a:fld>
             <a:endParaRPr lang="en-US"/>
           </a:p>
@@ -5034,7 +5034,7 @@
           <a:p>
             <a:fld id="{705EC883-F03C-4CA3-AF62-BEF30EEA4F65}" type="datetime1">
               <a:rPr lang="en-US" smtClean="0"/>
-              <a:t>2/5/2024</a:t>
+              <a:t>4/20/2024</a:t>
             </a:fld>
             <a:endParaRPr lang="en-US"/>
           </a:p>
@@ -6735,6 +6735,112 @@
                   <a:srgbClr val="0070C0"/>
                 </a:solidFill>
               </a:ln>
+            </p:spPr>
+            <p:txBody>
+              <a:bodyPr/>
+              <a:lstStyle/>
+              <a:p>
+                <a:r>
+                  <a:rPr lang="en-US">
+                    <a:noFill/>
+                  </a:rPr>
+                  <a:t> </a:t>
+                </a:r>
+              </a:p>
+            </p:txBody>
+          </p:sp>
+        </mc:Fallback>
+      </mc:AlternateContent>
+      <mc:AlternateContent xmlns:mc="http://schemas.openxmlformats.org/markup-compatibility/2006">
+        <mc:Choice xmlns:a14="http://schemas.microsoft.com/office/drawing/2010/main" Requires="a14">
+          <p:sp>
+            <p:nvSpPr>
+              <p:cNvPr id="4" name="TextBox 3">
+                <a:extLst>
+                  <a:ext uri="{FF2B5EF4-FFF2-40B4-BE49-F238E27FC236}">
+                    <a16:creationId xmlns:a16="http://schemas.microsoft.com/office/drawing/2014/main" id="{CE09E251-625C-EBA2-8BA5-661084AED34C}"/>
+                  </a:ext>
+                </a:extLst>
+              </p:cNvPr>
+              <p:cNvSpPr txBox="1"/>
+              <p:nvPr/>
+            </p:nvSpPr>
+            <p:spPr>
+              <a:xfrm>
+                <a:off x="467845" y="948157"/>
+                <a:ext cx="1806129" cy="307777"/>
+              </a:xfrm>
+              <a:prstGeom prst="rect">
+                <a:avLst/>
+              </a:prstGeom>
+              <a:noFill/>
+            </p:spPr>
+            <p:txBody>
+              <a:bodyPr wrap="square" rtlCol="0">
+                <a:spAutoFit/>
+              </a:bodyPr>
+              <a:lstStyle/>
+              <a:p>
+                <a:pPr algn="ctr"/>
+                <a14:m>
+                  <m:oMath xmlns:m="http://schemas.openxmlformats.org/officeDocument/2006/math">
+                    <m:r>
+                      <a:rPr lang="en-US" sz="1400" b="0" i="1" dirty="0" smtClean="0">
+                        <a:ln>
+                          <a:solidFill>
+                            <a:srgbClr val="7030A0"/>
+                          </a:solidFill>
+                        </a:ln>
+                        <a:solidFill>
+                          <a:srgbClr val="7030A0"/>
+                        </a:solidFill>
+                        <a:latin typeface="Cambria Math" panose="02040503050406030204" pitchFamily="18" charset="0"/>
+                      </a:rPr>
+                      <m:t>𝑛</m:t>
+                    </m:r>
+                  </m:oMath>
+                </a14:m>
+                <a:r>
+                  <a:rPr lang="en-US" sz="1400" dirty="0">
+                    <a:solidFill>
+                      <a:srgbClr val="7030A0"/>
+                    </a:solidFill>
+                  </a:rPr>
+                  <a:t> is the row number</a:t>
+                </a:r>
+              </a:p>
+            </p:txBody>
+          </p:sp>
+        </mc:Choice>
+        <mc:Fallback>
+          <p:sp>
+            <p:nvSpPr>
+              <p:cNvPr id="4" name="TextBox 3">
+                <a:extLst>
+                  <a:ext uri="{FF2B5EF4-FFF2-40B4-BE49-F238E27FC236}">
+                    <a16:creationId xmlns:a16="http://schemas.microsoft.com/office/drawing/2014/main" id="{CE09E251-625C-EBA2-8BA5-661084AED34C}"/>
+                  </a:ext>
+                </a:extLst>
+              </p:cNvPr>
+              <p:cNvSpPr txBox="1">
+                <a:spLocks noRot="1" noChangeAspect="1" noMove="1" noResize="1" noEditPoints="1" noAdjustHandles="1" noChangeArrowheads="1" noChangeShapeType="1" noTextEdit="1"/>
+              </p:cNvSpPr>
+              <p:nvPr/>
+            </p:nvSpPr>
+            <p:spPr>
+              <a:xfrm>
+                <a:off x="467845" y="948157"/>
+                <a:ext cx="1806129" cy="307777"/>
+              </a:xfrm>
+              <a:prstGeom prst="rect">
+                <a:avLst/>
+              </a:prstGeom>
+              <a:blipFill>
+                <a:blip r:embed="rId8"/>
+                <a:stretch>
+                  <a:fillRect t="-4000" b="-20000"/>
+                </a:stretch>
+              </a:blipFill>
             </p:spPr>
             <p:txBody>
               <a:bodyPr/>
@@ -9191,6 +9297,112 @@
                   <a:srgbClr val="0070C0"/>
                 </a:solidFill>
               </a:ln>
+            </p:spPr>
+            <p:txBody>
+              <a:bodyPr/>
+              <a:lstStyle/>
+              <a:p>
+                <a:r>
+                  <a:rPr lang="en-US">
+                    <a:noFill/>
+                  </a:rPr>
+                  <a:t> </a:t>
+                </a:r>
+              </a:p>
+            </p:txBody>
+          </p:sp>
+        </mc:Fallback>
+      </mc:AlternateContent>
+      <mc:AlternateContent xmlns:mc="http://schemas.openxmlformats.org/markup-compatibility/2006">
+        <mc:Choice xmlns:a14="http://schemas.microsoft.com/office/drawing/2010/main" Requires="a14">
+          <p:sp>
+            <p:nvSpPr>
+              <p:cNvPr id="4" name="TextBox 3">
+                <a:extLst>
+                  <a:ext uri="{FF2B5EF4-FFF2-40B4-BE49-F238E27FC236}">
+                    <a16:creationId xmlns:a16="http://schemas.microsoft.com/office/drawing/2014/main" id="{28B38230-0364-140D-9E62-8C2CC028EC8A}"/>
+                  </a:ext>
+                </a:extLst>
+              </p:cNvPr>
+              <p:cNvSpPr txBox="1"/>
+              <p:nvPr/>
+            </p:nvSpPr>
+            <p:spPr>
+              <a:xfrm>
+                <a:off x="467845" y="948157"/>
+                <a:ext cx="1806129" cy="307777"/>
+              </a:xfrm>
+              <a:prstGeom prst="rect">
+                <a:avLst/>
+              </a:prstGeom>
+              <a:noFill/>
+            </p:spPr>
+            <p:txBody>
+              <a:bodyPr wrap="square" rtlCol="0">
+                <a:spAutoFit/>
+              </a:bodyPr>
+              <a:lstStyle/>
+              <a:p>
+                <a:pPr algn="ctr"/>
+                <a14:m>
+                  <m:oMath xmlns:m="http://schemas.openxmlformats.org/officeDocument/2006/math">
+                    <m:r>
+                      <a:rPr lang="en-US" sz="1400" b="0" i="1" dirty="0" smtClean="0">
+                        <a:ln>
+                          <a:solidFill>
+                            <a:srgbClr val="7030A0"/>
+                          </a:solidFill>
+                        </a:ln>
+                        <a:solidFill>
+                          <a:srgbClr val="7030A0"/>
+                        </a:solidFill>
+                        <a:latin typeface="Cambria Math" panose="02040503050406030204" pitchFamily="18" charset="0"/>
+                      </a:rPr>
+                      <m:t>𝑛</m:t>
+                    </m:r>
+                  </m:oMath>
+                </a14:m>
+                <a:r>
+                  <a:rPr lang="en-US" sz="1400" dirty="0">
+                    <a:solidFill>
+                      <a:srgbClr val="7030A0"/>
+                    </a:solidFill>
+                  </a:rPr>
+                  <a:t> is the row number</a:t>
+                </a:r>
+              </a:p>
+            </p:txBody>
+          </p:sp>
+        </mc:Choice>
+        <mc:Fallback>
+          <p:sp>
+            <p:nvSpPr>
+              <p:cNvPr id="4" name="TextBox 3">
+                <a:extLst>
+                  <a:ext uri="{FF2B5EF4-FFF2-40B4-BE49-F238E27FC236}">
+                    <a16:creationId xmlns:a16="http://schemas.microsoft.com/office/drawing/2014/main" id="{28B38230-0364-140D-9E62-8C2CC028EC8A}"/>
+                  </a:ext>
+                </a:extLst>
+              </p:cNvPr>
+              <p:cNvSpPr txBox="1">
+                <a:spLocks noRot="1" noChangeAspect="1" noMove="1" noResize="1" noEditPoints="1" noAdjustHandles="1" noChangeArrowheads="1" noChangeShapeType="1" noTextEdit="1"/>
+              </p:cNvSpPr>
+              <p:nvPr/>
+            </p:nvSpPr>
+            <p:spPr>
+              <a:xfrm>
+                <a:off x="467845" y="948157"/>
+                <a:ext cx="1806129" cy="307777"/>
+              </a:xfrm>
+              <a:prstGeom prst="rect">
+                <a:avLst/>
+              </a:prstGeom>
+              <a:blipFill>
+                <a:blip r:embed="rId7"/>
+                <a:stretch>
+                  <a:fillRect t="-4000" b="-20000"/>
+                </a:stretch>
+              </a:blipFill>
             </p:spPr>
             <p:txBody>
               <a:bodyPr/>
@@ -14267,6 +14479,668 @@
           </p:txBody>
         </p:sp>
       </p:grpSp>
+      <p:grpSp>
+        <p:nvGrpSpPr>
+          <p:cNvPr id="8" name="Group 7">
+            <a:extLst>
+              <a:ext uri="{FF2B5EF4-FFF2-40B4-BE49-F238E27FC236}">
+                <a16:creationId xmlns:a16="http://schemas.microsoft.com/office/drawing/2014/main" id="{582E723B-4268-50D9-1646-77616CAE61A3}"/>
+              </a:ext>
+            </a:extLst>
+          </p:cNvPr>
+          <p:cNvGrpSpPr/>
+          <p:nvPr/>
+        </p:nvGrpSpPr>
+        <p:grpSpPr>
+          <a:xfrm>
+            <a:off x="6410013" y="772055"/>
+            <a:ext cx="2331920" cy="751765"/>
+            <a:chOff x="6410013" y="772055"/>
+            <a:chExt cx="2331920" cy="751765"/>
+          </a:xfrm>
+        </p:grpSpPr>
+        <mc:AlternateContent xmlns:mc="http://schemas.openxmlformats.org/markup-compatibility/2006">
+          <mc:Choice xmlns:a14="http://schemas.microsoft.com/office/drawing/2010/main" Requires="a14">
+            <p:sp>
+              <p:nvSpPr>
+                <p:cNvPr id="3" name="TextBox 2">
+                  <a:extLst>
+                    <a:ext uri="{FF2B5EF4-FFF2-40B4-BE49-F238E27FC236}">
+                      <a16:creationId xmlns:a16="http://schemas.microsoft.com/office/drawing/2014/main" id="{C5C1320F-2727-5CC7-02BF-1FE4ED02922B}"/>
+                    </a:ext>
+                  </a:extLst>
+                </p:cNvPr>
+                <p:cNvSpPr txBox="1"/>
+                <p:nvPr/>
+              </p:nvSpPr>
+              <p:spPr>
+                <a:xfrm>
+                  <a:off x="6410013" y="772055"/>
+                  <a:ext cx="2331920" cy="461152"/>
+                </a:xfrm>
+                <a:prstGeom prst="rect">
+                  <a:avLst/>
+                </a:prstGeom>
+                <a:noFill/>
+                <a:ln w="28575">
+                  <a:solidFill>
+                    <a:srgbClr val="0070C0"/>
+                  </a:solidFill>
+                </a:ln>
+              </p:spPr>
+              <p:txBody>
+                <a:bodyPr wrap="none" lIns="0" tIns="0" rIns="0" bIns="0" rtlCol="0">
+                  <a:spAutoFit/>
+                </a:bodyPr>
+                <a:lstStyle/>
+                <a:p>
+                  <a:pPr/>
+                  <a14:m>
+                    <m:oMathPara xmlns:m="http://schemas.openxmlformats.org/officeDocument/2006/math">
+                      <m:oMathParaPr>
+                        <m:jc m:val="left"/>
+                      </m:oMathParaPr>
+                      <m:oMath xmlns:m="http://schemas.openxmlformats.org/officeDocument/2006/math">
+                        <m:r>
+                          <a:rPr lang="en-US" sz="1400" b="0" i="1" smtClean="0">
+                            <a:latin typeface="Cambria Math" panose="02040503050406030204" pitchFamily="18" charset="0"/>
+                          </a:rPr>
+                          <m:t> </m:t>
+                        </m:r>
+                        <m:sSub>
+                          <m:sSubPr>
+                            <m:ctrlPr>
+                              <a:rPr lang="en-US" sz="1400" i="1" smtClean="0">
+                                <a:latin typeface="Cambria Math" panose="02040503050406030204" pitchFamily="18" charset="0"/>
+                              </a:rPr>
+                            </m:ctrlPr>
+                          </m:sSubPr>
+                          <m:e>
+                            <m:r>
+                              <a:rPr lang="en-US" sz="1400" b="0" i="1" smtClean="0">
+                                <a:latin typeface="Cambria Math" panose="02040503050406030204" pitchFamily="18" charset="0"/>
+                              </a:rPr>
+                              <m:t>h</m:t>
+                            </m:r>
+                          </m:e>
+                          <m:sub>
+                            <m:r>
+                              <a:rPr lang="en-US" sz="1400" b="0" i="1" smtClean="0">
+                                <a:latin typeface="Cambria Math" panose="02040503050406030204" pitchFamily="18" charset="0"/>
+                              </a:rPr>
+                              <m:t>𝑛</m:t>
+                            </m:r>
+                          </m:sub>
+                        </m:sSub>
+                        <m:r>
+                          <a:rPr lang="en-US" sz="1400" b="0" i="1" smtClean="0">
+                            <a:latin typeface="Cambria Math" panose="02040503050406030204" pitchFamily="18" charset="0"/>
+                          </a:rPr>
+                          <m:t>=</m:t>
+                        </m:r>
+                        <m:sSub>
+                          <m:sSubPr>
+                            <m:ctrlPr>
+                              <a:rPr lang="en-US" sz="1400" b="0" i="1" smtClean="0">
+                                <a:latin typeface="Cambria Math" panose="02040503050406030204" pitchFamily="18" charset="0"/>
+                              </a:rPr>
+                            </m:ctrlPr>
+                          </m:sSubPr>
+                          <m:e>
+                            <m:r>
+                              <a:rPr lang="en-US" sz="1400" b="0" i="1" smtClean="0">
+                                <a:latin typeface="Cambria Math" panose="02040503050406030204" pitchFamily="18" charset="0"/>
+                              </a:rPr>
+                              <m:t>𝑎</m:t>
+                            </m:r>
+                          </m:e>
+                          <m:sub>
+                            <m:r>
+                              <a:rPr lang="en-US" sz="1400" b="0" i="1" smtClean="0">
+                                <a:latin typeface="Cambria Math" panose="02040503050406030204" pitchFamily="18" charset="0"/>
+                              </a:rPr>
+                              <m:t>𝑛</m:t>
+                            </m:r>
+                          </m:sub>
+                        </m:sSub>
+                        <m:sSub>
+                          <m:sSubPr>
+                            <m:ctrlPr>
+                              <a:rPr lang="en-US" sz="1400" b="0" i="1" smtClean="0">
+                                <a:latin typeface="Cambria Math" panose="02040503050406030204" pitchFamily="18" charset="0"/>
+                                <a:ea typeface="Cambria Math" panose="02040503050406030204" pitchFamily="18" charset="0"/>
+                              </a:rPr>
+                            </m:ctrlPr>
+                          </m:sSubPr>
+                          <m:e>
+                            <m:r>
+                              <a:rPr lang="en-US" sz="1400" b="0" i="1" smtClean="0">
+                                <a:latin typeface="Cambria Math" panose="02040503050406030204" pitchFamily="18" charset="0"/>
+                                <a:ea typeface="Cambria Math" panose="02040503050406030204" pitchFamily="18" charset="0"/>
+                              </a:rPr>
+                              <m:t>h</m:t>
+                            </m:r>
+                          </m:e>
+                          <m:sub>
+                            <m:d>
+                              <m:dPr>
+                                <m:ctrlPr>
+                                  <a:rPr lang="en-US" sz="1400" b="0" i="1" smtClean="0">
+                                    <a:latin typeface="Cambria Math" panose="02040503050406030204" pitchFamily="18" charset="0"/>
+                                    <a:ea typeface="Cambria Math" panose="02040503050406030204" pitchFamily="18" charset="0"/>
+                                  </a:rPr>
+                                </m:ctrlPr>
+                              </m:dPr>
+                              <m:e>
+                                <m:r>
+                                  <a:rPr lang="en-US" sz="1400" b="0" i="1" smtClean="0">
+                                    <a:latin typeface="Cambria Math" panose="02040503050406030204" pitchFamily="18" charset="0"/>
+                                    <a:ea typeface="Cambria Math" panose="02040503050406030204" pitchFamily="18" charset="0"/>
+                                  </a:rPr>
+                                  <m:t>𝑛</m:t>
+                                </m:r>
+                                <m:r>
+                                  <a:rPr lang="en-US" sz="1400" b="0" i="1" smtClean="0">
+                                    <a:latin typeface="Cambria Math" panose="02040503050406030204" pitchFamily="18" charset="0"/>
+                                    <a:ea typeface="Cambria Math" panose="02040503050406030204" pitchFamily="18" charset="0"/>
+                                  </a:rPr>
+                                  <m:t>−1</m:t>
+                                </m:r>
+                              </m:e>
+                            </m:d>
+                          </m:sub>
+                        </m:sSub>
+                        <m:r>
+                          <a:rPr lang="en-US" sz="1400" b="0" i="1" smtClean="0">
+                            <a:latin typeface="Cambria Math" panose="02040503050406030204" pitchFamily="18" charset="0"/>
+                            <a:ea typeface="Cambria Math" panose="02040503050406030204" pitchFamily="18" charset="0"/>
+                          </a:rPr>
+                          <m:t>+</m:t>
+                        </m:r>
+                        <m:sSub>
+                          <m:sSubPr>
+                            <m:ctrlPr>
+                              <a:rPr lang="en-US" sz="1400" b="0" i="1" smtClean="0">
+                                <a:latin typeface="Cambria Math" panose="02040503050406030204" pitchFamily="18" charset="0"/>
+                                <a:ea typeface="Cambria Math" panose="02040503050406030204" pitchFamily="18" charset="0"/>
+                              </a:rPr>
+                            </m:ctrlPr>
+                          </m:sSubPr>
+                          <m:e>
+                            <m:r>
+                              <a:rPr lang="en-US" sz="1400" b="0" i="1" smtClean="0">
+                                <a:latin typeface="Cambria Math" panose="02040503050406030204" pitchFamily="18" charset="0"/>
+                                <a:ea typeface="Cambria Math" panose="02040503050406030204" pitchFamily="18" charset="0"/>
+                              </a:rPr>
+                              <m:t>𝑏</m:t>
+                            </m:r>
+                          </m:e>
+                          <m:sub>
+                            <m:d>
+                              <m:dPr>
+                                <m:ctrlPr>
+                                  <a:rPr lang="en-US" sz="1400" b="0" i="1" smtClean="0">
+                                    <a:latin typeface="Cambria Math" panose="02040503050406030204" pitchFamily="18" charset="0"/>
+                                    <a:ea typeface="Cambria Math" panose="02040503050406030204" pitchFamily="18" charset="0"/>
+                                  </a:rPr>
+                                </m:ctrlPr>
+                              </m:dPr>
+                              <m:e>
+                                <m:r>
+                                  <a:rPr lang="en-US" sz="1400" b="0" i="1" smtClean="0">
+                                    <a:latin typeface="Cambria Math" panose="02040503050406030204" pitchFamily="18" charset="0"/>
+                                    <a:ea typeface="Cambria Math" panose="02040503050406030204" pitchFamily="18" charset="0"/>
+                                  </a:rPr>
+                                  <m:t>𝑛</m:t>
+                                </m:r>
+                                <m:r>
+                                  <a:rPr lang="en-US" sz="1400" b="0" i="1" smtClean="0">
+                                    <a:latin typeface="Cambria Math" panose="02040503050406030204" pitchFamily="18" charset="0"/>
+                                    <a:ea typeface="Cambria Math" panose="02040503050406030204" pitchFamily="18" charset="0"/>
+                                  </a:rPr>
+                                  <m:t>−1</m:t>
+                                </m:r>
+                              </m:e>
+                            </m:d>
+                          </m:sub>
+                        </m:sSub>
+                        <m:sSub>
+                          <m:sSubPr>
+                            <m:ctrlPr>
+                              <a:rPr lang="en-US" sz="1400" b="0" i="1" smtClean="0">
+                                <a:latin typeface="Cambria Math" panose="02040503050406030204" pitchFamily="18" charset="0"/>
+                                <a:ea typeface="Cambria Math" panose="02040503050406030204" pitchFamily="18" charset="0"/>
+                              </a:rPr>
+                            </m:ctrlPr>
+                          </m:sSubPr>
+                          <m:e>
+                            <m:r>
+                              <a:rPr lang="en-US" sz="1400" b="0" i="1" smtClean="0">
+                                <a:latin typeface="Cambria Math" panose="02040503050406030204" pitchFamily="18" charset="0"/>
+                                <a:ea typeface="Cambria Math" panose="02040503050406030204" pitchFamily="18" charset="0"/>
+                              </a:rPr>
+                              <m:t>h</m:t>
+                            </m:r>
+                          </m:e>
+                          <m:sub>
+                            <m:d>
+                              <m:dPr>
+                                <m:ctrlPr>
+                                  <a:rPr lang="en-US" sz="1400" b="0" i="1" smtClean="0">
+                                    <a:latin typeface="Cambria Math" panose="02040503050406030204" pitchFamily="18" charset="0"/>
+                                    <a:ea typeface="Cambria Math" panose="02040503050406030204" pitchFamily="18" charset="0"/>
+                                  </a:rPr>
+                                </m:ctrlPr>
+                              </m:dPr>
+                              <m:e>
+                                <m:r>
+                                  <a:rPr lang="en-US" sz="1400" b="0" i="1" smtClean="0">
+                                    <a:latin typeface="Cambria Math" panose="02040503050406030204" pitchFamily="18" charset="0"/>
+                                    <a:ea typeface="Cambria Math" panose="02040503050406030204" pitchFamily="18" charset="0"/>
+                                  </a:rPr>
+                                  <m:t>𝑛</m:t>
+                                </m:r>
+                                <m:r>
+                                  <a:rPr lang="en-US" sz="1400" b="0" i="1" smtClean="0">
+                                    <a:latin typeface="Cambria Math" panose="02040503050406030204" pitchFamily="18" charset="0"/>
+                                    <a:ea typeface="Cambria Math" panose="02040503050406030204" pitchFamily="18" charset="0"/>
+                                  </a:rPr>
+                                  <m:t>−2</m:t>
+                                </m:r>
+                              </m:e>
+                            </m:d>
+                          </m:sub>
+                        </m:sSub>
+                      </m:oMath>
+                    </m:oMathPara>
+                  </a14:m>
+                  <a:endParaRPr lang="en-US" sz="1400" b="0" dirty="0">
+                    <a:ea typeface="Cambria Math" panose="02040503050406030204" pitchFamily="18" charset="0"/>
+                  </a:endParaRPr>
+                </a:p>
+                <a:p>
+                  <a:pPr/>
+                  <a14:m>
+                    <m:oMathPara xmlns:m="http://schemas.openxmlformats.org/officeDocument/2006/math">
+                      <m:oMathParaPr>
+                        <m:jc m:val="left"/>
+                      </m:oMathParaPr>
+                      <m:oMath xmlns:m="http://schemas.openxmlformats.org/officeDocument/2006/math">
+                        <m:r>
+                          <a:rPr lang="en-US" sz="1400" b="0" i="1" smtClean="0">
+                            <a:latin typeface="Cambria Math" panose="02040503050406030204" pitchFamily="18" charset="0"/>
+                          </a:rPr>
+                          <m:t> </m:t>
+                        </m:r>
+                        <m:sSub>
+                          <m:sSubPr>
+                            <m:ctrlPr>
+                              <a:rPr lang="en-US" sz="1400" i="1">
+                                <a:latin typeface="Cambria Math" panose="02040503050406030204" pitchFamily="18" charset="0"/>
+                              </a:rPr>
+                            </m:ctrlPr>
+                          </m:sSubPr>
+                          <m:e>
+                            <m:r>
+                              <a:rPr lang="en-US" sz="1400" i="1">
+                                <a:latin typeface="Cambria Math" panose="02040503050406030204" pitchFamily="18" charset="0"/>
+                              </a:rPr>
+                              <m:t>𝑘</m:t>
+                            </m:r>
+                          </m:e>
+                          <m:sub>
+                            <m:r>
+                              <a:rPr lang="en-US" sz="1400" i="1">
+                                <a:latin typeface="Cambria Math" panose="02040503050406030204" pitchFamily="18" charset="0"/>
+                              </a:rPr>
+                              <m:t>𝑛</m:t>
+                            </m:r>
+                          </m:sub>
+                        </m:sSub>
+                        <m:r>
+                          <a:rPr lang="en-US" sz="1400" i="1">
+                            <a:latin typeface="Cambria Math" panose="02040503050406030204" pitchFamily="18" charset="0"/>
+                          </a:rPr>
+                          <m:t>=</m:t>
+                        </m:r>
+                        <m:sSub>
+                          <m:sSubPr>
+                            <m:ctrlPr>
+                              <a:rPr lang="en-US" sz="1400" i="1">
+                                <a:latin typeface="Cambria Math" panose="02040503050406030204" pitchFamily="18" charset="0"/>
+                              </a:rPr>
+                            </m:ctrlPr>
+                          </m:sSubPr>
+                          <m:e>
+                            <m:r>
+                              <a:rPr lang="en-US" sz="1400" i="1">
+                                <a:latin typeface="Cambria Math" panose="02040503050406030204" pitchFamily="18" charset="0"/>
+                              </a:rPr>
+                              <m:t>𝑎</m:t>
+                            </m:r>
+                          </m:e>
+                          <m:sub>
+                            <m:r>
+                              <a:rPr lang="en-US" sz="1400" i="1">
+                                <a:latin typeface="Cambria Math" panose="02040503050406030204" pitchFamily="18" charset="0"/>
+                              </a:rPr>
+                              <m:t>𝑛</m:t>
+                            </m:r>
+                          </m:sub>
+                        </m:sSub>
+                        <m:sSub>
+                          <m:sSubPr>
+                            <m:ctrlPr>
+                              <a:rPr lang="en-US" sz="1400" i="1">
+                                <a:latin typeface="Cambria Math" panose="02040503050406030204" pitchFamily="18" charset="0"/>
+                                <a:ea typeface="Cambria Math" panose="02040503050406030204" pitchFamily="18" charset="0"/>
+                              </a:rPr>
+                            </m:ctrlPr>
+                          </m:sSubPr>
+                          <m:e>
+                            <m:r>
+                              <a:rPr lang="en-US" sz="1400" i="1">
+                                <a:latin typeface="Cambria Math" panose="02040503050406030204" pitchFamily="18" charset="0"/>
+                                <a:ea typeface="Cambria Math" panose="02040503050406030204" pitchFamily="18" charset="0"/>
+                              </a:rPr>
+                              <m:t>𝑘</m:t>
+                            </m:r>
+                          </m:e>
+                          <m:sub>
+                            <m:d>
+                              <m:dPr>
+                                <m:ctrlPr>
+                                  <a:rPr lang="en-US" sz="1400" i="1">
+                                    <a:latin typeface="Cambria Math" panose="02040503050406030204" pitchFamily="18" charset="0"/>
+                                    <a:ea typeface="Cambria Math" panose="02040503050406030204" pitchFamily="18" charset="0"/>
+                                  </a:rPr>
+                                </m:ctrlPr>
+                              </m:dPr>
+                              <m:e>
+                                <m:r>
+                                  <a:rPr lang="en-US" sz="1400" i="1">
+                                    <a:latin typeface="Cambria Math" panose="02040503050406030204" pitchFamily="18" charset="0"/>
+                                    <a:ea typeface="Cambria Math" panose="02040503050406030204" pitchFamily="18" charset="0"/>
+                                  </a:rPr>
+                                  <m:t>𝑛</m:t>
+                                </m:r>
+                                <m:r>
+                                  <a:rPr lang="en-US" sz="1400" i="1">
+                                    <a:latin typeface="Cambria Math" panose="02040503050406030204" pitchFamily="18" charset="0"/>
+                                    <a:ea typeface="Cambria Math" panose="02040503050406030204" pitchFamily="18" charset="0"/>
+                                  </a:rPr>
+                                  <m:t>−1</m:t>
+                                </m:r>
+                              </m:e>
+                            </m:d>
+                          </m:sub>
+                        </m:sSub>
+                        <m:r>
+                          <a:rPr lang="en-US" sz="1400" i="1">
+                            <a:latin typeface="Cambria Math" panose="02040503050406030204" pitchFamily="18" charset="0"/>
+                            <a:ea typeface="Cambria Math" panose="02040503050406030204" pitchFamily="18" charset="0"/>
+                          </a:rPr>
+                          <m:t>+</m:t>
+                        </m:r>
+                        <m:sSub>
+                          <m:sSubPr>
+                            <m:ctrlPr>
+                              <a:rPr lang="en-US" sz="1400" i="1">
+                                <a:latin typeface="Cambria Math" panose="02040503050406030204" pitchFamily="18" charset="0"/>
+                                <a:ea typeface="Cambria Math" panose="02040503050406030204" pitchFamily="18" charset="0"/>
+                              </a:rPr>
+                            </m:ctrlPr>
+                          </m:sSubPr>
+                          <m:e>
+                            <m:r>
+                              <a:rPr lang="en-US" sz="1400" i="1">
+                                <a:latin typeface="Cambria Math" panose="02040503050406030204" pitchFamily="18" charset="0"/>
+                                <a:ea typeface="Cambria Math" panose="02040503050406030204" pitchFamily="18" charset="0"/>
+                              </a:rPr>
+                              <m:t>𝑏</m:t>
+                            </m:r>
+                          </m:e>
+                          <m:sub>
+                            <m:d>
+                              <m:dPr>
+                                <m:ctrlPr>
+                                  <a:rPr lang="en-US" sz="1400" i="1">
+                                    <a:latin typeface="Cambria Math" panose="02040503050406030204" pitchFamily="18" charset="0"/>
+                                    <a:ea typeface="Cambria Math" panose="02040503050406030204" pitchFamily="18" charset="0"/>
+                                  </a:rPr>
+                                </m:ctrlPr>
+                              </m:dPr>
+                              <m:e>
+                                <m:r>
+                                  <a:rPr lang="en-US" sz="1400" i="1">
+                                    <a:latin typeface="Cambria Math" panose="02040503050406030204" pitchFamily="18" charset="0"/>
+                                    <a:ea typeface="Cambria Math" panose="02040503050406030204" pitchFamily="18" charset="0"/>
+                                  </a:rPr>
+                                  <m:t>𝑛</m:t>
+                                </m:r>
+                                <m:r>
+                                  <a:rPr lang="en-US" sz="1400" i="1">
+                                    <a:latin typeface="Cambria Math" panose="02040503050406030204" pitchFamily="18" charset="0"/>
+                                    <a:ea typeface="Cambria Math" panose="02040503050406030204" pitchFamily="18" charset="0"/>
+                                  </a:rPr>
+                                  <m:t>−1</m:t>
+                                </m:r>
+                              </m:e>
+                            </m:d>
+                          </m:sub>
+                        </m:sSub>
+                        <m:sSub>
+                          <m:sSubPr>
+                            <m:ctrlPr>
+                              <a:rPr lang="en-US" sz="1400" i="1">
+                                <a:latin typeface="Cambria Math" panose="02040503050406030204" pitchFamily="18" charset="0"/>
+                                <a:ea typeface="Cambria Math" panose="02040503050406030204" pitchFamily="18" charset="0"/>
+                              </a:rPr>
+                            </m:ctrlPr>
+                          </m:sSubPr>
+                          <m:e>
+                            <m:r>
+                              <a:rPr lang="en-US" sz="1400" i="1">
+                                <a:latin typeface="Cambria Math" panose="02040503050406030204" pitchFamily="18" charset="0"/>
+                                <a:ea typeface="Cambria Math" panose="02040503050406030204" pitchFamily="18" charset="0"/>
+                              </a:rPr>
+                              <m:t>𝑘</m:t>
+                            </m:r>
+                          </m:e>
+                          <m:sub>
+                            <m:d>
+                              <m:dPr>
+                                <m:ctrlPr>
+                                  <a:rPr lang="en-US" sz="1400" i="1">
+                                    <a:latin typeface="Cambria Math" panose="02040503050406030204" pitchFamily="18" charset="0"/>
+                                    <a:ea typeface="Cambria Math" panose="02040503050406030204" pitchFamily="18" charset="0"/>
+                                  </a:rPr>
+                                </m:ctrlPr>
+                              </m:dPr>
+                              <m:e>
+                                <m:r>
+                                  <a:rPr lang="en-US" sz="1400" i="1">
+                                    <a:latin typeface="Cambria Math" panose="02040503050406030204" pitchFamily="18" charset="0"/>
+                                    <a:ea typeface="Cambria Math" panose="02040503050406030204" pitchFamily="18" charset="0"/>
+                                  </a:rPr>
+                                  <m:t>𝑛</m:t>
+                                </m:r>
+                                <m:r>
+                                  <a:rPr lang="en-US" sz="1400" i="1">
+                                    <a:latin typeface="Cambria Math" panose="02040503050406030204" pitchFamily="18" charset="0"/>
+                                    <a:ea typeface="Cambria Math" panose="02040503050406030204" pitchFamily="18" charset="0"/>
+                                  </a:rPr>
+                                  <m:t>−2</m:t>
+                                </m:r>
+                              </m:e>
+                            </m:d>
+                          </m:sub>
+                        </m:sSub>
+                      </m:oMath>
+                    </m:oMathPara>
+                  </a14:m>
+                  <a:endParaRPr lang="en-US" sz="1400" dirty="0"/>
+                </a:p>
+              </p:txBody>
+            </p:sp>
+          </mc:Choice>
+          <mc:Fallback>
+            <p:sp>
+              <p:nvSpPr>
+                <p:cNvPr id="3" name="TextBox 2">
+                  <a:extLst>
+                    <a:ext uri="{FF2B5EF4-FFF2-40B4-BE49-F238E27FC236}">
+                      <a16:creationId xmlns:a16="http://schemas.microsoft.com/office/drawing/2014/main" id="{C5C1320F-2727-5CC7-02BF-1FE4ED02922B}"/>
+                    </a:ext>
+                  </a:extLst>
+                </p:cNvPr>
+                <p:cNvSpPr txBox="1">
+                  <a:spLocks noRot="1" noChangeAspect="1" noMove="1" noResize="1" noEditPoints="1" noAdjustHandles="1" noChangeArrowheads="1" noChangeShapeType="1" noTextEdit="1"/>
+                </p:cNvSpPr>
+                <p:nvPr/>
+              </p:nvSpPr>
+              <p:spPr>
+                <a:xfrm>
+                  <a:off x="6410013" y="772055"/>
+                  <a:ext cx="2331920" cy="461152"/>
+                </a:xfrm>
+                <a:prstGeom prst="rect">
+                  <a:avLst/>
+                </a:prstGeom>
+                <a:blipFill>
+                  <a:blip r:embed="rId6"/>
+                  <a:stretch>
+                    <a:fillRect l="-517"/>
+                  </a:stretch>
+                </a:blipFill>
+                <a:ln w="28575">
+                  <a:solidFill>
+                    <a:srgbClr val="0070C0"/>
+                  </a:solidFill>
+                </a:ln>
+              </p:spPr>
+              <p:txBody>
+                <a:bodyPr/>
+                <a:lstStyle/>
+                <a:p>
+                  <a:r>
+                    <a:rPr lang="en-US">
+                      <a:noFill/>
+                    </a:rPr>
+                    <a:t> </a:t>
+                  </a:r>
+                </a:p>
+              </p:txBody>
+            </p:sp>
+          </mc:Fallback>
+        </mc:AlternateContent>
+        <mc:AlternateContent xmlns:mc="http://schemas.openxmlformats.org/markup-compatibility/2006">
+          <mc:Choice xmlns:a14="http://schemas.microsoft.com/office/drawing/2010/main" Requires="a14">
+            <p:sp>
+              <p:nvSpPr>
+                <p:cNvPr id="7" name="TextBox 6">
+                  <a:extLst>
+                    <a:ext uri="{FF2B5EF4-FFF2-40B4-BE49-F238E27FC236}">
+                      <a16:creationId xmlns:a16="http://schemas.microsoft.com/office/drawing/2014/main" id="{FF39123F-1DC9-630C-CFE0-3ED32E1622D6}"/>
+                    </a:ext>
+                  </a:extLst>
+                </p:cNvPr>
+                <p:cNvSpPr txBox="1"/>
+                <p:nvPr/>
+              </p:nvSpPr>
+              <p:spPr>
+                <a:xfrm>
+                  <a:off x="6672908" y="1216043"/>
+                  <a:ext cx="1806129" cy="307777"/>
+                </a:xfrm>
+                <a:prstGeom prst="rect">
+                  <a:avLst/>
+                </a:prstGeom>
+                <a:noFill/>
+              </p:spPr>
+              <p:txBody>
+                <a:bodyPr wrap="square" rtlCol="0">
+                  <a:spAutoFit/>
+                </a:bodyPr>
+                <a:lstStyle/>
+                <a:p>
+                  <a:pPr algn="ctr"/>
+                  <a14:m>
+                    <m:oMath xmlns:m="http://schemas.openxmlformats.org/officeDocument/2006/math">
+                      <m:r>
+                        <a:rPr lang="en-US" sz="1400" b="0" i="1" dirty="0" smtClean="0">
+                          <a:ln>
+                            <a:solidFill>
+                              <a:srgbClr val="7030A0"/>
+                            </a:solidFill>
+                          </a:ln>
+                          <a:solidFill>
+                            <a:srgbClr val="7030A0"/>
+                          </a:solidFill>
+                          <a:latin typeface="Cambria Math" panose="02040503050406030204" pitchFamily="18" charset="0"/>
+                        </a:rPr>
+                        <m:t>𝑛</m:t>
+                      </m:r>
+                    </m:oMath>
+                  </a14:m>
+                  <a:r>
+                    <a:rPr lang="en-US" sz="1400" dirty="0">
+                      <a:solidFill>
+                        <a:srgbClr val="7030A0"/>
+                      </a:solidFill>
+                    </a:rPr>
+                    <a:t> is the row number</a:t>
+                  </a:r>
+                </a:p>
+              </p:txBody>
+            </p:sp>
+          </mc:Choice>
+          <mc:Fallback>
+            <p:sp>
+              <p:nvSpPr>
+                <p:cNvPr id="7" name="TextBox 6">
+                  <a:extLst>
+                    <a:ext uri="{FF2B5EF4-FFF2-40B4-BE49-F238E27FC236}">
+                      <a16:creationId xmlns:a16="http://schemas.microsoft.com/office/drawing/2014/main" id="{FF39123F-1DC9-630C-CFE0-3ED32E1622D6}"/>
+                    </a:ext>
+                  </a:extLst>
+                </p:cNvPr>
+                <p:cNvSpPr txBox="1">
+                  <a:spLocks noRot="1" noChangeAspect="1" noMove="1" noResize="1" noEditPoints="1" noAdjustHandles="1" noChangeArrowheads="1" noChangeShapeType="1" noTextEdit="1"/>
+                </p:cNvSpPr>
+                <p:nvPr/>
+              </p:nvSpPr>
+              <p:spPr>
+                <a:xfrm>
+                  <a:off x="6672908" y="1216043"/>
+                  <a:ext cx="1806129" cy="307777"/>
+                </a:xfrm>
+                <a:prstGeom prst="rect">
+                  <a:avLst/>
+                </a:prstGeom>
+                <a:blipFill>
+                  <a:blip r:embed="rId7"/>
+                  <a:stretch>
+                    <a:fillRect t="-1961" b="-19608"/>
+                  </a:stretch>
+                </a:blipFill>
+              </p:spPr>
+              <p:txBody>
+                <a:bodyPr/>
+                <a:lstStyle/>
+                <a:p>
+                  <a:r>
+                    <a:rPr lang="en-US">
+                      <a:noFill/>
+                    </a:rPr>
+                    <a:t> </a:t>
+                  </a:r>
+                </a:p>
+              </p:txBody>
+            </p:sp>
+          </mc:Fallback>
+        </mc:AlternateContent>
+      </p:grpSp>
     </p:spTree>
     <p:extLst>
       <p:ext uri="{BB962C8B-B14F-4D97-AF65-F5344CB8AC3E}">
@@ -14452,6 +15326,50 @@
                                           </p:stCondLst>
                                         </p:cTn>
                                         <p:tgtEl>
+                                          <p:spTgt spid="8"/>
+                                        </p:tgtEl>
+                                        <p:attrNameLst>
+                                          <p:attrName>style.visibility</p:attrName>
+                                        </p:attrNameLst>
+                                      </p:cBhvr>
+                                      <p:to>
+                                        <p:strVal val="visible"/>
+                                      </p:to>
+                                    </p:set>
+                                    <p:animEffect transition="in" filter="wipe(up)">
+                                      <p:cBhvr>
+                                        <p:cTn id="20" dur="500"/>
+                                        <p:tgtEl>
+                                          <p:spTgt spid="8"/>
+                                        </p:tgtEl>
+                                      </p:cBhvr>
+                                    </p:animEffect>
+                                  </p:childTnLst>
+                                </p:cTn>
+                              </p:par>
+                            </p:childTnLst>
+                          </p:cTn>
+                        </p:par>
+                        <p:par>
+                          <p:cTn id="21" fill="hold">
+                            <p:stCondLst>
+                              <p:cond delay="1000"/>
+                            </p:stCondLst>
+                            <p:childTnLst>
+                              <p:par>
+                                <p:cTn id="22" presetID="22" presetClass="entr" presetSubtype="1" fill="hold" nodeType="afterEffect">
+                                  <p:stCondLst>
+                                    <p:cond delay="0"/>
+                                  </p:stCondLst>
+                                  <p:childTnLst>
+                                    <p:set>
+                                      <p:cBhvr>
+                                        <p:cTn id="23" dur="1" fill="hold">
+                                          <p:stCondLst>
+                                            <p:cond delay="0"/>
+                                          </p:stCondLst>
+                                        </p:cTn>
+                                        <p:tgtEl>
                                           <p:spTgt spid="12"/>
                                         </p:tgtEl>
                                         <p:attrNameLst>
@@ -14464,7 +15382,7 @@
                                     </p:set>
                                     <p:animEffect transition="in" filter="wipe(up)">
                                       <p:cBhvr>
-                                        <p:cTn id="20" dur="500"/>
+                                        <p:cTn id="24" dur="500"/>
                                         <p:tgtEl>
                                           <p:spTgt spid="12"/>
                                         </p:tgtEl>
@@ -14480,26 +15398,26 @@
                     </p:cTn>
                   </p:par>
                   <p:par>
-                    <p:cTn id="21" fill="hold">
+                    <p:cTn id="25" fill="hold">
                       <p:stCondLst>
                         <p:cond delay="indefinite"/>
                       </p:stCondLst>
                       <p:childTnLst>
                         <p:par>
-                          <p:cTn id="22" fill="hold">
+                          <p:cTn id="26" fill="hold">
                             <p:stCondLst>
                               <p:cond delay="0"/>
                             </p:stCondLst>
                             <p:childTnLst>
                               <p:par>
-                                <p:cTn id="23" presetID="22" presetClass="entr" presetSubtype="2" fill="hold" nodeType="clickEffect">
+                                <p:cTn id="27" presetID="22" presetClass="entr" presetSubtype="2" fill="hold" nodeType="clickEffect">
                                   <p:stCondLst>
                                     <p:cond delay="0"/>
                                   </p:stCondLst>
                                   <p:childTnLst>
                                     <p:set>
                                       <p:cBhvr>
-                                        <p:cTn id="24" dur="1" fill="hold">
+                                        <p:cTn id="28" dur="1" fill="hold">
                                           <p:stCondLst>
                                             <p:cond delay="0"/>
                                           </p:stCondLst>
@@ -14517,7 +15435,7 @@
                                     </p:set>
                                     <p:animEffect transition="in" filter="wipe(right)">
                                       <p:cBhvr>
-                                        <p:cTn id="25" dur="500"/>
+                                        <p:cTn id="29" dur="500"/>
                                         <p:tgtEl>
                                           <p:spTgt spid="14"/>
                                         </p:tgtEl>
@@ -14533,26 +15451,26 @@
                     </p:cTn>
                   </p:par>
                   <p:par>
-                    <p:cTn id="26" fill="hold">
+                    <p:cTn id="30" fill="hold">
                       <p:stCondLst>
                         <p:cond delay="indefinite"/>
                       </p:stCondLst>
                       <p:childTnLst>
                         <p:par>
-                          <p:cTn id="27" fill="hold">
+                          <p:cTn id="31" fill="hold">
                             <p:stCondLst>
                               <p:cond delay="0"/>
                             </p:stCondLst>
                             <p:childTnLst>
                               <p:par>
-                                <p:cTn id="28" presetID="22" presetClass="entr" presetSubtype="2" fill="hold" nodeType="clickEffect">
+                                <p:cTn id="32" presetID="22" presetClass="entr" presetSubtype="2" fill="hold" nodeType="clickEffect">
                                   <p:stCondLst>
                                     <p:cond delay="0"/>
                                   </p:stCondLst>
                                   <p:childTnLst>
                                     <p:set>
                                       <p:cBhvr>
-                                        <p:cTn id="29" dur="1" fill="hold">
+                                        <p:cTn id="33" dur="1" fill="hold">
                                           <p:stCondLst>
                                             <p:cond delay="0"/>
                                           </p:stCondLst>
@@ -14570,7 +15488,7 @@
                                     </p:set>
                                     <p:animEffect transition="in" filter="wipe(right)">
                                       <p:cBhvr>
-                                        <p:cTn id="30" dur="500"/>
+                                        <p:cTn id="34" dur="500"/>
                                         <p:tgtEl>
                                           <p:spTgt spid="17"/>
                                         </p:tgtEl>
@@ -43863,6 +44781,112 @@
           </p:sp>
         </mc:Fallback>
       </mc:AlternateContent>
+      <mc:AlternateContent xmlns:mc="http://schemas.openxmlformats.org/markup-compatibility/2006">
+        <mc:Choice xmlns:a14="http://schemas.microsoft.com/office/drawing/2010/main" Requires="a14">
+          <p:sp>
+            <p:nvSpPr>
+              <p:cNvPr id="2" name="TextBox 1">
+                <a:extLst>
+                  <a:ext uri="{FF2B5EF4-FFF2-40B4-BE49-F238E27FC236}">
+                    <a16:creationId xmlns:a16="http://schemas.microsoft.com/office/drawing/2014/main" id="{78F22AD9-BA00-A101-FF83-68B408BCBED9}"/>
+                  </a:ext>
+                </a:extLst>
+              </p:cNvPr>
+              <p:cNvSpPr txBox="1"/>
+              <p:nvPr/>
+            </p:nvSpPr>
+            <p:spPr>
+              <a:xfrm>
+                <a:off x="467845" y="948157"/>
+                <a:ext cx="1806129" cy="307777"/>
+              </a:xfrm>
+              <a:prstGeom prst="rect">
+                <a:avLst/>
+              </a:prstGeom>
+              <a:noFill/>
+            </p:spPr>
+            <p:txBody>
+              <a:bodyPr wrap="square" rtlCol="0">
+                <a:spAutoFit/>
+              </a:bodyPr>
+              <a:lstStyle/>
+              <a:p>
+                <a:pPr algn="ctr"/>
+                <a14:m>
+                  <m:oMath xmlns:m="http://schemas.openxmlformats.org/officeDocument/2006/math">
+                    <m:r>
+                      <a:rPr lang="en-US" sz="1400" b="0" i="1" dirty="0" smtClean="0">
+                        <a:ln>
+                          <a:solidFill>
+                            <a:srgbClr val="7030A0"/>
+                          </a:solidFill>
+                        </a:ln>
+                        <a:solidFill>
+                          <a:srgbClr val="7030A0"/>
+                        </a:solidFill>
+                        <a:latin typeface="Cambria Math" panose="02040503050406030204" pitchFamily="18" charset="0"/>
+                      </a:rPr>
+                      <m:t>𝑛</m:t>
+                    </m:r>
+                  </m:oMath>
+                </a14:m>
+                <a:r>
+                  <a:rPr lang="en-US" sz="1400" dirty="0">
+                    <a:solidFill>
+                      <a:srgbClr val="7030A0"/>
+                    </a:solidFill>
+                  </a:rPr>
+                  <a:t> is the row number</a:t>
+                </a:r>
+              </a:p>
+            </p:txBody>
+          </p:sp>
+        </mc:Choice>
+        <mc:Fallback>
+          <p:sp>
+            <p:nvSpPr>
+              <p:cNvPr id="2" name="TextBox 1">
+                <a:extLst>
+                  <a:ext uri="{FF2B5EF4-FFF2-40B4-BE49-F238E27FC236}">
+                    <a16:creationId xmlns:a16="http://schemas.microsoft.com/office/drawing/2014/main" id="{78F22AD9-BA00-A101-FF83-68B408BCBED9}"/>
+                  </a:ext>
+                </a:extLst>
+              </p:cNvPr>
+              <p:cNvSpPr txBox="1">
+                <a:spLocks noRot="1" noChangeAspect="1" noMove="1" noResize="1" noEditPoints="1" noAdjustHandles="1" noChangeArrowheads="1" noChangeShapeType="1" noTextEdit="1"/>
+              </p:cNvSpPr>
+              <p:nvPr/>
+            </p:nvSpPr>
+            <p:spPr>
+              <a:xfrm>
+                <a:off x="467845" y="948157"/>
+                <a:ext cx="1806129" cy="307777"/>
+              </a:xfrm>
+              <a:prstGeom prst="rect">
+                <a:avLst/>
+              </a:prstGeom>
+              <a:blipFill>
+                <a:blip r:embed="rId6"/>
+                <a:stretch>
+                  <a:fillRect t="-4000" b="-20000"/>
+                </a:stretch>
+              </a:blipFill>
+            </p:spPr>
+            <p:txBody>
+              <a:bodyPr/>
+              <a:lstStyle/>
+              <a:p>
+                <a:r>
+                  <a:rPr lang="en-US">
+                    <a:noFill/>
+                  </a:rPr>
+                  <a:t> </a:t>
+                </a:r>
+              </a:p>
+            </p:txBody>
+          </p:sp>
+        </mc:Fallback>
+      </mc:AlternateContent>
     </p:spTree>
     <p:extLst>
       <p:ext uri="{BB962C8B-B14F-4D97-AF65-F5344CB8AC3E}">
